--- a/Python Fundamentals/Collections and Classes.pptx
+++ b/Python Fundamentals/Collections and Classes.pptx
@@ -5,7 +5,7 @@
     <p:sldMasterId id="2147483710" r:id="rId1"/>
   </p:sldMasterIdLst>
   <p:notesMasterIdLst>
-    <p:notesMasterId r:id="rId43"/>
+    <p:notesMasterId r:id="rId49"/>
   </p:notesMasterIdLst>
   <p:sldIdLst>
     <p:sldId id="748" r:id="rId2"/>
@@ -34,21 +34,27 @@
     <p:sldId id="767" r:id="rId25"/>
     <p:sldId id="768" r:id="rId26"/>
     <p:sldId id="769" r:id="rId27"/>
-    <p:sldId id="770" r:id="rId28"/>
-    <p:sldId id="771" r:id="rId29"/>
+    <p:sldId id="782" r:id="rId28"/>
+    <p:sldId id="770" r:id="rId29"/>
     <p:sldId id="772" r:id="rId30"/>
-    <p:sldId id="773" r:id="rId31"/>
-    <p:sldId id="775" r:id="rId32"/>
-    <p:sldId id="785" r:id="rId33"/>
-    <p:sldId id="786" r:id="rId34"/>
-    <p:sldId id="777" r:id="rId35"/>
-    <p:sldId id="776" r:id="rId36"/>
-    <p:sldId id="778" r:id="rId37"/>
-    <p:sldId id="779" r:id="rId38"/>
-    <p:sldId id="780" r:id="rId39"/>
-    <p:sldId id="781" r:id="rId40"/>
-    <p:sldId id="689" r:id="rId41"/>
-    <p:sldId id="782" r:id="rId42"/>
+    <p:sldId id="771" r:id="rId31"/>
+    <p:sldId id="773" r:id="rId32"/>
+    <p:sldId id="775" r:id="rId33"/>
+    <p:sldId id="785" r:id="rId34"/>
+    <p:sldId id="786" r:id="rId35"/>
+    <p:sldId id="777" r:id="rId36"/>
+    <p:sldId id="776" r:id="rId37"/>
+    <p:sldId id="778" r:id="rId38"/>
+    <p:sldId id="779" r:id="rId39"/>
+    <p:sldId id="780" r:id="rId40"/>
+    <p:sldId id="781" r:id="rId41"/>
+    <p:sldId id="788" r:id="rId42"/>
+    <p:sldId id="789" r:id="rId43"/>
+    <p:sldId id="790" r:id="rId44"/>
+    <p:sldId id="791" r:id="rId45"/>
+    <p:sldId id="792" r:id="rId46"/>
+    <p:sldId id="793" r:id="rId47"/>
+    <p:sldId id="794" r:id="rId48"/>
   </p:sldIdLst>
   <p:sldSz cx="12192000" cy="6858000"/>
   <p:notesSz cx="6858000" cy="9144000"/>
@@ -8426,6 +8432,14 @@
 <file path=ppt/slides/slide26.xml><?xml version="1.0" encoding="utf-8"?>
 <p:sld xmlns:a="http://schemas.openxmlformats.org/drawingml/2006/main" xmlns:r="http://schemas.openxmlformats.org/officeDocument/2006/relationships" xmlns:p="http://schemas.openxmlformats.org/presentationml/2006/main">
   <p:cSld>
+    <p:bg>
+      <p:bgPr>
+        <a:solidFill>
+          <a:schemeClr val="bg1"/>
+        </a:solidFill>
+        <a:effectLst/>
+      </p:bgPr>
+    </p:bg>
     <p:spTree>
       <p:nvGrpSpPr>
         <p:cNvPr id="1" name="">
@@ -8446,6 +8460,137 @@
           <a:chExt cx="0" cy="0"/>
         </a:xfrm>
       </p:grpSpPr>
+      <p:sp useBgFill="1">
+        <p:nvSpPr>
+          <p:cNvPr id="2082" name="Rectangle 2081">
+            <a:extLst>
+              <a:ext uri="{FF2B5EF4-FFF2-40B4-BE49-F238E27FC236}">
+                <a16:creationId xmlns:a16="http://schemas.microsoft.com/office/drawing/2014/main" id="{63E16759-70F7-432C-843C-00D62701C2B6}"/>
+              </a:ext>
+              <a:ext uri="{C183D7F6-B498-43B3-948B-1728B52AA6E4}">
+                <adec:decorative xmlns:adec="http://schemas.microsoft.com/office/drawing/2017/decorative" val="1"/>
+              </a:ext>
+            </a:extLst>
+          </p:cNvPr>
+          <p:cNvSpPr>
+            <a:spLocks noGrp="1" noRot="1" noChangeAspect="1" noMove="1" noResize="1" noEditPoints="1" noAdjustHandles="1" noChangeArrowheads="1" noChangeShapeType="1" noTextEdit="1"/>
+          </p:cNvSpPr>
+          <p:nvPr>
+            <p:extLst>
+              <p:ext uri="{386F3935-93C4-4BCD-93E2-E3B085C9AB24}">
+                <p16:designElem xmlns:p16="http://schemas.microsoft.com/office/powerpoint/2015/main" val="1"/>
+              </p:ext>
+            </p:extLst>
+          </p:nvPr>
+        </p:nvSpPr>
+        <p:spPr>
+          <a:xfrm>
+            <a:off x="0" y="0"/>
+            <a:ext cx="12192000" cy="6858000"/>
+          </a:xfrm>
+          <a:prstGeom prst="rect">
+            <a:avLst/>
+          </a:prstGeom>
+          <a:ln>
+            <a:noFill/>
+          </a:ln>
+        </p:spPr>
+        <p:style>
+          <a:lnRef idx="2">
+            <a:schemeClr val="accent1">
+              <a:shade val="50000"/>
+            </a:schemeClr>
+          </a:lnRef>
+          <a:fillRef idx="1">
+            <a:schemeClr val="accent1"/>
+          </a:fillRef>
+          <a:effectRef idx="0">
+            <a:schemeClr val="accent1"/>
+          </a:effectRef>
+          <a:fontRef idx="minor">
+            <a:schemeClr val="lt1"/>
+          </a:fontRef>
+        </p:style>
+        <p:txBody>
+          <a:bodyPr rtlCol="0" anchor="ctr"/>
+          <a:lstStyle/>
+          <a:p>
+            <a:pPr algn="ctr"/>
+            <a:endParaRPr lang="en-US"/>
+          </a:p>
+        </p:txBody>
+      </p:sp>
+      <p:sp>
+        <p:nvSpPr>
+          <p:cNvPr id="2084" name="Rectangle 2083">
+            <a:extLst>
+              <a:ext uri="{FF2B5EF4-FFF2-40B4-BE49-F238E27FC236}">
+                <a16:creationId xmlns:a16="http://schemas.microsoft.com/office/drawing/2014/main" id="{A9972C9A-6E73-4A29-94EE-E605F545C079}"/>
+              </a:ext>
+              <a:ext uri="{C183D7F6-B498-43B3-948B-1728B52AA6E4}">
+                <adec:decorative xmlns:adec="http://schemas.microsoft.com/office/drawing/2017/decorative" val="1"/>
+              </a:ext>
+            </a:extLst>
+          </p:cNvPr>
+          <p:cNvSpPr>
+            <a:spLocks noGrp="1" noRot="1" noChangeAspect="1" noMove="1" noResize="1" noEditPoints="1" noAdjustHandles="1" noChangeArrowheads="1" noChangeShapeType="1" noTextEdit="1"/>
+          </p:cNvSpPr>
+          <p:nvPr>
+            <p:extLst>
+              <p:ext uri="{386F3935-93C4-4BCD-93E2-E3B085C9AB24}">
+                <p16:designElem xmlns:p16="http://schemas.microsoft.com/office/powerpoint/2015/main" val="1"/>
+              </p:ext>
+            </p:extLst>
+          </p:nvPr>
+        </p:nvSpPr>
+        <p:spPr>
+          <a:xfrm>
+            <a:off x="0" y="0"/>
+            <a:ext cx="12192000" cy="6858000"/>
+          </a:xfrm>
+          <a:prstGeom prst="rect">
+            <a:avLst/>
+          </a:prstGeom>
+          <a:solidFill>
+            <a:schemeClr val="bg2">
+              <a:lumMod val="90000"/>
+              <a:alpha val="30000"/>
+            </a:schemeClr>
+          </a:solidFill>
+          <a:ln>
+            <a:noFill/>
+          </a:ln>
+        </p:spPr>
+        <p:style>
+          <a:lnRef idx="2">
+            <a:schemeClr val="accent1">
+              <a:shade val="50000"/>
+            </a:schemeClr>
+          </a:lnRef>
+          <a:fillRef idx="1">
+            <a:schemeClr val="accent1"/>
+          </a:fillRef>
+          <a:effectRef idx="0">
+            <a:schemeClr val="accent1"/>
+          </a:effectRef>
+          <a:fontRef idx="minor">
+            <a:schemeClr val="lt1"/>
+          </a:fontRef>
+        </p:style>
+        <p:txBody>
+          <a:bodyPr rtlCol="0" anchor="ctr"/>
+          <a:lstStyle/>
+          <a:p>
+            <a:pPr algn="ctr"/>
+            <a:endParaRPr lang="en-US" sz="900">
+              <a:solidFill>
+                <a:schemeClr val="bg1"/>
+              </a:solidFill>
+              <a:latin typeface="+mj-lt"/>
+            </a:endParaRPr>
+          </a:p>
+        </p:txBody>
+      </p:sp>
       <p:sp>
         <p:nvSpPr>
           <p:cNvPr id="3" name="Content Placeholder 2">
@@ -8464,12 +8609,12 @@
         </p:nvSpPr>
         <p:spPr>
           <a:xfrm>
-            <a:off x="766445" y="1066800"/>
-            <a:ext cx="10659110" cy="4016830"/>
+            <a:off x="795765" y="1116363"/>
+            <a:ext cx="6281604" cy="3784314"/>
           </a:xfrm>
         </p:spPr>
         <p:txBody>
-          <a:bodyPr>
+          <a:bodyPr anchor="t">
             <a:normAutofit/>
           </a:bodyPr>
           <a:lstStyle/>
@@ -8555,6 +8700,896 @@
           </a:p>
         </p:txBody>
       </p:sp>
+      <p:grpSp>
+        <p:nvGrpSpPr>
+          <p:cNvPr id="2086" name="decorative circles">
+            <a:extLst>
+              <a:ext uri="{FF2B5EF4-FFF2-40B4-BE49-F238E27FC236}">
+                <a16:creationId xmlns:a16="http://schemas.microsoft.com/office/drawing/2014/main" id="{975FC7C5-AA1D-4394-B581-2DAD5DBC75EC}"/>
+              </a:ext>
+              <a:ext uri="{C183D7F6-B498-43B3-948B-1728B52AA6E4}">
+                <adec:decorative xmlns:adec="http://schemas.microsoft.com/office/drawing/2017/decorative" val="1"/>
+              </a:ext>
+            </a:extLst>
+          </p:cNvPr>
+          <p:cNvGrpSpPr>
+            <a:grpSpLocks noGrp="1" noUngrp="1" noRot="1" noChangeAspect="1" noMove="1" noResize="1"/>
+          </p:cNvGrpSpPr>
+          <p:nvPr>
+            <p:extLst>
+              <p:ext uri="{386F3935-93C4-4BCD-93E2-E3B085C9AB24}">
+                <p16:designElem xmlns:p16="http://schemas.microsoft.com/office/powerpoint/2015/main" val="1"/>
+              </p:ext>
+            </p:extLst>
+          </p:nvPr>
+        </p:nvGrpSpPr>
+        <p:grpSpPr>
+          <a:xfrm>
+            <a:off x="7212029" y="491188"/>
+            <a:ext cx="4676619" cy="5685774"/>
+            <a:chOff x="7212029" y="491188"/>
+            <a:chExt cx="4676619" cy="5685774"/>
+          </a:xfrm>
+        </p:grpSpPr>
+        <p:sp>
+          <p:nvSpPr>
+            <p:cNvPr id="2087" name="Oval 2086">
+              <a:extLst>
+                <a:ext uri="{FF2B5EF4-FFF2-40B4-BE49-F238E27FC236}">
+                  <a16:creationId xmlns:a16="http://schemas.microsoft.com/office/drawing/2014/main" id="{F01F1920-EB1B-40CE-AA88-CF9B6D80F105}"/>
+                </a:ext>
+                <a:ext uri="{C183D7F6-B498-43B3-948B-1728B52AA6E4}">
+                  <adec:decorative xmlns:adec="http://schemas.microsoft.com/office/drawing/2017/decorative" val="1"/>
+                </a:ext>
+              </a:extLst>
+            </p:cNvPr>
+            <p:cNvSpPr/>
+            <p:nvPr>
+              <p:extLst>
+                <p:ext uri="{386F3935-93C4-4BCD-93E2-E3B085C9AB24}">
+                  <p16:designElem xmlns:p16="http://schemas.microsoft.com/office/powerpoint/2015/main" val="1"/>
+                </p:ext>
+              </p:extLst>
+            </p:nvPr>
+          </p:nvSpPr>
+          <p:spPr>
+            <a:xfrm>
+              <a:off x="9334466" y="5741887"/>
+              <a:ext cx="226735" cy="226735"/>
+            </a:xfrm>
+            <a:prstGeom prst="ellipse">
+              <a:avLst/>
+            </a:prstGeom>
+            <a:solidFill>
+              <a:srgbClr val="97446E"/>
+            </a:solidFill>
+            <a:ln>
+              <a:noFill/>
+            </a:ln>
+          </p:spPr>
+          <p:style>
+            <a:lnRef idx="2">
+              <a:schemeClr val="accent1">
+                <a:shade val="50000"/>
+              </a:schemeClr>
+            </a:lnRef>
+            <a:fillRef idx="1">
+              <a:schemeClr val="accent1"/>
+            </a:fillRef>
+            <a:effectRef idx="0">
+              <a:schemeClr val="accent1"/>
+            </a:effectRef>
+            <a:fontRef idx="minor">
+              <a:schemeClr val="lt1"/>
+            </a:fontRef>
+          </p:style>
+          <p:txBody>
+            <a:bodyPr rtlCol="0" anchor="ctr"/>
+            <a:lstStyle/>
+            <a:p>
+              <a:pPr algn="ctr"/>
+              <a:endParaRPr lang="en-US"/>
+            </a:p>
+          </p:txBody>
+        </p:sp>
+        <p:sp>
+          <p:nvSpPr>
+            <p:cNvPr id="2088" name="Oval 2087">
+              <a:extLst>
+                <a:ext uri="{FF2B5EF4-FFF2-40B4-BE49-F238E27FC236}">
+                  <a16:creationId xmlns:a16="http://schemas.microsoft.com/office/drawing/2014/main" id="{5CC5DEEF-C9F5-498E-B743-499093F8D79B}"/>
+                </a:ext>
+                <a:ext uri="{C183D7F6-B498-43B3-948B-1728B52AA6E4}">
+                  <adec:decorative xmlns:adec="http://schemas.microsoft.com/office/drawing/2017/decorative" val="1"/>
+                </a:ext>
+              </a:extLst>
+            </p:cNvPr>
+            <p:cNvSpPr/>
+            <p:nvPr>
+              <p:extLst>
+                <p:ext uri="{386F3935-93C4-4BCD-93E2-E3B085C9AB24}">
+                  <p16:designElem xmlns:p16="http://schemas.microsoft.com/office/powerpoint/2015/main" val="1"/>
+                </p:ext>
+              </p:extLst>
+            </p:nvPr>
+          </p:nvSpPr>
+          <p:spPr>
+            <a:xfrm>
+              <a:off x="7212029" y="491188"/>
+              <a:ext cx="466441" cy="466441"/>
+            </a:xfrm>
+            <a:prstGeom prst="ellipse">
+              <a:avLst/>
+            </a:prstGeom>
+            <a:solidFill>
+              <a:schemeClr val="accent2">
+                <a:lumMod val="60000"/>
+                <a:lumOff val="40000"/>
+                <a:alpha val="72000"/>
+              </a:schemeClr>
+            </a:solidFill>
+            <a:ln>
+              <a:noFill/>
+            </a:ln>
+          </p:spPr>
+          <p:style>
+            <a:lnRef idx="2">
+              <a:schemeClr val="accent1">
+                <a:shade val="50000"/>
+              </a:schemeClr>
+            </a:lnRef>
+            <a:fillRef idx="1">
+              <a:schemeClr val="accent1"/>
+            </a:fillRef>
+            <a:effectRef idx="0">
+              <a:schemeClr val="accent1"/>
+            </a:effectRef>
+            <a:fontRef idx="minor">
+              <a:schemeClr val="lt1"/>
+            </a:fontRef>
+          </p:style>
+          <p:txBody>
+            <a:bodyPr rtlCol="0" anchor="ctr"/>
+            <a:lstStyle/>
+            <a:p>
+              <a:pPr algn="ctr"/>
+              <a:endParaRPr lang="en-US"/>
+            </a:p>
+          </p:txBody>
+        </p:sp>
+        <p:sp>
+          <p:nvSpPr>
+            <p:cNvPr id="2089" name="Oval 2088">
+              <a:extLst>
+                <a:ext uri="{FF2B5EF4-FFF2-40B4-BE49-F238E27FC236}">
+                  <a16:creationId xmlns:a16="http://schemas.microsoft.com/office/drawing/2014/main" id="{DDEE33B6-EF42-4BCB-836D-645076905CB7}"/>
+                </a:ext>
+                <a:ext uri="{C183D7F6-B498-43B3-948B-1728B52AA6E4}">
+                  <adec:decorative xmlns:adec="http://schemas.microsoft.com/office/drawing/2017/decorative" val="1"/>
+                </a:ext>
+              </a:extLst>
+            </p:cNvPr>
+            <p:cNvSpPr/>
+            <p:nvPr>
+              <p:extLst>
+                <p:ext uri="{386F3935-93C4-4BCD-93E2-E3B085C9AB24}">
+                  <p16:designElem xmlns:p16="http://schemas.microsoft.com/office/powerpoint/2015/main" val="1"/>
+                </p:ext>
+              </p:extLst>
+            </p:nvPr>
+          </p:nvSpPr>
+          <p:spPr>
+            <a:xfrm>
+              <a:off x="11775281" y="3294630"/>
+              <a:ext cx="113367" cy="113367"/>
+            </a:xfrm>
+            <a:prstGeom prst="ellipse">
+              <a:avLst/>
+            </a:prstGeom>
+            <a:solidFill>
+              <a:srgbClr val="F39E29"/>
+            </a:solidFill>
+            <a:ln>
+              <a:noFill/>
+            </a:ln>
+          </p:spPr>
+          <p:style>
+            <a:lnRef idx="2">
+              <a:schemeClr val="accent1">
+                <a:shade val="50000"/>
+              </a:schemeClr>
+            </a:lnRef>
+            <a:fillRef idx="1">
+              <a:schemeClr val="accent1"/>
+            </a:fillRef>
+            <a:effectRef idx="0">
+              <a:schemeClr val="accent1"/>
+            </a:effectRef>
+            <a:fontRef idx="minor">
+              <a:schemeClr val="lt1"/>
+            </a:fontRef>
+          </p:style>
+          <p:txBody>
+            <a:bodyPr rtlCol="0" anchor="ctr"/>
+            <a:lstStyle/>
+            <a:p>
+              <a:pPr algn="ctr"/>
+              <a:endParaRPr lang="en-US"/>
+            </a:p>
+          </p:txBody>
+        </p:sp>
+        <p:sp>
+          <p:nvSpPr>
+            <p:cNvPr id="2090" name="Oval 2089">
+              <a:extLst>
+                <a:ext uri="{FF2B5EF4-FFF2-40B4-BE49-F238E27FC236}">
+                  <a16:creationId xmlns:a16="http://schemas.microsoft.com/office/drawing/2014/main" id="{5F5052DB-4DF3-423D-A6C5-C066D2CD4384}"/>
+                </a:ext>
+                <a:ext uri="{C183D7F6-B498-43B3-948B-1728B52AA6E4}">
+                  <adec:decorative xmlns:adec="http://schemas.microsoft.com/office/drawing/2017/decorative" val="1"/>
+                </a:ext>
+              </a:extLst>
+            </p:cNvPr>
+            <p:cNvSpPr/>
+            <p:nvPr>
+              <p:extLst>
+                <p:ext uri="{386F3935-93C4-4BCD-93E2-E3B085C9AB24}">
+                  <p16:designElem xmlns:p16="http://schemas.microsoft.com/office/powerpoint/2015/main" val="1"/>
+                </p:ext>
+              </p:extLst>
+            </p:nvPr>
+          </p:nvSpPr>
+          <p:spPr>
+            <a:xfrm>
+              <a:off x="7760448" y="3803994"/>
+              <a:ext cx="94160" cy="94160"/>
+            </a:xfrm>
+            <a:prstGeom prst="ellipse">
+              <a:avLst/>
+            </a:prstGeom>
+            <a:solidFill>
+              <a:srgbClr val="E3BEBE">
+                <a:alpha val="28000"/>
+              </a:srgbClr>
+            </a:solidFill>
+            <a:ln>
+              <a:noFill/>
+            </a:ln>
+          </p:spPr>
+          <p:style>
+            <a:lnRef idx="2">
+              <a:schemeClr val="accent1">
+                <a:shade val="50000"/>
+              </a:schemeClr>
+            </a:lnRef>
+            <a:fillRef idx="1">
+              <a:schemeClr val="accent1"/>
+            </a:fillRef>
+            <a:effectRef idx="0">
+              <a:schemeClr val="accent1"/>
+            </a:effectRef>
+            <a:fontRef idx="minor">
+              <a:schemeClr val="lt1"/>
+            </a:fontRef>
+          </p:style>
+          <p:txBody>
+            <a:bodyPr rtlCol="0" anchor="ctr"/>
+            <a:lstStyle/>
+            <a:p>
+              <a:pPr algn="ctr"/>
+              <a:endParaRPr lang="en-US"/>
+            </a:p>
+          </p:txBody>
+        </p:sp>
+        <p:sp>
+          <p:nvSpPr>
+            <p:cNvPr id="2091" name="Oval 2090">
+              <a:extLst>
+                <a:ext uri="{FF2B5EF4-FFF2-40B4-BE49-F238E27FC236}">
+                  <a16:creationId xmlns:a16="http://schemas.microsoft.com/office/drawing/2014/main" id="{ADD390E6-FA21-4799-8E58-2C3A35184E60}"/>
+                </a:ext>
+                <a:ext uri="{C183D7F6-B498-43B3-948B-1728B52AA6E4}">
+                  <adec:decorative xmlns:adec="http://schemas.microsoft.com/office/drawing/2017/decorative" val="1"/>
+                </a:ext>
+              </a:extLst>
+            </p:cNvPr>
+            <p:cNvSpPr/>
+            <p:nvPr>
+              <p:extLst>
+                <p:ext uri="{386F3935-93C4-4BCD-93E2-E3B085C9AB24}">
+                  <p16:designElem xmlns:p16="http://schemas.microsoft.com/office/powerpoint/2015/main" val="1"/>
+                </p:ext>
+              </p:extLst>
+            </p:nvPr>
+          </p:nvSpPr>
+          <p:spPr>
+            <a:xfrm>
+              <a:off x="10948320" y="3687896"/>
+              <a:ext cx="466441" cy="466441"/>
+            </a:xfrm>
+            <a:prstGeom prst="ellipse">
+              <a:avLst/>
+            </a:prstGeom>
+            <a:solidFill>
+              <a:schemeClr val="accent1"/>
+            </a:solidFill>
+            <a:ln>
+              <a:noFill/>
+            </a:ln>
+          </p:spPr>
+          <p:style>
+            <a:lnRef idx="2">
+              <a:schemeClr val="accent1">
+                <a:shade val="50000"/>
+              </a:schemeClr>
+            </a:lnRef>
+            <a:fillRef idx="1">
+              <a:schemeClr val="accent1"/>
+            </a:fillRef>
+            <a:effectRef idx="0">
+              <a:schemeClr val="accent1"/>
+            </a:effectRef>
+            <a:fontRef idx="minor">
+              <a:schemeClr val="lt1"/>
+            </a:fontRef>
+          </p:style>
+          <p:txBody>
+            <a:bodyPr rtlCol="0" anchor="ctr"/>
+            <a:lstStyle/>
+            <a:p>
+              <a:pPr algn="ctr"/>
+              <a:endParaRPr lang="en-US"/>
+            </a:p>
+          </p:txBody>
+        </p:sp>
+        <p:sp>
+          <p:nvSpPr>
+            <p:cNvPr id="2092" name="Oval 2091">
+              <a:extLst>
+                <a:ext uri="{FF2B5EF4-FFF2-40B4-BE49-F238E27FC236}">
+                  <a16:creationId xmlns:a16="http://schemas.microsoft.com/office/drawing/2014/main" id="{F4B9A6FA-CFC0-40A0-8FDA-625EE0B9F14E}"/>
+                </a:ext>
+                <a:ext uri="{C183D7F6-B498-43B3-948B-1728B52AA6E4}">
+                  <adec:decorative xmlns:adec="http://schemas.microsoft.com/office/drawing/2017/decorative" val="1"/>
+                </a:ext>
+              </a:extLst>
+            </p:cNvPr>
+            <p:cNvSpPr/>
+            <p:nvPr>
+              <p:extLst>
+                <p:ext uri="{386F3935-93C4-4BCD-93E2-E3B085C9AB24}">
+                  <p16:designElem xmlns:p16="http://schemas.microsoft.com/office/powerpoint/2015/main" val="1"/>
+                </p:ext>
+              </p:extLst>
+            </p:nvPr>
+          </p:nvSpPr>
+          <p:spPr>
+            <a:xfrm>
+              <a:off x="7854608" y="1175527"/>
+              <a:ext cx="113367" cy="113367"/>
+            </a:xfrm>
+            <a:prstGeom prst="ellipse">
+              <a:avLst/>
+            </a:prstGeom>
+            <a:solidFill>
+              <a:schemeClr val="accent3"/>
+            </a:solidFill>
+            <a:ln>
+              <a:noFill/>
+            </a:ln>
+          </p:spPr>
+          <p:style>
+            <a:lnRef idx="2">
+              <a:schemeClr val="accent1">
+                <a:shade val="50000"/>
+              </a:schemeClr>
+            </a:lnRef>
+            <a:fillRef idx="1">
+              <a:schemeClr val="accent1"/>
+            </a:fillRef>
+            <a:effectRef idx="0">
+              <a:schemeClr val="accent1"/>
+            </a:effectRef>
+            <a:fontRef idx="minor">
+              <a:schemeClr val="lt1"/>
+            </a:fontRef>
+          </p:style>
+          <p:txBody>
+            <a:bodyPr rtlCol="0" anchor="ctr"/>
+            <a:lstStyle/>
+            <a:p>
+              <a:pPr algn="ctr"/>
+              <a:endParaRPr lang="en-US"/>
+            </a:p>
+          </p:txBody>
+        </p:sp>
+        <p:sp>
+          <p:nvSpPr>
+            <p:cNvPr id="2080" name="Oval 2079">
+              <a:extLst>
+                <a:ext uri="{FF2B5EF4-FFF2-40B4-BE49-F238E27FC236}">
+                  <a16:creationId xmlns:a16="http://schemas.microsoft.com/office/drawing/2014/main" id="{ACD7E62A-A66A-40FE-BB39-C0CA8E9D6486}"/>
+                </a:ext>
+                <a:ext uri="{C183D7F6-B498-43B3-948B-1728B52AA6E4}">
+                  <adec:decorative xmlns:adec="http://schemas.microsoft.com/office/drawing/2017/decorative" val="1"/>
+                </a:ext>
+              </a:extLst>
+            </p:cNvPr>
+            <p:cNvSpPr/>
+            <p:nvPr>
+              <p:extLst>
+                <p:ext uri="{386F3935-93C4-4BCD-93E2-E3B085C9AB24}">
+                  <p16:designElem xmlns:p16="http://schemas.microsoft.com/office/powerpoint/2015/main" val="1"/>
+                </p:ext>
+              </p:extLst>
+            </p:nvPr>
+          </p:nvSpPr>
+          <p:spPr>
+            <a:xfrm>
+              <a:off x="8699267" y="5871182"/>
+              <a:ext cx="305780" cy="305780"/>
+            </a:xfrm>
+            <a:prstGeom prst="ellipse">
+              <a:avLst/>
+            </a:prstGeom>
+            <a:solidFill>
+              <a:schemeClr val="accent3"/>
+            </a:solidFill>
+            <a:ln>
+              <a:noFill/>
+            </a:ln>
+          </p:spPr>
+          <p:style>
+            <a:lnRef idx="2">
+              <a:schemeClr val="accent1">
+                <a:shade val="50000"/>
+              </a:schemeClr>
+            </a:lnRef>
+            <a:fillRef idx="1">
+              <a:schemeClr val="accent1"/>
+            </a:fillRef>
+            <a:effectRef idx="0">
+              <a:schemeClr val="accent1"/>
+            </a:effectRef>
+            <a:fontRef idx="minor">
+              <a:schemeClr val="lt1"/>
+            </a:fontRef>
+          </p:style>
+          <p:txBody>
+            <a:bodyPr rtlCol="0" anchor="ctr"/>
+            <a:lstStyle/>
+            <a:p>
+              <a:pPr algn="ctr"/>
+              <a:endParaRPr lang="en-US"/>
+            </a:p>
+          </p:txBody>
+        </p:sp>
+        <p:sp>
+          <p:nvSpPr>
+            <p:cNvPr id="2081" name="Oval 2080">
+              <a:extLst>
+                <a:ext uri="{FF2B5EF4-FFF2-40B4-BE49-F238E27FC236}">
+                  <a16:creationId xmlns:a16="http://schemas.microsoft.com/office/drawing/2014/main" id="{157BCAEB-F98E-4F80-99A1-EDD6B0B65F3D}"/>
+                </a:ext>
+                <a:ext uri="{C183D7F6-B498-43B3-948B-1728B52AA6E4}">
+                  <adec:decorative xmlns:adec="http://schemas.microsoft.com/office/drawing/2017/decorative" val="1"/>
+                </a:ext>
+              </a:extLst>
+            </p:cNvPr>
+            <p:cNvSpPr/>
+            <p:nvPr>
+              <p:extLst>
+                <p:ext uri="{386F3935-93C4-4BCD-93E2-E3B085C9AB24}">
+                  <p16:designElem xmlns:p16="http://schemas.microsoft.com/office/powerpoint/2015/main" val="1"/>
+                </p:ext>
+              </p:extLst>
+            </p:nvPr>
+          </p:nvSpPr>
+          <p:spPr>
+            <a:xfrm>
+              <a:off x="8047221" y="777373"/>
+              <a:ext cx="113367" cy="113367"/>
+            </a:xfrm>
+            <a:prstGeom prst="ellipse">
+              <a:avLst/>
+            </a:prstGeom>
+            <a:solidFill>
+              <a:schemeClr val="accent5"/>
+            </a:solidFill>
+            <a:ln>
+              <a:noFill/>
+            </a:ln>
+          </p:spPr>
+          <p:style>
+            <a:lnRef idx="2">
+              <a:schemeClr val="accent1">
+                <a:shade val="50000"/>
+              </a:schemeClr>
+            </a:lnRef>
+            <a:fillRef idx="1">
+              <a:schemeClr val="accent1"/>
+            </a:fillRef>
+            <a:effectRef idx="0">
+              <a:schemeClr val="accent1"/>
+            </a:effectRef>
+            <a:fontRef idx="minor">
+              <a:schemeClr val="lt1"/>
+            </a:fontRef>
+          </p:style>
+          <p:txBody>
+            <a:bodyPr rtlCol="0" anchor="ctr"/>
+            <a:lstStyle/>
+            <a:p>
+              <a:pPr algn="ctr"/>
+              <a:endParaRPr lang="en-US"/>
+            </a:p>
+          </p:txBody>
+        </p:sp>
+      </p:grpSp>
+      <p:sp>
+        <p:nvSpPr>
+          <p:cNvPr id="2083" name="Oval 2">
+            <a:extLst>
+              <a:ext uri="{FF2B5EF4-FFF2-40B4-BE49-F238E27FC236}">
+                <a16:creationId xmlns:a16="http://schemas.microsoft.com/office/drawing/2014/main" id="{C152BA3C-AE80-44DA-8779-C33D1EF0BB7B}"/>
+              </a:ext>
+              <a:ext uri="{C183D7F6-B498-43B3-948B-1728B52AA6E4}">
+                <adec:decorative xmlns:adec="http://schemas.microsoft.com/office/drawing/2017/decorative" val="1"/>
+              </a:ext>
+            </a:extLst>
+          </p:cNvPr>
+          <p:cNvSpPr>
+            <a:spLocks noGrp="1" noRot="1" noChangeAspect="1" noMove="1" noResize="1" noEditPoints="1" noAdjustHandles="1" noChangeArrowheads="1" noChangeShapeType="1" noTextEdit="1"/>
+          </p:cNvSpPr>
+          <p:nvPr>
+            <p:extLst>
+              <p:ext uri="{386F3935-93C4-4BCD-93E2-E3B085C9AB24}">
+                <p16:designElem xmlns:p16="http://schemas.microsoft.com/office/powerpoint/2015/main" val="1"/>
+              </p:ext>
+            </p:extLst>
+          </p:nvPr>
+        </p:nvSpPr>
+        <p:spPr>
+          <a:xfrm>
+            <a:off x="10097575" y="4900677"/>
+            <a:ext cx="2091377" cy="1963452"/>
+          </a:xfrm>
+          <a:custGeom>
+            <a:avLst/>
+            <a:gdLst>
+              <a:gd name="connsiteX0" fmla="*/ 1203819 w 2091377"/>
+              <a:gd name="connsiteY0" fmla="*/ 0 h 1963452"/>
+              <a:gd name="connsiteX1" fmla="*/ 2055048 w 2091377"/>
+              <a:gd name="connsiteY1" fmla="*/ 352591 h 1963452"/>
+              <a:gd name="connsiteX2" fmla="*/ 2091377 w 2091377"/>
+              <a:gd name="connsiteY2" fmla="*/ 392563 h 1963452"/>
+              <a:gd name="connsiteX3" fmla="*/ 2091377 w 2091377"/>
+              <a:gd name="connsiteY3" fmla="*/ 1963452 h 1963452"/>
+              <a:gd name="connsiteX4" fmla="*/ 270326 w 2091377"/>
+              <a:gd name="connsiteY4" fmla="*/ 1963452 h 1963452"/>
+              <a:gd name="connsiteX5" fmla="*/ 205593 w 2091377"/>
+              <a:gd name="connsiteY5" fmla="*/ 1876886 h 1963452"/>
+              <a:gd name="connsiteX6" fmla="*/ 0 w 2091377"/>
+              <a:gd name="connsiteY6" fmla="*/ 1203819 h 1963452"/>
+              <a:gd name="connsiteX7" fmla="*/ 1203819 w 2091377"/>
+              <a:gd name="connsiteY7" fmla="*/ 0 h 1963452"/>
+            </a:gdLst>
+            <a:ahLst/>
+            <a:cxnLst>
+              <a:cxn ang="0">
+                <a:pos x="connsiteX0" y="connsiteY0"/>
+              </a:cxn>
+              <a:cxn ang="0">
+                <a:pos x="connsiteX1" y="connsiteY1"/>
+              </a:cxn>
+              <a:cxn ang="0">
+                <a:pos x="connsiteX2" y="connsiteY2"/>
+              </a:cxn>
+              <a:cxn ang="0">
+                <a:pos x="connsiteX3" y="connsiteY3"/>
+              </a:cxn>
+              <a:cxn ang="0">
+                <a:pos x="connsiteX4" y="connsiteY4"/>
+              </a:cxn>
+              <a:cxn ang="0">
+                <a:pos x="connsiteX5" y="connsiteY5"/>
+              </a:cxn>
+              <a:cxn ang="0">
+                <a:pos x="connsiteX6" y="connsiteY6"/>
+              </a:cxn>
+              <a:cxn ang="0">
+                <a:pos x="connsiteX7" y="connsiteY7"/>
+              </a:cxn>
+            </a:cxnLst>
+            <a:rect l="l" t="t" r="r" b="b"/>
+            <a:pathLst>
+              <a:path w="2091377" h="1963452">
+                <a:moveTo>
+                  <a:pt x="1203819" y="0"/>
+                </a:moveTo>
+                <a:cubicBezTo>
+                  <a:pt x="1536245" y="0"/>
+                  <a:pt x="1837199" y="134742"/>
+                  <a:pt x="2055048" y="352591"/>
+                </a:cubicBezTo>
+                <a:lnTo>
+                  <a:pt x="2091377" y="392563"/>
+                </a:lnTo>
+                <a:lnTo>
+                  <a:pt x="2091377" y="1963452"/>
+                </a:lnTo>
+                <a:lnTo>
+                  <a:pt x="270326" y="1963452"/>
+                </a:lnTo>
+                <a:lnTo>
+                  <a:pt x="205593" y="1876886"/>
+                </a:lnTo>
+                <a:cubicBezTo>
+                  <a:pt x="75792" y="1684755"/>
+                  <a:pt x="0" y="1453138"/>
+                  <a:pt x="0" y="1203819"/>
+                </a:cubicBezTo>
+                <a:cubicBezTo>
+                  <a:pt x="0" y="538968"/>
+                  <a:pt x="538968" y="0"/>
+                  <a:pt x="1203819" y="0"/>
+                </a:cubicBezTo>
+                <a:close/>
+              </a:path>
+            </a:pathLst>
+          </a:custGeom>
+          <a:solidFill>
+            <a:schemeClr val="accent2">
+              <a:lumMod val="40000"/>
+              <a:lumOff val="60000"/>
+            </a:schemeClr>
+          </a:solidFill>
+          <a:ln>
+            <a:noFill/>
+          </a:ln>
+        </p:spPr>
+        <p:style>
+          <a:lnRef idx="2">
+            <a:schemeClr val="accent1">
+              <a:shade val="50000"/>
+            </a:schemeClr>
+          </a:lnRef>
+          <a:fillRef idx="1">
+            <a:schemeClr val="accent1"/>
+          </a:fillRef>
+          <a:effectRef idx="0">
+            <a:schemeClr val="accent1"/>
+          </a:effectRef>
+          <a:fontRef idx="minor">
+            <a:schemeClr val="lt1"/>
+          </a:fontRef>
+        </p:style>
+        <p:txBody>
+          <a:bodyPr rtlCol="0" anchor="ctr"/>
+          <a:lstStyle/>
+          <a:p>
+            <a:pPr algn="ctr"/>
+            <a:endParaRPr lang="en-US"/>
+          </a:p>
+        </p:txBody>
+      </p:sp>
+      <p:pic>
+        <p:nvPicPr>
+          <p:cNvPr id="2050" name="Picture 2" descr="You Do Not Have To Reinvent The Wheel Stock Illustration - Download Image  Now - Wheel, Invention, Change">
+            <a:extLst>
+              <a:ext uri="{FF2B5EF4-FFF2-40B4-BE49-F238E27FC236}">
+                <a16:creationId xmlns:a16="http://schemas.microsoft.com/office/drawing/2014/main" id="{7AFCA547-044B-6661-C234-D0384703C61E}"/>
+              </a:ext>
+            </a:extLst>
+          </p:cNvPr>
+          <p:cNvPicPr>
+            <a:picLocks noChangeAspect="1" noChangeArrowheads="1"/>
+          </p:cNvPicPr>
+          <p:nvPr/>
+        </p:nvPicPr>
+        <p:blipFill>
+          <a:blip r:embed="rId2">
+            <a:extLst>
+              <a:ext uri="{28A0092B-C50C-407E-A947-70E740481C1C}">
+                <a14:useLocalDpi xmlns:a14="http://schemas.microsoft.com/office/drawing/2010/main" val="0"/>
+              </a:ext>
+            </a:extLst>
+          </a:blip>
+          <a:srcRect r="-5" b="-5"/>
+          <a:stretch>
+            <a:fillRect/>
+          </a:stretch>
+        </p:blipFill>
+        <p:spPr bwMode="auto">
+          <a:xfrm>
+            <a:off x="6941766" y="1866682"/>
+            <a:ext cx="3603769" cy="3603769"/>
+          </a:xfrm>
+          <a:custGeom>
+            <a:avLst/>
+            <a:gdLst/>
+            <a:ahLst/>
+            <a:cxnLst/>
+            <a:rect l="l" t="t" r="r" b="b"/>
+            <a:pathLst>
+              <a:path w="3111160" h="3111160">
+                <a:moveTo>
+                  <a:pt x="1555580" y="0"/>
+                </a:moveTo>
+                <a:cubicBezTo>
+                  <a:pt x="2414703" y="0"/>
+                  <a:pt x="3111160" y="696457"/>
+                  <a:pt x="3111160" y="1555580"/>
+                </a:cubicBezTo>
+                <a:cubicBezTo>
+                  <a:pt x="3111160" y="2414703"/>
+                  <a:pt x="2414703" y="3111160"/>
+                  <a:pt x="1555580" y="3111160"/>
+                </a:cubicBezTo>
+                <a:cubicBezTo>
+                  <a:pt x="696457" y="3111160"/>
+                  <a:pt x="0" y="2414703"/>
+                  <a:pt x="0" y="1555580"/>
+                </a:cubicBezTo>
+                <a:cubicBezTo>
+                  <a:pt x="0" y="696457"/>
+                  <a:pt x="696457" y="0"/>
+                  <a:pt x="1555580" y="0"/>
+                </a:cubicBezTo>
+                <a:close/>
+              </a:path>
+            </a:pathLst>
+          </a:custGeom>
+          <a:noFill/>
+          <a:extLst>
+            <a:ext uri="{909E8E84-426E-40DD-AFC4-6F175D3DCCD1}">
+              <a14:hiddenFill xmlns:a14="http://schemas.microsoft.com/office/drawing/2010/main">
+                <a:solidFill>
+                  <a:srgbClr val="FFFFFF"/>
+                </a:solidFill>
+              </a14:hiddenFill>
+            </a:ext>
+          </a:extLst>
+        </p:spPr>
+      </p:pic>
+      <p:pic>
+        <p:nvPicPr>
+          <p:cNvPr id="2052" name="Picture 4" descr="Reuse Icon #82521 - Free Icons Library">
+            <a:extLst>
+              <a:ext uri="{FF2B5EF4-FFF2-40B4-BE49-F238E27FC236}">
+                <a16:creationId xmlns:a16="http://schemas.microsoft.com/office/drawing/2014/main" id="{413F8B94-B194-96B4-EFC2-8392B406291F}"/>
+              </a:ext>
+            </a:extLst>
+          </p:cNvPr>
+          <p:cNvPicPr>
+            <a:picLocks noChangeAspect="1" noChangeArrowheads="1"/>
+          </p:cNvPicPr>
+          <p:nvPr/>
+        </p:nvPicPr>
+        <p:blipFill>
+          <a:blip r:embed="rId3">
+            <a:extLst>
+              <a:ext uri="{28A0092B-C50C-407E-A947-70E740481C1C}">
+                <a14:useLocalDpi xmlns:a14="http://schemas.microsoft.com/office/drawing/2010/main" val="0"/>
+              </a:ext>
+            </a:extLst>
+          </a:blip>
+          <a:srcRect l="4946" r="1437" b="-3"/>
+          <a:stretch>
+            <a:fillRect/>
+          </a:stretch>
+        </p:blipFill>
+        <p:spPr bwMode="auto">
+          <a:xfrm>
+            <a:off x="9461035" y="10"/>
+            <a:ext cx="2727916" cy="2464411"/>
+          </a:xfrm>
+          <a:custGeom>
+            <a:avLst/>
+            <a:gdLst/>
+            <a:ahLst/>
+            <a:cxnLst/>
+            <a:rect l="l" t="t" r="r" b="b"/>
+            <a:pathLst>
+              <a:path w="2727916" h="2464421">
+                <a:moveTo>
+                  <a:pt x="312799" y="0"/>
+                </a:moveTo>
+                <a:lnTo>
+                  <a:pt x="2727916" y="0"/>
+                </a:lnTo>
+                <a:lnTo>
+                  <a:pt x="2727916" y="1899759"/>
+                </a:lnTo>
+                <a:lnTo>
+                  <a:pt x="2724089" y="1904877"/>
+                </a:lnTo>
+                <a:cubicBezTo>
+                  <a:pt x="2442070" y="2246605"/>
+                  <a:pt x="2015273" y="2464421"/>
+                  <a:pt x="1537601" y="2464421"/>
+                </a:cubicBezTo>
+                <a:cubicBezTo>
+                  <a:pt x="688407" y="2464421"/>
+                  <a:pt x="0" y="1776014"/>
+                  <a:pt x="0" y="926820"/>
+                </a:cubicBezTo>
+                <a:cubicBezTo>
+                  <a:pt x="0" y="608372"/>
+                  <a:pt x="96807" y="312535"/>
+                  <a:pt x="262598" y="67133"/>
+                </a:cubicBezTo>
+                <a:close/>
+              </a:path>
+            </a:pathLst>
+          </a:custGeom>
+          <a:noFill/>
+          <a:extLst>
+            <a:ext uri="{909E8E84-426E-40DD-AFC4-6F175D3DCCD1}">
+              <a14:hiddenFill xmlns:a14="http://schemas.microsoft.com/office/drawing/2010/main">
+                <a:solidFill>
+                  <a:srgbClr val="FFFFFF"/>
+                </a:solidFill>
+              </a14:hiddenFill>
+            </a:ext>
+          </a:extLst>
+        </p:spPr>
+      </p:pic>
+      <p:pic>
+        <p:nvPicPr>
+          <p:cNvPr id="2085" name="Graphic 2084">
+            <a:extLst>
+              <a:ext uri="{FF2B5EF4-FFF2-40B4-BE49-F238E27FC236}">
+                <a16:creationId xmlns:a16="http://schemas.microsoft.com/office/drawing/2014/main" id="{621EF080-E067-46D9-82FB-CC0766A04513}"/>
+              </a:ext>
+              <a:ext uri="{C183D7F6-B498-43B3-948B-1728B52AA6E4}">
+                <adec:decorative xmlns:adec="http://schemas.microsoft.com/office/drawing/2017/decorative" val="1"/>
+              </a:ext>
+            </a:extLst>
+          </p:cNvPr>
+          <p:cNvPicPr>
+            <a:picLocks noGrp="1" noRot="1" noChangeAspect="1" noMove="1" noResize="1" noEditPoints="1" noAdjustHandles="1" noChangeArrowheads="1" noChangeShapeType="1" noCrop="1"/>
+          </p:cNvPicPr>
+          <p:nvPr>
+            <p:extLst>
+              <p:ext uri="{386F3935-93C4-4BCD-93E2-E3B085C9AB24}">
+                <p16:designElem xmlns:p16="http://schemas.microsoft.com/office/powerpoint/2015/main" val="1"/>
+              </p:ext>
+            </p:extLst>
+          </p:nvPr>
+        </p:nvPicPr>
+        <p:blipFill>
+          <a:blip r:embed="rId4">
+            <a:duotone>
+              <a:schemeClr val="accent1">
+                <a:shade val="45000"/>
+                <a:satMod val="135000"/>
+              </a:schemeClr>
+              <a:prstClr val="white"/>
+            </a:duotone>
+            <a:extLst>
+              <a:ext uri="{28A0092B-C50C-407E-A947-70E740481C1C}">
+                <a14:useLocalDpi xmlns:a14="http://schemas.microsoft.com/office/drawing/2010/main" val="0"/>
+              </a:ext>
+              <a:ext uri="{96DAC541-7B7A-43D3-8B79-37D633B846F1}">
+                <asvg:svgBlip xmlns:asvg="http://schemas.microsoft.com/office/drawing/2016/SVG/main" r:embed="rId5"/>
+              </a:ext>
+            </a:extLst>
+          </a:blip>
+          <a:stretch>
+            <a:fillRect/>
+          </a:stretch>
+        </p:blipFill>
+        <p:spPr>
+          <a:xfrm>
+            <a:off x="10341597" y="4980968"/>
+            <a:ext cx="1850403" cy="1850403"/>
+          </a:xfrm>
+          <a:prstGeom prst="rect">
+            <a:avLst/>
+          </a:prstGeom>
+        </p:spPr>
+      </p:pic>
     </p:spTree>
     <p:extLst>
       <p:ext uri="{BB962C8B-B14F-4D97-AF65-F5344CB8AC3E}">
@@ -8569,6 +9604,83 @@
 </file>
 
 <file path=ppt/slides/slide27.xml><?xml version="1.0" encoding="utf-8"?>
+<p:sld xmlns:a="http://schemas.openxmlformats.org/drawingml/2006/main" xmlns:r="http://schemas.openxmlformats.org/officeDocument/2006/relationships" xmlns:p="http://schemas.openxmlformats.org/presentationml/2006/main">
+  <p:cSld>
+    <p:spTree>
+      <p:nvGrpSpPr>
+        <p:cNvPr id="1" name=""/>
+        <p:cNvGrpSpPr/>
+        <p:nvPr/>
+      </p:nvGrpSpPr>
+      <p:grpSpPr>
+        <a:xfrm>
+          <a:off x="0" y="0"/>
+          <a:ext cx="0" cy="0"/>
+          <a:chOff x="0" y="0"/>
+          <a:chExt cx="0" cy="0"/>
+        </a:xfrm>
+      </p:grpSpPr>
+      <p:pic>
+        <p:nvPicPr>
+          <p:cNvPr id="1026" name="Picture 2">
+            <a:extLst>
+              <a:ext uri="{FF2B5EF4-FFF2-40B4-BE49-F238E27FC236}">
+                <a16:creationId xmlns:a16="http://schemas.microsoft.com/office/drawing/2014/main" id="{7E11FC1F-5130-9544-3CAF-8771703C4AA8}"/>
+              </a:ext>
+            </a:extLst>
+          </p:cNvPr>
+          <p:cNvPicPr>
+            <a:picLocks noChangeAspect="1" noChangeArrowheads="1"/>
+          </p:cNvPicPr>
+          <p:nvPr/>
+        </p:nvPicPr>
+        <p:blipFill>
+          <a:blip r:embed="rId2">
+            <a:extLst>
+              <a:ext uri="{28A0092B-C50C-407E-A947-70E740481C1C}">
+                <a14:useLocalDpi xmlns:a14="http://schemas.microsoft.com/office/drawing/2010/main" val="0"/>
+              </a:ext>
+            </a:extLst>
+          </a:blip>
+          <a:srcRect/>
+          <a:stretch>
+            <a:fillRect/>
+          </a:stretch>
+        </p:blipFill>
+        <p:spPr bwMode="auto">
+          <a:xfrm>
+            <a:off x="1428115" y="60771"/>
+            <a:ext cx="9357360" cy="6736457"/>
+          </a:xfrm>
+          <a:prstGeom prst="rect">
+            <a:avLst/>
+          </a:prstGeom>
+          <a:noFill/>
+          <a:extLst>
+            <a:ext uri="{909E8E84-426E-40DD-AFC4-6F175D3DCCD1}">
+              <a14:hiddenFill xmlns:a14="http://schemas.microsoft.com/office/drawing/2010/main">
+                <a:solidFill>
+                  <a:srgbClr val="FFFFFF"/>
+                </a:solidFill>
+              </a14:hiddenFill>
+            </a:ext>
+          </a:extLst>
+        </p:spPr>
+      </p:pic>
+    </p:spTree>
+    <p:extLst>
+      <p:ext uri="{BB962C8B-B14F-4D97-AF65-F5344CB8AC3E}">
+        <p14:creationId xmlns:p14="http://schemas.microsoft.com/office/powerpoint/2010/main" val="4035827739"/>
+      </p:ext>
+    </p:extLst>
+  </p:cSld>
+  <p:clrMapOvr>
+    <a:masterClrMapping/>
+  </p:clrMapOvr>
+</p:sld>
+</file>
+
+<file path=ppt/slides/slide28.xml><?xml version="1.0" encoding="utf-8"?>
 <p:sld xmlns:a="http://schemas.openxmlformats.org/drawingml/2006/main" xmlns:r="http://schemas.openxmlformats.org/officeDocument/2006/relationships" xmlns:p="http://schemas.openxmlformats.org/presentationml/2006/main">
   <p:cSld>
     <p:spTree>
@@ -8757,161 +9869,6 @@
     <p:extLst>
       <p:ext uri="{BB962C8B-B14F-4D97-AF65-F5344CB8AC3E}">
         <p14:creationId xmlns:p14="http://schemas.microsoft.com/office/powerpoint/2010/main" val="725599736"/>
-      </p:ext>
-    </p:extLst>
-  </p:cSld>
-  <p:clrMapOvr>
-    <a:masterClrMapping/>
-  </p:clrMapOvr>
-</p:sld>
-</file>
-
-<file path=ppt/slides/slide28.xml><?xml version="1.0" encoding="utf-8"?>
-<p:sld xmlns:a="http://schemas.openxmlformats.org/drawingml/2006/main" xmlns:r="http://schemas.openxmlformats.org/officeDocument/2006/relationships" xmlns:p="http://schemas.openxmlformats.org/presentationml/2006/main">
-  <p:cSld>
-    <p:spTree>
-      <p:nvGrpSpPr>
-        <p:cNvPr id="1" name="">
-          <a:extLst>
-            <a:ext uri="{FF2B5EF4-FFF2-40B4-BE49-F238E27FC236}">
-              <a16:creationId xmlns:a16="http://schemas.microsoft.com/office/drawing/2014/main" id="{4B8981C3-54B8-01A8-6F82-BABF9B2341BE}"/>
-            </a:ext>
-          </a:extLst>
-        </p:cNvPr>
-        <p:cNvGrpSpPr/>
-        <p:nvPr/>
-      </p:nvGrpSpPr>
-      <p:grpSpPr>
-        <a:xfrm>
-          <a:off x="0" y="0"/>
-          <a:ext cx="0" cy="0"/>
-          <a:chOff x="0" y="0"/>
-          <a:chExt cx="0" cy="0"/>
-        </a:xfrm>
-      </p:grpSpPr>
-      <p:sp>
-        <p:nvSpPr>
-          <p:cNvPr id="3" name="Content Placeholder 2">
-            <a:extLst>
-              <a:ext uri="{FF2B5EF4-FFF2-40B4-BE49-F238E27FC236}">
-                <a16:creationId xmlns:a16="http://schemas.microsoft.com/office/drawing/2014/main" id="{84C399BF-05E9-5761-CE43-7CE1A5F40474}"/>
-              </a:ext>
-            </a:extLst>
-          </p:cNvPr>
-          <p:cNvSpPr>
-            <a:spLocks noGrp="1"/>
-          </p:cNvSpPr>
-          <p:nvPr>
-            <p:ph idx="1"/>
-          </p:nvPr>
-        </p:nvSpPr>
-        <p:spPr>
-          <a:xfrm>
-            <a:off x="777240" y="751114"/>
-            <a:ext cx="10659110" cy="5425849"/>
-          </a:xfrm>
-        </p:spPr>
-        <p:txBody>
-          <a:bodyPr>
-            <a:normAutofit/>
-          </a:bodyPr>
-          <a:lstStyle/>
-          <a:p>
-            <a:pPr marL="0" indent="0">
-              <a:buNone/>
-            </a:pPr>
-            <a:r>
-              <a:rPr lang="en-US" sz="2400" b="1" dirty="0"/>
-              <a:t>2. Multiple Inheritance</a:t>
-            </a:r>
-          </a:p>
-          <a:p>
-            <a:pPr marL="0" indent="0">
-              <a:buNone/>
-            </a:pPr>
-            <a:r>
-              <a:rPr lang="en-US" sz="2400" dirty="0"/>
-              <a:t>In multiple inheritance, a </a:t>
-            </a:r>
-            <a:r>
-              <a:rPr lang="en-US" sz="2400" b="1" dirty="0"/>
-              <a:t>child</a:t>
-            </a:r>
-            <a:r>
-              <a:rPr lang="en-US" sz="2400" dirty="0"/>
-              <a:t> class inherits from </a:t>
-            </a:r>
-            <a:r>
-              <a:rPr lang="en-US" sz="2400" b="1" dirty="0">
-                <a:solidFill>
-                  <a:srgbClr val="C00000"/>
-                </a:solidFill>
-              </a:rPr>
-              <a:t>more than one </a:t>
-            </a:r>
-            <a:r>
-              <a:rPr lang="en-US" sz="2400" b="1" dirty="0"/>
-              <a:t>parent</a:t>
-            </a:r>
-            <a:r>
-              <a:rPr lang="en-US" sz="2400" dirty="0"/>
-              <a:t> </a:t>
-            </a:r>
-            <a:r>
-              <a:rPr lang="en-US" sz="2400" b="1" dirty="0"/>
-              <a:t>class</a:t>
-            </a:r>
-            <a:r>
-              <a:rPr lang="en-US" sz="2400" dirty="0"/>
-              <a:t>.</a:t>
-            </a:r>
-          </a:p>
-          <a:p>
-            <a:pPr marL="0" indent="0">
-              <a:buNone/>
-            </a:pPr>
-            <a:r>
-              <a:rPr lang="en-US" sz="2400" b="1" dirty="0"/>
-              <a:t>Example:</a:t>
-            </a:r>
-            <a:endParaRPr lang="en-IN" sz="2400" b="1" dirty="0"/>
-          </a:p>
-        </p:txBody>
-      </p:sp>
-      <p:pic>
-        <p:nvPicPr>
-          <p:cNvPr id="4" name="Picture 3">
-            <a:extLst>
-              <a:ext uri="{FF2B5EF4-FFF2-40B4-BE49-F238E27FC236}">
-                <a16:creationId xmlns:a16="http://schemas.microsoft.com/office/drawing/2014/main" id="{D655E305-AC3C-45CA-5E9D-4DE1CE06207E}"/>
-              </a:ext>
-            </a:extLst>
-          </p:cNvPr>
-          <p:cNvPicPr>
-            <a:picLocks noChangeAspect="1"/>
-          </p:cNvPicPr>
-          <p:nvPr/>
-        </p:nvPicPr>
-        <p:blipFill>
-          <a:blip r:embed="rId2"/>
-          <a:stretch>
-            <a:fillRect/>
-          </a:stretch>
-        </p:blipFill>
-        <p:spPr>
-          <a:xfrm>
-            <a:off x="1391866" y="2053154"/>
-            <a:ext cx="8933462" cy="4293217"/>
-          </a:xfrm>
-          <a:prstGeom prst="rect">
-            <a:avLst/>
-          </a:prstGeom>
-        </p:spPr>
-      </p:pic>
-    </p:spTree>
-    <p:extLst>
-      <p:ext uri="{BB962C8B-B14F-4D97-AF65-F5344CB8AC3E}">
-        <p14:creationId xmlns:p14="http://schemas.microsoft.com/office/powerpoint/2010/main" val="1839786566"/>
       </p:ext>
     </p:extLst>
   </p:cSld>
@@ -8977,7 +9934,7 @@
             </a:pPr>
             <a:r>
               <a:rPr lang="en-US" sz="2400" b="1" dirty="0"/>
-              <a:t>3. Multilevel Inheritance:</a:t>
+              <a:t>2. Multilevel Inheritance:</a:t>
             </a:r>
           </a:p>
           <a:p>
@@ -9232,6 +10189,161 @@
         <p:cNvPr id="1" name="">
           <a:extLst>
             <a:ext uri="{FF2B5EF4-FFF2-40B4-BE49-F238E27FC236}">
+              <a16:creationId xmlns:a16="http://schemas.microsoft.com/office/drawing/2014/main" id="{4B8981C3-54B8-01A8-6F82-BABF9B2341BE}"/>
+            </a:ext>
+          </a:extLst>
+        </p:cNvPr>
+        <p:cNvGrpSpPr/>
+        <p:nvPr/>
+      </p:nvGrpSpPr>
+      <p:grpSpPr>
+        <a:xfrm>
+          <a:off x="0" y="0"/>
+          <a:ext cx="0" cy="0"/>
+          <a:chOff x="0" y="0"/>
+          <a:chExt cx="0" cy="0"/>
+        </a:xfrm>
+      </p:grpSpPr>
+      <p:sp>
+        <p:nvSpPr>
+          <p:cNvPr id="3" name="Content Placeholder 2">
+            <a:extLst>
+              <a:ext uri="{FF2B5EF4-FFF2-40B4-BE49-F238E27FC236}">
+                <a16:creationId xmlns:a16="http://schemas.microsoft.com/office/drawing/2014/main" id="{84C399BF-05E9-5761-CE43-7CE1A5F40474}"/>
+              </a:ext>
+            </a:extLst>
+          </p:cNvPr>
+          <p:cNvSpPr>
+            <a:spLocks noGrp="1"/>
+          </p:cNvSpPr>
+          <p:nvPr>
+            <p:ph idx="1"/>
+          </p:nvPr>
+        </p:nvSpPr>
+        <p:spPr>
+          <a:xfrm>
+            <a:off x="777240" y="751114"/>
+            <a:ext cx="10659110" cy="5425849"/>
+          </a:xfrm>
+        </p:spPr>
+        <p:txBody>
+          <a:bodyPr>
+            <a:normAutofit/>
+          </a:bodyPr>
+          <a:lstStyle/>
+          <a:p>
+            <a:pPr marL="0" indent="0">
+              <a:buNone/>
+            </a:pPr>
+            <a:r>
+              <a:rPr lang="en-US" sz="2400" b="1" dirty="0"/>
+              <a:t>3. Multiple Inheritance</a:t>
+            </a:r>
+          </a:p>
+          <a:p>
+            <a:pPr marL="0" indent="0">
+              <a:buNone/>
+            </a:pPr>
+            <a:r>
+              <a:rPr lang="en-US" sz="2400" dirty="0"/>
+              <a:t>In multiple inheritance, a </a:t>
+            </a:r>
+            <a:r>
+              <a:rPr lang="en-US" sz="2400" b="1" dirty="0"/>
+              <a:t>child</a:t>
+            </a:r>
+            <a:r>
+              <a:rPr lang="en-US" sz="2400" dirty="0"/>
+              <a:t> class inherits from </a:t>
+            </a:r>
+            <a:r>
+              <a:rPr lang="en-US" sz="2400" b="1" dirty="0">
+                <a:solidFill>
+                  <a:srgbClr val="C00000"/>
+                </a:solidFill>
+              </a:rPr>
+              <a:t>more than one </a:t>
+            </a:r>
+            <a:r>
+              <a:rPr lang="en-US" sz="2400" b="1" dirty="0"/>
+              <a:t>parent</a:t>
+            </a:r>
+            <a:r>
+              <a:rPr lang="en-US" sz="2400" dirty="0"/>
+              <a:t> </a:t>
+            </a:r>
+            <a:r>
+              <a:rPr lang="en-US" sz="2400" b="1" dirty="0"/>
+              <a:t>class</a:t>
+            </a:r>
+            <a:r>
+              <a:rPr lang="en-US" sz="2400" dirty="0"/>
+              <a:t>.</a:t>
+            </a:r>
+          </a:p>
+          <a:p>
+            <a:pPr marL="0" indent="0">
+              <a:buNone/>
+            </a:pPr>
+            <a:r>
+              <a:rPr lang="en-US" sz="2400" b="1" dirty="0"/>
+              <a:t>Example:</a:t>
+            </a:r>
+            <a:endParaRPr lang="en-IN" sz="2400" b="1" dirty="0"/>
+          </a:p>
+        </p:txBody>
+      </p:sp>
+      <p:pic>
+        <p:nvPicPr>
+          <p:cNvPr id="4" name="Picture 3">
+            <a:extLst>
+              <a:ext uri="{FF2B5EF4-FFF2-40B4-BE49-F238E27FC236}">
+                <a16:creationId xmlns:a16="http://schemas.microsoft.com/office/drawing/2014/main" id="{D655E305-AC3C-45CA-5E9D-4DE1CE06207E}"/>
+              </a:ext>
+            </a:extLst>
+          </p:cNvPr>
+          <p:cNvPicPr>
+            <a:picLocks noChangeAspect="1"/>
+          </p:cNvPicPr>
+          <p:nvPr/>
+        </p:nvPicPr>
+        <p:blipFill>
+          <a:blip r:embed="rId2"/>
+          <a:stretch>
+            <a:fillRect/>
+          </a:stretch>
+        </p:blipFill>
+        <p:spPr>
+          <a:xfrm>
+            <a:off x="1391866" y="2053154"/>
+            <a:ext cx="8933462" cy="4293217"/>
+          </a:xfrm>
+          <a:prstGeom prst="rect">
+            <a:avLst/>
+          </a:prstGeom>
+        </p:spPr>
+      </p:pic>
+    </p:spTree>
+    <p:extLst>
+      <p:ext uri="{BB962C8B-B14F-4D97-AF65-F5344CB8AC3E}">
+        <p14:creationId xmlns:p14="http://schemas.microsoft.com/office/powerpoint/2010/main" val="1839786566"/>
+      </p:ext>
+    </p:extLst>
+  </p:cSld>
+  <p:clrMapOvr>
+    <a:masterClrMapping/>
+  </p:clrMapOvr>
+</p:sld>
+</file>
+
+<file path=ppt/slides/slide31.xml><?xml version="1.0" encoding="utf-8"?>
+<p:sld xmlns:a="http://schemas.openxmlformats.org/drawingml/2006/main" xmlns:r="http://schemas.openxmlformats.org/officeDocument/2006/relationships" xmlns:p="http://schemas.openxmlformats.org/presentationml/2006/main">
+  <p:cSld>
+    <p:spTree>
+      <p:nvGrpSpPr>
+        <p:cNvPr id="1" name="">
+          <a:extLst>
+            <a:ext uri="{FF2B5EF4-FFF2-40B4-BE49-F238E27FC236}">
               <a16:creationId xmlns:a16="http://schemas.microsoft.com/office/drawing/2014/main" id="{A3DE1AB8-61FC-DB6F-0F7B-2FA5A3134654}"/>
             </a:ext>
           </a:extLst>
@@ -9371,7 +10483,7 @@
 </p:sld>
 </file>
 
-<file path=ppt/slides/slide31.xml><?xml version="1.0" encoding="utf-8"?>
+<file path=ppt/slides/slide32.xml><?xml version="1.0" encoding="utf-8"?>
 <p:sld xmlns:a="http://schemas.openxmlformats.org/drawingml/2006/main" xmlns:r="http://schemas.openxmlformats.org/officeDocument/2006/relationships" xmlns:p="http://schemas.openxmlformats.org/presentationml/2006/main">
   <p:cSld>
     <p:spTree>
@@ -9584,7 +10696,7 @@
 </p:sld>
 </file>
 
-<file path=ppt/slides/slide32.xml><?xml version="1.0" encoding="utf-8"?>
+<file path=ppt/slides/slide33.xml><?xml version="1.0" encoding="utf-8"?>
 <p:sld xmlns:a="http://schemas.openxmlformats.org/drawingml/2006/main" xmlns:r="http://schemas.openxmlformats.org/officeDocument/2006/relationships" xmlns:p="http://schemas.openxmlformats.org/presentationml/2006/main">
   <p:cSld>
     <p:spTree>
@@ -9655,7 +10767,31 @@
             </a:r>
             <a:r>
               <a:rPr lang="en-US" sz="2400" dirty="0"/>
-              <a:t>, allowing a class to inherit from more than one parent class. However, this can lead to </a:t>
+              <a:t>, allowing a class to inherit from more than one parent class as compared to </a:t>
+            </a:r>
+            <a:r>
+              <a:rPr lang="en-US" sz="3200" b="1" dirty="0">
+                <a:solidFill>
+                  <a:srgbClr val="002060"/>
+                </a:solidFill>
+              </a:rPr>
+              <a:t>Java</a:t>
+            </a:r>
+            <a:r>
+              <a:rPr lang="en-US" sz="2400" dirty="0"/>
+              <a:t> which </a:t>
+            </a:r>
+            <a:r>
+              <a:rPr lang="en-US" sz="2400" b="1" dirty="0">
+                <a:solidFill>
+                  <a:srgbClr val="C00000"/>
+                </a:solidFill>
+              </a:rPr>
+              <a:t>doesn’t support </a:t>
+            </a:r>
+            <a:r>
+              <a:rPr lang="en-US" sz="2400" dirty="0"/>
+              <a:t>Multiple Inheritance. However, this can lead to </a:t>
             </a:r>
             <a:r>
               <a:rPr lang="en-US" sz="2400" b="1" dirty="0">
@@ -9669,6 +10805,12 @@
               <a:rPr lang="en-US" sz="2400" dirty="0"/>
               <a:t>if not managed properly.</a:t>
             </a:r>
+          </a:p>
+          <a:p>
+            <a:pPr marL="0" indent="0">
+              <a:buNone/>
+            </a:pPr>
+            <a:endParaRPr lang="en-US" sz="2400" b="1" dirty="0"/>
           </a:p>
           <a:p>
             <a:pPr marL="0" indent="0">
@@ -9723,7 +10865,7 @@
 </p:sld>
 </file>
 
-<file path=ppt/slides/slide33.xml><?xml version="1.0" encoding="utf-8"?>
+<file path=ppt/slides/slide34.xml><?xml version="1.0" encoding="utf-8"?>
 <p:sld xmlns:a="http://schemas.openxmlformats.org/drawingml/2006/main" xmlns:r="http://schemas.openxmlformats.org/officeDocument/2006/relationships" xmlns:p="http://schemas.openxmlformats.org/presentationml/2006/main">
   <p:cSld>
     <p:spTree>
@@ -9864,7 +11006,7 @@
 </p:sld>
 </file>
 
-<file path=ppt/slides/slide34.xml><?xml version="1.0" encoding="utf-8"?>
+<file path=ppt/slides/slide35.xml><?xml version="1.0" encoding="utf-8"?>
 <p:sld xmlns:a="http://schemas.openxmlformats.org/drawingml/2006/main" xmlns:r="http://schemas.openxmlformats.org/officeDocument/2006/relationships" xmlns:p="http://schemas.openxmlformats.org/presentationml/2006/main">
   <p:cSld>
     <p:spTree>
@@ -10016,7 +11158,7 @@
 </p:sld>
 </file>
 
-<file path=ppt/slides/slide35.xml><?xml version="1.0" encoding="utf-8"?>
+<file path=ppt/slides/slide36.xml><?xml version="1.0" encoding="utf-8"?>
 <p:sld xmlns:a="http://schemas.openxmlformats.org/drawingml/2006/main" xmlns:r="http://schemas.openxmlformats.org/officeDocument/2006/relationships" xmlns:p="http://schemas.openxmlformats.org/presentationml/2006/main">
   <p:cSld>
     <p:spTree>
@@ -10206,7 +11348,7 @@
 </p:sld>
 </file>
 
-<file path=ppt/slides/slide36.xml><?xml version="1.0" encoding="utf-8"?>
+<file path=ppt/slides/slide37.xml><?xml version="1.0" encoding="utf-8"?>
 <p:sld xmlns:a="http://schemas.openxmlformats.org/drawingml/2006/main" xmlns:r="http://schemas.openxmlformats.org/officeDocument/2006/relationships" xmlns:p="http://schemas.openxmlformats.org/presentationml/2006/main">
   <p:cSld>
     <p:spTree>
@@ -10398,7 +11540,7 @@
 </p:sld>
 </file>
 
-<file path=ppt/slides/slide37.xml><?xml version="1.0" encoding="utf-8"?>
+<file path=ppt/slides/slide38.xml><?xml version="1.0" encoding="utf-8"?>
 <p:sld xmlns:a="http://schemas.openxmlformats.org/drawingml/2006/main" xmlns:r="http://schemas.openxmlformats.org/officeDocument/2006/relationships" xmlns:p="http://schemas.openxmlformats.org/presentationml/2006/main">
   <p:cSld>
     <p:spTree>
@@ -10530,7 +11672,7 @@
 </p:sld>
 </file>
 
-<file path=ppt/slides/slide38.xml><?xml version="1.0" encoding="utf-8"?>
+<file path=ppt/slides/slide39.xml><?xml version="1.0" encoding="utf-8"?>
 <p:sld xmlns:a="http://schemas.openxmlformats.org/drawingml/2006/main" xmlns:r="http://schemas.openxmlformats.org/officeDocument/2006/relationships" xmlns:p="http://schemas.openxmlformats.org/presentationml/2006/main">
   <p:cSld>
     <p:spTree>
@@ -10604,12 +11746,12 @@
               <a:t>(</a:t>
             </a:r>
             <a:r>
-              <a:rPr lang="en-US" sz="2400" b="1" dirty="0" err="1">
+              <a:rPr lang="en-US" sz="2400" b="1" dirty="0">
                 <a:solidFill>
                   <a:srgbClr val="C00000"/>
                 </a:solidFill>
               </a:rPr>
-              <a:t>dunder</a:t>
+              <a:t>Dunder</a:t>
             </a:r>
             <a:r>
               <a:rPr lang="en-US" sz="2400" dirty="0"/>
@@ -11430,7 +12572,141 @@
 </p:sld>
 </file>
 
-<file path=ppt/slides/slide39.xml><?xml version="1.0" encoding="utf-8"?>
+<file path=ppt/slides/slide4.xml><?xml version="1.0" encoding="utf-8"?>
+<p:sld xmlns:a="http://schemas.openxmlformats.org/drawingml/2006/main" xmlns:r="http://schemas.openxmlformats.org/officeDocument/2006/relationships" xmlns:p="http://schemas.openxmlformats.org/presentationml/2006/main">
+  <p:cSld>
+    <p:spTree>
+      <p:nvGrpSpPr>
+        <p:cNvPr id="1" name="">
+          <a:extLst>
+            <a:ext uri="{FF2B5EF4-FFF2-40B4-BE49-F238E27FC236}">
+              <a16:creationId xmlns:a16="http://schemas.microsoft.com/office/drawing/2014/main" id="{78F33279-C8FD-AB0C-9591-46B8627247DA}"/>
+            </a:ext>
+          </a:extLst>
+        </p:cNvPr>
+        <p:cNvGrpSpPr/>
+        <p:nvPr/>
+      </p:nvGrpSpPr>
+      <p:grpSpPr>
+        <a:xfrm>
+          <a:off x="0" y="0"/>
+          <a:ext cx="0" cy="0"/>
+          <a:chOff x="0" y="0"/>
+          <a:chExt cx="0" cy="0"/>
+        </a:xfrm>
+      </p:grpSpPr>
+      <p:sp>
+        <p:nvSpPr>
+          <p:cNvPr id="3" name="Content Placeholder 2">
+            <a:extLst>
+              <a:ext uri="{FF2B5EF4-FFF2-40B4-BE49-F238E27FC236}">
+                <a16:creationId xmlns:a16="http://schemas.microsoft.com/office/drawing/2014/main" id="{7CA70D2B-1F9C-D14B-109E-530B19702405}"/>
+              </a:ext>
+            </a:extLst>
+          </p:cNvPr>
+          <p:cNvSpPr>
+            <a:spLocks noGrp="1"/>
+          </p:cNvSpPr>
+          <p:nvPr>
+            <p:ph idx="1"/>
+          </p:nvPr>
+        </p:nvSpPr>
+        <p:spPr>
+          <a:xfrm>
+            <a:off x="559526" y="136752"/>
+            <a:ext cx="10659110" cy="5425849"/>
+          </a:xfrm>
+        </p:spPr>
+        <p:txBody>
+          <a:bodyPr>
+            <a:normAutofit/>
+          </a:bodyPr>
+          <a:lstStyle/>
+          <a:p>
+            <a:pPr marL="0" indent="0">
+              <a:buNone/>
+            </a:pPr>
+            <a:r>
+              <a:rPr lang="en-US" sz="2400" b="1" dirty="0"/>
+              <a:t>Example: Creating a </a:t>
+            </a:r>
+            <a:r>
+              <a:rPr lang="en-US" sz="2400" b="1" dirty="0">
+                <a:solidFill>
+                  <a:srgbClr val="C00000"/>
+                </a:solidFill>
+              </a:rPr>
+              <a:t>Class</a:t>
+            </a:r>
+            <a:r>
+              <a:rPr lang="en-US" sz="2400" b="1" dirty="0"/>
+              <a:t> and </a:t>
+            </a:r>
+            <a:r>
+              <a:rPr lang="en-US" sz="2400" b="1" dirty="0">
+                <a:solidFill>
+                  <a:srgbClr val="C00000"/>
+                </a:solidFill>
+              </a:rPr>
+              <a:t>Objects</a:t>
+            </a:r>
+            <a:endParaRPr lang="en-IN" sz="2400" b="1" dirty="0">
+              <a:solidFill>
+                <a:srgbClr val="C00000"/>
+              </a:solidFill>
+            </a:endParaRPr>
+          </a:p>
+        </p:txBody>
+      </p:sp>
+      <p:pic>
+        <p:nvPicPr>
+          <p:cNvPr id="4" name="Picture 3" descr="A computer screen shot of a program&#10;&#10;Description automatically generated">
+            <a:extLst>
+              <a:ext uri="{FF2B5EF4-FFF2-40B4-BE49-F238E27FC236}">
+                <a16:creationId xmlns:a16="http://schemas.microsoft.com/office/drawing/2014/main" id="{16C25C26-E9F1-DAF0-AB9D-02D2ACFA1986}"/>
+              </a:ext>
+            </a:extLst>
+          </p:cNvPr>
+          <p:cNvPicPr>
+            <a:picLocks noChangeAspect="1"/>
+          </p:cNvPicPr>
+          <p:nvPr/>
+        </p:nvPicPr>
+        <p:blipFill rotWithShape="1">
+          <a:blip r:embed="rId2">
+            <a:extLst>
+              <a:ext uri="{28A0092B-C50C-407E-A947-70E740481C1C}">
+                <a14:useLocalDpi xmlns:a14="http://schemas.microsoft.com/office/drawing/2010/main" val="0"/>
+              </a:ext>
+            </a:extLst>
+          </a:blip>
+          <a:srcRect l="3303" t="4445" r="2949" b="5397"/>
+          <a:stretch/>
+        </p:blipFill>
+        <p:spPr>
+          <a:xfrm>
+            <a:off x="1088480" y="633809"/>
+            <a:ext cx="8352674" cy="5967697"/>
+          </a:xfrm>
+          <a:prstGeom prst="rect">
+            <a:avLst/>
+          </a:prstGeom>
+        </p:spPr>
+      </p:pic>
+    </p:spTree>
+    <p:extLst>
+      <p:ext uri="{BB962C8B-B14F-4D97-AF65-F5344CB8AC3E}">
+        <p14:creationId xmlns:p14="http://schemas.microsoft.com/office/powerpoint/2010/main" val="611814134"/>
+      </p:ext>
+    </p:extLst>
+  </p:cSld>
+  <p:clrMapOvr>
+    <a:masterClrMapping/>
+  </p:clrMapOvr>
+</p:sld>
+</file>
+
+<file path=ppt/slides/slide40.xml><?xml version="1.0" encoding="utf-8"?>
 <p:sld xmlns:a="http://schemas.openxmlformats.org/drawingml/2006/main" xmlns:r="http://schemas.openxmlformats.org/officeDocument/2006/relationships" xmlns:p="http://schemas.openxmlformats.org/presentationml/2006/main">
   <p:cSld>
     <p:spTree>
@@ -11560,7 +12836,7 @@
 </p:sld>
 </file>
 
-<file path=ppt/slides/slide4.xml><?xml version="1.0" encoding="utf-8"?>
+<file path=ppt/slides/slide41.xml><?xml version="1.0" encoding="utf-8"?>
 <p:sld xmlns:a="http://schemas.openxmlformats.org/drawingml/2006/main" xmlns:r="http://schemas.openxmlformats.org/officeDocument/2006/relationships" xmlns:p="http://schemas.openxmlformats.org/presentationml/2006/main">
   <p:cSld>
     <p:spTree>
@@ -11568,7 +12844,7 @@
         <p:cNvPr id="1" name="">
           <a:extLst>
             <a:ext uri="{FF2B5EF4-FFF2-40B4-BE49-F238E27FC236}">
-              <a16:creationId xmlns:a16="http://schemas.microsoft.com/office/drawing/2014/main" id="{78F33279-C8FD-AB0C-9591-46B8627247DA}"/>
+              <a16:creationId xmlns:a16="http://schemas.microsoft.com/office/drawing/2014/main" id="{19A679E2-B151-D5BB-3757-B303B9B0F709}"/>
             </a:ext>
           </a:extLst>
         </p:cNvPr>
@@ -11588,7 +12864,7 @@
           <p:cNvPr id="3" name="Content Placeholder 2">
             <a:extLst>
               <a:ext uri="{FF2B5EF4-FFF2-40B4-BE49-F238E27FC236}">
-                <a16:creationId xmlns:a16="http://schemas.microsoft.com/office/drawing/2014/main" id="{7CA70D2B-1F9C-D14B-109E-530B19702405}"/>
+                <a16:creationId xmlns:a16="http://schemas.microsoft.com/office/drawing/2014/main" id="{881C9316-A4C4-38BC-E899-0ED36984BDCB}"/>
               </a:ext>
             </a:extLst>
           </p:cNvPr>
@@ -11601,8 +12877,8 @@
         </p:nvSpPr>
         <p:spPr>
           <a:xfrm>
-            <a:off x="559526" y="136752"/>
-            <a:ext cx="10659110" cy="5425849"/>
+            <a:off x="766445" y="762000"/>
+            <a:ext cx="10659110" cy="5399313"/>
           </a:xfrm>
         </p:spPr>
         <p:txBody>
@@ -11615,76 +12891,139 @@
               <a:buNone/>
             </a:pPr>
             <a:r>
-              <a:rPr lang="en-US" sz="2400" b="1" dirty="0"/>
-              <a:t>Example: Creating a </a:t>
-            </a:r>
-            <a:r>
-              <a:rPr lang="en-US" sz="2400" b="1" dirty="0">
+              <a:rPr lang="en-IN" sz="2800" b="1" dirty="0"/>
+              <a:t>Abstraction</a:t>
+            </a:r>
+          </a:p>
+          <a:p>
+            <a:r>
+              <a:rPr lang="en-US" sz="2800" b="1" dirty="0"/>
+              <a:t>Abstraction</a:t>
+            </a:r>
+            <a:r>
+              <a:rPr lang="en-US" sz="2800" dirty="0"/>
+              <a:t> means </a:t>
+            </a:r>
+            <a:r>
+              <a:rPr lang="en-US" sz="2800" b="1" dirty="0">
                 <a:solidFill>
-                  <a:srgbClr val="C00000"/>
+                  <a:srgbClr val="002060"/>
                 </a:solidFill>
               </a:rPr>
-              <a:t>Class</a:t>
-            </a:r>
-            <a:r>
-              <a:rPr lang="en-US" sz="2400" b="1" dirty="0"/>
-              <a:t> and </a:t>
-            </a:r>
-            <a:r>
-              <a:rPr lang="en-US" sz="2400" b="1" dirty="0">
+              <a:t>hiding implementation details</a:t>
+            </a:r>
+            <a:r>
+              <a:rPr lang="en-US" sz="2800" dirty="0">
                 <a:solidFill>
-                  <a:srgbClr val="C00000"/>
+                  <a:srgbClr val="002060"/>
                 </a:solidFill>
               </a:rPr>
-              <a:t>Objects</a:t>
-            </a:r>
-            <a:endParaRPr lang="en-IN" sz="2400" b="1" dirty="0">
+              <a:t> </a:t>
+            </a:r>
+            <a:r>
+              <a:rPr lang="en-US" sz="2800" dirty="0"/>
+              <a:t>and only showing the </a:t>
+            </a:r>
+            <a:r>
+              <a:rPr lang="en-US" sz="2800" b="1" dirty="0"/>
+              <a:t>essential features</a:t>
+            </a:r>
+            <a:r>
+              <a:rPr lang="en-US" sz="2800" dirty="0"/>
+              <a:t> of an object.</a:t>
+            </a:r>
+          </a:p>
+          <a:p>
+            <a:r>
+              <a:rPr lang="en-US" sz="2800" b="1" dirty="0"/>
+              <a:t>Example: </a:t>
+            </a:r>
+            <a:r>
+              <a:rPr lang="en-US" sz="2800" dirty="0"/>
+              <a:t>When you drive a </a:t>
+            </a:r>
+            <a:r>
+              <a:rPr lang="en-US" sz="2800" b="1" dirty="0"/>
+              <a:t>car</a:t>
+            </a:r>
+            <a:r>
+              <a:rPr lang="en-US" sz="2800" dirty="0"/>
+              <a:t>, you use the </a:t>
+            </a:r>
+            <a:r>
+              <a:rPr lang="en-US" sz="2800" b="1" dirty="0"/>
+              <a:t>steering, brake, and accelerator</a:t>
+            </a:r>
+            <a:r>
+              <a:rPr lang="en-US" sz="2800" dirty="0"/>
+              <a:t> — you don’t need to know how the engine or gearbox works internally.</a:t>
+            </a:r>
+          </a:p>
+          <a:p>
+            <a:pPr marL="0" indent="0">
+              <a:buNone/>
+            </a:pPr>
+            <a:endParaRPr lang="en-US" sz="1800" dirty="0"/>
+          </a:p>
+          <a:p>
+            <a:pPr marL="0" indent="0">
+              <a:buNone/>
+            </a:pPr>
+            <a:r>
+              <a:rPr lang="en-US" sz="2800" dirty="0"/>
+              <a:t>In Python, abstraction is achieved using:</a:t>
+            </a:r>
+          </a:p>
+          <a:p>
+            <a:r>
+              <a:rPr lang="en-US" sz="2800" b="1" dirty="0"/>
+              <a:t>Abstract </a:t>
+            </a:r>
+            <a:r>
+              <a:rPr lang="en-US" sz="2800" b="1" dirty="0">
+                <a:solidFill>
+                  <a:srgbClr val="002060"/>
+                </a:solidFill>
+              </a:rPr>
+              <a:t>Classes</a:t>
+            </a:r>
+            <a:endParaRPr lang="en-US" sz="2800" dirty="0">
               <a:solidFill>
-                <a:srgbClr val="C00000"/>
+                <a:srgbClr val="002060"/>
               </a:solidFill>
             </a:endParaRPr>
           </a:p>
+          <a:p>
+            <a:r>
+              <a:rPr lang="en-US" sz="2800" b="1" dirty="0"/>
+              <a:t>Abstract </a:t>
+            </a:r>
+            <a:r>
+              <a:rPr lang="en-US" sz="2800" b="1" dirty="0">
+                <a:solidFill>
+                  <a:srgbClr val="002060"/>
+                </a:solidFill>
+              </a:rPr>
+              <a:t>Methods</a:t>
+            </a:r>
+            <a:endParaRPr lang="en-US" sz="2800" dirty="0">
+              <a:solidFill>
+                <a:srgbClr val="002060"/>
+              </a:solidFill>
+            </a:endParaRPr>
+          </a:p>
+          <a:p>
+            <a:pPr marL="0" indent="0">
+              <a:buNone/>
+            </a:pPr>
+            <a:endParaRPr lang="en-US" sz="3200" dirty="0"/>
+          </a:p>
         </p:txBody>
       </p:sp>
-      <p:pic>
-        <p:nvPicPr>
-          <p:cNvPr id="4" name="Picture 3" descr="A computer screen shot of a program&#10;&#10;Description automatically generated">
-            <a:extLst>
-              <a:ext uri="{FF2B5EF4-FFF2-40B4-BE49-F238E27FC236}">
-                <a16:creationId xmlns:a16="http://schemas.microsoft.com/office/drawing/2014/main" id="{16C25C26-E9F1-DAF0-AB9D-02D2ACFA1986}"/>
-              </a:ext>
-            </a:extLst>
-          </p:cNvPr>
-          <p:cNvPicPr>
-            <a:picLocks noChangeAspect="1"/>
-          </p:cNvPicPr>
-          <p:nvPr/>
-        </p:nvPicPr>
-        <p:blipFill rotWithShape="1">
-          <a:blip r:embed="rId2">
-            <a:extLst>
-              <a:ext uri="{28A0092B-C50C-407E-A947-70E740481C1C}">
-                <a14:useLocalDpi xmlns:a14="http://schemas.microsoft.com/office/drawing/2010/main" val="0"/>
-              </a:ext>
-            </a:extLst>
-          </a:blip>
-          <a:srcRect l="3303" t="4445" r="2949" b="5397"/>
-          <a:stretch/>
-        </p:blipFill>
-        <p:spPr>
-          <a:xfrm>
-            <a:off x="1088480" y="633809"/>
-            <a:ext cx="8352674" cy="5967697"/>
-          </a:xfrm>
-          <a:prstGeom prst="rect">
-            <a:avLst/>
-          </a:prstGeom>
-        </p:spPr>
-      </p:pic>
     </p:spTree>
     <p:extLst>
       <p:ext uri="{BB962C8B-B14F-4D97-AF65-F5344CB8AC3E}">
-        <p14:creationId xmlns:p14="http://schemas.microsoft.com/office/powerpoint/2010/main" val="611814134"/>
+        <p14:creationId xmlns:p14="http://schemas.microsoft.com/office/powerpoint/2010/main" val="2376574270"/>
       </p:ext>
     </p:extLst>
   </p:cSld>
@@ -11694,7 +13033,7 @@
 </p:sld>
 </file>
 
-<file path=ppt/slides/slide40.xml><?xml version="1.0" encoding="utf-8"?>
+<file path=ppt/slides/slide42.xml><?xml version="1.0" encoding="utf-8"?>
 <p:sld xmlns:a="http://schemas.openxmlformats.org/drawingml/2006/main" xmlns:r="http://schemas.openxmlformats.org/officeDocument/2006/relationships" xmlns:p="http://schemas.openxmlformats.org/presentationml/2006/main">
   <p:cSld>
     <p:spTree>
@@ -11702,7 +13041,7 @@
         <p:cNvPr id="1" name="">
           <a:extLst>
             <a:ext uri="{FF2B5EF4-FFF2-40B4-BE49-F238E27FC236}">
-              <a16:creationId xmlns:a16="http://schemas.microsoft.com/office/drawing/2014/main" id="{2A19D8FF-5BDD-8A28-6C30-2B6837A99D3C}"/>
+              <a16:creationId xmlns:a16="http://schemas.microsoft.com/office/drawing/2014/main" id="{25920350-1747-FC4D-6461-2EFE89E3481F}"/>
             </a:ext>
           </a:extLst>
         </p:cNvPr>
@@ -11722,7 +13061,7 @@
           <p:cNvPr id="3" name="Content Placeholder 2">
             <a:extLst>
               <a:ext uri="{FF2B5EF4-FFF2-40B4-BE49-F238E27FC236}">
-                <a16:creationId xmlns:a16="http://schemas.microsoft.com/office/drawing/2014/main" id="{266676B9-C992-1924-955B-E08E5813051D}"/>
+                <a16:creationId xmlns:a16="http://schemas.microsoft.com/office/drawing/2014/main" id="{C0746756-8A6B-28BD-B858-E003EB0A5DE2}"/>
               </a:ext>
             </a:extLst>
           </p:cNvPr>
@@ -11735,13 +13074,13 @@
         </p:nvSpPr>
         <p:spPr>
           <a:xfrm>
-            <a:off x="724625" y="969509"/>
-            <a:ext cx="10900568" cy="4636634"/>
+            <a:off x="766445" y="762000"/>
+            <a:ext cx="10659110" cy="5399313"/>
           </a:xfrm>
         </p:spPr>
         <p:txBody>
           <a:bodyPr>
-            <a:normAutofit lnSpcReduction="10000"/>
+            <a:normAutofit/>
           </a:bodyPr>
           <a:lstStyle/>
           <a:p>
@@ -11749,141 +13088,100 @@
               <a:buNone/>
             </a:pPr>
             <a:r>
-              <a:rPr lang="en-US" sz="3200" b="1" dirty="0">
+              <a:rPr lang="en-US" sz="2800" b="1" dirty="0"/>
+              <a:t>Abstract Class</a:t>
+            </a:r>
+          </a:p>
+          <a:p>
+            <a:r>
+              <a:rPr lang="en-US" sz="2400" dirty="0"/>
+              <a:t>A class that </a:t>
+            </a:r>
+            <a:r>
+              <a:rPr lang="en-US" sz="2400" b="1" dirty="0"/>
+              <a:t>cannot be instantiated directly</a:t>
+            </a:r>
+            <a:r>
+              <a:rPr lang="en-US" sz="2400" dirty="0"/>
+              <a:t>.</a:t>
+            </a:r>
+          </a:p>
+          <a:p>
+            <a:r>
+              <a:rPr lang="en-US" sz="2400" dirty="0"/>
+              <a:t>It can contain </a:t>
+            </a:r>
+            <a:r>
+              <a:rPr lang="en-US" sz="2400" b="1" dirty="0"/>
+              <a:t>abstract methods</a:t>
+            </a:r>
+            <a:r>
+              <a:rPr lang="en-US" sz="2400" dirty="0"/>
+              <a:t> (methods without implementation).</a:t>
+            </a:r>
+          </a:p>
+          <a:p>
+            <a:r>
+              <a:rPr lang="en-US" sz="2400" dirty="0"/>
+              <a:t>A class becomes abstract if it has </a:t>
+            </a:r>
+            <a:r>
+              <a:rPr lang="en-US" sz="2400" b="1" dirty="0">
+                <a:solidFill>
+                  <a:srgbClr val="002060"/>
+                </a:solidFill>
+              </a:rPr>
+              <a:t>at least one abstract method</a:t>
+            </a:r>
+            <a:r>
+              <a:rPr lang="en-US" sz="2400" dirty="0"/>
+              <a:t>.</a:t>
+            </a:r>
+          </a:p>
+          <a:p>
+            <a:r>
+              <a:rPr lang="en-US" sz="2400" dirty="0"/>
+              <a:t>An abstract method is a method that is declared but not implemented in the parent class.</a:t>
+            </a:r>
+          </a:p>
+          <a:p>
+            <a:r>
+              <a:rPr lang="en-US" sz="2400" dirty="0"/>
+              <a:t>That’s why we cannot create objects of abstract classes.</a:t>
+            </a:r>
+          </a:p>
+          <a:p>
+            <a:r>
+              <a:rPr lang="en-US" sz="2400" dirty="0"/>
+              <a:t>We use the </a:t>
+            </a:r>
+            <a:r>
+              <a:rPr lang="en-US" sz="2800" b="1" dirty="0" err="1">
                 <a:solidFill>
                   <a:srgbClr val="C00000"/>
                 </a:solidFill>
               </a:rPr>
-              <a:t>Module-2: </a:t>
-            </a:r>
-            <a:r>
-              <a:rPr lang="en-IN" sz="3200" b="1" dirty="0">
-                <a:solidFill>
-                  <a:srgbClr val="002060"/>
-                </a:solidFill>
-              </a:rPr>
-              <a:t>Python Collection Objects, Classes </a:t>
-            </a:r>
-            <a:r>
-              <a:rPr lang="en-IN" sz="3200" b="1" dirty="0">
-                <a:solidFill>
-                  <a:srgbClr val="C00000"/>
-                </a:solidFill>
-              </a:rPr>
-              <a:t>:</a:t>
-            </a:r>
-          </a:p>
-          <a:p>
-            <a:pPr marL="0" indent="0">
-              <a:buNone/>
-            </a:pPr>
-            <a:r>
-              <a:rPr lang="en-US" sz="3200" b="1" dirty="0"/>
-              <a:t>Strings- Creating and Storing Strings, Basic String Operations, Accessing Characters in String by Index Number, String Slicing and Joining, String Methods, Formatting Strings</a:t>
-            </a:r>
-          </a:p>
-          <a:p>
-            <a:pPr marL="0" indent="0">
-              <a:buNone/>
-            </a:pPr>
-            <a:r>
-              <a:rPr lang="en-US" sz="3200" b="1" dirty="0"/>
-              <a:t>Lists-Creating Lists, Basic List Operations</a:t>
-            </a:r>
-            <a:r>
-              <a:rPr lang="en-US" sz="3200" dirty="0"/>
-              <a:t>, </a:t>
-            </a:r>
-            <a:r>
-              <a:rPr lang="en-US" sz="3200" b="1" dirty="0"/>
-              <a:t>Indexing and Slicing in Lists</a:t>
-            </a:r>
-            <a:r>
-              <a:rPr lang="en-US" sz="3200" dirty="0"/>
-              <a:t>, </a:t>
-            </a:r>
-            <a:r>
-              <a:rPr lang="en-US" sz="3200" b="1" dirty="0"/>
-              <a:t>Built-In Functions Used on Lists</a:t>
-            </a:r>
-            <a:r>
-              <a:rPr lang="en-US" sz="3200" dirty="0"/>
-              <a:t>, </a:t>
-            </a:r>
-            <a:r>
-              <a:rPr lang="en-US" sz="3200" b="1" dirty="0"/>
-              <a:t>List Methods</a:t>
-            </a:r>
-            <a:r>
-              <a:rPr lang="en-US" sz="3200" dirty="0"/>
-              <a:t>. </a:t>
-            </a:r>
-          </a:p>
-          <a:p>
-            <a:pPr marL="0" indent="0">
-              <a:buNone/>
-            </a:pPr>
-            <a:r>
-              <a:rPr lang="en-US" sz="3200" b="1" dirty="0"/>
-              <a:t>Sets, Tuples</a:t>
-            </a:r>
-            <a:r>
-              <a:rPr lang="en-US" sz="3200" dirty="0"/>
-              <a:t> </a:t>
-            </a:r>
-            <a:r>
-              <a:rPr lang="en-US" sz="3200" b="1" dirty="0"/>
-              <a:t>and</a:t>
-            </a:r>
-            <a:r>
-              <a:rPr lang="en-US" sz="3200" dirty="0"/>
-              <a:t> </a:t>
-            </a:r>
-            <a:r>
-              <a:rPr lang="en-US" sz="3200" b="1" dirty="0"/>
-              <a:t>Dictionaries</a:t>
-            </a:r>
-            <a:r>
-              <a:rPr lang="en-US" sz="3200" dirty="0"/>
-              <a:t>. </a:t>
-            </a:r>
-          </a:p>
-          <a:p>
-            <a:pPr marL="0" indent="0">
-              <a:buNone/>
-            </a:pPr>
-            <a:r>
-              <a:rPr lang="en-US" sz="3200" b="1" dirty="0"/>
-              <a:t>Files: reading and writing files. </a:t>
-            </a:r>
-          </a:p>
-          <a:p>
-            <a:pPr marL="0" indent="0">
-              <a:buNone/>
-            </a:pPr>
-            <a:r>
-              <a:rPr lang="en-US" sz="3200" b="1" dirty="0"/>
-              <a:t>Class Definition – Constructors</a:t>
-            </a:r>
-            <a:r>
-              <a:rPr lang="en-US" sz="3200" dirty="0"/>
-              <a:t> – </a:t>
-            </a:r>
-            <a:r>
-              <a:rPr lang="en-US" sz="3200" b="1" dirty="0"/>
-              <a:t>Inheritance</a:t>
-            </a:r>
-            <a:r>
-              <a:rPr lang="en-US" sz="3200" dirty="0"/>
-              <a:t> – </a:t>
-            </a:r>
-            <a:r>
-              <a:rPr lang="en-US" sz="3200" b="1" dirty="0"/>
-              <a:t>Overloading</a:t>
-            </a:r>
-            <a:r>
-              <a:rPr lang="en-US" sz="3200" dirty="0"/>
-              <a:t>.</a:t>
+              <a:t>abc</a:t>
+            </a:r>
+            <a:r>
+              <a:rPr lang="en-US" sz="2400" dirty="0"/>
+              <a:t> module (</a:t>
+            </a:r>
+            <a:r>
+              <a:rPr lang="en-US" sz="2400" b="1" dirty="0"/>
+              <a:t>ABC</a:t>
+            </a:r>
+            <a:r>
+              <a:rPr lang="en-US" sz="2400" dirty="0"/>
+              <a:t> and </a:t>
+            </a:r>
+            <a:r>
+              <a:rPr lang="en-US" sz="2400" b="1" dirty="0" err="1"/>
+              <a:t>abstractmethod</a:t>
+            </a:r>
+            <a:r>
+              <a:rPr lang="en-US" sz="2400" dirty="0"/>
+              <a:t>) to create abstract classes.</a:t>
             </a:r>
           </a:p>
         </p:txBody>
@@ -11891,7 +13189,7 @@
     </p:spTree>
     <p:extLst>
       <p:ext uri="{BB962C8B-B14F-4D97-AF65-F5344CB8AC3E}">
-        <p14:creationId xmlns:p14="http://schemas.microsoft.com/office/powerpoint/2010/main" val="3701916597"/>
+        <p14:creationId xmlns:p14="http://schemas.microsoft.com/office/powerpoint/2010/main" val="215342530"/>
       </p:ext>
     </p:extLst>
   </p:cSld>
@@ -11901,12 +13199,18 @@
 </p:sld>
 </file>
 
-<file path=ppt/slides/slide41.xml><?xml version="1.0" encoding="utf-8"?>
+<file path=ppt/slides/slide43.xml><?xml version="1.0" encoding="utf-8"?>
 <p:sld xmlns:a="http://schemas.openxmlformats.org/drawingml/2006/main" xmlns:r="http://schemas.openxmlformats.org/officeDocument/2006/relationships" xmlns:p="http://schemas.openxmlformats.org/presentationml/2006/main">
   <p:cSld>
     <p:spTree>
       <p:nvGrpSpPr>
-        <p:cNvPr id="1" name=""/>
+        <p:cNvPr id="1" name="">
+          <a:extLst>
+            <a:ext uri="{FF2B5EF4-FFF2-40B4-BE49-F238E27FC236}">
+              <a16:creationId xmlns:a16="http://schemas.microsoft.com/office/drawing/2014/main" id="{08F0B5B9-2C4F-479C-AF38-1E8E234F91B3}"/>
+            </a:ext>
+          </a:extLst>
+        </p:cNvPr>
         <p:cNvGrpSpPr/>
         <p:nvPr/>
       </p:nvGrpSpPr>
@@ -11923,7 +13227,7 @@
           <p:cNvPr id="3" name="Content Placeholder 2">
             <a:extLst>
               <a:ext uri="{FF2B5EF4-FFF2-40B4-BE49-F238E27FC236}">
-                <a16:creationId xmlns:a16="http://schemas.microsoft.com/office/drawing/2014/main" id="{D4FA3FDF-FA6B-176E-44C8-17AABC79A699}"/>
+                <a16:creationId xmlns:a16="http://schemas.microsoft.com/office/drawing/2014/main" id="{673A261C-FE09-25FC-C7CC-F6511D369D48}"/>
               </a:ext>
             </a:extLst>
           </p:cNvPr>
@@ -11936,8 +13240,8 @@
         </p:nvSpPr>
         <p:spPr>
           <a:xfrm>
-            <a:off x="777240" y="707571"/>
-            <a:ext cx="10659110" cy="5469392"/>
+            <a:off x="766445" y="762000"/>
+            <a:ext cx="10659110" cy="5399313"/>
           </a:xfrm>
         </p:spPr>
         <p:txBody>
@@ -11949,6 +13253,221 @@
             <a:pPr marL="0" indent="0">
               <a:buNone/>
             </a:pPr>
+            <a:r>
+              <a:rPr lang="en-US" sz="2400" b="1" dirty="0"/>
+              <a:t>Example:</a:t>
+            </a:r>
+          </a:p>
+          <a:p>
+            <a:pPr marL="0" indent="0">
+              <a:buNone/>
+            </a:pPr>
+            <a:endParaRPr lang="en-US" sz="2400" b="1" dirty="0"/>
+          </a:p>
+        </p:txBody>
+      </p:sp>
+      <p:pic>
+        <p:nvPicPr>
+          <p:cNvPr id="4" name="Picture 3">
+            <a:extLst>
+              <a:ext uri="{FF2B5EF4-FFF2-40B4-BE49-F238E27FC236}">
+                <a16:creationId xmlns:a16="http://schemas.microsoft.com/office/drawing/2014/main" id="{9DD61251-8698-0C67-1088-4A2E07DC6FDC}"/>
+              </a:ext>
+            </a:extLst>
+          </p:cNvPr>
+          <p:cNvPicPr>
+            <a:picLocks noChangeAspect="1"/>
+          </p:cNvPicPr>
+          <p:nvPr/>
+        </p:nvPicPr>
+        <p:blipFill>
+          <a:blip r:embed="rId2"/>
+          <a:stretch>
+            <a:fillRect/>
+          </a:stretch>
+        </p:blipFill>
+        <p:spPr>
+          <a:xfrm>
+            <a:off x="1504295" y="1354324"/>
+            <a:ext cx="8412590" cy="4922713"/>
+          </a:xfrm>
+          <a:prstGeom prst="rect">
+            <a:avLst/>
+          </a:prstGeom>
+        </p:spPr>
+      </p:pic>
+    </p:spTree>
+    <p:extLst>
+      <p:ext uri="{BB962C8B-B14F-4D97-AF65-F5344CB8AC3E}">
+        <p14:creationId xmlns:p14="http://schemas.microsoft.com/office/powerpoint/2010/main" val="625647896"/>
+      </p:ext>
+    </p:extLst>
+  </p:cSld>
+  <p:clrMapOvr>
+    <a:masterClrMapping/>
+  </p:clrMapOvr>
+</p:sld>
+</file>
+
+<file path=ppt/slides/slide44.xml><?xml version="1.0" encoding="utf-8"?>
+<p:sld xmlns:a="http://schemas.openxmlformats.org/drawingml/2006/main" xmlns:r="http://schemas.openxmlformats.org/officeDocument/2006/relationships" xmlns:p="http://schemas.openxmlformats.org/presentationml/2006/main">
+  <p:cSld>
+    <p:spTree>
+      <p:nvGrpSpPr>
+        <p:cNvPr id="1" name="">
+          <a:extLst>
+            <a:ext uri="{FF2B5EF4-FFF2-40B4-BE49-F238E27FC236}">
+              <a16:creationId xmlns:a16="http://schemas.microsoft.com/office/drawing/2014/main" id="{70FD9EEA-D32E-5C28-CD3D-39E46B526B5D}"/>
+            </a:ext>
+          </a:extLst>
+        </p:cNvPr>
+        <p:cNvGrpSpPr/>
+        <p:nvPr/>
+      </p:nvGrpSpPr>
+      <p:grpSpPr>
+        <a:xfrm>
+          <a:off x="0" y="0"/>
+          <a:ext cx="0" cy="0"/>
+          <a:chOff x="0" y="0"/>
+          <a:chExt cx="0" cy="0"/>
+        </a:xfrm>
+      </p:grpSpPr>
+      <p:sp>
+        <p:nvSpPr>
+          <p:cNvPr id="3" name="Content Placeholder 2">
+            <a:extLst>
+              <a:ext uri="{FF2B5EF4-FFF2-40B4-BE49-F238E27FC236}">
+                <a16:creationId xmlns:a16="http://schemas.microsoft.com/office/drawing/2014/main" id="{336D321B-931D-3099-9A24-4E6EE5AA1746}"/>
+              </a:ext>
+            </a:extLst>
+          </p:cNvPr>
+          <p:cNvSpPr>
+            <a:spLocks noGrp="1"/>
+          </p:cNvSpPr>
+          <p:nvPr>
+            <p:ph idx="1"/>
+          </p:nvPr>
+        </p:nvSpPr>
+        <p:spPr>
+          <a:xfrm>
+            <a:off x="766445" y="1012371"/>
+            <a:ext cx="10659110" cy="5148942"/>
+          </a:xfrm>
+        </p:spPr>
+        <p:txBody>
+          <a:bodyPr>
+            <a:normAutofit/>
+          </a:bodyPr>
+          <a:lstStyle/>
+          <a:p>
+            <a:pPr marL="0" indent="0">
+              <a:buNone/>
+            </a:pPr>
+            <a:r>
+              <a:rPr lang="en-US" sz="2800" b="1" dirty="0"/>
+              <a:t>What and Why do we use the </a:t>
+            </a:r>
+            <a:r>
+              <a:rPr lang="en-US" sz="3600" b="1" dirty="0" err="1">
+                <a:solidFill>
+                  <a:srgbClr val="C00000"/>
+                </a:solidFill>
+              </a:rPr>
+              <a:t>abc</a:t>
+            </a:r>
+            <a:r>
+              <a:rPr lang="en-US" sz="2800" b="1" dirty="0"/>
+              <a:t> module?</a:t>
+            </a:r>
+          </a:p>
+          <a:p>
+            <a:r>
+              <a:rPr lang="en-US" sz="2800" dirty="0"/>
+              <a:t>Python </a:t>
+            </a:r>
+            <a:r>
+              <a:rPr lang="en-US" sz="2800" b="1" dirty="0">
+                <a:solidFill>
+                  <a:srgbClr val="002060"/>
+                </a:solidFill>
+              </a:rPr>
+              <a:t>doesn’t have </a:t>
+            </a:r>
+            <a:r>
+              <a:rPr lang="en-US" sz="2800" dirty="0"/>
+              <a:t>a built-in </a:t>
+            </a:r>
+            <a:r>
+              <a:rPr lang="en-US" sz="2800" b="1" dirty="0">
+                <a:solidFill>
+                  <a:srgbClr val="C00000"/>
+                </a:solidFill>
+              </a:rPr>
+              <a:t>keyword</a:t>
+            </a:r>
+            <a:r>
+              <a:rPr lang="en-US" sz="2800" dirty="0"/>
+              <a:t> like </a:t>
+            </a:r>
+            <a:r>
+              <a:rPr lang="en-US" sz="2800" b="1" dirty="0"/>
+              <a:t>abstract</a:t>
+            </a:r>
+            <a:r>
+              <a:rPr lang="en-US" sz="2800" dirty="0"/>
+              <a:t> (as in Java or C#).</a:t>
+            </a:r>
+          </a:p>
+          <a:p>
+            <a:r>
+              <a:rPr lang="en-US" sz="2800" dirty="0"/>
+              <a:t>Instead, Python provides the </a:t>
+            </a:r>
+            <a:r>
+              <a:rPr lang="en-US" sz="2800" b="1" dirty="0" err="1"/>
+              <a:t>abc</a:t>
+            </a:r>
+            <a:r>
+              <a:rPr lang="en-US" sz="2800" b="1" dirty="0"/>
+              <a:t> module</a:t>
+            </a:r>
+            <a:r>
+              <a:rPr lang="en-US" sz="2800" dirty="0"/>
+              <a:t> (Abstract Base Classes).</a:t>
+            </a:r>
+          </a:p>
+          <a:p>
+            <a:r>
+              <a:rPr lang="en-US" sz="2800" dirty="0"/>
+              <a:t>Inside it, we use:</a:t>
+            </a:r>
+          </a:p>
+          <a:p>
+            <a:pPr lvl="1"/>
+            <a:r>
+              <a:rPr lang="en-US" sz="2400" b="1" dirty="0"/>
+              <a:t>ABC</a:t>
+            </a:r>
+            <a:r>
+              <a:rPr lang="en-US" sz="2400" dirty="0"/>
+              <a:t> → A base class to define an abstract class.</a:t>
+            </a:r>
+          </a:p>
+          <a:p>
+            <a:pPr lvl="1"/>
+            <a:r>
+              <a:rPr lang="en-US" sz="2400" b="1" dirty="0"/>
+              <a:t>@abstractmethod</a:t>
+            </a:r>
+            <a:r>
+              <a:rPr lang="en-US" sz="2400" dirty="0"/>
+              <a:t> → A decorator to mark a method as abstract.</a:t>
+            </a:r>
+          </a:p>
+          <a:p>
+            <a:pPr marL="0" indent="0">
+              <a:buNone/>
+            </a:pPr>
             <a:endParaRPr lang="en-US" sz="2400" dirty="0"/>
           </a:p>
         </p:txBody>
@@ -11956,7 +13475,256 @@
     </p:spTree>
     <p:extLst>
       <p:ext uri="{BB962C8B-B14F-4D97-AF65-F5344CB8AC3E}">
-        <p14:creationId xmlns:p14="http://schemas.microsoft.com/office/powerpoint/2010/main" val="3866902460"/>
+        <p14:creationId xmlns:p14="http://schemas.microsoft.com/office/powerpoint/2010/main" val="4027626550"/>
+      </p:ext>
+    </p:extLst>
+  </p:cSld>
+  <p:clrMapOvr>
+    <a:masterClrMapping/>
+  </p:clrMapOvr>
+</p:sld>
+</file>
+
+<file path=ppt/slides/slide45.xml><?xml version="1.0" encoding="utf-8"?>
+<p:sld xmlns:a="http://schemas.openxmlformats.org/drawingml/2006/main" xmlns:r="http://schemas.openxmlformats.org/officeDocument/2006/relationships" xmlns:p="http://schemas.openxmlformats.org/presentationml/2006/main">
+  <p:cSld>
+    <p:spTree>
+      <p:nvGrpSpPr>
+        <p:cNvPr id="1" name="">
+          <a:extLst>
+            <a:ext uri="{FF2B5EF4-FFF2-40B4-BE49-F238E27FC236}">
+              <a16:creationId xmlns:a16="http://schemas.microsoft.com/office/drawing/2014/main" id="{E8CBE434-337F-7240-9355-616EC8D45587}"/>
+            </a:ext>
+          </a:extLst>
+        </p:cNvPr>
+        <p:cNvGrpSpPr/>
+        <p:nvPr/>
+      </p:nvGrpSpPr>
+      <p:grpSpPr>
+        <a:xfrm>
+          <a:off x="0" y="0"/>
+          <a:ext cx="0" cy="0"/>
+          <a:chOff x="0" y="0"/>
+          <a:chExt cx="0" cy="0"/>
+        </a:xfrm>
+      </p:grpSpPr>
+      <p:sp>
+        <p:nvSpPr>
+          <p:cNvPr id="3" name="Content Placeholder 2">
+            <a:extLst>
+              <a:ext uri="{FF2B5EF4-FFF2-40B4-BE49-F238E27FC236}">
+                <a16:creationId xmlns:a16="http://schemas.microsoft.com/office/drawing/2014/main" id="{D342A2CE-8E12-8E57-C903-AC63353A0B06}"/>
+              </a:ext>
+            </a:extLst>
+          </p:cNvPr>
+          <p:cNvSpPr>
+            <a:spLocks noGrp="1"/>
+          </p:cNvSpPr>
+          <p:nvPr>
+            <p:ph idx="1"/>
+          </p:nvPr>
+        </p:nvSpPr>
+        <p:spPr>
+          <a:xfrm>
+            <a:off x="766445" y="489858"/>
+            <a:ext cx="10659110" cy="5671456"/>
+          </a:xfrm>
+        </p:spPr>
+        <p:txBody>
+          <a:bodyPr>
+            <a:normAutofit/>
+          </a:bodyPr>
+          <a:lstStyle/>
+          <a:p>
+            <a:pPr marL="0" indent="0">
+              <a:buNone/>
+            </a:pPr>
+            <a:r>
+              <a:rPr lang="en-US" sz="2400" b="1" dirty="0"/>
+              <a:t>Concrete Class:</a:t>
+            </a:r>
+          </a:p>
+          <a:p>
+            <a:pPr marL="0" indent="0">
+              <a:buNone/>
+            </a:pPr>
+            <a:endParaRPr lang="en-US" sz="2400" b="1" dirty="0"/>
+          </a:p>
+        </p:txBody>
+      </p:sp>
+      <p:pic>
+        <p:nvPicPr>
+          <p:cNvPr id="4" name="Picture 3">
+            <a:extLst>
+              <a:ext uri="{FF2B5EF4-FFF2-40B4-BE49-F238E27FC236}">
+                <a16:creationId xmlns:a16="http://schemas.microsoft.com/office/drawing/2014/main" id="{A23F6D69-CF4E-A9BE-EC08-27C6D2FE2FD6}"/>
+              </a:ext>
+            </a:extLst>
+          </p:cNvPr>
+          <p:cNvPicPr>
+            <a:picLocks noChangeAspect="1"/>
+          </p:cNvPicPr>
+          <p:nvPr/>
+        </p:nvPicPr>
+        <p:blipFill>
+          <a:blip r:embed="rId2"/>
+          <a:stretch>
+            <a:fillRect/>
+          </a:stretch>
+        </p:blipFill>
+        <p:spPr>
+          <a:xfrm>
+            <a:off x="1972657" y="1033008"/>
+            <a:ext cx="8246686" cy="5335134"/>
+          </a:xfrm>
+          <a:prstGeom prst="rect">
+            <a:avLst/>
+          </a:prstGeom>
+        </p:spPr>
+      </p:pic>
+    </p:spTree>
+    <p:extLst>
+      <p:ext uri="{BB962C8B-B14F-4D97-AF65-F5344CB8AC3E}">
+        <p14:creationId xmlns:p14="http://schemas.microsoft.com/office/powerpoint/2010/main" val="2721946453"/>
+      </p:ext>
+    </p:extLst>
+  </p:cSld>
+  <p:clrMapOvr>
+    <a:masterClrMapping/>
+  </p:clrMapOvr>
+</p:sld>
+</file>
+
+<file path=ppt/slides/slide46.xml><?xml version="1.0" encoding="utf-8"?>
+<p:sld xmlns:a="http://schemas.openxmlformats.org/drawingml/2006/main" xmlns:r="http://schemas.openxmlformats.org/officeDocument/2006/relationships" xmlns:p="http://schemas.openxmlformats.org/presentationml/2006/main">
+  <p:cSld>
+    <p:spTree>
+      <p:nvGrpSpPr>
+        <p:cNvPr id="1" name="">
+          <a:extLst>
+            <a:ext uri="{FF2B5EF4-FFF2-40B4-BE49-F238E27FC236}">
+              <a16:creationId xmlns:a16="http://schemas.microsoft.com/office/drawing/2014/main" id="{B3110085-9A60-5375-5A8B-F5A4D66D1912}"/>
+            </a:ext>
+          </a:extLst>
+        </p:cNvPr>
+        <p:cNvGrpSpPr/>
+        <p:nvPr/>
+      </p:nvGrpSpPr>
+      <p:grpSpPr>
+        <a:xfrm>
+          <a:off x="0" y="0"/>
+          <a:ext cx="0" cy="0"/>
+          <a:chOff x="0" y="0"/>
+          <a:chExt cx="0" cy="0"/>
+        </a:xfrm>
+      </p:grpSpPr>
+      <p:pic>
+        <p:nvPicPr>
+          <p:cNvPr id="4" name="Content Placeholder 3">
+            <a:extLst>
+              <a:ext uri="{FF2B5EF4-FFF2-40B4-BE49-F238E27FC236}">
+                <a16:creationId xmlns:a16="http://schemas.microsoft.com/office/drawing/2014/main" id="{71C3CB7B-8FF3-C71C-3363-CF31E832614B}"/>
+              </a:ext>
+            </a:extLst>
+          </p:cNvPr>
+          <p:cNvPicPr>
+            <a:picLocks noGrp="1" noChangeAspect="1"/>
+          </p:cNvPicPr>
+          <p:nvPr>
+            <p:ph idx="1"/>
+          </p:nvPr>
+        </p:nvPicPr>
+        <p:blipFill>
+          <a:blip r:embed="rId2"/>
+          <a:stretch>
+            <a:fillRect/>
+          </a:stretch>
+        </p:blipFill>
+        <p:spPr>
+          <a:xfrm>
+            <a:off x="1806159" y="838200"/>
+            <a:ext cx="7970082" cy="5399088"/>
+          </a:xfrm>
+          <a:prstGeom prst="rect">
+            <a:avLst/>
+          </a:prstGeom>
+        </p:spPr>
+      </p:pic>
+    </p:spTree>
+    <p:extLst>
+      <p:ext uri="{BB962C8B-B14F-4D97-AF65-F5344CB8AC3E}">
+        <p14:creationId xmlns:p14="http://schemas.microsoft.com/office/powerpoint/2010/main" val="4242923709"/>
+      </p:ext>
+    </p:extLst>
+  </p:cSld>
+  <p:clrMapOvr>
+    <a:masterClrMapping/>
+  </p:clrMapOvr>
+</p:sld>
+</file>
+
+<file path=ppt/slides/slide47.xml><?xml version="1.0" encoding="utf-8"?>
+<p:sld xmlns:a="http://schemas.openxmlformats.org/drawingml/2006/main" xmlns:r="http://schemas.openxmlformats.org/officeDocument/2006/relationships" xmlns:p="http://schemas.openxmlformats.org/presentationml/2006/main">
+  <p:cSld>
+    <p:spTree>
+      <p:nvGrpSpPr>
+        <p:cNvPr id="1" name="">
+          <a:extLst>
+            <a:ext uri="{FF2B5EF4-FFF2-40B4-BE49-F238E27FC236}">
+              <a16:creationId xmlns:a16="http://schemas.microsoft.com/office/drawing/2014/main" id="{F01B0E3E-EAA5-DD98-7511-DB5775F8F18D}"/>
+            </a:ext>
+          </a:extLst>
+        </p:cNvPr>
+        <p:cNvGrpSpPr/>
+        <p:nvPr/>
+      </p:nvGrpSpPr>
+      <p:grpSpPr>
+        <a:xfrm>
+          <a:off x="0" y="0"/>
+          <a:ext cx="0" cy="0"/>
+          <a:chOff x="0" y="0"/>
+          <a:chExt cx="0" cy="0"/>
+        </a:xfrm>
+      </p:grpSpPr>
+      <p:sp>
+        <p:nvSpPr>
+          <p:cNvPr id="3" name="Content Placeholder 2">
+            <a:extLst>
+              <a:ext uri="{FF2B5EF4-FFF2-40B4-BE49-F238E27FC236}">
+                <a16:creationId xmlns:a16="http://schemas.microsoft.com/office/drawing/2014/main" id="{F4FD0618-66A9-25BF-7D33-D84A927AE6AB}"/>
+              </a:ext>
+            </a:extLst>
+          </p:cNvPr>
+          <p:cNvSpPr>
+            <a:spLocks noGrp="1"/>
+          </p:cNvSpPr>
+          <p:nvPr>
+            <p:ph idx="1"/>
+          </p:nvPr>
+        </p:nvSpPr>
+        <p:spPr>
+          <a:xfrm>
+            <a:off x="766445" y="762000"/>
+            <a:ext cx="10659110" cy="5399313"/>
+          </a:xfrm>
+        </p:spPr>
+        <p:txBody>
+          <a:bodyPr>
+            <a:normAutofit/>
+          </a:bodyPr>
+          <a:lstStyle/>
+          <a:p>
+            <a:pPr marL="0" indent="0">
+              <a:buNone/>
+            </a:pPr>
+            <a:endParaRPr lang="en-US" sz="2400" dirty="0"/>
+          </a:p>
+        </p:txBody>
+      </p:sp>
+    </p:spTree>
+    <p:extLst>
+      <p:ext uri="{BB962C8B-B14F-4D97-AF65-F5344CB8AC3E}">
+        <p14:creationId xmlns:p14="http://schemas.microsoft.com/office/powerpoint/2010/main" val="544651392"/>
       </p:ext>
     </p:extLst>
   </p:cSld>

--- a/Python Fundamentals/Collections and Classes.pptx
+++ b/Python Fundamentals/Collections and Classes.pptx
@@ -164,6 +164,61 @@
 <file path=ppt/changesInfos/changesInfo1.xml><?xml version="1.0" encoding="utf-8"?>
 <pc:chgInfo xmlns:a="http://schemas.openxmlformats.org/drawingml/2006/main" xmlns:r="http://schemas.openxmlformats.org/officeDocument/2006/relationships" xmlns:ac="http://schemas.microsoft.com/office/drawing/2013/main/command" xmlns:pc="http://schemas.microsoft.com/office/powerpoint/2013/main/command">
   <pc:docChgLst>
+    <pc:chgData name="Pramod Naik" userId="ceb6df04-ef15-4d9b-a141-998a03559d75" providerId="ADAL" clId="{62E9B5AE-779D-4001-92D3-8FF830A8A9C1}"/>
+    <pc:docChg chg="modSld">
+      <pc:chgData name="Pramod Naik" userId="ceb6df04-ef15-4d9b-a141-998a03559d75" providerId="ADAL" clId="{62E9B5AE-779D-4001-92D3-8FF830A8A9C1}" dt="2025-10-07T07:12:58.666" v="5" actId="207"/>
+      <pc:docMkLst>
+        <pc:docMk/>
+      </pc:docMkLst>
+      <pc:sldChg chg="modSp mod">
+        <pc:chgData name="Pramod Naik" userId="ceb6df04-ef15-4d9b-a141-998a03559d75" providerId="ADAL" clId="{62E9B5AE-779D-4001-92D3-8FF830A8A9C1}" dt="2025-10-07T06:45:33.782" v="0" actId="1076"/>
+        <pc:sldMkLst>
+          <pc:docMk/>
+          <pc:sldMk cId="611814134" sldId="752"/>
+        </pc:sldMkLst>
+        <pc:picChg chg="mod">
+          <ac:chgData name="Pramod Naik" userId="ceb6df04-ef15-4d9b-a141-998a03559d75" providerId="ADAL" clId="{62E9B5AE-779D-4001-92D3-8FF830A8A9C1}" dt="2025-10-07T06:45:33.782" v="0" actId="1076"/>
+          <ac:picMkLst>
+            <pc:docMk/>
+            <pc:sldMk cId="611814134" sldId="752"/>
+            <ac:picMk id="4" creationId="{16C25C26-E9F1-DAF0-AB9D-02D2ACFA1986}"/>
+          </ac:picMkLst>
+        </pc:picChg>
+      </pc:sldChg>
+      <pc:sldChg chg="modSp mod">
+        <pc:chgData name="Pramod Naik" userId="ceb6df04-ef15-4d9b-a141-998a03559d75" providerId="ADAL" clId="{62E9B5AE-779D-4001-92D3-8FF830A8A9C1}" dt="2025-10-07T07:12:58.666" v="5" actId="207"/>
+        <pc:sldMkLst>
+          <pc:docMk/>
+          <pc:sldMk cId="1954187737" sldId="787"/>
+        </pc:sldMkLst>
+        <pc:spChg chg="mod">
+          <ac:chgData name="Pramod Naik" userId="ceb6df04-ef15-4d9b-a141-998a03559d75" providerId="ADAL" clId="{62E9B5AE-779D-4001-92D3-8FF830A8A9C1}" dt="2025-10-07T07:12:58.666" v="5" actId="207"/>
+          <ac:spMkLst>
+            <pc:docMk/>
+            <pc:sldMk cId="1954187737" sldId="787"/>
+            <ac:spMk id="3" creationId="{80F25F24-1853-AE2D-2E19-098B8168FBA0}"/>
+          </ac:spMkLst>
+        </pc:spChg>
+      </pc:sldChg>
+    </pc:docChg>
+  </pc:docChgLst>
+  <pc:docChgLst>
+    <pc:chgData name="Pramod Naik" userId="ceb6df04-ef15-4d9b-a141-998a03559d75" providerId="ADAL" clId="{1F28A535-E83C-40EF-BB81-AF2EB011B529}"/>
+    <pc:docChg chg="modSld">
+      <pc:chgData name="Pramod Naik" userId="ceb6df04-ef15-4d9b-a141-998a03559d75" providerId="ADAL" clId="{1F28A535-E83C-40EF-BB81-AF2EB011B529}" dt="2025-09-07T17:08:57.672" v="7" actId="12"/>
+      <pc:docMkLst>
+        <pc:docMk/>
+      </pc:docMkLst>
+      <pc:sldChg chg="modSp mod">
+        <pc:chgData name="Pramod Naik" userId="ceb6df04-ef15-4d9b-a141-998a03559d75" providerId="ADAL" clId="{1F28A535-E83C-40EF-BB81-AF2EB011B529}" dt="2025-09-07T17:08:57.672" v="7" actId="12"/>
+        <pc:sldMkLst>
+          <pc:docMk/>
+          <pc:sldMk cId="2782369766" sldId="717"/>
+        </pc:sldMkLst>
+      </pc:sldChg>
+    </pc:docChg>
+  </pc:docChgLst>
+  <pc:docChgLst>
     <pc:chgData name="Pramod Naik" userId="ceb6df04-ef15-4d9b-a141-998a03559d75" providerId="ADAL" clId="{B3FF8FC2-64DC-47A8-B423-173CC5C7DF98}"/>
     <pc:docChg chg="undo custSel modSld">
       <pc:chgData name="Pramod Naik" userId="ceb6df04-ef15-4d9b-a141-998a03559d75" providerId="ADAL" clId="{B3FF8FC2-64DC-47A8-B423-173CC5C7DF98}" dt="2025-07-13T13:58:10.876" v="4" actId="1076"/>
@@ -183,30 +238,6 @@
           <pc:docMk/>
           <pc:sldMk cId="2969933567" sldId="772"/>
         </pc:sldMkLst>
-      </pc:sldChg>
-    </pc:docChg>
-  </pc:docChgLst>
-  <pc:docChgLst>
-    <pc:chgData name="Pramod Naik" userId="ceb6df04-ef15-4d9b-a141-998a03559d75" providerId="ADAL" clId="{1F28A535-E83C-40EF-BB81-AF2EB011B529}"/>
-    <pc:docChg chg="modSld">
-      <pc:chgData name="Pramod Naik" userId="ceb6df04-ef15-4d9b-a141-998a03559d75" providerId="ADAL" clId="{1F28A535-E83C-40EF-BB81-AF2EB011B529}" dt="2025-09-07T17:08:57.672" v="7" actId="12"/>
-      <pc:docMkLst>
-        <pc:docMk/>
-      </pc:docMkLst>
-      <pc:sldChg chg="modSp mod">
-        <pc:chgData name="Pramod Naik" userId="ceb6df04-ef15-4d9b-a141-998a03559d75" providerId="ADAL" clId="{1F28A535-E83C-40EF-BB81-AF2EB011B529}" dt="2025-09-07T17:08:57.672" v="7" actId="12"/>
-        <pc:sldMkLst>
-          <pc:docMk/>
-          <pc:sldMk cId="2782369766" sldId="717"/>
-        </pc:sldMkLst>
-        <pc:spChg chg="mod">
-          <ac:chgData name="Pramod Naik" userId="ceb6df04-ef15-4d9b-a141-998a03559d75" providerId="ADAL" clId="{1F28A535-E83C-40EF-BB81-AF2EB011B529}" dt="2025-09-07T17:08:57.672" v="7" actId="12"/>
-          <ac:spMkLst>
-            <pc:docMk/>
-            <pc:sldMk cId="2782369766" sldId="717"/>
-            <ac:spMk id="3" creationId="{24D298E5-9B7D-8DA8-6080-77DABA7C37A8}"/>
-          </ac:spMkLst>
-        </pc:spChg>
       </pc:sldChg>
     </pc:docChg>
   </pc:docChgLst>
@@ -295,7 +326,7 @@
           <a:p>
             <a:fld id="{61532AF1-4615-4667-912A-829B12F8C4D2}" type="datetimeFigureOut">
               <a:rPr lang="en-IN" smtClean="0"/>
-              <a:t>21-09-2025</a:t>
+              <a:t>07-10-2025</a:t>
             </a:fld>
             <a:endParaRPr lang="en-IN"/>
           </a:p>
@@ -712,7 +743,7 @@
           <a:p>
             <a:fld id="{C43A76A3-ADC8-4477-8FC1-B9DD55D84908}" type="datetime1">
               <a:rPr lang="en-US" smtClean="0"/>
-              <a:t>9/21/2025</a:t>
+              <a:t>10/7/2025</a:t>
             </a:fld>
             <a:endParaRPr lang="en-US" dirty="0"/>
           </a:p>
@@ -910,7 +941,7 @@
           <a:p>
             <a:fld id="{D6762538-DC4D-4667-96E5-B3278DDF8B12}" type="datetime1">
               <a:rPr lang="en-US" smtClean="0"/>
-              <a:t>9/21/2025</a:t>
+              <a:t>10/7/2025</a:t>
             </a:fld>
             <a:endParaRPr lang="en-US"/>
           </a:p>
@@ -1118,7 +1149,7 @@
           <a:p>
             <a:fld id="{05880548-5C08-4BE3-B63E-F2BB63B0B00C}" type="datetime1">
               <a:rPr lang="en-US" smtClean="0"/>
-              <a:t>9/21/2025</a:t>
+              <a:t>10/7/2025</a:t>
             </a:fld>
             <a:endParaRPr lang="en-US"/>
           </a:p>
@@ -1316,7 +1347,7 @@
           <a:p>
             <a:fld id="{DE7F49BE-398D-479A-8A7E-5DDBCA61EDCB}" type="datetime1">
               <a:rPr lang="en-US" smtClean="0"/>
-              <a:t>9/21/2025</a:t>
+              <a:t>10/7/2025</a:t>
             </a:fld>
             <a:endParaRPr lang="en-US" dirty="0"/>
           </a:p>
@@ -1592,7 +1623,7 @@
           <a:p>
             <a:fld id="{CCD0C193-4974-4A1F-9C63-07D595E30D66}" type="datetime1">
               <a:rPr lang="en-US" smtClean="0"/>
-              <a:t>9/21/2025</a:t>
+              <a:t>10/7/2025</a:t>
             </a:fld>
             <a:endParaRPr lang="en-US"/>
           </a:p>
@@ -1859,7 +1890,7 @@
           <a:p>
             <a:fld id="{701AA87F-28D4-4BF0-B81F-877A89DFD5AC}" type="datetime1">
               <a:rPr lang="en-US" smtClean="0"/>
-              <a:t>9/21/2025</a:t>
+              <a:t>10/7/2025</a:t>
             </a:fld>
             <a:endParaRPr lang="en-US"/>
           </a:p>
@@ -2273,7 +2304,7 @@
           <a:p>
             <a:fld id="{A8A9F1F3-208B-49A3-B337-9C8ACEB3E0E1}" type="datetime1">
               <a:rPr lang="en-US" smtClean="0"/>
-              <a:t>9/21/2025</a:t>
+              <a:t>10/7/2025</a:t>
             </a:fld>
             <a:endParaRPr lang="en-US"/>
           </a:p>
@@ -2420,7 +2451,7 @@
           <a:p>
             <a:fld id="{27AF6CA6-7293-4AA2-A0E0-A3BF4416E786}" type="datetime1">
               <a:rPr lang="en-US" smtClean="0"/>
-              <a:t>9/21/2025</a:t>
+              <a:t>10/7/2025</a:t>
             </a:fld>
             <a:endParaRPr lang="en-US"/>
           </a:p>
@@ -2533,7 +2564,7 @@
           <a:p>
             <a:fld id="{98D87016-7BCD-46FB-8EE3-AB6C369108B4}" type="datetime1">
               <a:rPr lang="en-US" smtClean="0"/>
-              <a:t>9/21/2025</a:t>
+              <a:t>10/7/2025</a:t>
             </a:fld>
             <a:endParaRPr lang="en-US"/>
           </a:p>
@@ -2852,7 +2883,7 @@
           <a:p>
             <a:fld id="{A1547011-1FFC-4EF8-9A2E-53B4AD2ADBD4}" type="datetime1">
               <a:rPr lang="en-US" smtClean="0"/>
-              <a:t>9/21/2025</a:t>
+              <a:t>10/7/2025</a:t>
             </a:fld>
             <a:endParaRPr lang="en-US"/>
           </a:p>
@@ -3147,7 +3178,7 @@
           <a:p>
             <a:fld id="{9562EB47-45B4-4EF5-A743-B4885DD2F060}" type="datetime1">
               <a:rPr lang="en-US" smtClean="0"/>
-              <a:t>9/21/2025</a:t>
+              <a:t>10/7/2025</a:t>
             </a:fld>
             <a:endParaRPr lang="en-US"/>
           </a:p>
@@ -4532,7 +4563,7 @@
           <a:p>
             <a:fld id="{4A8D24A4-5FEC-4062-8995-EB21925B3B40}" type="datetime1">
               <a:rPr lang="en-US" smtClean="0"/>
-              <a:t>9/21/2025</a:t>
+              <a:t>10/7/2025</a:t>
             </a:fld>
             <a:endParaRPr lang="en-US" sz="1000" dirty="0"/>
           </a:p>
@@ -5725,10 +5756,50 @@
             </a:r>
             <a:r>
               <a:rPr lang="en-US" sz="2400" dirty="0"/>
-              <a:t>both class instances (objects) and the class </a:t>
-            </a:r>
-            <a:r>
-              <a:rPr lang="en-US" sz="2400" dirty="0" err="1"/>
+              <a:t>both </a:t>
+            </a:r>
+            <a:r>
+              <a:rPr lang="en-US" sz="2400" b="1" dirty="0">
+                <a:solidFill>
+                  <a:srgbClr val="002060"/>
+                </a:solidFill>
+              </a:rPr>
+              <a:t>class</a:t>
+            </a:r>
+            <a:r>
+              <a:rPr lang="en-US" sz="2400" dirty="0"/>
+              <a:t> </a:t>
+            </a:r>
+            <a:r>
+              <a:rPr lang="en-US" sz="2400" b="1" dirty="0">
+                <a:solidFill>
+                  <a:srgbClr val="002060"/>
+                </a:solidFill>
+              </a:rPr>
+              <a:t>instances</a:t>
+            </a:r>
+            <a:r>
+              <a:rPr lang="en-US" sz="2400" dirty="0"/>
+              <a:t> (objects) and the </a:t>
+            </a:r>
+            <a:r>
+              <a:rPr lang="en-US" sz="2400" b="1" dirty="0">
+                <a:solidFill>
+                  <a:srgbClr val="002060"/>
+                </a:solidFill>
+              </a:rPr>
+              <a:t>class</a:t>
+            </a:r>
+            <a:r>
+              <a:rPr lang="en-US" sz="2400" dirty="0"/>
+              <a:t> </a:t>
+            </a:r>
+            <a:r>
+              <a:rPr lang="en-US" sz="2400" b="1" dirty="0" err="1">
+                <a:solidFill>
+                  <a:srgbClr val="002060"/>
+                </a:solidFill>
+              </a:rPr>
               <a:t>itself’s</a:t>
             </a:r>
             <a:r>
@@ -12685,7 +12756,7 @@
         </p:blipFill>
         <p:spPr>
           <a:xfrm>
-            <a:off x="1088480" y="633809"/>
+            <a:off x="1919663" y="612038"/>
             <a:ext cx="8352674" cy="5967697"/>
           </a:xfrm>
           <a:prstGeom prst="rect">

--- a/Python Fundamentals/Collections and Classes.pptx
+++ b/Python Fundamentals/Collections and Classes.pptx
@@ -5,7 +5,7 @@
     <p:sldMasterId id="2147483710" r:id="rId1"/>
   </p:sldMasterIdLst>
   <p:notesMasterIdLst>
-    <p:notesMasterId r:id="rId49"/>
+    <p:notesMasterId r:id="rId59"/>
   </p:notesMasterIdLst>
   <p:sldIdLst>
     <p:sldId id="748" r:id="rId2"/>
@@ -23,38 +23,48 @@
     <p:sldId id="759" r:id="rId14"/>
     <p:sldId id="783" r:id="rId15"/>
     <p:sldId id="774" r:id="rId16"/>
-    <p:sldId id="760" r:id="rId17"/>
-    <p:sldId id="761" r:id="rId18"/>
-    <p:sldId id="762" r:id="rId19"/>
-    <p:sldId id="763" r:id="rId20"/>
-    <p:sldId id="764" r:id="rId21"/>
-    <p:sldId id="765" r:id="rId22"/>
-    <p:sldId id="766" r:id="rId23"/>
-    <p:sldId id="784" r:id="rId24"/>
-    <p:sldId id="767" r:id="rId25"/>
-    <p:sldId id="768" r:id="rId26"/>
-    <p:sldId id="769" r:id="rId27"/>
-    <p:sldId id="782" r:id="rId28"/>
-    <p:sldId id="770" r:id="rId29"/>
-    <p:sldId id="772" r:id="rId30"/>
-    <p:sldId id="771" r:id="rId31"/>
-    <p:sldId id="773" r:id="rId32"/>
-    <p:sldId id="775" r:id="rId33"/>
-    <p:sldId id="785" r:id="rId34"/>
-    <p:sldId id="786" r:id="rId35"/>
-    <p:sldId id="777" r:id="rId36"/>
-    <p:sldId id="776" r:id="rId37"/>
-    <p:sldId id="778" r:id="rId38"/>
-    <p:sldId id="779" r:id="rId39"/>
-    <p:sldId id="780" r:id="rId40"/>
-    <p:sldId id="781" r:id="rId41"/>
-    <p:sldId id="788" r:id="rId42"/>
-    <p:sldId id="789" r:id="rId43"/>
-    <p:sldId id="790" r:id="rId44"/>
-    <p:sldId id="791" r:id="rId45"/>
-    <p:sldId id="792" r:id="rId46"/>
-    <p:sldId id="793" r:id="rId47"/>
-    <p:sldId id="794" r:id="rId48"/>
+    <p:sldId id="795" r:id="rId17"/>
+    <p:sldId id="796" r:id="rId18"/>
+    <p:sldId id="760" r:id="rId19"/>
+    <p:sldId id="761" r:id="rId20"/>
+    <p:sldId id="762" r:id="rId21"/>
+    <p:sldId id="763" r:id="rId22"/>
+    <p:sldId id="764" r:id="rId23"/>
+    <p:sldId id="765" r:id="rId24"/>
+    <p:sldId id="766" r:id="rId25"/>
+    <p:sldId id="797" r:id="rId26"/>
+    <p:sldId id="784" r:id="rId27"/>
+    <p:sldId id="767" r:id="rId28"/>
+    <p:sldId id="768" r:id="rId29"/>
+    <p:sldId id="769" r:id="rId30"/>
+    <p:sldId id="782" r:id="rId31"/>
+    <p:sldId id="770" r:id="rId32"/>
+    <p:sldId id="772" r:id="rId33"/>
+    <p:sldId id="771" r:id="rId34"/>
+    <p:sldId id="773" r:id="rId35"/>
+    <p:sldId id="775" r:id="rId36"/>
+    <p:sldId id="785" r:id="rId37"/>
+    <p:sldId id="786" r:id="rId38"/>
+    <p:sldId id="803" r:id="rId39"/>
+    <p:sldId id="777" r:id="rId40"/>
+    <p:sldId id="802" r:id="rId41"/>
+    <p:sldId id="776" r:id="rId42"/>
+    <p:sldId id="778" r:id="rId43"/>
+    <p:sldId id="779" r:id="rId44"/>
+    <p:sldId id="780" r:id="rId45"/>
+    <p:sldId id="781" r:id="rId46"/>
+    <p:sldId id="788" r:id="rId47"/>
+    <p:sldId id="789" r:id="rId48"/>
+    <p:sldId id="804" r:id="rId49"/>
+    <p:sldId id="790" r:id="rId50"/>
+    <p:sldId id="791" r:id="rId51"/>
+    <p:sldId id="792" r:id="rId52"/>
+    <p:sldId id="793" r:id="rId53"/>
+    <p:sldId id="794" r:id="rId54"/>
+    <p:sldId id="798" r:id="rId55"/>
+    <p:sldId id="799" r:id="rId56"/>
+    <p:sldId id="800" r:id="rId57"/>
+    <p:sldId id="801" r:id="rId58"/>
   </p:sldIdLst>
   <p:sldSz cx="12192000" cy="6858000"/>
   <p:notesSz cx="6858000" cy="9144000"/>
@@ -164,6 +174,29 @@
 <file path=ppt/changesInfos/changesInfo1.xml><?xml version="1.0" encoding="utf-8"?>
 <pc:chgInfo xmlns:a="http://schemas.openxmlformats.org/drawingml/2006/main" xmlns:r="http://schemas.openxmlformats.org/officeDocument/2006/relationships" xmlns:ac="http://schemas.microsoft.com/office/drawing/2013/main/command" xmlns:pc="http://schemas.microsoft.com/office/powerpoint/2013/main/command">
   <pc:docChgLst>
+    <pc:chgData name="Pramod Naik" userId="ceb6df04-ef15-4d9b-a141-998a03559d75" providerId="ADAL" clId="{B3FF8FC2-64DC-47A8-B423-173CC5C7DF98}"/>
+    <pc:docChg chg="undo custSel modSld">
+      <pc:chgData name="Pramod Naik" userId="ceb6df04-ef15-4d9b-a141-998a03559d75" providerId="ADAL" clId="{B3FF8FC2-64DC-47A8-B423-173CC5C7DF98}" dt="2025-07-13T13:58:10.876" v="4" actId="1076"/>
+      <pc:docMkLst>
+        <pc:docMk/>
+      </pc:docMkLst>
+      <pc:sldChg chg="modSp mod">
+        <pc:chgData name="Pramod Naik" userId="ceb6df04-ef15-4d9b-a141-998a03559d75" providerId="ADAL" clId="{B3FF8FC2-64DC-47A8-B423-173CC5C7DF98}" dt="2025-07-13T12:53:06.105" v="2" actId="20577"/>
+        <pc:sldMkLst>
+          <pc:docMk/>
+          <pc:sldMk cId="67146944" sldId="716"/>
+        </pc:sldMkLst>
+      </pc:sldChg>
+      <pc:sldChg chg="modSp mod">
+        <pc:chgData name="Pramod Naik" userId="ceb6df04-ef15-4d9b-a141-998a03559d75" providerId="ADAL" clId="{B3FF8FC2-64DC-47A8-B423-173CC5C7DF98}" dt="2025-07-13T13:58:10.876" v="4" actId="1076"/>
+        <pc:sldMkLst>
+          <pc:docMk/>
+          <pc:sldMk cId="2969933567" sldId="772"/>
+        </pc:sldMkLst>
+      </pc:sldChg>
+    </pc:docChg>
+  </pc:docChgLst>
+  <pc:docChgLst>
     <pc:chgData name="Pramod Naik" userId="ceb6df04-ef15-4d9b-a141-998a03559d75" providerId="ADAL" clId="{62E9B5AE-779D-4001-92D3-8FF830A8A9C1}"/>
     <pc:docChg chg="modSld">
       <pc:chgData name="Pramod Naik" userId="ceb6df04-ef15-4d9b-a141-998a03559d75" providerId="ADAL" clId="{62E9B5AE-779D-4001-92D3-8FF830A8A9C1}" dt="2025-10-07T07:12:58.666" v="5" actId="207"/>
@@ -214,29 +247,6 @@
         <pc:sldMkLst>
           <pc:docMk/>
           <pc:sldMk cId="2782369766" sldId="717"/>
-        </pc:sldMkLst>
-      </pc:sldChg>
-    </pc:docChg>
-  </pc:docChgLst>
-  <pc:docChgLst>
-    <pc:chgData name="Pramod Naik" userId="ceb6df04-ef15-4d9b-a141-998a03559d75" providerId="ADAL" clId="{B3FF8FC2-64DC-47A8-B423-173CC5C7DF98}"/>
-    <pc:docChg chg="undo custSel modSld">
-      <pc:chgData name="Pramod Naik" userId="ceb6df04-ef15-4d9b-a141-998a03559d75" providerId="ADAL" clId="{B3FF8FC2-64DC-47A8-B423-173CC5C7DF98}" dt="2025-07-13T13:58:10.876" v="4" actId="1076"/>
-      <pc:docMkLst>
-        <pc:docMk/>
-      </pc:docMkLst>
-      <pc:sldChg chg="modSp mod">
-        <pc:chgData name="Pramod Naik" userId="ceb6df04-ef15-4d9b-a141-998a03559d75" providerId="ADAL" clId="{B3FF8FC2-64DC-47A8-B423-173CC5C7DF98}" dt="2025-07-13T12:53:06.105" v="2" actId="20577"/>
-        <pc:sldMkLst>
-          <pc:docMk/>
-          <pc:sldMk cId="67146944" sldId="716"/>
-        </pc:sldMkLst>
-      </pc:sldChg>
-      <pc:sldChg chg="modSp mod">
-        <pc:chgData name="Pramod Naik" userId="ceb6df04-ef15-4d9b-a141-998a03559d75" providerId="ADAL" clId="{B3FF8FC2-64DC-47A8-B423-173CC5C7DF98}" dt="2025-07-13T13:58:10.876" v="4" actId="1076"/>
-        <pc:sldMkLst>
-          <pc:docMk/>
-          <pc:sldMk cId="2969933567" sldId="772"/>
         </pc:sldMkLst>
       </pc:sldChg>
     </pc:docChg>
@@ -326,7 +336,7 @@
           <a:p>
             <a:fld id="{61532AF1-4615-4667-912A-829B12F8C4D2}" type="datetimeFigureOut">
               <a:rPr lang="en-IN" smtClean="0"/>
-              <a:t>07-10-2025</a:t>
+              <a:t>08-10-2025</a:t>
             </a:fld>
             <a:endParaRPr lang="en-IN"/>
           </a:p>
@@ -743,7 +753,7 @@
           <a:p>
             <a:fld id="{C43A76A3-ADC8-4477-8FC1-B9DD55D84908}" type="datetime1">
               <a:rPr lang="en-US" smtClean="0"/>
-              <a:t>10/7/2025</a:t>
+              <a:t>10/8/2025</a:t>
             </a:fld>
             <a:endParaRPr lang="en-US" dirty="0"/>
           </a:p>
@@ -941,7 +951,7 @@
           <a:p>
             <a:fld id="{D6762538-DC4D-4667-96E5-B3278DDF8B12}" type="datetime1">
               <a:rPr lang="en-US" smtClean="0"/>
-              <a:t>10/7/2025</a:t>
+              <a:t>10/8/2025</a:t>
             </a:fld>
             <a:endParaRPr lang="en-US"/>
           </a:p>
@@ -1149,7 +1159,7 @@
           <a:p>
             <a:fld id="{05880548-5C08-4BE3-B63E-F2BB63B0B00C}" type="datetime1">
               <a:rPr lang="en-US" smtClean="0"/>
-              <a:t>10/7/2025</a:t>
+              <a:t>10/8/2025</a:t>
             </a:fld>
             <a:endParaRPr lang="en-US"/>
           </a:p>
@@ -1347,7 +1357,7 @@
           <a:p>
             <a:fld id="{DE7F49BE-398D-479A-8A7E-5DDBCA61EDCB}" type="datetime1">
               <a:rPr lang="en-US" smtClean="0"/>
-              <a:t>10/7/2025</a:t>
+              <a:t>10/8/2025</a:t>
             </a:fld>
             <a:endParaRPr lang="en-US" dirty="0"/>
           </a:p>
@@ -1623,7 +1633,7 @@
           <a:p>
             <a:fld id="{CCD0C193-4974-4A1F-9C63-07D595E30D66}" type="datetime1">
               <a:rPr lang="en-US" smtClean="0"/>
-              <a:t>10/7/2025</a:t>
+              <a:t>10/8/2025</a:t>
             </a:fld>
             <a:endParaRPr lang="en-US"/>
           </a:p>
@@ -1890,7 +1900,7 @@
           <a:p>
             <a:fld id="{701AA87F-28D4-4BF0-B81F-877A89DFD5AC}" type="datetime1">
               <a:rPr lang="en-US" smtClean="0"/>
-              <a:t>10/7/2025</a:t>
+              <a:t>10/8/2025</a:t>
             </a:fld>
             <a:endParaRPr lang="en-US"/>
           </a:p>
@@ -2304,7 +2314,7 @@
           <a:p>
             <a:fld id="{A8A9F1F3-208B-49A3-B337-9C8ACEB3E0E1}" type="datetime1">
               <a:rPr lang="en-US" smtClean="0"/>
-              <a:t>10/7/2025</a:t>
+              <a:t>10/8/2025</a:t>
             </a:fld>
             <a:endParaRPr lang="en-US"/>
           </a:p>
@@ -2451,7 +2461,7 @@
           <a:p>
             <a:fld id="{27AF6CA6-7293-4AA2-A0E0-A3BF4416E786}" type="datetime1">
               <a:rPr lang="en-US" smtClean="0"/>
-              <a:t>10/7/2025</a:t>
+              <a:t>10/8/2025</a:t>
             </a:fld>
             <a:endParaRPr lang="en-US"/>
           </a:p>
@@ -2564,7 +2574,7 @@
           <a:p>
             <a:fld id="{98D87016-7BCD-46FB-8EE3-AB6C369108B4}" type="datetime1">
               <a:rPr lang="en-US" smtClean="0"/>
-              <a:t>10/7/2025</a:t>
+              <a:t>10/8/2025</a:t>
             </a:fld>
             <a:endParaRPr lang="en-US"/>
           </a:p>
@@ -2883,7 +2893,7 @@
           <a:p>
             <a:fld id="{A1547011-1FFC-4EF8-9A2E-53B4AD2ADBD4}" type="datetime1">
               <a:rPr lang="en-US" smtClean="0"/>
-              <a:t>10/7/2025</a:t>
+              <a:t>10/8/2025</a:t>
             </a:fld>
             <a:endParaRPr lang="en-US"/>
           </a:p>
@@ -3178,7 +3188,7 @@
           <a:p>
             <a:fld id="{9562EB47-45B4-4EF5-A743-B4885DD2F060}" type="datetime1">
               <a:rPr lang="en-US" smtClean="0"/>
-              <a:t>10/7/2025</a:t>
+              <a:t>10/8/2025</a:t>
             </a:fld>
             <a:endParaRPr lang="en-US"/>
           </a:p>
@@ -4563,7 +4573,7 @@
           <a:p>
             <a:fld id="{4A8D24A4-5FEC-4062-8995-EB21925B3B40}" type="datetime1">
               <a:rPr lang="en-US" smtClean="0"/>
-              <a:t>10/7/2025</a:t>
+              <a:t>10/8/2025</a:t>
             </a:fld>
             <a:endParaRPr lang="en-US" sz="1000" dirty="0"/>
           </a:p>
@@ -5435,7 +5445,7 @@
               <a:buAutoNum type="arabicPeriod"/>
             </a:pPr>
             <a:r>
-              <a:rPr lang="en-US" sz="2400" dirty="0"/>
+              <a:rPr lang="en-US" sz="2400" b="1" dirty="0"/>
               <a:t>Polymorphism</a:t>
             </a:r>
           </a:p>
@@ -6120,7 +6130,7 @@
         </p:spPr>
         <p:txBody>
           <a:bodyPr>
-            <a:normAutofit/>
+            <a:normAutofit lnSpcReduction="10000"/>
           </a:bodyPr>
           <a:lstStyle/>
           <a:p>
@@ -6202,7 +6212,7 @@
             </a:r>
             <a:r>
               <a:rPr lang="en-US" sz="3200" dirty="0"/>
-              <a:t> Methods → When working with instance attributes.</a:t>
+              <a:t> Methods → When working with instance attributes or Variables.</a:t>
             </a:r>
           </a:p>
           <a:p>
@@ -6236,7 +6246,23 @@
             </a:r>
             <a:r>
               <a:rPr lang="en-US" sz="3200" dirty="0"/>
-              <a:t> Methods → When the method is independent of the class and instance.</a:t>
+              <a:t> Methods → When the method is independent of the </a:t>
+            </a:r>
+            <a:r>
+              <a:rPr lang="en-US" sz="3200" b="1" dirty="0"/>
+              <a:t>class</a:t>
+            </a:r>
+            <a:r>
+              <a:rPr lang="en-US" sz="3200" dirty="0"/>
+              <a:t> and </a:t>
+            </a:r>
+            <a:r>
+              <a:rPr lang="en-US" sz="3200" b="1" dirty="0"/>
+              <a:t>instance</a:t>
+            </a:r>
+            <a:r>
+              <a:rPr lang="en-US" sz="3200" dirty="0"/>
+              <a:t> (object).</a:t>
             </a:r>
           </a:p>
         </p:txBody>
@@ -6325,7 +6351,7 @@
             </a:r>
             <a:r>
               <a:rPr lang="en-US" sz="2400" b="1" dirty="0"/>
-              <a:t> direct access to object attributes </a:t>
+              <a:t> direct access to object attributes or variables </a:t>
             </a:r>
             <a:r>
               <a:rPr lang="en-US" sz="2400" dirty="0"/>
@@ -6377,7 +6403,7 @@
         </p:blipFill>
         <p:spPr>
           <a:xfrm>
-            <a:off x="877425" y="1923867"/>
+            <a:off x="766445" y="2174239"/>
             <a:ext cx="8135944" cy="4516367"/>
           </a:xfrm>
           <a:prstGeom prst="rect">
@@ -6450,6 +6476,1710 @@
 </file>
 
 <file path=ppt/slides/slide16.xml><?xml version="1.0" encoding="utf-8"?>
+<p:sld xmlns:a="http://schemas.openxmlformats.org/drawingml/2006/main" xmlns:r="http://schemas.openxmlformats.org/officeDocument/2006/relationships" xmlns:p="http://schemas.openxmlformats.org/presentationml/2006/main">
+  <p:cSld>
+    <p:bg>
+      <p:bgPr>
+        <a:solidFill>
+          <a:schemeClr val="bg1"/>
+        </a:solidFill>
+        <a:effectLst/>
+      </p:bgPr>
+    </p:bg>
+    <p:spTree>
+      <p:nvGrpSpPr>
+        <p:cNvPr id="1" name=""/>
+        <p:cNvGrpSpPr/>
+        <p:nvPr/>
+      </p:nvGrpSpPr>
+      <p:grpSpPr>
+        <a:xfrm>
+          <a:off x="0" y="0"/>
+          <a:ext cx="0" cy="0"/>
+          <a:chOff x="0" y="0"/>
+          <a:chExt cx="0" cy="0"/>
+        </a:xfrm>
+      </p:grpSpPr>
+      <p:sp useBgFill="1">
+        <p:nvSpPr>
+          <p:cNvPr id="1031" name="Rectangle 1030">
+            <a:extLst>
+              <a:ext uri="{FF2B5EF4-FFF2-40B4-BE49-F238E27FC236}">
+                <a16:creationId xmlns:a16="http://schemas.microsoft.com/office/drawing/2014/main" id="{99B5B3C5-A599-465B-B2B9-866E8B2087CE}"/>
+              </a:ext>
+              <a:ext uri="{C183D7F6-B498-43B3-948B-1728B52AA6E4}">
+                <adec:decorative xmlns:adec="http://schemas.microsoft.com/office/drawing/2017/decorative" val="1"/>
+              </a:ext>
+            </a:extLst>
+          </p:cNvPr>
+          <p:cNvSpPr>
+            <a:spLocks noGrp="1" noRot="1" noChangeAspect="1" noMove="1" noResize="1" noEditPoints="1" noAdjustHandles="1" noChangeArrowheads="1" noChangeShapeType="1" noTextEdit="1"/>
+          </p:cNvSpPr>
+          <p:nvPr>
+            <p:extLst>
+              <p:ext uri="{386F3935-93C4-4BCD-93E2-E3B085C9AB24}">
+                <p16:designElem xmlns:p16="http://schemas.microsoft.com/office/powerpoint/2015/main" val="1"/>
+              </p:ext>
+            </p:extLst>
+          </p:nvPr>
+        </p:nvSpPr>
+        <p:spPr>
+          <a:xfrm>
+            <a:off x="-1" y="-1"/>
+            <a:ext cx="12192001" cy="6858001"/>
+          </a:xfrm>
+          <a:prstGeom prst="rect">
+            <a:avLst/>
+          </a:prstGeom>
+          <a:ln>
+            <a:noFill/>
+          </a:ln>
+        </p:spPr>
+        <p:style>
+          <a:lnRef idx="2">
+            <a:schemeClr val="accent1">
+              <a:shade val="50000"/>
+            </a:schemeClr>
+          </a:lnRef>
+          <a:fillRef idx="1">
+            <a:schemeClr val="accent1"/>
+          </a:fillRef>
+          <a:effectRef idx="0">
+            <a:schemeClr val="accent1"/>
+          </a:effectRef>
+          <a:fontRef idx="minor">
+            <a:schemeClr val="lt1"/>
+          </a:fontRef>
+        </p:style>
+        <p:txBody>
+          <a:bodyPr rtlCol="0" anchor="ctr"/>
+          <a:lstStyle/>
+          <a:p>
+            <a:pPr algn="ctr"/>
+            <a:endParaRPr lang="en-US" dirty="0"/>
+          </a:p>
+        </p:txBody>
+      </p:sp>
+      <p:sp>
+        <p:nvSpPr>
+          <p:cNvPr id="1033" name="Rectangle 1032">
+            <a:extLst>
+              <a:ext uri="{FF2B5EF4-FFF2-40B4-BE49-F238E27FC236}">
+                <a16:creationId xmlns:a16="http://schemas.microsoft.com/office/drawing/2014/main" id="{25C84982-7DD0-43B1-8A2D-BFA4DF1B4E60}"/>
+              </a:ext>
+              <a:ext uri="{C183D7F6-B498-43B3-948B-1728B52AA6E4}">
+                <adec:decorative xmlns:adec="http://schemas.microsoft.com/office/drawing/2017/decorative" val="1"/>
+              </a:ext>
+            </a:extLst>
+          </p:cNvPr>
+          <p:cNvSpPr>
+            <a:spLocks noGrp="1" noRot="1" noChangeAspect="1" noMove="1" noResize="1" noEditPoints="1" noAdjustHandles="1" noChangeArrowheads="1" noChangeShapeType="1" noTextEdit="1"/>
+          </p:cNvSpPr>
+          <p:nvPr>
+            <p:extLst>
+              <p:ext uri="{386F3935-93C4-4BCD-93E2-E3B085C9AB24}">
+                <p16:designElem xmlns:p16="http://schemas.microsoft.com/office/powerpoint/2015/main" val="1"/>
+              </p:ext>
+            </p:extLst>
+          </p:nvPr>
+        </p:nvSpPr>
+        <p:spPr>
+          <a:xfrm>
+            <a:off x="-1" y="-1"/>
+            <a:ext cx="12192001" cy="6858001"/>
+          </a:xfrm>
+          <a:prstGeom prst="rect">
+            <a:avLst/>
+          </a:prstGeom>
+          <a:solidFill>
+            <a:schemeClr val="bg2"/>
+          </a:solidFill>
+          <a:ln>
+            <a:noFill/>
+          </a:ln>
+        </p:spPr>
+        <p:style>
+          <a:lnRef idx="2">
+            <a:schemeClr val="accent1">
+              <a:shade val="50000"/>
+            </a:schemeClr>
+          </a:lnRef>
+          <a:fillRef idx="1">
+            <a:schemeClr val="accent1"/>
+          </a:fillRef>
+          <a:effectRef idx="0">
+            <a:schemeClr val="accent1"/>
+          </a:effectRef>
+          <a:fontRef idx="minor">
+            <a:schemeClr val="lt1"/>
+          </a:fontRef>
+        </p:style>
+        <p:txBody>
+          <a:bodyPr rtlCol="0" anchor="ctr"/>
+          <a:lstStyle/>
+          <a:p>
+            <a:pPr algn="ctr"/>
+            <a:endParaRPr lang="en-US" sz="900" dirty="0">
+              <a:solidFill>
+                <a:schemeClr val="bg1"/>
+              </a:solidFill>
+              <a:latin typeface="+mj-lt"/>
+            </a:endParaRPr>
+          </a:p>
+        </p:txBody>
+      </p:sp>
+      <p:grpSp>
+        <p:nvGrpSpPr>
+          <p:cNvPr id="1035" name="Decorative Circles">
+            <a:extLst>
+              <a:ext uri="{FF2B5EF4-FFF2-40B4-BE49-F238E27FC236}">
+                <a16:creationId xmlns:a16="http://schemas.microsoft.com/office/drawing/2014/main" id="{1D912E1C-3BBA-42F0-A3EE-FEC382E7230A}"/>
+              </a:ext>
+              <a:ext uri="{C183D7F6-B498-43B3-948B-1728B52AA6E4}">
+                <adec:decorative xmlns:adec="http://schemas.microsoft.com/office/drawing/2017/decorative" val="1"/>
+              </a:ext>
+            </a:extLst>
+          </p:cNvPr>
+          <p:cNvGrpSpPr>
+            <a:grpSpLocks noGrp="1" noUngrp="1" noRot="1" noChangeAspect="1" noMove="1" noResize="1"/>
+          </p:cNvGrpSpPr>
+          <p:nvPr>
+            <p:extLst>
+              <p:ext uri="{386F3935-93C4-4BCD-93E2-E3B085C9AB24}">
+                <p16:designElem xmlns:p16="http://schemas.microsoft.com/office/powerpoint/2015/main" val="1"/>
+              </p:ext>
+            </p:extLst>
+          </p:nvPr>
+        </p:nvGrpSpPr>
+        <p:grpSpPr>
+          <a:xfrm>
+            <a:off x="-1" y="-1"/>
+            <a:ext cx="12192001" cy="6858001"/>
+            <a:chOff x="-1" y="-1"/>
+            <a:chExt cx="12192001" cy="6858001"/>
+          </a:xfrm>
+        </p:grpSpPr>
+        <p:sp>
+          <p:nvSpPr>
+            <p:cNvPr id="1036" name="Oval 1035">
+              <a:extLst>
+                <a:ext uri="{FF2B5EF4-FFF2-40B4-BE49-F238E27FC236}">
+                  <a16:creationId xmlns:a16="http://schemas.microsoft.com/office/drawing/2014/main" id="{2FEEAC76-E273-46A8-8F8E-CE59860FE70D}"/>
+                </a:ext>
+                <a:ext uri="{C183D7F6-B498-43B3-948B-1728B52AA6E4}">
+                  <adec:decorative xmlns:adec="http://schemas.microsoft.com/office/drawing/2017/decorative" val="1"/>
+                </a:ext>
+              </a:extLst>
+            </p:cNvPr>
+            <p:cNvSpPr/>
+            <p:nvPr>
+              <p:extLst>
+                <p:ext uri="{386F3935-93C4-4BCD-93E2-E3B085C9AB24}">
+                  <p16:designElem xmlns:p16="http://schemas.microsoft.com/office/powerpoint/2015/main" val="1"/>
+                </p:ext>
+              </p:extLst>
+            </p:nvPr>
+          </p:nvSpPr>
+          <p:spPr>
+            <a:xfrm>
+              <a:off x="209098" y="727602"/>
+              <a:ext cx="172408" cy="172408"/>
+            </a:xfrm>
+            <a:prstGeom prst="ellipse">
+              <a:avLst/>
+            </a:prstGeom>
+            <a:solidFill>
+              <a:schemeClr val="accent2">
+                <a:lumMod val="40000"/>
+                <a:lumOff val="60000"/>
+                <a:alpha val="50000"/>
+              </a:schemeClr>
+            </a:solidFill>
+            <a:ln>
+              <a:noFill/>
+            </a:ln>
+          </p:spPr>
+          <p:style>
+            <a:lnRef idx="2">
+              <a:schemeClr val="accent1">
+                <a:shade val="50000"/>
+              </a:schemeClr>
+            </a:lnRef>
+            <a:fillRef idx="1">
+              <a:schemeClr val="accent1"/>
+            </a:fillRef>
+            <a:effectRef idx="0">
+              <a:schemeClr val="accent1"/>
+            </a:effectRef>
+            <a:fontRef idx="minor">
+              <a:schemeClr val="lt1"/>
+            </a:fontRef>
+          </p:style>
+          <p:txBody>
+            <a:bodyPr rtlCol="0" anchor="ctr"/>
+            <a:lstStyle/>
+            <a:p>
+              <a:pPr algn="ctr"/>
+              <a:endParaRPr lang="en-US"/>
+            </a:p>
+          </p:txBody>
+        </p:sp>
+        <p:sp>
+          <p:nvSpPr>
+            <p:cNvPr id="1037" name="Oval 1036">
+              <a:extLst>
+                <a:ext uri="{FF2B5EF4-FFF2-40B4-BE49-F238E27FC236}">
+                  <a16:creationId xmlns:a16="http://schemas.microsoft.com/office/drawing/2014/main" id="{76594A0E-9400-45AD-A431-1DA1C0B28966}"/>
+                </a:ext>
+                <a:ext uri="{C183D7F6-B498-43B3-948B-1728B52AA6E4}">
+                  <adec:decorative xmlns:adec="http://schemas.microsoft.com/office/drawing/2017/decorative" val="1"/>
+                </a:ext>
+              </a:extLst>
+            </p:cNvPr>
+            <p:cNvSpPr/>
+            <p:nvPr>
+              <p:extLst>
+                <p:ext uri="{386F3935-93C4-4BCD-93E2-E3B085C9AB24}">
+                  <p16:designElem xmlns:p16="http://schemas.microsoft.com/office/powerpoint/2015/main" val="1"/>
+                </p:ext>
+              </p:extLst>
+            </p:nvPr>
+          </p:nvSpPr>
+          <p:spPr>
+            <a:xfrm>
+              <a:off x="949947" y="136523"/>
+              <a:ext cx="113367" cy="113367"/>
+            </a:xfrm>
+            <a:prstGeom prst="ellipse">
+              <a:avLst/>
+            </a:prstGeom>
+            <a:solidFill>
+              <a:srgbClr val="F39E29">
+                <a:alpha val="50000"/>
+              </a:srgbClr>
+            </a:solidFill>
+            <a:ln>
+              <a:noFill/>
+            </a:ln>
+          </p:spPr>
+          <p:style>
+            <a:lnRef idx="2">
+              <a:schemeClr val="accent1">
+                <a:shade val="50000"/>
+              </a:schemeClr>
+            </a:lnRef>
+            <a:fillRef idx="1">
+              <a:schemeClr val="accent1"/>
+            </a:fillRef>
+            <a:effectRef idx="0">
+              <a:schemeClr val="accent1"/>
+            </a:effectRef>
+            <a:fontRef idx="minor">
+              <a:schemeClr val="lt1"/>
+            </a:fontRef>
+          </p:style>
+          <p:txBody>
+            <a:bodyPr rtlCol="0" anchor="ctr"/>
+            <a:lstStyle/>
+            <a:p>
+              <a:pPr algn="ctr"/>
+              <a:endParaRPr lang="en-US"/>
+            </a:p>
+          </p:txBody>
+        </p:sp>
+        <p:sp>
+          <p:nvSpPr>
+            <p:cNvPr id="1038" name="Oval 1037">
+              <a:extLst>
+                <a:ext uri="{FF2B5EF4-FFF2-40B4-BE49-F238E27FC236}">
+                  <a16:creationId xmlns:a16="http://schemas.microsoft.com/office/drawing/2014/main" id="{20916D6C-D32F-42B6-8512-CD5EDB8F2B9B}"/>
+                </a:ext>
+                <a:ext uri="{C183D7F6-B498-43B3-948B-1728B52AA6E4}">
+                  <adec:decorative xmlns:adec="http://schemas.microsoft.com/office/drawing/2017/decorative" val="1"/>
+                </a:ext>
+              </a:extLst>
+            </p:cNvPr>
+            <p:cNvSpPr/>
+            <p:nvPr>
+              <p:extLst>
+                <p:ext uri="{386F3935-93C4-4BCD-93E2-E3B085C9AB24}">
+                  <p16:designElem xmlns:p16="http://schemas.microsoft.com/office/powerpoint/2015/main" val="1"/>
+                </p:ext>
+              </p:extLst>
+            </p:nvPr>
+          </p:nvSpPr>
+          <p:spPr>
+            <a:xfrm>
+              <a:off x="11575290" y="5859047"/>
+              <a:ext cx="305780" cy="305780"/>
+            </a:xfrm>
+            <a:prstGeom prst="ellipse">
+              <a:avLst/>
+            </a:prstGeom>
+            <a:solidFill>
+              <a:schemeClr val="accent1">
+                <a:lumMod val="60000"/>
+                <a:lumOff val="40000"/>
+                <a:alpha val="50000"/>
+              </a:schemeClr>
+            </a:solidFill>
+            <a:ln>
+              <a:noFill/>
+            </a:ln>
+          </p:spPr>
+          <p:style>
+            <a:lnRef idx="2">
+              <a:schemeClr val="accent1">
+                <a:shade val="50000"/>
+              </a:schemeClr>
+            </a:lnRef>
+            <a:fillRef idx="1">
+              <a:schemeClr val="accent1"/>
+            </a:fillRef>
+            <a:effectRef idx="0">
+              <a:schemeClr val="accent1"/>
+            </a:effectRef>
+            <a:fontRef idx="minor">
+              <a:schemeClr val="lt1"/>
+            </a:fontRef>
+          </p:style>
+          <p:txBody>
+            <a:bodyPr rtlCol="0" anchor="ctr"/>
+            <a:lstStyle/>
+            <a:p>
+              <a:pPr algn="ctr"/>
+              <a:endParaRPr lang="en-US"/>
+            </a:p>
+          </p:txBody>
+        </p:sp>
+        <p:sp>
+          <p:nvSpPr>
+            <p:cNvPr id="1039" name="Oval 1038">
+              <a:extLst>
+                <a:ext uri="{FF2B5EF4-FFF2-40B4-BE49-F238E27FC236}">
+                  <a16:creationId xmlns:a16="http://schemas.microsoft.com/office/drawing/2014/main" id="{3834846D-59C6-40F4-907C-F1A4689B58F1}"/>
+                </a:ext>
+                <a:ext uri="{C183D7F6-B498-43B3-948B-1728B52AA6E4}">
+                  <adec:decorative xmlns:adec="http://schemas.microsoft.com/office/drawing/2017/decorative" val="1"/>
+                </a:ext>
+              </a:extLst>
+            </p:cNvPr>
+            <p:cNvSpPr/>
+            <p:nvPr>
+              <p:extLst>
+                <p:ext uri="{386F3935-93C4-4BCD-93E2-E3B085C9AB24}">
+                  <p16:designElem xmlns:p16="http://schemas.microsoft.com/office/powerpoint/2015/main" val="1"/>
+                </p:ext>
+              </p:extLst>
+            </p:nvPr>
+          </p:nvSpPr>
+          <p:spPr>
+            <a:xfrm>
+              <a:off x="95730" y="1133938"/>
+              <a:ext cx="226735" cy="226735"/>
+            </a:xfrm>
+            <a:prstGeom prst="ellipse">
+              <a:avLst/>
+            </a:prstGeom>
+            <a:solidFill>
+              <a:schemeClr val="accent3">
+                <a:alpha val="50000"/>
+              </a:schemeClr>
+            </a:solidFill>
+            <a:ln>
+              <a:noFill/>
+            </a:ln>
+          </p:spPr>
+          <p:style>
+            <a:lnRef idx="2">
+              <a:schemeClr val="accent1">
+                <a:shade val="50000"/>
+              </a:schemeClr>
+            </a:lnRef>
+            <a:fillRef idx="1">
+              <a:schemeClr val="accent1"/>
+            </a:fillRef>
+            <a:effectRef idx="0">
+              <a:schemeClr val="accent1"/>
+            </a:effectRef>
+            <a:fontRef idx="minor">
+              <a:schemeClr val="lt1"/>
+            </a:fontRef>
+          </p:style>
+          <p:txBody>
+            <a:bodyPr rtlCol="0" anchor="ctr"/>
+            <a:lstStyle/>
+            <a:p>
+              <a:pPr algn="ctr"/>
+              <a:endParaRPr lang="en-US"/>
+            </a:p>
+          </p:txBody>
+        </p:sp>
+        <p:sp>
+          <p:nvSpPr>
+            <p:cNvPr id="1040" name="Oval 1039">
+              <a:extLst>
+                <a:ext uri="{FF2B5EF4-FFF2-40B4-BE49-F238E27FC236}">
+                  <a16:creationId xmlns:a16="http://schemas.microsoft.com/office/drawing/2014/main" id="{5A257CDF-2E36-4DC7-8EE4-5CD8F8ECAC87}"/>
+                </a:ext>
+                <a:ext uri="{C183D7F6-B498-43B3-948B-1728B52AA6E4}">
+                  <adec:decorative xmlns:adec="http://schemas.microsoft.com/office/drawing/2017/decorative" val="1"/>
+                </a:ext>
+              </a:extLst>
+            </p:cNvPr>
+            <p:cNvSpPr/>
+            <p:nvPr>
+              <p:extLst>
+                <p:ext uri="{386F3935-93C4-4BCD-93E2-E3B085C9AB24}">
+                  <p16:designElem xmlns:p16="http://schemas.microsoft.com/office/powerpoint/2015/main" val="1"/>
+                </p:ext>
+              </p:extLst>
+            </p:nvPr>
+          </p:nvSpPr>
+          <p:spPr>
+            <a:xfrm>
+              <a:off x="11536830" y="554419"/>
+              <a:ext cx="382700" cy="382700"/>
+            </a:xfrm>
+            <a:prstGeom prst="ellipse">
+              <a:avLst/>
+            </a:prstGeom>
+            <a:solidFill>
+              <a:schemeClr val="accent2">
+                <a:lumMod val="60000"/>
+                <a:lumOff val="40000"/>
+                <a:alpha val="72000"/>
+              </a:schemeClr>
+            </a:solidFill>
+            <a:ln>
+              <a:noFill/>
+            </a:ln>
+          </p:spPr>
+          <p:style>
+            <a:lnRef idx="2">
+              <a:schemeClr val="accent1">
+                <a:shade val="50000"/>
+              </a:schemeClr>
+            </a:lnRef>
+            <a:fillRef idx="1">
+              <a:schemeClr val="accent1"/>
+            </a:fillRef>
+            <a:effectRef idx="0">
+              <a:schemeClr val="accent1"/>
+            </a:effectRef>
+            <a:fontRef idx="minor">
+              <a:schemeClr val="lt1"/>
+            </a:fontRef>
+          </p:style>
+          <p:txBody>
+            <a:bodyPr rtlCol="0" anchor="ctr"/>
+            <a:lstStyle/>
+            <a:p>
+              <a:pPr algn="ctr"/>
+              <a:endParaRPr lang="en-US" dirty="0"/>
+            </a:p>
+          </p:txBody>
+        </p:sp>
+        <p:sp>
+          <p:nvSpPr>
+            <p:cNvPr id="1041" name="Oval 1040">
+              <a:extLst>
+                <a:ext uri="{FF2B5EF4-FFF2-40B4-BE49-F238E27FC236}">
+                  <a16:creationId xmlns:a16="http://schemas.microsoft.com/office/drawing/2014/main" id="{D5B26E0E-A115-4AE2-82D8-76BB93CC494F}"/>
+                </a:ext>
+                <a:ext uri="{C183D7F6-B498-43B3-948B-1728B52AA6E4}">
+                  <adec:decorative xmlns:adec="http://schemas.microsoft.com/office/drawing/2017/decorative" val="1"/>
+                </a:ext>
+              </a:extLst>
+            </p:cNvPr>
+            <p:cNvSpPr/>
+            <p:nvPr>
+              <p:extLst>
+                <p:ext uri="{386F3935-93C4-4BCD-93E2-E3B085C9AB24}">
+                  <p16:designElem xmlns:p16="http://schemas.microsoft.com/office/powerpoint/2015/main" val="1"/>
+                </p:ext>
+              </p:extLst>
+            </p:nvPr>
+          </p:nvSpPr>
+          <p:spPr>
+            <a:xfrm>
+              <a:off x="11224303" y="299808"/>
+              <a:ext cx="113367" cy="113367"/>
+            </a:xfrm>
+            <a:prstGeom prst="ellipse">
+              <a:avLst/>
+            </a:prstGeom>
+            <a:solidFill>
+              <a:srgbClr val="F39E29"/>
+            </a:solidFill>
+            <a:ln>
+              <a:noFill/>
+            </a:ln>
+          </p:spPr>
+          <p:style>
+            <a:lnRef idx="2">
+              <a:schemeClr val="accent1">
+                <a:shade val="50000"/>
+              </a:schemeClr>
+            </a:lnRef>
+            <a:fillRef idx="1">
+              <a:schemeClr val="accent1"/>
+            </a:fillRef>
+            <a:effectRef idx="0">
+              <a:schemeClr val="accent1"/>
+            </a:effectRef>
+            <a:fontRef idx="minor">
+              <a:schemeClr val="lt1"/>
+            </a:fontRef>
+          </p:style>
+          <p:txBody>
+            <a:bodyPr rtlCol="0" anchor="ctr"/>
+            <a:lstStyle/>
+            <a:p>
+              <a:pPr algn="ctr"/>
+              <a:endParaRPr lang="en-US"/>
+            </a:p>
+          </p:txBody>
+        </p:sp>
+        <p:sp>
+          <p:nvSpPr>
+            <p:cNvPr id="1042" name="Oval 1041">
+              <a:extLst>
+                <a:ext uri="{FF2B5EF4-FFF2-40B4-BE49-F238E27FC236}">
+                  <a16:creationId xmlns:a16="http://schemas.microsoft.com/office/drawing/2014/main" id="{755058DB-7E01-4E95-BF59-983AA1BBB38E}"/>
+                </a:ext>
+                <a:ext uri="{C183D7F6-B498-43B3-948B-1728B52AA6E4}">
+                  <adec:decorative xmlns:adec="http://schemas.microsoft.com/office/drawing/2017/decorative" val="1"/>
+                </a:ext>
+              </a:extLst>
+            </p:cNvPr>
+            <p:cNvSpPr/>
+            <p:nvPr>
+              <p:extLst>
+                <p:ext uri="{386F3935-93C4-4BCD-93E2-E3B085C9AB24}">
+                  <p16:designElem xmlns:p16="http://schemas.microsoft.com/office/powerpoint/2015/main" val="1"/>
+                </p:ext>
+              </p:extLst>
+            </p:nvPr>
+          </p:nvSpPr>
+          <p:spPr>
+            <a:xfrm>
+              <a:off x="11629630" y="5482355"/>
+              <a:ext cx="94160" cy="94160"/>
+            </a:xfrm>
+            <a:prstGeom prst="ellipse">
+              <a:avLst/>
+            </a:prstGeom>
+            <a:solidFill>
+              <a:srgbClr val="E3BEBE">
+                <a:alpha val="28000"/>
+              </a:srgbClr>
+            </a:solidFill>
+            <a:ln>
+              <a:noFill/>
+            </a:ln>
+          </p:spPr>
+          <p:style>
+            <a:lnRef idx="2">
+              <a:schemeClr val="accent1">
+                <a:shade val="50000"/>
+              </a:schemeClr>
+            </a:lnRef>
+            <a:fillRef idx="1">
+              <a:schemeClr val="accent1"/>
+            </a:fillRef>
+            <a:effectRef idx="0">
+              <a:schemeClr val="accent1"/>
+            </a:effectRef>
+            <a:fontRef idx="minor">
+              <a:schemeClr val="lt1"/>
+            </a:fontRef>
+          </p:style>
+          <p:txBody>
+            <a:bodyPr rtlCol="0" anchor="ctr"/>
+            <a:lstStyle/>
+            <a:p>
+              <a:pPr algn="ctr"/>
+              <a:endParaRPr lang="en-US"/>
+            </a:p>
+          </p:txBody>
+        </p:sp>
+        <p:sp>
+          <p:nvSpPr>
+            <p:cNvPr id="1043" name="Oval 1042">
+              <a:extLst>
+                <a:ext uri="{FF2B5EF4-FFF2-40B4-BE49-F238E27FC236}">
+                  <a16:creationId xmlns:a16="http://schemas.microsoft.com/office/drawing/2014/main" id="{A810F7E2-23F3-44D6-B09E-71E556536052}"/>
+                </a:ext>
+                <a:ext uri="{C183D7F6-B498-43B3-948B-1728B52AA6E4}">
+                  <adec:decorative xmlns:adec="http://schemas.microsoft.com/office/drawing/2017/decorative" val="1"/>
+                </a:ext>
+              </a:extLst>
+            </p:cNvPr>
+            <p:cNvSpPr/>
+            <p:nvPr>
+              <p:extLst>
+                <p:ext uri="{386F3935-93C4-4BCD-93E2-E3B085C9AB24}">
+                  <p16:designElem xmlns:p16="http://schemas.microsoft.com/office/powerpoint/2015/main" val="1"/>
+                </p:ext>
+              </p:extLst>
+            </p:nvPr>
+          </p:nvSpPr>
+          <p:spPr>
+            <a:xfrm>
+              <a:off x="10415328" y="6124958"/>
+              <a:ext cx="113367" cy="113367"/>
+            </a:xfrm>
+            <a:prstGeom prst="ellipse">
+              <a:avLst/>
+            </a:prstGeom>
+            <a:solidFill>
+              <a:schemeClr val="accent3"/>
+            </a:solidFill>
+            <a:ln>
+              <a:noFill/>
+            </a:ln>
+          </p:spPr>
+          <p:style>
+            <a:lnRef idx="2">
+              <a:schemeClr val="accent1">
+                <a:shade val="50000"/>
+              </a:schemeClr>
+            </a:lnRef>
+            <a:fillRef idx="1">
+              <a:schemeClr val="accent1"/>
+            </a:fillRef>
+            <a:effectRef idx="0">
+              <a:schemeClr val="accent1"/>
+            </a:effectRef>
+            <a:fontRef idx="minor">
+              <a:schemeClr val="lt1"/>
+            </a:fontRef>
+          </p:style>
+          <p:txBody>
+            <a:bodyPr rtlCol="0" anchor="ctr"/>
+            <a:lstStyle/>
+            <a:p>
+              <a:pPr algn="ctr"/>
+              <a:endParaRPr lang="en-US"/>
+            </a:p>
+          </p:txBody>
+        </p:sp>
+        <p:sp>
+          <p:nvSpPr>
+            <p:cNvPr id="1044" name="Oval 1043">
+              <a:extLst>
+                <a:ext uri="{FF2B5EF4-FFF2-40B4-BE49-F238E27FC236}">
+                  <a16:creationId xmlns:a16="http://schemas.microsoft.com/office/drawing/2014/main" id="{59D5C391-E1DB-410A-A78C-ED3BBDFF0758}"/>
+                </a:ext>
+                <a:ext uri="{C183D7F6-B498-43B3-948B-1728B52AA6E4}">
+                  <adec:decorative xmlns:adec="http://schemas.microsoft.com/office/drawing/2017/decorative" val="1"/>
+                </a:ext>
+              </a:extLst>
+            </p:cNvPr>
+            <p:cNvSpPr/>
+            <p:nvPr>
+              <p:extLst>
+                <p:ext uri="{386F3935-93C4-4BCD-93E2-E3B085C9AB24}">
+                  <p16:designElem xmlns:p16="http://schemas.microsoft.com/office/powerpoint/2015/main" val="1"/>
+                </p:ext>
+              </p:extLst>
+            </p:nvPr>
+          </p:nvSpPr>
+          <p:spPr>
+            <a:xfrm>
+              <a:off x="10120382" y="6255986"/>
+              <a:ext cx="305780" cy="305780"/>
+            </a:xfrm>
+            <a:prstGeom prst="ellipse">
+              <a:avLst/>
+            </a:prstGeom>
+            <a:solidFill>
+              <a:schemeClr val="accent1">
+                <a:lumMod val="20000"/>
+                <a:lumOff val="80000"/>
+              </a:schemeClr>
+            </a:solidFill>
+            <a:ln>
+              <a:noFill/>
+            </a:ln>
+          </p:spPr>
+          <p:style>
+            <a:lnRef idx="2">
+              <a:schemeClr val="accent1">
+                <a:shade val="50000"/>
+              </a:schemeClr>
+            </a:lnRef>
+            <a:fillRef idx="1">
+              <a:schemeClr val="accent1"/>
+            </a:fillRef>
+            <a:effectRef idx="0">
+              <a:schemeClr val="accent1"/>
+            </a:effectRef>
+            <a:fontRef idx="minor">
+              <a:schemeClr val="lt1"/>
+            </a:fontRef>
+          </p:style>
+          <p:txBody>
+            <a:bodyPr rtlCol="0" anchor="ctr"/>
+            <a:lstStyle/>
+            <a:p>
+              <a:pPr algn="ctr"/>
+              <a:endParaRPr lang="en-US" dirty="0"/>
+            </a:p>
+          </p:txBody>
+        </p:sp>
+        <p:sp>
+          <p:nvSpPr>
+            <p:cNvPr id="1045" name="Oval 1044">
+              <a:extLst>
+                <a:ext uri="{FF2B5EF4-FFF2-40B4-BE49-F238E27FC236}">
+                  <a16:creationId xmlns:a16="http://schemas.microsoft.com/office/drawing/2014/main" id="{77C4944D-9373-4283-BCAA-927A0316659E}"/>
+                </a:ext>
+                <a:ext uri="{C183D7F6-B498-43B3-948B-1728B52AA6E4}">
+                  <adec:decorative xmlns:adec="http://schemas.microsoft.com/office/drawing/2017/decorative" val="1"/>
+                </a:ext>
+              </a:extLst>
+            </p:cNvPr>
+            <p:cNvSpPr/>
+            <p:nvPr>
+              <p:extLst>
+                <p:ext uri="{386F3935-93C4-4BCD-93E2-E3B085C9AB24}">
+                  <p16:designElem xmlns:p16="http://schemas.microsoft.com/office/powerpoint/2015/main" val="1"/>
+                </p:ext>
+              </p:extLst>
+            </p:nvPr>
+          </p:nvSpPr>
+          <p:spPr>
+            <a:xfrm>
+              <a:off x="9934343" y="6204350"/>
+              <a:ext cx="113367" cy="113367"/>
+            </a:xfrm>
+            <a:prstGeom prst="ellipse">
+              <a:avLst/>
+            </a:prstGeom>
+            <a:solidFill>
+              <a:schemeClr val="accent6">
+                <a:lumMod val="40000"/>
+                <a:lumOff val="60000"/>
+              </a:schemeClr>
+            </a:solidFill>
+            <a:ln>
+              <a:noFill/>
+            </a:ln>
+          </p:spPr>
+          <p:style>
+            <a:lnRef idx="2">
+              <a:schemeClr val="accent1">
+                <a:shade val="50000"/>
+              </a:schemeClr>
+            </a:lnRef>
+            <a:fillRef idx="1">
+              <a:schemeClr val="accent1"/>
+            </a:fillRef>
+            <a:effectRef idx="0">
+              <a:schemeClr val="accent1"/>
+            </a:effectRef>
+            <a:fontRef idx="minor">
+              <a:schemeClr val="lt1"/>
+            </a:fontRef>
+          </p:style>
+          <p:txBody>
+            <a:bodyPr rtlCol="0" anchor="ctr"/>
+            <a:lstStyle/>
+            <a:p>
+              <a:pPr algn="ctr"/>
+              <a:endParaRPr lang="en-US"/>
+            </a:p>
+          </p:txBody>
+        </p:sp>
+        <p:sp>
+          <p:nvSpPr>
+            <p:cNvPr id="1046" name="Freeform: Shape 1045">
+              <a:extLst>
+                <a:ext uri="{FF2B5EF4-FFF2-40B4-BE49-F238E27FC236}">
+                  <a16:creationId xmlns:a16="http://schemas.microsoft.com/office/drawing/2014/main" id="{6804C521-2D9F-4CE4-AFD3-D4F1551FEC6A}"/>
+                </a:ext>
+                <a:ext uri="{C183D7F6-B498-43B3-948B-1728B52AA6E4}">
+                  <adec:decorative xmlns:adec="http://schemas.microsoft.com/office/drawing/2017/decorative" val="1"/>
+                </a:ext>
+              </a:extLst>
+            </p:cNvPr>
+            <p:cNvSpPr/>
+            <p:nvPr>
+              <p:extLst>
+                <p:ext uri="{386F3935-93C4-4BCD-93E2-E3B085C9AB24}">
+                  <p16:designElem xmlns:p16="http://schemas.microsoft.com/office/powerpoint/2015/main" val="1"/>
+                </p:ext>
+              </p:extLst>
+            </p:nvPr>
+          </p:nvSpPr>
+          <p:spPr>
+            <a:xfrm>
+              <a:off x="11642244" y="6317718"/>
+              <a:ext cx="549756" cy="540282"/>
+            </a:xfrm>
+            <a:custGeom>
+              <a:avLst/>
+              <a:gdLst>
+                <a:gd name="connsiteX0" fmla="*/ 1224540 w 2115556"/>
+                <a:gd name="connsiteY0" fmla="*/ 0 h 2079100"/>
+                <a:gd name="connsiteX1" fmla="*/ 2090421 w 2115556"/>
+                <a:gd name="connsiteY1" fmla="*/ 358660 h 2079100"/>
+                <a:gd name="connsiteX2" fmla="*/ 2115556 w 2115556"/>
+                <a:gd name="connsiteY2" fmla="*/ 386315 h 2079100"/>
+                <a:gd name="connsiteX3" fmla="*/ 2115556 w 2115556"/>
+                <a:gd name="connsiteY3" fmla="*/ 2062765 h 2079100"/>
+                <a:gd name="connsiteX4" fmla="*/ 2100710 w 2115556"/>
+                <a:gd name="connsiteY4" fmla="*/ 2079100 h 2079100"/>
+                <a:gd name="connsiteX5" fmla="*/ 348370 w 2115556"/>
+                <a:gd name="connsiteY5" fmla="*/ 2079100 h 2079100"/>
+                <a:gd name="connsiteX6" fmla="*/ 279625 w 2115556"/>
+                <a:gd name="connsiteY6" fmla="*/ 2003461 h 2079100"/>
+                <a:gd name="connsiteX7" fmla="*/ 0 w 2115556"/>
+                <a:gd name="connsiteY7" fmla="*/ 1224540 h 2079100"/>
+                <a:gd name="connsiteX8" fmla="*/ 1224540 w 2115556"/>
+                <a:gd name="connsiteY8" fmla="*/ 0 h 2079100"/>
+              </a:gdLst>
+              <a:ahLst/>
+              <a:cxnLst>
+                <a:cxn ang="0">
+                  <a:pos x="connsiteX0" y="connsiteY0"/>
+                </a:cxn>
+                <a:cxn ang="0">
+                  <a:pos x="connsiteX1" y="connsiteY1"/>
+                </a:cxn>
+                <a:cxn ang="0">
+                  <a:pos x="connsiteX2" y="connsiteY2"/>
+                </a:cxn>
+                <a:cxn ang="0">
+                  <a:pos x="connsiteX3" y="connsiteY3"/>
+                </a:cxn>
+                <a:cxn ang="0">
+                  <a:pos x="connsiteX4" y="connsiteY4"/>
+                </a:cxn>
+                <a:cxn ang="0">
+                  <a:pos x="connsiteX5" y="connsiteY5"/>
+                </a:cxn>
+                <a:cxn ang="0">
+                  <a:pos x="connsiteX6" y="connsiteY6"/>
+                </a:cxn>
+                <a:cxn ang="0">
+                  <a:pos x="connsiteX7" y="connsiteY7"/>
+                </a:cxn>
+                <a:cxn ang="0">
+                  <a:pos x="connsiteX8" y="connsiteY8"/>
+                </a:cxn>
+              </a:cxnLst>
+              <a:rect l="l" t="t" r="r" b="b"/>
+              <a:pathLst>
+                <a:path w="2115556" h="2079100">
+                  <a:moveTo>
+                    <a:pt x="1224540" y="0"/>
+                  </a:moveTo>
+                  <a:cubicBezTo>
+                    <a:pt x="1562687" y="0"/>
+                    <a:pt x="1868823" y="137062"/>
+                    <a:pt x="2090421" y="358660"/>
+                  </a:cubicBezTo>
+                  <a:lnTo>
+                    <a:pt x="2115556" y="386315"/>
+                  </a:lnTo>
+                  <a:lnTo>
+                    <a:pt x="2115556" y="2062765"/>
+                  </a:lnTo>
+                  <a:lnTo>
+                    <a:pt x="2100710" y="2079100"/>
+                  </a:lnTo>
+                  <a:lnTo>
+                    <a:pt x="348370" y="2079100"/>
+                  </a:lnTo>
+                  <a:lnTo>
+                    <a:pt x="279625" y="2003461"/>
+                  </a:lnTo>
+                  <a:cubicBezTo>
+                    <a:pt x="104938" y="1791789"/>
+                    <a:pt x="0" y="1520419"/>
+                    <a:pt x="0" y="1224540"/>
+                  </a:cubicBezTo>
+                  <a:cubicBezTo>
+                    <a:pt x="0" y="548245"/>
+                    <a:pt x="548245" y="0"/>
+                    <a:pt x="1224540" y="0"/>
+                  </a:cubicBezTo>
+                  <a:close/>
+                </a:path>
+              </a:pathLst>
+            </a:custGeom>
+            <a:solidFill>
+              <a:schemeClr val="accent6">
+                <a:lumMod val="40000"/>
+                <a:lumOff val="60000"/>
+              </a:schemeClr>
+            </a:solidFill>
+            <a:ln>
+              <a:noFill/>
+            </a:ln>
+          </p:spPr>
+          <p:style>
+            <a:lnRef idx="2">
+              <a:schemeClr val="accent1">
+                <a:shade val="50000"/>
+              </a:schemeClr>
+            </a:lnRef>
+            <a:fillRef idx="1">
+              <a:schemeClr val="accent1"/>
+            </a:fillRef>
+            <a:effectRef idx="0">
+              <a:schemeClr val="accent1"/>
+            </a:effectRef>
+            <a:fontRef idx="minor">
+              <a:schemeClr val="lt1"/>
+            </a:fontRef>
+          </p:style>
+          <p:txBody>
+            <a:bodyPr wrap="square" rtlCol="0" anchor="ctr">
+              <a:noAutofit/>
+            </a:bodyPr>
+            <a:lstStyle/>
+            <a:p>
+              <a:pPr algn="ctr"/>
+              <a:endParaRPr lang="en-US" sz="900" dirty="0">
+                <a:solidFill>
+                  <a:schemeClr val="bg1"/>
+                </a:solidFill>
+                <a:latin typeface="+mj-lt"/>
+              </a:endParaRPr>
+            </a:p>
+          </p:txBody>
+        </p:sp>
+        <p:sp>
+          <p:nvSpPr>
+            <p:cNvPr id="1047" name="Freeform: Shape 1046">
+              <a:extLst>
+                <a:ext uri="{FF2B5EF4-FFF2-40B4-BE49-F238E27FC236}">
+                  <a16:creationId xmlns:a16="http://schemas.microsoft.com/office/drawing/2014/main" id="{755AC65C-13EF-4182-AA3C-62BE165CC033}"/>
+                </a:ext>
+                <a:ext uri="{C183D7F6-B498-43B3-948B-1728B52AA6E4}">
+                  <adec:decorative xmlns:adec="http://schemas.microsoft.com/office/drawing/2017/decorative" val="1"/>
+                </a:ext>
+              </a:extLst>
+            </p:cNvPr>
+            <p:cNvSpPr/>
+            <p:nvPr>
+              <p:extLst>
+                <p:ext uri="{386F3935-93C4-4BCD-93E2-E3B085C9AB24}">
+                  <p16:designElem xmlns:p16="http://schemas.microsoft.com/office/powerpoint/2015/main" val="1"/>
+                </p:ext>
+              </p:extLst>
+            </p:nvPr>
+          </p:nvSpPr>
+          <p:spPr>
+            <a:xfrm>
+              <a:off x="-1" y="-1"/>
+              <a:ext cx="510196" cy="538336"/>
+            </a:xfrm>
+            <a:custGeom>
+              <a:avLst/>
+              <a:gdLst>
+                <a:gd name="connsiteX0" fmla="*/ 0 w 510196"/>
+                <a:gd name="connsiteY0" fmla="*/ 0 h 538336"/>
+                <a:gd name="connsiteX1" fmla="*/ 459276 w 510196"/>
+                <a:gd name="connsiteY1" fmla="*/ 0 h 538336"/>
+                <a:gd name="connsiteX2" fmla="*/ 482126 w 510196"/>
+                <a:gd name="connsiteY2" fmla="*/ 42098 h 538336"/>
+                <a:gd name="connsiteX3" fmla="*/ 510196 w 510196"/>
+                <a:gd name="connsiteY3" fmla="*/ 181136 h 538336"/>
+                <a:gd name="connsiteX4" fmla="*/ 152996 w 510196"/>
+                <a:gd name="connsiteY4" fmla="*/ 538336 h 538336"/>
+                <a:gd name="connsiteX5" fmla="*/ 13958 w 510196"/>
+                <a:gd name="connsiteY5" fmla="*/ 510266 h 538336"/>
+                <a:gd name="connsiteX6" fmla="*/ 0 w 510196"/>
+                <a:gd name="connsiteY6" fmla="*/ 502690 h 538336"/>
+              </a:gdLst>
+              <a:ahLst/>
+              <a:cxnLst>
+                <a:cxn ang="0">
+                  <a:pos x="connsiteX0" y="connsiteY0"/>
+                </a:cxn>
+                <a:cxn ang="0">
+                  <a:pos x="connsiteX1" y="connsiteY1"/>
+                </a:cxn>
+                <a:cxn ang="0">
+                  <a:pos x="connsiteX2" y="connsiteY2"/>
+                </a:cxn>
+                <a:cxn ang="0">
+                  <a:pos x="connsiteX3" y="connsiteY3"/>
+                </a:cxn>
+                <a:cxn ang="0">
+                  <a:pos x="connsiteX4" y="connsiteY4"/>
+                </a:cxn>
+                <a:cxn ang="0">
+                  <a:pos x="connsiteX5" y="connsiteY5"/>
+                </a:cxn>
+                <a:cxn ang="0">
+                  <a:pos x="connsiteX6" y="connsiteY6"/>
+                </a:cxn>
+              </a:cxnLst>
+              <a:rect l="l" t="t" r="r" b="b"/>
+              <a:pathLst>
+                <a:path w="510196" h="538336">
+                  <a:moveTo>
+                    <a:pt x="0" y="0"/>
+                  </a:moveTo>
+                  <a:lnTo>
+                    <a:pt x="459276" y="0"/>
+                  </a:lnTo>
+                  <a:lnTo>
+                    <a:pt x="482126" y="42098"/>
+                  </a:lnTo>
+                  <a:cubicBezTo>
+                    <a:pt x="500201" y="84833"/>
+                    <a:pt x="510196" y="131817"/>
+                    <a:pt x="510196" y="181136"/>
+                  </a:cubicBezTo>
+                  <a:cubicBezTo>
+                    <a:pt x="510196" y="378412"/>
+                    <a:pt x="350272" y="538336"/>
+                    <a:pt x="152996" y="538336"/>
+                  </a:cubicBezTo>
+                  <a:cubicBezTo>
+                    <a:pt x="103677" y="538336"/>
+                    <a:pt x="56693" y="528341"/>
+                    <a:pt x="13958" y="510266"/>
+                  </a:cubicBezTo>
+                  <a:lnTo>
+                    <a:pt x="0" y="502690"/>
+                  </a:lnTo>
+                  <a:close/>
+                </a:path>
+              </a:pathLst>
+            </a:custGeom>
+            <a:solidFill>
+              <a:schemeClr val="accent1">
+                <a:lumMod val="20000"/>
+                <a:lumOff val="80000"/>
+              </a:schemeClr>
+            </a:solidFill>
+            <a:ln>
+              <a:noFill/>
+            </a:ln>
+          </p:spPr>
+          <p:style>
+            <a:lnRef idx="2">
+              <a:schemeClr val="accent1">
+                <a:shade val="50000"/>
+              </a:schemeClr>
+            </a:lnRef>
+            <a:fillRef idx="1">
+              <a:schemeClr val="accent1"/>
+            </a:fillRef>
+            <a:effectRef idx="0">
+              <a:schemeClr val="accent1"/>
+            </a:effectRef>
+            <a:fontRef idx="minor">
+              <a:schemeClr val="lt1"/>
+            </a:fontRef>
+          </p:style>
+          <p:txBody>
+            <a:bodyPr wrap="square" rtlCol="0" anchor="ctr">
+              <a:noAutofit/>
+            </a:bodyPr>
+            <a:lstStyle/>
+            <a:p>
+              <a:pPr algn="ctr"/>
+              <a:endParaRPr lang="en-US" sz="900" dirty="0">
+                <a:solidFill>
+                  <a:schemeClr val="bg1"/>
+                </a:solidFill>
+                <a:latin typeface="+mj-lt"/>
+              </a:endParaRPr>
+            </a:p>
+          </p:txBody>
+        </p:sp>
+        <p:sp>
+          <p:nvSpPr>
+            <p:cNvPr id="1048" name="Freeform: Shape 1047">
+              <a:extLst>
+                <a:ext uri="{FF2B5EF4-FFF2-40B4-BE49-F238E27FC236}">
+                  <a16:creationId xmlns:a16="http://schemas.microsoft.com/office/drawing/2014/main" id="{E40DA8D2-FA4B-4282-9D44-48C27B63A153}"/>
+                </a:ext>
+                <a:ext uri="{C183D7F6-B498-43B3-948B-1728B52AA6E4}">
+                  <adec:decorative xmlns:adec="http://schemas.microsoft.com/office/drawing/2017/decorative" val="1"/>
+                </a:ext>
+              </a:extLst>
+            </p:cNvPr>
+            <p:cNvSpPr/>
+            <p:nvPr>
+              <p:extLst>
+                <p:ext uri="{386F3935-93C4-4BCD-93E2-E3B085C9AB24}">
+                  <p16:designElem xmlns:p16="http://schemas.microsoft.com/office/powerpoint/2015/main" val="1"/>
+                </p:ext>
+              </p:extLst>
+            </p:nvPr>
+          </p:nvSpPr>
+          <p:spPr>
+            <a:xfrm>
+              <a:off x="10528695" y="1"/>
+              <a:ext cx="554074" cy="282754"/>
+            </a:xfrm>
+            <a:custGeom>
+              <a:avLst/>
+              <a:gdLst>
+                <a:gd name="connsiteX0" fmla="*/ 644 w 309162"/>
+                <a:gd name="connsiteY0" fmla="*/ 0 h 157771"/>
+                <a:gd name="connsiteX1" fmla="*/ 308518 w 309162"/>
+                <a:gd name="connsiteY1" fmla="*/ 0 h 157771"/>
+                <a:gd name="connsiteX2" fmla="*/ 309162 w 309162"/>
+                <a:gd name="connsiteY2" fmla="*/ 3190 h 157771"/>
+                <a:gd name="connsiteX3" fmla="*/ 154581 w 309162"/>
+                <a:gd name="connsiteY3" fmla="*/ 157771 h 157771"/>
+                <a:gd name="connsiteX4" fmla="*/ 0 w 309162"/>
+                <a:gd name="connsiteY4" fmla="*/ 3190 h 157771"/>
+              </a:gdLst>
+              <a:ahLst/>
+              <a:cxnLst>
+                <a:cxn ang="0">
+                  <a:pos x="connsiteX0" y="connsiteY0"/>
+                </a:cxn>
+                <a:cxn ang="0">
+                  <a:pos x="connsiteX1" y="connsiteY1"/>
+                </a:cxn>
+                <a:cxn ang="0">
+                  <a:pos x="connsiteX2" y="connsiteY2"/>
+                </a:cxn>
+                <a:cxn ang="0">
+                  <a:pos x="connsiteX3" y="connsiteY3"/>
+                </a:cxn>
+                <a:cxn ang="0">
+                  <a:pos x="connsiteX4" y="connsiteY4"/>
+                </a:cxn>
+              </a:cxnLst>
+              <a:rect l="l" t="t" r="r" b="b"/>
+              <a:pathLst>
+                <a:path w="309162" h="157771">
+                  <a:moveTo>
+                    <a:pt x="644" y="0"/>
+                  </a:moveTo>
+                  <a:lnTo>
+                    <a:pt x="308518" y="0"/>
+                  </a:lnTo>
+                  <a:lnTo>
+                    <a:pt x="309162" y="3190"/>
+                  </a:lnTo>
+                  <a:cubicBezTo>
+                    <a:pt x="309162" y="88563"/>
+                    <a:pt x="239954" y="157771"/>
+                    <a:pt x="154581" y="157771"/>
+                  </a:cubicBezTo>
+                  <a:cubicBezTo>
+                    <a:pt x="69208" y="157771"/>
+                    <a:pt x="0" y="88563"/>
+                    <a:pt x="0" y="3190"/>
+                  </a:cubicBezTo>
+                  <a:close/>
+                </a:path>
+              </a:pathLst>
+            </a:custGeom>
+            <a:solidFill>
+              <a:schemeClr val="accent4">
+                <a:lumMod val="60000"/>
+                <a:lumOff val="40000"/>
+              </a:schemeClr>
+            </a:solidFill>
+            <a:ln>
+              <a:noFill/>
+            </a:ln>
+          </p:spPr>
+          <p:style>
+            <a:lnRef idx="2">
+              <a:schemeClr val="accent1">
+                <a:shade val="50000"/>
+              </a:schemeClr>
+            </a:lnRef>
+            <a:fillRef idx="1">
+              <a:schemeClr val="accent1"/>
+            </a:fillRef>
+            <a:effectRef idx="0">
+              <a:schemeClr val="accent1"/>
+            </a:effectRef>
+            <a:fontRef idx="minor">
+              <a:schemeClr val="lt1"/>
+            </a:fontRef>
+          </p:style>
+          <p:txBody>
+            <a:bodyPr wrap="square" rtlCol="0" anchor="ctr">
+              <a:noAutofit/>
+            </a:bodyPr>
+            <a:lstStyle/>
+            <a:p>
+              <a:pPr algn="ctr"/>
+              <a:endParaRPr lang="en-US" sz="900" dirty="0">
+                <a:solidFill>
+                  <a:schemeClr val="bg1"/>
+                </a:solidFill>
+                <a:latin typeface="+mj-lt"/>
+              </a:endParaRPr>
+            </a:p>
+          </p:txBody>
+        </p:sp>
+        <p:sp>
+          <p:nvSpPr>
+            <p:cNvPr id="1049" name="Oval 1048">
+              <a:extLst>
+                <a:ext uri="{FF2B5EF4-FFF2-40B4-BE49-F238E27FC236}">
+                  <a16:creationId xmlns:a16="http://schemas.microsoft.com/office/drawing/2014/main" id="{99065014-CB18-414D-A527-31ECC45700AB}"/>
+                </a:ext>
+                <a:ext uri="{C183D7F6-B498-43B3-948B-1728B52AA6E4}">
+                  <adec:decorative xmlns:adec="http://schemas.microsoft.com/office/drawing/2017/decorative" val="1"/>
+                </a:ext>
+              </a:extLst>
+            </p:cNvPr>
+            <p:cNvSpPr/>
+            <p:nvPr>
+              <p:extLst>
+                <p:ext uri="{386F3935-93C4-4BCD-93E2-E3B085C9AB24}">
+                  <p16:designElem xmlns:p16="http://schemas.microsoft.com/office/powerpoint/2015/main" val="1"/>
+                </p:ext>
+              </p:extLst>
+            </p:nvPr>
+          </p:nvSpPr>
+          <p:spPr>
+            <a:xfrm>
+              <a:off x="504140" y="1132500"/>
+              <a:ext cx="84680" cy="84680"/>
+            </a:xfrm>
+            <a:prstGeom prst="ellipse">
+              <a:avLst/>
+            </a:prstGeom>
+            <a:solidFill>
+              <a:schemeClr val="accent2"/>
+            </a:solidFill>
+            <a:ln>
+              <a:noFill/>
+            </a:ln>
+          </p:spPr>
+          <p:style>
+            <a:lnRef idx="0">
+              <a:scrgbClr r="0" g="0" b="0"/>
+            </a:lnRef>
+            <a:fillRef idx="0">
+              <a:scrgbClr r="0" g="0" b="0"/>
+            </a:fillRef>
+            <a:effectRef idx="0">
+              <a:scrgbClr r="0" g="0" b="0"/>
+            </a:effectRef>
+            <a:fontRef idx="minor">
+              <a:schemeClr val="lt1"/>
+            </a:fontRef>
+          </p:style>
+          <p:txBody>
+            <a:bodyPr rtlCol="0" anchor="ctr"/>
+            <a:lstStyle/>
+            <a:p>
+              <a:pPr algn="ctr"/>
+              <a:endParaRPr lang="en-US"/>
+            </a:p>
+          </p:txBody>
+        </p:sp>
+        <p:sp>
+          <p:nvSpPr>
+            <p:cNvPr id="1050" name="Freeform: Shape 1049">
+              <a:extLst>
+                <a:ext uri="{FF2B5EF4-FFF2-40B4-BE49-F238E27FC236}">
+                  <a16:creationId xmlns:a16="http://schemas.microsoft.com/office/drawing/2014/main" id="{8F39E27A-56C1-4328-8DF1-2DA147C78483}"/>
+                </a:ext>
+                <a:ext uri="{C183D7F6-B498-43B3-948B-1728B52AA6E4}">
+                  <adec:decorative xmlns:adec="http://schemas.microsoft.com/office/drawing/2017/decorative" val="1"/>
+                </a:ext>
+              </a:extLst>
+            </p:cNvPr>
+            <p:cNvSpPr/>
+            <p:nvPr>
+              <p:extLst>
+                <p:ext uri="{386F3935-93C4-4BCD-93E2-E3B085C9AB24}">
+                  <p16:designElem xmlns:p16="http://schemas.microsoft.com/office/powerpoint/2015/main" val="1"/>
+                </p:ext>
+              </p:extLst>
+            </p:nvPr>
+          </p:nvSpPr>
+          <p:spPr>
+            <a:xfrm>
+              <a:off x="12051348" y="5576515"/>
+              <a:ext cx="137603" cy="210490"/>
+            </a:xfrm>
+            <a:custGeom>
+              <a:avLst/>
+              <a:gdLst>
+                <a:gd name="connsiteX0" fmla="*/ 105245 w 137603"/>
+                <a:gd name="connsiteY0" fmla="*/ 0 h 210490"/>
+                <a:gd name="connsiteX1" fmla="*/ 137603 w 137603"/>
+                <a:gd name="connsiteY1" fmla="*/ 6533 h 210490"/>
+                <a:gd name="connsiteX2" fmla="*/ 137603 w 137603"/>
+                <a:gd name="connsiteY2" fmla="*/ 203957 h 210490"/>
+                <a:gd name="connsiteX3" fmla="*/ 105245 w 137603"/>
+                <a:gd name="connsiteY3" fmla="*/ 210490 h 210490"/>
+                <a:gd name="connsiteX4" fmla="*/ 0 w 137603"/>
+                <a:gd name="connsiteY4" fmla="*/ 105245 h 210490"/>
+                <a:gd name="connsiteX5" fmla="*/ 105245 w 137603"/>
+                <a:gd name="connsiteY5" fmla="*/ 0 h 210490"/>
+              </a:gdLst>
+              <a:ahLst/>
+              <a:cxnLst>
+                <a:cxn ang="0">
+                  <a:pos x="connsiteX0" y="connsiteY0"/>
+                </a:cxn>
+                <a:cxn ang="0">
+                  <a:pos x="connsiteX1" y="connsiteY1"/>
+                </a:cxn>
+                <a:cxn ang="0">
+                  <a:pos x="connsiteX2" y="connsiteY2"/>
+                </a:cxn>
+                <a:cxn ang="0">
+                  <a:pos x="connsiteX3" y="connsiteY3"/>
+                </a:cxn>
+                <a:cxn ang="0">
+                  <a:pos x="connsiteX4" y="connsiteY4"/>
+                </a:cxn>
+                <a:cxn ang="0">
+                  <a:pos x="connsiteX5" y="connsiteY5"/>
+                </a:cxn>
+              </a:cxnLst>
+              <a:rect l="l" t="t" r="r" b="b"/>
+              <a:pathLst>
+                <a:path w="137603" h="210490">
+                  <a:moveTo>
+                    <a:pt x="105245" y="0"/>
+                  </a:moveTo>
+                  <a:lnTo>
+                    <a:pt x="137603" y="6533"/>
+                  </a:lnTo>
+                  <a:lnTo>
+                    <a:pt x="137603" y="203957"/>
+                  </a:lnTo>
+                  <a:lnTo>
+                    <a:pt x="105245" y="210490"/>
+                  </a:lnTo>
+                  <a:cubicBezTo>
+                    <a:pt x="47120" y="210490"/>
+                    <a:pt x="0" y="163370"/>
+                    <a:pt x="0" y="105245"/>
+                  </a:cubicBezTo>
+                  <a:cubicBezTo>
+                    <a:pt x="0" y="47120"/>
+                    <a:pt x="47120" y="0"/>
+                    <a:pt x="105245" y="0"/>
+                  </a:cubicBezTo>
+                  <a:close/>
+                </a:path>
+              </a:pathLst>
+            </a:custGeom>
+            <a:solidFill>
+              <a:schemeClr val="accent3">
+                <a:lumMod val="40000"/>
+                <a:lumOff val="60000"/>
+              </a:schemeClr>
+            </a:solidFill>
+            <a:ln>
+              <a:noFill/>
+            </a:ln>
+          </p:spPr>
+          <p:style>
+            <a:lnRef idx="2">
+              <a:schemeClr val="accent1">
+                <a:shade val="50000"/>
+              </a:schemeClr>
+            </a:lnRef>
+            <a:fillRef idx="1">
+              <a:schemeClr val="accent1"/>
+            </a:fillRef>
+            <a:effectRef idx="0">
+              <a:schemeClr val="accent1"/>
+            </a:effectRef>
+            <a:fontRef idx="minor">
+              <a:schemeClr val="lt1"/>
+            </a:fontRef>
+          </p:style>
+          <p:txBody>
+            <a:bodyPr wrap="square" rtlCol="0" anchor="ctr">
+              <a:noAutofit/>
+            </a:bodyPr>
+            <a:lstStyle/>
+            <a:p>
+              <a:pPr algn="ctr"/>
+              <a:endParaRPr lang="en-US" sz="900" dirty="0">
+                <a:solidFill>
+                  <a:schemeClr val="bg1"/>
+                </a:solidFill>
+                <a:latin typeface="+mj-lt"/>
+              </a:endParaRPr>
+            </a:p>
+          </p:txBody>
+        </p:sp>
+      </p:grpSp>
+      <p:sp useBgFill="1">
+        <p:nvSpPr>
+          <p:cNvPr id="1052" name="Rectangle 1051">
+            <a:extLst>
+              <a:ext uri="{FF2B5EF4-FFF2-40B4-BE49-F238E27FC236}">
+                <a16:creationId xmlns:a16="http://schemas.microsoft.com/office/drawing/2014/main" id="{B7818AA9-82F7-46F6-8A83-1A6258163B48}"/>
+              </a:ext>
+              <a:ext uri="{C183D7F6-B498-43B3-948B-1728B52AA6E4}">
+                <adec:decorative xmlns:adec="http://schemas.microsoft.com/office/drawing/2017/decorative" val="1"/>
+              </a:ext>
+            </a:extLst>
+          </p:cNvPr>
+          <p:cNvSpPr>
+            <a:spLocks noGrp="1" noRot="1" noChangeAspect="1" noMove="1" noResize="1" noEditPoints="1" noAdjustHandles="1" noChangeArrowheads="1" noChangeShapeType="1" noTextEdit="1"/>
+          </p:cNvSpPr>
+          <p:nvPr>
+            <p:extLst>
+              <p:ext uri="{386F3935-93C4-4BCD-93E2-E3B085C9AB24}">
+                <p16:designElem xmlns:p16="http://schemas.microsoft.com/office/powerpoint/2015/main" val="1"/>
+              </p:ext>
+            </p:extLst>
+          </p:nvPr>
+        </p:nvSpPr>
+        <p:spPr>
+          <a:xfrm>
+            <a:off x="-1" y="0"/>
+            <a:ext cx="12188952" cy="6858000"/>
+          </a:xfrm>
+          <a:prstGeom prst="rect">
+            <a:avLst/>
+          </a:prstGeom>
+          <a:ln>
+            <a:noFill/>
+          </a:ln>
+        </p:spPr>
+        <p:style>
+          <a:lnRef idx="2">
+            <a:schemeClr val="accent1">
+              <a:shade val="50000"/>
+            </a:schemeClr>
+          </a:lnRef>
+          <a:fillRef idx="1">
+            <a:schemeClr val="accent1"/>
+          </a:fillRef>
+          <a:effectRef idx="0">
+            <a:schemeClr val="accent1"/>
+          </a:effectRef>
+          <a:fontRef idx="minor">
+            <a:schemeClr val="lt1"/>
+          </a:fontRef>
+        </p:style>
+        <p:txBody>
+          <a:bodyPr rtlCol="0" anchor="ctr"/>
+          <a:lstStyle/>
+          <a:p>
+            <a:pPr algn="ctr"/>
+            <a:endParaRPr lang="en-US" dirty="0"/>
+          </a:p>
+        </p:txBody>
+      </p:sp>
+      <p:pic>
+        <p:nvPicPr>
+          <p:cNvPr id="1026" name="Picture 2" descr="Encapsulation in Java (with Realtime Example) - Scientech Easy">
+            <a:extLst>
+              <a:ext uri="{FF2B5EF4-FFF2-40B4-BE49-F238E27FC236}">
+                <a16:creationId xmlns:a16="http://schemas.microsoft.com/office/drawing/2014/main" id="{C0FCA55E-AB27-742F-313F-5360ABEA64AA}"/>
+              </a:ext>
+            </a:extLst>
+          </p:cNvPr>
+          <p:cNvPicPr>
+            <a:picLocks noGrp="1" noChangeAspect="1" noChangeArrowheads="1"/>
+          </p:cNvPicPr>
+          <p:nvPr>
+            <p:ph idx="1"/>
+          </p:nvPr>
+        </p:nvPicPr>
+        <p:blipFill>
+          <a:blip r:embed="rId2">
+            <a:alphaModFix/>
+            <a:extLst>
+              <a:ext uri="{28A0092B-C50C-407E-A947-70E740481C1C}">
+                <a14:useLocalDpi xmlns:a14="http://schemas.microsoft.com/office/drawing/2010/main" val="0"/>
+              </a:ext>
+            </a:extLst>
+          </a:blip>
+          <a:srcRect r="-2" b="11673"/>
+          <a:stretch>
+            <a:fillRect/>
+          </a:stretch>
+        </p:blipFill>
+        <p:spPr bwMode="auto">
+          <a:xfrm>
+            <a:off x="1132630" y="660162"/>
+            <a:ext cx="9786087" cy="5504665"/>
+          </a:xfrm>
+          <a:prstGeom prst="rect">
+            <a:avLst/>
+          </a:prstGeom>
+          <a:noFill/>
+          <a:extLst>
+            <a:ext uri="{909E8E84-426E-40DD-AFC4-6F175D3DCCD1}">
+              <a14:hiddenFill xmlns:a14="http://schemas.microsoft.com/office/drawing/2010/main">
+                <a:solidFill>
+                  <a:srgbClr val="FFFFFF"/>
+                </a:solidFill>
+              </a14:hiddenFill>
+            </a:ext>
+          </a:extLst>
+        </p:spPr>
+      </p:pic>
+    </p:spTree>
+    <p:extLst>
+      <p:ext uri="{BB962C8B-B14F-4D97-AF65-F5344CB8AC3E}">
+        <p14:creationId xmlns:p14="http://schemas.microsoft.com/office/powerpoint/2010/main" val="1071264433"/>
+      </p:ext>
+    </p:extLst>
+  </p:cSld>
+  <p:clrMapOvr>
+    <a:masterClrMapping/>
+  </p:clrMapOvr>
+</p:sld>
+</file>
+
+<file path=ppt/slides/slide17.xml><?xml version="1.0" encoding="utf-8"?>
+<p:sld xmlns:a="http://schemas.openxmlformats.org/drawingml/2006/main" xmlns:r="http://schemas.openxmlformats.org/officeDocument/2006/relationships" xmlns:p="http://schemas.openxmlformats.org/presentationml/2006/main">
+  <p:cSld>
+    <p:spTree>
+      <p:nvGrpSpPr>
+        <p:cNvPr id="1" name=""/>
+        <p:cNvGrpSpPr/>
+        <p:nvPr/>
+      </p:nvGrpSpPr>
+      <p:grpSpPr>
+        <a:xfrm>
+          <a:off x="0" y="0"/>
+          <a:ext cx="0" cy="0"/>
+          <a:chOff x="0" y="0"/>
+          <a:chExt cx="0" cy="0"/>
+        </a:xfrm>
+      </p:grpSpPr>
+      <p:sp>
+        <p:nvSpPr>
+          <p:cNvPr id="3" name="Content Placeholder 2">
+            <a:extLst>
+              <a:ext uri="{FF2B5EF4-FFF2-40B4-BE49-F238E27FC236}">
+                <a16:creationId xmlns:a16="http://schemas.microsoft.com/office/drawing/2014/main" id="{B97271B8-CD0A-9988-D8C6-3980B68D6CBD}"/>
+              </a:ext>
+            </a:extLst>
+          </p:cNvPr>
+          <p:cNvSpPr>
+            <a:spLocks noGrp="1"/>
+          </p:cNvSpPr>
+          <p:nvPr>
+            <p:ph idx="1"/>
+          </p:nvPr>
+        </p:nvSpPr>
+        <p:spPr>
+          <a:xfrm>
+            <a:off x="777240" y="674914"/>
+            <a:ext cx="10659110" cy="5502049"/>
+          </a:xfrm>
+        </p:spPr>
+        <p:txBody>
+          <a:bodyPr>
+            <a:normAutofit/>
+          </a:bodyPr>
+          <a:lstStyle/>
+          <a:p>
+            <a:pPr marL="0" indent="0">
+              <a:buNone/>
+            </a:pPr>
+            <a:r>
+              <a:rPr lang="en-US" sz="2800" b="1" dirty="0"/>
+              <a:t>Encapsulation Implementation (Java &amp; Python):</a:t>
+            </a:r>
+          </a:p>
+          <a:p>
+            <a:pPr marL="0" indent="0">
+              <a:buNone/>
+            </a:pPr>
+            <a:r>
+              <a:rPr lang="en-US" sz="2800" dirty="0"/>
+              <a:t>1. Making the attributes </a:t>
+            </a:r>
+            <a:r>
+              <a:rPr lang="en-US" sz="2800" b="1" dirty="0"/>
+              <a:t>Private (Using __)</a:t>
+            </a:r>
+          </a:p>
+          <a:p>
+            <a:pPr marL="0" indent="0">
+              <a:buNone/>
+            </a:pPr>
+            <a:r>
+              <a:rPr lang="en-US" sz="2800" dirty="0"/>
+              <a:t>2. Using </a:t>
+            </a:r>
+            <a:r>
+              <a:rPr lang="en-US" sz="2800" b="1" dirty="0"/>
+              <a:t>Getters</a:t>
+            </a:r>
+            <a:r>
+              <a:rPr lang="en-US" sz="2800" dirty="0"/>
+              <a:t> and </a:t>
+            </a:r>
+            <a:r>
+              <a:rPr lang="en-US" sz="2800" b="1" dirty="0"/>
+              <a:t>Setters</a:t>
+            </a:r>
+            <a:r>
+              <a:rPr lang="en-US" sz="2800" dirty="0"/>
+              <a:t> to access and update the private attributes</a:t>
+            </a:r>
+          </a:p>
+          <a:p>
+            <a:pPr marL="0" indent="0">
+              <a:buNone/>
+            </a:pPr>
+            <a:endParaRPr lang="en-US" sz="2800" dirty="0"/>
+          </a:p>
+          <a:p>
+            <a:pPr marL="0" indent="0">
+              <a:buNone/>
+            </a:pPr>
+            <a:r>
+              <a:rPr lang="en-US" sz="2800" b="1" dirty="0"/>
+              <a:t>Application of Encapsulation:</a:t>
+            </a:r>
+          </a:p>
+          <a:p>
+            <a:pPr marL="514350" indent="-514350">
+              <a:buAutoNum type="arabicPeriod"/>
+            </a:pPr>
+            <a:r>
+              <a:rPr lang="en-IN" sz="2800" dirty="0"/>
+              <a:t>Security</a:t>
+            </a:r>
+          </a:p>
+          <a:p>
+            <a:pPr marL="514350" indent="-514350">
+              <a:buAutoNum type="arabicPeriod"/>
+            </a:pPr>
+            <a:r>
+              <a:rPr lang="en-IN" sz="2800" dirty="0"/>
+              <a:t>Modularity</a:t>
+            </a:r>
+          </a:p>
+        </p:txBody>
+      </p:sp>
+    </p:spTree>
+    <p:extLst>
+      <p:ext uri="{BB962C8B-B14F-4D97-AF65-F5344CB8AC3E}">
+        <p14:creationId xmlns:p14="http://schemas.microsoft.com/office/powerpoint/2010/main" val="1061300198"/>
+      </p:ext>
+    </p:extLst>
+  </p:cSld>
+  <p:clrMapOvr>
+    <a:masterClrMapping/>
+  </p:clrMapOvr>
+</p:sld>
+</file>
+
+<file path=ppt/slides/slide18.xml><?xml version="1.0" encoding="utf-8"?>
 <p:sld xmlns:a="http://schemas.openxmlformats.org/drawingml/2006/main" xmlns:r="http://schemas.openxmlformats.org/officeDocument/2006/relationships" xmlns:p="http://schemas.openxmlformats.org/presentationml/2006/main">
   <p:cSld>
     <p:spTree>
@@ -6586,7 +8316,7 @@
                   <a:srgbClr val="C00000"/>
                 </a:solidFill>
               </a:rPr>
-              <a:t>automatically executes </a:t>
+              <a:t>automatically called and executed </a:t>
             </a:r>
             <a:r>
               <a:rPr lang="en-US" sz="2800" dirty="0"/>
@@ -6649,7 +8379,7 @@
 </p:sld>
 </file>
 
-<file path=ppt/slides/slide17.xml><?xml version="1.0" encoding="utf-8"?>
+<file path=ppt/slides/slide19.xml><?xml version="1.0" encoding="utf-8"?>
 <p:sld xmlns:a="http://schemas.openxmlformats.org/drawingml/2006/main" xmlns:r="http://schemas.openxmlformats.org/officeDocument/2006/relationships" xmlns:p="http://schemas.openxmlformats.org/presentationml/2006/main">
   <p:cSld>
     <p:spTree>
@@ -6690,8 +8420,8 @@
         </p:nvSpPr>
         <p:spPr>
           <a:xfrm>
-            <a:off x="777240" y="751114"/>
-            <a:ext cx="10659110" cy="5425849"/>
+            <a:off x="777240" y="1055914"/>
+            <a:ext cx="10659110" cy="5121049"/>
           </a:xfrm>
         </p:spPr>
         <p:txBody>
@@ -6733,7 +8463,7 @@
         </p:blipFill>
         <p:spPr>
           <a:xfrm>
-            <a:off x="1288228" y="1443123"/>
+            <a:off x="1593028" y="2020066"/>
             <a:ext cx="6952257" cy="1920147"/>
           </a:xfrm>
           <a:prstGeom prst="rect">
@@ -6754,7 +8484,223 @@
 </p:sld>
 </file>
 
-<file path=ppt/slides/slide18.xml><?xml version="1.0" encoding="utf-8"?>
+<file path=ppt/slides/slide2.xml><?xml version="1.0" encoding="utf-8"?>
+<p:sld xmlns:a="http://schemas.openxmlformats.org/drawingml/2006/main" xmlns:r="http://schemas.openxmlformats.org/officeDocument/2006/relationships" xmlns:p="http://schemas.openxmlformats.org/presentationml/2006/main">
+  <p:cSld>
+    <p:spTree>
+      <p:nvGrpSpPr>
+        <p:cNvPr id="1" name="">
+          <a:extLst>
+            <a:ext uri="{FF2B5EF4-FFF2-40B4-BE49-F238E27FC236}">
+              <a16:creationId xmlns:a16="http://schemas.microsoft.com/office/drawing/2014/main" id="{A3A83E59-8C6C-9AA3-C588-5349FB27EF4C}"/>
+            </a:ext>
+          </a:extLst>
+        </p:cNvPr>
+        <p:cNvGrpSpPr/>
+        <p:nvPr/>
+      </p:nvGrpSpPr>
+      <p:grpSpPr>
+        <a:xfrm>
+          <a:off x="0" y="0"/>
+          <a:ext cx="0" cy="0"/>
+          <a:chOff x="0" y="0"/>
+          <a:chExt cx="0" cy="0"/>
+        </a:xfrm>
+      </p:grpSpPr>
+      <p:sp>
+        <p:nvSpPr>
+          <p:cNvPr id="3" name="Content Placeholder 2">
+            <a:extLst>
+              <a:ext uri="{FF2B5EF4-FFF2-40B4-BE49-F238E27FC236}">
+                <a16:creationId xmlns:a16="http://schemas.microsoft.com/office/drawing/2014/main" id="{4349AE05-80EC-11B1-F5D9-950E6B7AF4FA}"/>
+              </a:ext>
+            </a:extLst>
+          </p:cNvPr>
+          <p:cNvSpPr>
+            <a:spLocks noGrp="1"/>
+          </p:cNvSpPr>
+          <p:nvPr>
+            <p:ph idx="1"/>
+          </p:nvPr>
+        </p:nvSpPr>
+        <p:spPr>
+          <a:xfrm>
+            <a:off x="766445" y="979715"/>
+            <a:ext cx="10659110" cy="4506686"/>
+          </a:xfrm>
+        </p:spPr>
+        <p:txBody>
+          <a:bodyPr>
+            <a:normAutofit/>
+          </a:bodyPr>
+          <a:lstStyle/>
+          <a:p>
+            <a:pPr marL="457200" indent="-457200">
+              <a:buAutoNum type="arabicPeriod"/>
+            </a:pPr>
+            <a:r>
+              <a:rPr lang="en-US" sz="2800" b="1" dirty="0"/>
+              <a:t>Class and Object:</a:t>
+            </a:r>
+          </a:p>
+          <a:p>
+            <a:pPr marL="0" indent="0">
+              <a:buNone/>
+            </a:pPr>
+            <a:r>
+              <a:rPr lang="en-US" sz="2400" b="1" dirty="0"/>
+              <a:t>1️⃣ What is a Class?</a:t>
+            </a:r>
+          </a:p>
+          <a:p>
+            <a:pPr marL="0" indent="0">
+              <a:buNone/>
+            </a:pPr>
+            <a:r>
+              <a:rPr lang="en-US" sz="2400" dirty="0"/>
+              <a:t>A class is a </a:t>
+            </a:r>
+            <a:r>
+              <a:rPr lang="en-US" sz="2400" b="1" dirty="0">
+                <a:solidFill>
+                  <a:srgbClr val="C00000"/>
+                </a:solidFill>
+              </a:rPr>
+              <a:t>blueprint</a:t>
+            </a:r>
+            <a:r>
+              <a:rPr lang="en-US" sz="2400" dirty="0"/>
+              <a:t> for </a:t>
+            </a:r>
+            <a:r>
+              <a:rPr lang="en-US" sz="2400" b="1" dirty="0"/>
+              <a:t>creating objects</a:t>
+            </a:r>
+            <a:r>
+              <a:rPr lang="en-US" sz="2400" dirty="0"/>
+              <a:t>. It defines </a:t>
+            </a:r>
+            <a:r>
+              <a:rPr lang="en-US" sz="2400" b="1" dirty="0">
+                <a:solidFill>
+                  <a:srgbClr val="C00000"/>
+                </a:solidFill>
+              </a:rPr>
+              <a:t>attributes</a:t>
+            </a:r>
+            <a:r>
+              <a:rPr lang="en-US" sz="2400" dirty="0"/>
+              <a:t> (</a:t>
+            </a:r>
+            <a:r>
+              <a:rPr lang="en-US" sz="2400" b="1" dirty="0"/>
+              <a:t>variables</a:t>
+            </a:r>
+            <a:r>
+              <a:rPr lang="en-US" sz="2400" dirty="0"/>
+              <a:t>) and </a:t>
+            </a:r>
+            <a:r>
+              <a:rPr lang="en-US" sz="2400" b="1" dirty="0">
+                <a:solidFill>
+                  <a:srgbClr val="C00000"/>
+                </a:solidFill>
+              </a:rPr>
+              <a:t>behaviors</a:t>
+            </a:r>
+            <a:r>
+              <a:rPr lang="en-US" sz="2400" dirty="0"/>
+              <a:t> (</a:t>
+            </a:r>
+            <a:r>
+              <a:rPr lang="en-US" sz="2400" b="1" dirty="0"/>
+              <a:t>methods</a:t>
+            </a:r>
+            <a:r>
+              <a:rPr lang="en-US" sz="2400" dirty="0"/>
+              <a:t>) that objects of the class will have.</a:t>
+            </a:r>
+          </a:p>
+          <a:p>
+            <a:pPr marL="0" indent="0">
+              <a:buNone/>
+            </a:pPr>
+            <a:endParaRPr lang="en-US" sz="2400" dirty="0"/>
+          </a:p>
+          <a:p>
+            <a:pPr marL="0" indent="0">
+              <a:buNone/>
+            </a:pPr>
+            <a:r>
+              <a:rPr lang="en-US" sz="2400" b="1" dirty="0"/>
+              <a:t>2️⃣ What is an Object?</a:t>
+            </a:r>
+          </a:p>
+          <a:p>
+            <a:pPr marL="0" indent="0">
+              <a:buNone/>
+            </a:pPr>
+            <a:r>
+              <a:rPr lang="en-US" sz="2400" dirty="0"/>
+              <a:t>An object is an </a:t>
+            </a:r>
+            <a:r>
+              <a:rPr lang="en-US" sz="2400" b="1" dirty="0">
+                <a:solidFill>
+                  <a:srgbClr val="C00000"/>
+                </a:solidFill>
+              </a:rPr>
+              <a:t>instance</a:t>
+            </a:r>
+            <a:r>
+              <a:rPr lang="en-US" sz="2400" b="1" dirty="0"/>
+              <a:t> of a class</a:t>
+            </a:r>
+            <a:r>
+              <a:rPr lang="en-US" sz="2400" dirty="0"/>
+              <a:t>. Each object can </a:t>
+            </a:r>
+            <a:r>
+              <a:rPr lang="en-US" sz="2400" b="1" dirty="0">
+                <a:solidFill>
+                  <a:srgbClr val="C00000"/>
+                </a:solidFill>
+              </a:rPr>
+              <a:t>have its own data </a:t>
+            </a:r>
+            <a:r>
+              <a:rPr lang="en-US" sz="2400" dirty="0"/>
+              <a:t>while sharing the same structure (class).</a:t>
+            </a:r>
+          </a:p>
+          <a:p>
+            <a:pPr marL="0" indent="0">
+              <a:buNone/>
+            </a:pPr>
+            <a:endParaRPr lang="en-US" sz="2400" dirty="0"/>
+          </a:p>
+          <a:p>
+            <a:pPr marL="0" indent="0">
+              <a:buNone/>
+            </a:pPr>
+            <a:endParaRPr lang="en-US" sz="2400" dirty="0"/>
+          </a:p>
+        </p:txBody>
+      </p:sp>
+    </p:spTree>
+    <p:extLst>
+      <p:ext uri="{BB962C8B-B14F-4D97-AF65-F5344CB8AC3E}">
+        <p14:creationId xmlns:p14="http://schemas.microsoft.com/office/powerpoint/2010/main" val="811045646"/>
+      </p:ext>
+    </p:extLst>
+  </p:cSld>
+  <p:clrMapOvr>
+    <a:masterClrMapping/>
+  </p:clrMapOvr>
+</p:sld>
+</file>
+
+<file path=ppt/slides/slide20.xml><?xml version="1.0" encoding="utf-8"?>
 <p:sld xmlns:a="http://schemas.openxmlformats.org/drawingml/2006/main" xmlns:r="http://schemas.openxmlformats.org/officeDocument/2006/relationships" xmlns:p="http://schemas.openxmlformats.org/presentationml/2006/main">
   <p:cSld>
     <p:spTree>
@@ -6835,7 +8781,7 @@
         </p:nvGrpSpPr>
         <p:grpSpPr>
           <a:xfrm>
-            <a:off x="2315714" y="1046601"/>
+            <a:off x="2315714" y="919945"/>
             <a:ext cx="7927743" cy="5552505"/>
             <a:chOff x="2326600" y="774458"/>
             <a:chExt cx="7927743" cy="5552505"/>
@@ -6915,7 +8861,7 @@
 </p:sld>
 </file>
 
-<file path=ppt/slides/slide19.xml><?xml version="1.0" encoding="utf-8"?>
+<file path=ppt/slides/slide21.xml><?xml version="1.0" encoding="utf-8"?>
 <p:sld xmlns:a="http://schemas.openxmlformats.org/drawingml/2006/main" xmlns:r="http://schemas.openxmlformats.org/officeDocument/2006/relationships" xmlns:p="http://schemas.openxmlformats.org/presentationml/2006/main">
   <p:cSld>
     <p:spTree>
@@ -7057,223 +9003,7 @@
 </p:sld>
 </file>
 
-<file path=ppt/slides/slide2.xml><?xml version="1.0" encoding="utf-8"?>
-<p:sld xmlns:a="http://schemas.openxmlformats.org/drawingml/2006/main" xmlns:r="http://schemas.openxmlformats.org/officeDocument/2006/relationships" xmlns:p="http://schemas.openxmlformats.org/presentationml/2006/main">
-  <p:cSld>
-    <p:spTree>
-      <p:nvGrpSpPr>
-        <p:cNvPr id="1" name="">
-          <a:extLst>
-            <a:ext uri="{FF2B5EF4-FFF2-40B4-BE49-F238E27FC236}">
-              <a16:creationId xmlns:a16="http://schemas.microsoft.com/office/drawing/2014/main" id="{A3A83E59-8C6C-9AA3-C588-5349FB27EF4C}"/>
-            </a:ext>
-          </a:extLst>
-        </p:cNvPr>
-        <p:cNvGrpSpPr/>
-        <p:nvPr/>
-      </p:nvGrpSpPr>
-      <p:grpSpPr>
-        <a:xfrm>
-          <a:off x="0" y="0"/>
-          <a:ext cx="0" cy="0"/>
-          <a:chOff x="0" y="0"/>
-          <a:chExt cx="0" cy="0"/>
-        </a:xfrm>
-      </p:grpSpPr>
-      <p:sp>
-        <p:nvSpPr>
-          <p:cNvPr id="3" name="Content Placeholder 2">
-            <a:extLst>
-              <a:ext uri="{FF2B5EF4-FFF2-40B4-BE49-F238E27FC236}">
-                <a16:creationId xmlns:a16="http://schemas.microsoft.com/office/drawing/2014/main" id="{4349AE05-80EC-11B1-F5D9-950E6B7AF4FA}"/>
-              </a:ext>
-            </a:extLst>
-          </p:cNvPr>
-          <p:cNvSpPr>
-            <a:spLocks noGrp="1"/>
-          </p:cNvSpPr>
-          <p:nvPr>
-            <p:ph idx="1"/>
-          </p:nvPr>
-        </p:nvSpPr>
-        <p:spPr>
-          <a:xfrm>
-            <a:off x="766445" y="979715"/>
-            <a:ext cx="10659110" cy="4506686"/>
-          </a:xfrm>
-        </p:spPr>
-        <p:txBody>
-          <a:bodyPr>
-            <a:normAutofit/>
-          </a:bodyPr>
-          <a:lstStyle/>
-          <a:p>
-            <a:pPr marL="457200" indent="-457200">
-              <a:buAutoNum type="arabicPeriod"/>
-            </a:pPr>
-            <a:r>
-              <a:rPr lang="en-US" sz="2800" b="1" dirty="0"/>
-              <a:t>Class and Object:</a:t>
-            </a:r>
-          </a:p>
-          <a:p>
-            <a:pPr marL="0" indent="0">
-              <a:buNone/>
-            </a:pPr>
-            <a:r>
-              <a:rPr lang="en-US" sz="2400" b="1" dirty="0"/>
-              <a:t>1️⃣ What is a Class?</a:t>
-            </a:r>
-          </a:p>
-          <a:p>
-            <a:pPr marL="0" indent="0">
-              <a:buNone/>
-            </a:pPr>
-            <a:r>
-              <a:rPr lang="en-US" sz="2400" dirty="0"/>
-              <a:t>A class is a </a:t>
-            </a:r>
-            <a:r>
-              <a:rPr lang="en-US" sz="2400" b="1" dirty="0">
-                <a:solidFill>
-                  <a:srgbClr val="C00000"/>
-                </a:solidFill>
-              </a:rPr>
-              <a:t>blueprint</a:t>
-            </a:r>
-            <a:r>
-              <a:rPr lang="en-US" sz="2400" dirty="0"/>
-              <a:t> for </a:t>
-            </a:r>
-            <a:r>
-              <a:rPr lang="en-US" sz="2400" b="1" dirty="0"/>
-              <a:t>creating objects</a:t>
-            </a:r>
-            <a:r>
-              <a:rPr lang="en-US" sz="2400" dirty="0"/>
-              <a:t>. It defines </a:t>
-            </a:r>
-            <a:r>
-              <a:rPr lang="en-US" sz="2400" b="1" dirty="0">
-                <a:solidFill>
-                  <a:srgbClr val="C00000"/>
-                </a:solidFill>
-              </a:rPr>
-              <a:t>attributes</a:t>
-            </a:r>
-            <a:r>
-              <a:rPr lang="en-US" sz="2400" dirty="0"/>
-              <a:t> (</a:t>
-            </a:r>
-            <a:r>
-              <a:rPr lang="en-US" sz="2400" b="1" dirty="0"/>
-              <a:t>variables</a:t>
-            </a:r>
-            <a:r>
-              <a:rPr lang="en-US" sz="2400" dirty="0"/>
-              <a:t>) and </a:t>
-            </a:r>
-            <a:r>
-              <a:rPr lang="en-US" sz="2400" b="1" dirty="0">
-                <a:solidFill>
-                  <a:srgbClr val="C00000"/>
-                </a:solidFill>
-              </a:rPr>
-              <a:t>behaviors</a:t>
-            </a:r>
-            <a:r>
-              <a:rPr lang="en-US" sz="2400" dirty="0"/>
-              <a:t> (</a:t>
-            </a:r>
-            <a:r>
-              <a:rPr lang="en-US" sz="2400" b="1" dirty="0"/>
-              <a:t>methods</a:t>
-            </a:r>
-            <a:r>
-              <a:rPr lang="en-US" sz="2400" dirty="0"/>
-              <a:t>) that objects of the class will have.</a:t>
-            </a:r>
-          </a:p>
-          <a:p>
-            <a:pPr marL="0" indent="0">
-              <a:buNone/>
-            </a:pPr>
-            <a:endParaRPr lang="en-US" sz="2400" dirty="0"/>
-          </a:p>
-          <a:p>
-            <a:pPr marL="0" indent="0">
-              <a:buNone/>
-            </a:pPr>
-            <a:r>
-              <a:rPr lang="en-US" sz="2400" b="1" dirty="0"/>
-              <a:t>2️⃣ What is an Object?</a:t>
-            </a:r>
-          </a:p>
-          <a:p>
-            <a:pPr marL="0" indent="0">
-              <a:buNone/>
-            </a:pPr>
-            <a:r>
-              <a:rPr lang="en-US" sz="2400" dirty="0"/>
-              <a:t>An object is an </a:t>
-            </a:r>
-            <a:r>
-              <a:rPr lang="en-US" sz="2400" b="1" dirty="0">
-                <a:solidFill>
-                  <a:srgbClr val="C00000"/>
-                </a:solidFill>
-              </a:rPr>
-              <a:t>instance</a:t>
-            </a:r>
-            <a:r>
-              <a:rPr lang="en-US" sz="2400" b="1" dirty="0"/>
-              <a:t> of a class</a:t>
-            </a:r>
-            <a:r>
-              <a:rPr lang="en-US" sz="2400" dirty="0"/>
-              <a:t>. Each object can </a:t>
-            </a:r>
-            <a:r>
-              <a:rPr lang="en-US" sz="2400" b="1" dirty="0">
-                <a:solidFill>
-                  <a:srgbClr val="C00000"/>
-                </a:solidFill>
-              </a:rPr>
-              <a:t>have its own data </a:t>
-            </a:r>
-            <a:r>
-              <a:rPr lang="en-US" sz="2400" dirty="0"/>
-              <a:t>while sharing the same structure (class).</a:t>
-            </a:r>
-          </a:p>
-          <a:p>
-            <a:pPr marL="0" indent="0">
-              <a:buNone/>
-            </a:pPr>
-            <a:endParaRPr lang="en-US" sz="2400" dirty="0"/>
-          </a:p>
-          <a:p>
-            <a:pPr marL="0" indent="0">
-              <a:buNone/>
-            </a:pPr>
-            <a:endParaRPr lang="en-US" sz="2400" dirty="0"/>
-          </a:p>
-        </p:txBody>
-      </p:sp>
-    </p:spTree>
-    <p:extLst>
-      <p:ext uri="{BB962C8B-B14F-4D97-AF65-F5344CB8AC3E}">
-        <p14:creationId xmlns:p14="http://schemas.microsoft.com/office/powerpoint/2010/main" val="811045646"/>
-      </p:ext>
-    </p:extLst>
-  </p:cSld>
-  <p:clrMapOvr>
-    <a:masterClrMapping/>
-  </p:clrMapOvr>
-</p:sld>
-</file>
-
-<file path=ppt/slides/slide20.xml><?xml version="1.0" encoding="utf-8"?>
+<file path=ppt/slides/slide22.xml><?xml version="1.0" encoding="utf-8"?>
 <p:sld xmlns:a="http://schemas.openxmlformats.org/drawingml/2006/main" xmlns:r="http://schemas.openxmlformats.org/officeDocument/2006/relationships" xmlns:p="http://schemas.openxmlformats.org/presentationml/2006/main">
   <p:cSld>
     <p:spTree>
@@ -7480,7 +9210,7 @@
 </p:sld>
 </file>
 
-<file path=ppt/slides/slide21.xml><?xml version="1.0" encoding="utf-8"?>
+<file path=ppt/slides/slide23.xml><?xml version="1.0" encoding="utf-8"?>
 <p:sld xmlns:a="http://schemas.openxmlformats.org/drawingml/2006/main" xmlns:r="http://schemas.openxmlformats.org/officeDocument/2006/relationships" xmlns:p="http://schemas.openxmlformats.org/presentationml/2006/main">
   <p:cSld>
     <p:spTree>
@@ -7766,7 +9496,7 @@
 </p:sld>
 </file>
 
-<file path=ppt/slides/slide22.xml><?xml version="1.0" encoding="utf-8"?>
+<file path=ppt/slides/slide24.xml><?xml version="1.0" encoding="utf-8"?>
 <p:sld xmlns:a="http://schemas.openxmlformats.org/drawingml/2006/main" xmlns:r="http://schemas.openxmlformats.org/officeDocument/2006/relationships" xmlns:p="http://schemas.openxmlformats.org/presentationml/2006/main">
   <p:cSld>
     <p:spTree>
@@ -7967,7 +9697,170 @@
 </p:sld>
 </file>
 
-<file path=ppt/slides/slide23.xml><?xml version="1.0" encoding="utf-8"?>
+<file path=ppt/slides/slide25.xml><?xml version="1.0" encoding="utf-8"?>
+<p:sld xmlns:a="http://schemas.openxmlformats.org/drawingml/2006/main" xmlns:r="http://schemas.openxmlformats.org/officeDocument/2006/relationships" xmlns:p="http://schemas.openxmlformats.org/presentationml/2006/main">
+  <p:cSld>
+    <p:spTree>
+      <p:nvGrpSpPr>
+        <p:cNvPr id="1" name=""/>
+        <p:cNvGrpSpPr/>
+        <p:nvPr/>
+      </p:nvGrpSpPr>
+      <p:grpSpPr>
+        <a:xfrm>
+          <a:off x="0" y="0"/>
+          <a:ext cx="0" cy="0"/>
+          <a:chOff x="0" y="0"/>
+          <a:chExt cx="0" cy="0"/>
+        </a:xfrm>
+      </p:grpSpPr>
+      <p:sp>
+        <p:nvSpPr>
+          <p:cNvPr id="3" name="Content Placeholder 2">
+            <a:extLst>
+              <a:ext uri="{FF2B5EF4-FFF2-40B4-BE49-F238E27FC236}">
+                <a16:creationId xmlns:a16="http://schemas.microsoft.com/office/drawing/2014/main" id="{478C7D8E-4554-647D-E6C6-FCFF3900BA1B}"/>
+              </a:ext>
+            </a:extLst>
+          </p:cNvPr>
+          <p:cNvSpPr>
+            <a:spLocks noGrp="1"/>
+          </p:cNvSpPr>
+          <p:nvPr>
+            <p:ph idx="1"/>
+          </p:nvPr>
+        </p:nvSpPr>
+        <p:spPr>
+          <a:xfrm>
+            <a:off x="777240" y="849086"/>
+            <a:ext cx="10659110" cy="5327877"/>
+          </a:xfrm>
+        </p:spPr>
+        <p:txBody>
+          <a:bodyPr>
+            <a:normAutofit/>
+          </a:bodyPr>
+          <a:lstStyle/>
+          <a:p>
+            <a:pPr marL="0" indent="0">
+              <a:buNone/>
+            </a:pPr>
+            <a:r>
+              <a:rPr lang="en-IN" sz="2800" b="1" dirty="0"/>
+              <a:t>Poly-morphism:</a:t>
+            </a:r>
+          </a:p>
+          <a:p>
+            <a:pPr marL="0" indent="0">
+              <a:buNone/>
+            </a:pPr>
+            <a:r>
+              <a:rPr lang="en-IN" sz="2800" b="1" dirty="0"/>
+              <a:t>Poly</a:t>
+            </a:r>
+            <a:r>
+              <a:rPr lang="en-IN" sz="2800" dirty="0"/>
+              <a:t> - many</a:t>
+            </a:r>
+          </a:p>
+          <a:p>
+            <a:pPr marL="0" indent="0">
+              <a:buNone/>
+            </a:pPr>
+            <a:r>
+              <a:rPr lang="en-IN" sz="2800" b="1" dirty="0"/>
+              <a:t>Morphism – </a:t>
+            </a:r>
+            <a:r>
+              <a:rPr lang="en-IN" sz="2800" dirty="0"/>
+              <a:t>forms</a:t>
+            </a:r>
+          </a:p>
+          <a:p>
+            <a:pPr marL="0" indent="0">
+              <a:buNone/>
+            </a:pPr>
+            <a:r>
+              <a:rPr lang="en-IN" sz="2800" b="1" dirty="0"/>
+              <a:t>Types of Polymorphism:</a:t>
+            </a:r>
+          </a:p>
+          <a:p>
+            <a:pPr marL="514350" indent="-514350">
+              <a:buAutoNum type="arabicPeriod"/>
+            </a:pPr>
+            <a:r>
+              <a:rPr lang="en-IN" sz="2800" dirty="0"/>
+              <a:t>Compile Time (Early Binding)</a:t>
+            </a:r>
+          </a:p>
+          <a:p>
+            <a:pPr marL="971550" lvl="1" indent="-514350">
+              <a:buAutoNum type="arabicPeriod"/>
+            </a:pPr>
+            <a:r>
+              <a:rPr lang="en-IN" sz="2600" dirty="0"/>
+              <a:t>Method Overloading</a:t>
+            </a:r>
+          </a:p>
+          <a:p>
+            <a:pPr marL="971550" lvl="1" indent="-514350">
+              <a:buAutoNum type="arabicPeriod"/>
+            </a:pPr>
+            <a:r>
+              <a:rPr lang="en-IN" sz="2600" dirty="0"/>
+              <a:t>Operator Overloading</a:t>
+            </a:r>
+          </a:p>
+          <a:p>
+            <a:pPr marL="971550" lvl="1" indent="-514350">
+              <a:buAutoNum type="arabicPeriod"/>
+            </a:pPr>
+            <a:r>
+              <a:rPr lang="en-IN" sz="2600" dirty="0"/>
+              <a:t>Constructor Overloading – Not supported in Python</a:t>
+            </a:r>
+          </a:p>
+          <a:p>
+            <a:pPr marL="514350" indent="-514350">
+              <a:buAutoNum type="arabicPeriod"/>
+            </a:pPr>
+            <a:r>
+              <a:rPr lang="en-IN" sz="2800" dirty="0"/>
+              <a:t>Run Time: (Late Binding)</a:t>
+            </a:r>
+          </a:p>
+          <a:p>
+            <a:pPr marL="971550" lvl="1" indent="-514350">
+              <a:buAutoNum type="arabicPeriod"/>
+            </a:pPr>
+            <a:r>
+              <a:rPr lang="en-IN" sz="2600" dirty="0"/>
+              <a:t>Method Overriding</a:t>
+            </a:r>
+          </a:p>
+          <a:p>
+            <a:pPr marL="971550" lvl="1" indent="-514350">
+              <a:buAutoNum type="arabicPeriod"/>
+            </a:pPr>
+            <a:endParaRPr lang="en-IN" sz="2600" dirty="0"/>
+          </a:p>
+        </p:txBody>
+      </p:sp>
+    </p:spTree>
+    <p:extLst>
+      <p:ext uri="{BB962C8B-B14F-4D97-AF65-F5344CB8AC3E}">
+        <p14:creationId xmlns:p14="http://schemas.microsoft.com/office/powerpoint/2010/main" val="1493744126"/>
+      </p:ext>
+    </p:extLst>
+  </p:cSld>
+  <p:clrMapOvr>
+    <a:masterClrMapping/>
+  </p:clrMapOvr>
+</p:sld>
+</file>
+
+<file path=ppt/slides/slide26.xml><?xml version="1.0" encoding="utf-8"?>
 <p:sld xmlns:a="http://schemas.openxmlformats.org/drawingml/2006/main" xmlns:r="http://schemas.openxmlformats.org/officeDocument/2006/relationships" xmlns:p="http://schemas.openxmlformats.org/presentationml/2006/main">
   <p:cSld>
     <p:spTree>
@@ -8050,15 +9943,35 @@
             </a:r>
             <a:r>
               <a:rPr lang="en-US" sz="2800" dirty="0"/>
-              <a:t>constructor overloading (like Java or C++) because Python allows only one __</a:t>
-            </a:r>
-            <a:r>
-              <a:rPr lang="en-US" sz="2800" dirty="0" err="1"/>
+              <a:t>constructor or Method overloading (like Java or C++) because Python allows only one </a:t>
+            </a:r>
+            <a:r>
+              <a:rPr lang="en-US" sz="2800" b="1" dirty="0">
+                <a:solidFill>
+                  <a:srgbClr val="C00000"/>
+                </a:solidFill>
+              </a:rPr>
+              <a:t>__</a:t>
+            </a:r>
+            <a:r>
+              <a:rPr lang="en-US" sz="2800" b="1" dirty="0" err="1">
+                <a:solidFill>
+                  <a:srgbClr val="C00000"/>
+                </a:solidFill>
+              </a:rPr>
               <a:t>init</a:t>
             </a:r>
             <a:r>
+              <a:rPr lang="en-US" sz="2800" b="1" dirty="0">
+                <a:solidFill>
+                  <a:srgbClr val="C00000"/>
+                </a:solidFill>
+              </a:rPr>
+              <a:t>__ </a:t>
+            </a:r>
+            <a:r>
               <a:rPr lang="en-US" sz="2800" dirty="0"/>
-              <a:t>__ method in a class. </a:t>
+              <a:t>method in a class. </a:t>
             </a:r>
           </a:p>
           <a:p>
@@ -8136,7 +10049,7 @@
 </p:sld>
 </file>
 
-<file path=ppt/slides/slide24.xml><?xml version="1.0" encoding="utf-8"?>
+<file path=ppt/slides/slide27.xml><?xml version="1.0" encoding="utf-8"?>
 <p:sld xmlns:a="http://schemas.openxmlformats.org/drawingml/2006/main" xmlns:r="http://schemas.openxmlformats.org/officeDocument/2006/relationships" xmlns:p="http://schemas.openxmlformats.org/presentationml/2006/main">
   <p:cSld>
     <p:spTree>
@@ -8200,15 +10113,15 @@
               <a:buNone/>
             </a:pPr>
             <a:r>
-              <a:rPr lang="en-US" sz="2400" dirty="0"/>
+              <a:rPr lang="en-US" sz="2800" dirty="0"/>
               <a:t>Inheritance is an object-oriented programming (OOP) concept where a class (child class) </a:t>
             </a:r>
             <a:r>
-              <a:rPr lang="en-US" sz="2400" b="1" dirty="0"/>
+              <a:rPr lang="en-US" sz="2800" b="1" dirty="0"/>
               <a:t>derives </a:t>
             </a:r>
             <a:r>
-              <a:rPr lang="en-US" sz="2400" b="1" dirty="0">
+              <a:rPr lang="en-US" sz="2800" b="1" dirty="0">
                 <a:solidFill>
                   <a:srgbClr val="C00000"/>
                 </a:solidFill>
@@ -8216,19 +10129,19 @@
               <a:t>properties</a:t>
             </a:r>
             <a:r>
-              <a:rPr lang="en-US" sz="2400" b="1" dirty="0"/>
+              <a:rPr lang="en-US" sz="2800" b="1" dirty="0"/>
               <a:t> </a:t>
             </a:r>
             <a:r>
-              <a:rPr lang="en-US" sz="2400" dirty="0"/>
+              <a:rPr lang="en-US" sz="2800" dirty="0"/>
               <a:t>and</a:t>
             </a:r>
             <a:r>
-              <a:rPr lang="en-US" sz="2400" b="1" dirty="0"/>
+              <a:rPr lang="en-US" sz="2800" b="1" dirty="0"/>
               <a:t> </a:t>
             </a:r>
             <a:r>
-              <a:rPr lang="en-US" sz="2400" b="1" dirty="0">
+              <a:rPr lang="en-US" sz="2800" b="1" dirty="0">
                 <a:solidFill>
                   <a:srgbClr val="C00000"/>
                 </a:solidFill>
@@ -8236,23 +10149,23 @@
               <a:t>behaviors</a:t>
             </a:r>
             <a:r>
-              <a:rPr lang="en-US" sz="2400" b="1" dirty="0"/>
+              <a:rPr lang="en-US" sz="2800" b="1" dirty="0"/>
               <a:t> </a:t>
             </a:r>
             <a:r>
-              <a:rPr lang="en-US" sz="2400" dirty="0"/>
+              <a:rPr lang="en-US" sz="2800" dirty="0"/>
               <a:t>(methods) </a:t>
             </a:r>
             <a:r>
-              <a:rPr lang="en-US" sz="2400" b="1" dirty="0"/>
+              <a:rPr lang="en-US" sz="2800" b="1" dirty="0"/>
               <a:t>from</a:t>
             </a:r>
             <a:r>
-              <a:rPr lang="en-US" sz="2400" dirty="0"/>
+              <a:rPr lang="en-US" sz="2800" dirty="0"/>
               <a:t> </a:t>
             </a:r>
             <a:r>
-              <a:rPr lang="en-US" sz="2400" b="1" dirty="0">
+              <a:rPr lang="en-US" sz="2800" b="1" dirty="0">
                 <a:solidFill>
                   <a:srgbClr val="C00000"/>
                 </a:solidFill>
@@ -8260,11 +10173,11 @@
               <a:t>another class </a:t>
             </a:r>
             <a:r>
-              <a:rPr lang="en-US" sz="2400" dirty="0"/>
+              <a:rPr lang="en-US" sz="2800" dirty="0"/>
               <a:t>(parent class). This helps in </a:t>
             </a:r>
             <a:r>
-              <a:rPr lang="en-US" sz="2400" b="1" dirty="0">
+              <a:rPr lang="en-US" sz="2800" b="1" dirty="0">
                 <a:solidFill>
                   <a:srgbClr val="C00000"/>
                 </a:solidFill>
@@ -8272,15 +10185,15 @@
               <a:t>code reusability </a:t>
             </a:r>
             <a:r>
-              <a:rPr lang="en-US" sz="2400" dirty="0"/>
+              <a:rPr lang="en-US" sz="2800" dirty="0"/>
               <a:t>and </a:t>
             </a:r>
             <a:r>
-              <a:rPr lang="en-US" sz="2400" b="1" dirty="0"/>
+              <a:rPr lang="en-US" sz="2800" b="1" dirty="0"/>
               <a:t>reducing redundancy</a:t>
             </a:r>
             <a:r>
-              <a:rPr lang="en-US" sz="2400" dirty="0"/>
+              <a:rPr lang="en-US" sz="2800" dirty="0"/>
               <a:t>.</a:t>
             </a:r>
           </a:p>
@@ -8288,24 +10201,40 @@
             <a:pPr marL="0" indent="0">
               <a:buNone/>
             </a:pPr>
-            <a:endParaRPr lang="en-US" sz="2400" dirty="0"/>
-          </a:p>
-          <a:p>
-            <a:pPr marL="0" indent="0">
-              <a:buNone/>
-            </a:pPr>
-            <a:r>
-              <a:rPr lang="en-US" sz="2400" b="1" dirty="0"/>
+            <a:endParaRPr lang="en-US" dirty="0"/>
+          </a:p>
+          <a:p>
+            <a:pPr marL="0" indent="0">
+              <a:buNone/>
+            </a:pPr>
+            <a:r>
+              <a:rPr lang="en-US" sz="2800" b="1" dirty="0"/>
               <a:t>1️⃣ What is Inheritance?</a:t>
             </a:r>
           </a:p>
           <a:p>
             <a:r>
-              <a:rPr lang="en-US" sz="2400" dirty="0"/>
-              <a:t>It allows one class (child/derived class) to </a:t>
-            </a:r>
-            <a:r>
-              <a:rPr lang="en-US" sz="2400" b="1" dirty="0">
+              <a:rPr lang="en-US" sz="2800" dirty="0"/>
+              <a:t>It allows one class (</a:t>
+            </a:r>
+            <a:r>
+              <a:rPr lang="en-US" sz="2800" b="1" dirty="0"/>
+              <a:t>child</a:t>
+            </a:r>
+            <a:r>
+              <a:rPr lang="en-US" sz="2800" dirty="0"/>
+              <a:t>/</a:t>
+            </a:r>
+            <a:r>
+              <a:rPr lang="en-US" sz="2800" b="1" dirty="0"/>
+              <a:t>derived</a:t>
+            </a:r>
+            <a:r>
+              <a:rPr lang="en-US" sz="2800" dirty="0"/>
+              <a:t> class) to </a:t>
+            </a:r>
+            <a:r>
+              <a:rPr lang="en-US" sz="2800" b="1" dirty="0">
                 <a:solidFill>
                   <a:srgbClr val="C00000"/>
                 </a:solidFill>
@@ -8313,17 +10242,33 @@
               <a:t>inherit</a:t>
             </a:r>
             <a:r>
-              <a:rPr lang="en-US" sz="2400" dirty="0"/>
-              <a:t> attributes and methods from another class (parent/base class).</a:t>
-            </a:r>
-          </a:p>
-          <a:p>
-            <a:r>
-              <a:rPr lang="en-US" sz="2400" dirty="0"/>
+              <a:rPr lang="en-US" sz="2800" dirty="0"/>
+              <a:t> attributes or variables and methods from another class (</a:t>
+            </a:r>
+            <a:r>
+              <a:rPr lang="en-US" sz="2800" b="1" dirty="0"/>
+              <a:t>parent</a:t>
+            </a:r>
+            <a:r>
+              <a:rPr lang="en-US" sz="2800" dirty="0"/>
+              <a:t>/</a:t>
+            </a:r>
+            <a:r>
+              <a:rPr lang="en-US" sz="2800" b="1" dirty="0"/>
+              <a:t>base</a:t>
+            </a:r>
+            <a:r>
+              <a:rPr lang="en-US" sz="2800" dirty="0"/>
+              <a:t> class).</a:t>
+            </a:r>
+          </a:p>
+          <a:p>
+            <a:r>
+              <a:rPr lang="en-US" sz="2800" dirty="0"/>
               <a:t>Enables code </a:t>
             </a:r>
             <a:r>
-              <a:rPr lang="en-US" sz="2400" b="1" dirty="0">
+              <a:rPr lang="en-US" sz="2800" b="1" dirty="0">
                 <a:solidFill>
                   <a:srgbClr val="C00000"/>
                 </a:solidFill>
@@ -8331,11 +10276,11 @@
               <a:t>reusability</a:t>
             </a:r>
             <a:r>
-              <a:rPr lang="en-US" sz="2400" dirty="0"/>
+              <a:rPr lang="en-US" sz="2800" dirty="0"/>
               <a:t> and </a:t>
             </a:r>
             <a:r>
-              <a:rPr lang="en-US" sz="2400" b="1" dirty="0">
+              <a:rPr lang="en-US" sz="2800" b="1" dirty="0">
                 <a:solidFill>
                   <a:srgbClr val="C00000"/>
                 </a:solidFill>
@@ -8343,11 +10288,11 @@
               <a:t>hierarchical</a:t>
             </a:r>
             <a:r>
-              <a:rPr lang="en-US" sz="2400" dirty="0"/>
+              <a:rPr lang="en-US" sz="2800" dirty="0"/>
               <a:t> </a:t>
             </a:r>
             <a:r>
-              <a:rPr lang="en-US" sz="2400" b="1" dirty="0">
+              <a:rPr lang="en-US" sz="2800" b="1" dirty="0">
                 <a:solidFill>
                   <a:srgbClr val="C00000"/>
                 </a:solidFill>
@@ -8355,7 +10300,7 @@
               <a:t>relationships</a:t>
             </a:r>
             <a:r>
-              <a:rPr lang="en-US" sz="2400" dirty="0"/>
+              <a:rPr lang="en-US" sz="2800" dirty="0"/>
               <a:t> between classes.</a:t>
             </a:r>
           </a:p>
@@ -8380,7 +10325,7 @@
 </p:sld>
 </file>
 
-<file path=ppt/slides/slide25.xml><?xml version="1.0" encoding="utf-8"?>
+<file path=ppt/slides/slide28.xml><?xml version="1.0" encoding="utf-8"?>
 <p:sld xmlns:a="http://schemas.openxmlformats.org/drawingml/2006/main" xmlns:r="http://schemas.openxmlformats.org/officeDocument/2006/relationships" xmlns:p="http://schemas.openxmlformats.org/presentationml/2006/main">
   <p:cSld>
     <p:spTree>
@@ -8500,7 +10445,7 @@
 </p:sld>
 </file>
 
-<file path=ppt/slides/slide26.xml><?xml version="1.0" encoding="utf-8"?>
+<file path=ppt/slides/slide29.xml><?xml version="1.0" encoding="utf-8"?>
 <p:sld xmlns:a="http://schemas.openxmlformats.org/drawingml/2006/main" xmlns:r="http://schemas.openxmlformats.org/officeDocument/2006/relationships" xmlns:p="http://schemas.openxmlformats.org/presentationml/2006/main">
   <p:cSld>
     <p:bg>
@@ -9674,416 +11619,6 @@
 </p:sld>
 </file>
 
-<file path=ppt/slides/slide27.xml><?xml version="1.0" encoding="utf-8"?>
-<p:sld xmlns:a="http://schemas.openxmlformats.org/drawingml/2006/main" xmlns:r="http://schemas.openxmlformats.org/officeDocument/2006/relationships" xmlns:p="http://schemas.openxmlformats.org/presentationml/2006/main">
-  <p:cSld>
-    <p:spTree>
-      <p:nvGrpSpPr>
-        <p:cNvPr id="1" name=""/>
-        <p:cNvGrpSpPr/>
-        <p:nvPr/>
-      </p:nvGrpSpPr>
-      <p:grpSpPr>
-        <a:xfrm>
-          <a:off x="0" y="0"/>
-          <a:ext cx="0" cy="0"/>
-          <a:chOff x="0" y="0"/>
-          <a:chExt cx="0" cy="0"/>
-        </a:xfrm>
-      </p:grpSpPr>
-      <p:pic>
-        <p:nvPicPr>
-          <p:cNvPr id="1026" name="Picture 2">
-            <a:extLst>
-              <a:ext uri="{FF2B5EF4-FFF2-40B4-BE49-F238E27FC236}">
-                <a16:creationId xmlns:a16="http://schemas.microsoft.com/office/drawing/2014/main" id="{7E11FC1F-5130-9544-3CAF-8771703C4AA8}"/>
-              </a:ext>
-            </a:extLst>
-          </p:cNvPr>
-          <p:cNvPicPr>
-            <a:picLocks noChangeAspect="1" noChangeArrowheads="1"/>
-          </p:cNvPicPr>
-          <p:nvPr/>
-        </p:nvPicPr>
-        <p:blipFill>
-          <a:blip r:embed="rId2">
-            <a:extLst>
-              <a:ext uri="{28A0092B-C50C-407E-A947-70E740481C1C}">
-                <a14:useLocalDpi xmlns:a14="http://schemas.microsoft.com/office/drawing/2010/main" val="0"/>
-              </a:ext>
-            </a:extLst>
-          </a:blip>
-          <a:srcRect/>
-          <a:stretch>
-            <a:fillRect/>
-          </a:stretch>
-        </p:blipFill>
-        <p:spPr bwMode="auto">
-          <a:xfrm>
-            <a:off x="1428115" y="60771"/>
-            <a:ext cx="9357360" cy="6736457"/>
-          </a:xfrm>
-          <a:prstGeom prst="rect">
-            <a:avLst/>
-          </a:prstGeom>
-          <a:noFill/>
-          <a:extLst>
-            <a:ext uri="{909E8E84-426E-40DD-AFC4-6F175D3DCCD1}">
-              <a14:hiddenFill xmlns:a14="http://schemas.microsoft.com/office/drawing/2010/main">
-                <a:solidFill>
-                  <a:srgbClr val="FFFFFF"/>
-                </a:solidFill>
-              </a14:hiddenFill>
-            </a:ext>
-          </a:extLst>
-        </p:spPr>
-      </p:pic>
-    </p:spTree>
-    <p:extLst>
-      <p:ext uri="{BB962C8B-B14F-4D97-AF65-F5344CB8AC3E}">
-        <p14:creationId xmlns:p14="http://schemas.microsoft.com/office/powerpoint/2010/main" val="4035827739"/>
-      </p:ext>
-    </p:extLst>
-  </p:cSld>
-  <p:clrMapOvr>
-    <a:masterClrMapping/>
-  </p:clrMapOvr>
-</p:sld>
-</file>
-
-<file path=ppt/slides/slide28.xml><?xml version="1.0" encoding="utf-8"?>
-<p:sld xmlns:a="http://schemas.openxmlformats.org/drawingml/2006/main" xmlns:r="http://schemas.openxmlformats.org/officeDocument/2006/relationships" xmlns:p="http://schemas.openxmlformats.org/presentationml/2006/main">
-  <p:cSld>
-    <p:spTree>
-      <p:nvGrpSpPr>
-        <p:cNvPr id="1" name="">
-          <a:extLst>
-            <a:ext uri="{FF2B5EF4-FFF2-40B4-BE49-F238E27FC236}">
-              <a16:creationId xmlns:a16="http://schemas.microsoft.com/office/drawing/2014/main" id="{FB4D1A43-DB61-6F38-74BD-A59FAF93C51E}"/>
-            </a:ext>
-          </a:extLst>
-        </p:cNvPr>
-        <p:cNvGrpSpPr/>
-        <p:nvPr/>
-      </p:nvGrpSpPr>
-      <p:grpSpPr>
-        <a:xfrm>
-          <a:off x="0" y="0"/>
-          <a:ext cx="0" cy="0"/>
-          <a:chOff x="0" y="0"/>
-          <a:chExt cx="0" cy="0"/>
-        </a:xfrm>
-      </p:grpSpPr>
-      <p:sp>
-        <p:nvSpPr>
-          <p:cNvPr id="3" name="Content Placeholder 2">
-            <a:extLst>
-              <a:ext uri="{FF2B5EF4-FFF2-40B4-BE49-F238E27FC236}">
-                <a16:creationId xmlns:a16="http://schemas.microsoft.com/office/drawing/2014/main" id="{D2C17AE0-8B72-1BF8-7FF8-36949EF4E6EF}"/>
-              </a:ext>
-            </a:extLst>
-          </p:cNvPr>
-          <p:cNvSpPr>
-            <a:spLocks noGrp="1"/>
-          </p:cNvSpPr>
-          <p:nvPr>
-            <p:ph idx="1"/>
-          </p:nvPr>
-        </p:nvSpPr>
-        <p:spPr>
-          <a:xfrm>
-            <a:off x="777240" y="751114"/>
-            <a:ext cx="10659110" cy="5425849"/>
-          </a:xfrm>
-        </p:spPr>
-        <p:txBody>
-          <a:bodyPr>
-            <a:normAutofit/>
-          </a:bodyPr>
-          <a:lstStyle/>
-          <a:p>
-            <a:pPr marL="457200" indent="-457200">
-              <a:buAutoNum type="arabicPeriod"/>
-            </a:pPr>
-            <a:r>
-              <a:rPr lang="en-US" sz="2400" b="1" dirty="0"/>
-              <a:t>Single Inheritance:</a:t>
-            </a:r>
-          </a:p>
-          <a:p>
-            <a:pPr marL="0" indent="0">
-              <a:buNone/>
-            </a:pPr>
-            <a:r>
-              <a:rPr lang="en-US" sz="2400" dirty="0"/>
-              <a:t>In single inheritance, </a:t>
-            </a:r>
-            <a:r>
-              <a:rPr lang="en-US" sz="2400" b="1" dirty="0"/>
-              <a:t>a child class </a:t>
-            </a:r>
-            <a:r>
-              <a:rPr lang="en-US" sz="2400" dirty="0"/>
-              <a:t>inherits from a </a:t>
-            </a:r>
-            <a:r>
-              <a:rPr lang="en-US" sz="2400" b="1" dirty="0">
-                <a:solidFill>
-                  <a:srgbClr val="C00000"/>
-                </a:solidFill>
-              </a:rPr>
-              <a:t>single parent </a:t>
-            </a:r>
-            <a:r>
-              <a:rPr lang="en-US" sz="2400" b="1" dirty="0"/>
-              <a:t>class</a:t>
-            </a:r>
-            <a:r>
-              <a:rPr lang="en-US" sz="2400" dirty="0"/>
-              <a:t>.</a:t>
-            </a:r>
-          </a:p>
-          <a:p>
-            <a:pPr marL="0" indent="0">
-              <a:buNone/>
-            </a:pPr>
-            <a:r>
-              <a:rPr lang="en-US" sz="2400" b="1" dirty="0"/>
-              <a:t>Example:</a:t>
-            </a:r>
-            <a:endParaRPr lang="en-IN" sz="2400" b="1" dirty="0"/>
-          </a:p>
-        </p:txBody>
-      </p:sp>
-      <p:pic>
-        <p:nvPicPr>
-          <p:cNvPr id="4" name="Picture 3">
-            <a:extLst>
-              <a:ext uri="{FF2B5EF4-FFF2-40B4-BE49-F238E27FC236}">
-                <a16:creationId xmlns:a16="http://schemas.microsoft.com/office/drawing/2014/main" id="{F11443DA-E361-F65B-B6BE-24CA3D648B06}"/>
-              </a:ext>
-            </a:extLst>
-          </p:cNvPr>
-          <p:cNvPicPr>
-            <a:picLocks noChangeAspect="1"/>
-          </p:cNvPicPr>
-          <p:nvPr/>
-        </p:nvPicPr>
-        <p:blipFill>
-          <a:blip r:embed="rId2"/>
-          <a:stretch>
-            <a:fillRect/>
-          </a:stretch>
-        </p:blipFill>
-        <p:spPr>
-          <a:xfrm>
-            <a:off x="4166923" y="1698706"/>
-            <a:ext cx="7654963" cy="4899176"/>
-          </a:xfrm>
-          <a:prstGeom prst="rect">
-            <a:avLst/>
-          </a:prstGeom>
-        </p:spPr>
-      </p:pic>
-      <p:sp>
-        <p:nvSpPr>
-          <p:cNvPr id="6" name="TextBox 5">
-            <a:extLst>
-              <a:ext uri="{FF2B5EF4-FFF2-40B4-BE49-F238E27FC236}">
-                <a16:creationId xmlns:a16="http://schemas.microsoft.com/office/drawing/2014/main" id="{0DF62C55-F28C-9602-9151-EB5FA5BBE011}"/>
-              </a:ext>
-            </a:extLst>
-          </p:cNvPr>
-          <p:cNvSpPr txBox="1"/>
-          <p:nvPr/>
-        </p:nvSpPr>
-        <p:spPr>
-          <a:xfrm>
-            <a:off x="755650" y="2228671"/>
-            <a:ext cx="3326493" cy="1200329"/>
-          </a:xfrm>
-          <a:prstGeom prst="rect">
-            <a:avLst/>
-          </a:prstGeom>
-          <a:noFill/>
-        </p:spPr>
-        <p:txBody>
-          <a:bodyPr wrap="square">
-            <a:spAutoFit/>
-          </a:bodyPr>
-          <a:lstStyle/>
-          <a:p>
-            <a:r>
-              <a:rPr lang="en-US" sz="2400" dirty="0"/>
-              <a:t>The Dog class inherits the </a:t>
-            </a:r>
-            <a:r>
-              <a:rPr lang="en-US" sz="2400" b="1" dirty="0"/>
-              <a:t>speak() </a:t>
-            </a:r>
-            <a:r>
-              <a:rPr lang="en-US" sz="2400" dirty="0"/>
-              <a:t>method from the </a:t>
-            </a:r>
-            <a:r>
-              <a:rPr lang="en-US" sz="2400" b="1" dirty="0"/>
-              <a:t>Animal</a:t>
-            </a:r>
-            <a:r>
-              <a:rPr lang="en-US" sz="2400" dirty="0"/>
-              <a:t> class.</a:t>
-            </a:r>
-          </a:p>
-        </p:txBody>
-      </p:sp>
-    </p:spTree>
-    <p:extLst>
-      <p:ext uri="{BB962C8B-B14F-4D97-AF65-F5344CB8AC3E}">
-        <p14:creationId xmlns:p14="http://schemas.microsoft.com/office/powerpoint/2010/main" val="725599736"/>
-      </p:ext>
-    </p:extLst>
-  </p:cSld>
-  <p:clrMapOvr>
-    <a:masterClrMapping/>
-  </p:clrMapOvr>
-</p:sld>
-</file>
-
-<file path=ppt/slides/slide29.xml><?xml version="1.0" encoding="utf-8"?>
-<p:sld xmlns:a="http://schemas.openxmlformats.org/drawingml/2006/main" xmlns:r="http://schemas.openxmlformats.org/officeDocument/2006/relationships" xmlns:p="http://schemas.openxmlformats.org/presentationml/2006/main">
-  <p:cSld>
-    <p:spTree>
-      <p:nvGrpSpPr>
-        <p:cNvPr id="1" name="">
-          <a:extLst>
-            <a:ext uri="{FF2B5EF4-FFF2-40B4-BE49-F238E27FC236}">
-              <a16:creationId xmlns:a16="http://schemas.microsoft.com/office/drawing/2014/main" id="{CC5D885D-D312-130C-243D-7158B6B6A436}"/>
-            </a:ext>
-          </a:extLst>
-        </p:cNvPr>
-        <p:cNvGrpSpPr/>
-        <p:nvPr/>
-      </p:nvGrpSpPr>
-      <p:grpSpPr>
-        <a:xfrm>
-          <a:off x="0" y="0"/>
-          <a:ext cx="0" cy="0"/>
-          <a:chOff x="0" y="0"/>
-          <a:chExt cx="0" cy="0"/>
-        </a:xfrm>
-      </p:grpSpPr>
-      <p:sp>
-        <p:nvSpPr>
-          <p:cNvPr id="3" name="Content Placeholder 2">
-            <a:extLst>
-              <a:ext uri="{FF2B5EF4-FFF2-40B4-BE49-F238E27FC236}">
-                <a16:creationId xmlns:a16="http://schemas.microsoft.com/office/drawing/2014/main" id="{5A2B4541-C07E-540C-73A4-919EC6DA8E8D}"/>
-              </a:ext>
-            </a:extLst>
-          </p:cNvPr>
-          <p:cNvSpPr>
-            <a:spLocks noGrp="1"/>
-          </p:cNvSpPr>
-          <p:nvPr>
-            <p:ph idx="1"/>
-          </p:nvPr>
-        </p:nvSpPr>
-        <p:spPr>
-          <a:xfrm>
-            <a:off x="777240" y="457200"/>
-            <a:ext cx="10659110" cy="5719763"/>
-          </a:xfrm>
-        </p:spPr>
-        <p:txBody>
-          <a:bodyPr>
-            <a:normAutofit/>
-          </a:bodyPr>
-          <a:lstStyle/>
-          <a:p>
-            <a:pPr marL="0" indent="0">
-              <a:buNone/>
-            </a:pPr>
-            <a:r>
-              <a:rPr lang="en-US" sz="2400" b="1" dirty="0"/>
-              <a:t>2. Multilevel Inheritance:</a:t>
-            </a:r>
-          </a:p>
-          <a:p>
-            <a:pPr marL="0" indent="0">
-              <a:buNone/>
-            </a:pPr>
-            <a:r>
-              <a:rPr lang="en-US" sz="2400" dirty="0"/>
-              <a:t>In multilevel inheritance, a class inherits from </a:t>
-            </a:r>
-            <a:r>
-              <a:rPr lang="en-US" sz="2400" b="1" dirty="0">
-                <a:solidFill>
-                  <a:srgbClr val="C00000"/>
-                </a:solidFill>
-              </a:rPr>
-              <a:t>another derived class</a:t>
-            </a:r>
-            <a:r>
-              <a:rPr lang="en-US" sz="2400" dirty="0"/>
-              <a:t>.</a:t>
-            </a:r>
-          </a:p>
-          <a:p>
-            <a:pPr marL="0" indent="0">
-              <a:buNone/>
-            </a:pPr>
-            <a:r>
-              <a:rPr lang="en-US" sz="2400" b="1" dirty="0"/>
-              <a:t>Example:</a:t>
-            </a:r>
-            <a:endParaRPr lang="en-IN" sz="2400" b="1" dirty="0"/>
-          </a:p>
-        </p:txBody>
-      </p:sp>
-      <p:pic>
-        <p:nvPicPr>
-          <p:cNvPr id="4" name="Picture 3">
-            <a:extLst>
-              <a:ext uri="{FF2B5EF4-FFF2-40B4-BE49-F238E27FC236}">
-                <a16:creationId xmlns:a16="http://schemas.microsoft.com/office/drawing/2014/main" id="{87A345FC-FAB9-358C-42BA-30B141D5A1FA}"/>
-              </a:ext>
-            </a:extLst>
-          </p:cNvPr>
-          <p:cNvPicPr>
-            <a:picLocks noChangeAspect="1"/>
-          </p:cNvPicPr>
-          <p:nvPr/>
-        </p:nvPicPr>
-        <p:blipFill>
-          <a:blip r:embed="rId2"/>
-          <a:stretch>
-            <a:fillRect/>
-          </a:stretch>
-        </p:blipFill>
-        <p:spPr>
-          <a:xfrm>
-            <a:off x="2274885" y="1451758"/>
-            <a:ext cx="8817658" cy="4949042"/>
-          </a:xfrm>
-          <a:prstGeom prst="rect">
-            <a:avLst/>
-          </a:prstGeom>
-        </p:spPr>
-      </p:pic>
-    </p:spTree>
-    <p:extLst>
-      <p:ext uri="{BB962C8B-B14F-4D97-AF65-F5344CB8AC3E}">
-        <p14:creationId xmlns:p14="http://schemas.microsoft.com/office/powerpoint/2010/main" val="2969933567"/>
-      </p:ext>
-    </p:extLst>
-  </p:cSld>
-  <p:clrMapOvr>
-    <a:masterClrMapping/>
-  </p:clrMapOvr>
-</p:sld>
-</file>
-
 <file path=ppt/slides/slide3.xml><?xml version="1.0" encoding="utf-8"?>
 <p:sld xmlns:a="http://schemas.openxmlformats.org/drawingml/2006/main" xmlns:r="http://schemas.openxmlformats.org/officeDocument/2006/relationships" xmlns:p="http://schemas.openxmlformats.org/presentationml/2006/main">
   <p:cSld>
@@ -10257,6 +11792,416 @@
   <p:cSld>
     <p:spTree>
       <p:nvGrpSpPr>
+        <p:cNvPr id="1" name=""/>
+        <p:cNvGrpSpPr/>
+        <p:nvPr/>
+      </p:nvGrpSpPr>
+      <p:grpSpPr>
+        <a:xfrm>
+          <a:off x="0" y="0"/>
+          <a:ext cx="0" cy="0"/>
+          <a:chOff x="0" y="0"/>
+          <a:chExt cx="0" cy="0"/>
+        </a:xfrm>
+      </p:grpSpPr>
+      <p:pic>
+        <p:nvPicPr>
+          <p:cNvPr id="1026" name="Picture 2">
+            <a:extLst>
+              <a:ext uri="{FF2B5EF4-FFF2-40B4-BE49-F238E27FC236}">
+                <a16:creationId xmlns:a16="http://schemas.microsoft.com/office/drawing/2014/main" id="{7E11FC1F-5130-9544-3CAF-8771703C4AA8}"/>
+              </a:ext>
+            </a:extLst>
+          </p:cNvPr>
+          <p:cNvPicPr>
+            <a:picLocks noChangeAspect="1" noChangeArrowheads="1"/>
+          </p:cNvPicPr>
+          <p:nvPr/>
+        </p:nvPicPr>
+        <p:blipFill>
+          <a:blip r:embed="rId2">
+            <a:extLst>
+              <a:ext uri="{28A0092B-C50C-407E-A947-70E740481C1C}">
+                <a14:useLocalDpi xmlns:a14="http://schemas.microsoft.com/office/drawing/2010/main" val="0"/>
+              </a:ext>
+            </a:extLst>
+          </a:blip>
+          <a:srcRect/>
+          <a:stretch>
+            <a:fillRect/>
+          </a:stretch>
+        </p:blipFill>
+        <p:spPr bwMode="auto">
+          <a:xfrm>
+            <a:off x="1428115" y="60771"/>
+            <a:ext cx="9357360" cy="6736457"/>
+          </a:xfrm>
+          <a:prstGeom prst="rect">
+            <a:avLst/>
+          </a:prstGeom>
+          <a:noFill/>
+          <a:extLst>
+            <a:ext uri="{909E8E84-426E-40DD-AFC4-6F175D3DCCD1}">
+              <a14:hiddenFill xmlns:a14="http://schemas.microsoft.com/office/drawing/2010/main">
+                <a:solidFill>
+                  <a:srgbClr val="FFFFFF"/>
+                </a:solidFill>
+              </a14:hiddenFill>
+            </a:ext>
+          </a:extLst>
+        </p:spPr>
+      </p:pic>
+    </p:spTree>
+    <p:extLst>
+      <p:ext uri="{BB962C8B-B14F-4D97-AF65-F5344CB8AC3E}">
+        <p14:creationId xmlns:p14="http://schemas.microsoft.com/office/powerpoint/2010/main" val="4035827739"/>
+      </p:ext>
+    </p:extLst>
+  </p:cSld>
+  <p:clrMapOvr>
+    <a:masterClrMapping/>
+  </p:clrMapOvr>
+</p:sld>
+</file>
+
+<file path=ppt/slides/slide31.xml><?xml version="1.0" encoding="utf-8"?>
+<p:sld xmlns:a="http://schemas.openxmlformats.org/drawingml/2006/main" xmlns:r="http://schemas.openxmlformats.org/officeDocument/2006/relationships" xmlns:p="http://schemas.openxmlformats.org/presentationml/2006/main">
+  <p:cSld>
+    <p:spTree>
+      <p:nvGrpSpPr>
+        <p:cNvPr id="1" name="">
+          <a:extLst>
+            <a:ext uri="{FF2B5EF4-FFF2-40B4-BE49-F238E27FC236}">
+              <a16:creationId xmlns:a16="http://schemas.microsoft.com/office/drawing/2014/main" id="{FB4D1A43-DB61-6F38-74BD-A59FAF93C51E}"/>
+            </a:ext>
+          </a:extLst>
+        </p:cNvPr>
+        <p:cNvGrpSpPr/>
+        <p:nvPr/>
+      </p:nvGrpSpPr>
+      <p:grpSpPr>
+        <a:xfrm>
+          <a:off x="0" y="0"/>
+          <a:ext cx="0" cy="0"/>
+          <a:chOff x="0" y="0"/>
+          <a:chExt cx="0" cy="0"/>
+        </a:xfrm>
+      </p:grpSpPr>
+      <p:sp>
+        <p:nvSpPr>
+          <p:cNvPr id="3" name="Content Placeholder 2">
+            <a:extLst>
+              <a:ext uri="{FF2B5EF4-FFF2-40B4-BE49-F238E27FC236}">
+                <a16:creationId xmlns:a16="http://schemas.microsoft.com/office/drawing/2014/main" id="{D2C17AE0-8B72-1BF8-7FF8-36949EF4E6EF}"/>
+              </a:ext>
+            </a:extLst>
+          </p:cNvPr>
+          <p:cNvSpPr>
+            <a:spLocks noGrp="1"/>
+          </p:cNvSpPr>
+          <p:nvPr>
+            <p:ph idx="1"/>
+          </p:nvPr>
+        </p:nvSpPr>
+        <p:spPr>
+          <a:xfrm>
+            <a:off x="777240" y="751114"/>
+            <a:ext cx="10659110" cy="5425849"/>
+          </a:xfrm>
+        </p:spPr>
+        <p:txBody>
+          <a:bodyPr>
+            <a:normAutofit/>
+          </a:bodyPr>
+          <a:lstStyle/>
+          <a:p>
+            <a:pPr marL="457200" indent="-457200">
+              <a:buAutoNum type="arabicPeriod"/>
+            </a:pPr>
+            <a:r>
+              <a:rPr lang="en-US" sz="2400" b="1" dirty="0"/>
+              <a:t>Single Inheritance:</a:t>
+            </a:r>
+          </a:p>
+          <a:p>
+            <a:pPr marL="0" indent="0">
+              <a:buNone/>
+            </a:pPr>
+            <a:r>
+              <a:rPr lang="en-US" sz="2400" dirty="0"/>
+              <a:t>In single inheritance, </a:t>
+            </a:r>
+            <a:r>
+              <a:rPr lang="en-US" sz="2400" b="1" dirty="0"/>
+              <a:t>a child class </a:t>
+            </a:r>
+            <a:r>
+              <a:rPr lang="en-US" sz="2400" dirty="0"/>
+              <a:t>inherits from a </a:t>
+            </a:r>
+            <a:r>
+              <a:rPr lang="en-US" sz="2400" b="1" dirty="0">
+                <a:solidFill>
+                  <a:srgbClr val="C00000"/>
+                </a:solidFill>
+              </a:rPr>
+              <a:t>single parent </a:t>
+            </a:r>
+            <a:r>
+              <a:rPr lang="en-US" sz="2400" b="1" dirty="0"/>
+              <a:t>class</a:t>
+            </a:r>
+            <a:r>
+              <a:rPr lang="en-US" sz="2400" dirty="0"/>
+              <a:t>.</a:t>
+            </a:r>
+          </a:p>
+          <a:p>
+            <a:pPr marL="0" indent="0">
+              <a:buNone/>
+            </a:pPr>
+            <a:r>
+              <a:rPr lang="en-US" sz="2400" b="1" dirty="0"/>
+              <a:t>Example:</a:t>
+            </a:r>
+            <a:endParaRPr lang="en-IN" sz="2400" b="1" dirty="0"/>
+          </a:p>
+        </p:txBody>
+      </p:sp>
+      <p:pic>
+        <p:nvPicPr>
+          <p:cNvPr id="4" name="Picture 3">
+            <a:extLst>
+              <a:ext uri="{FF2B5EF4-FFF2-40B4-BE49-F238E27FC236}">
+                <a16:creationId xmlns:a16="http://schemas.microsoft.com/office/drawing/2014/main" id="{F11443DA-E361-F65B-B6BE-24CA3D648B06}"/>
+              </a:ext>
+            </a:extLst>
+          </p:cNvPr>
+          <p:cNvPicPr>
+            <a:picLocks noChangeAspect="1"/>
+          </p:cNvPicPr>
+          <p:nvPr/>
+        </p:nvPicPr>
+        <p:blipFill>
+          <a:blip r:embed="rId2"/>
+          <a:stretch>
+            <a:fillRect/>
+          </a:stretch>
+        </p:blipFill>
+        <p:spPr>
+          <a:xfrm>
+            <a:off x="4166923" y="1698706"/>
+            <a:ext cx="7654963" cy="4899176"/>
+          </a:xfrm>
+          <a:prstGeom prst="rect">
+            <a:avLst/>
+          </a:prstGeom>
+        </p:spPr>
+      </p:pic>
+      <p:sp>
+        <p:nvSpPr>
+          <p:cNvPr id="6" name="TextBox 5">
+            <a:extLst>
+              <a:ext uri="{FF2B5EF4-FFF2-40B4-BE49-F238E27FC236}">
+                <a16:creationId xmlns:a16="http://schemas.microsoft.com/office/drawing/2014/main" id="{0DF62C55-F28C-9602-9151-EB5FA5BBE011}"/>
+              </a:ext>
+            </a:extLst>
+          </p:cNvPr>
+          <p:cNvSpPr txBox="1"/>
+          <p:nvPr/>
+        </p:nvSpPr>
+        <p:spPr>
+          <a:xfrm>
+            <a:off x="755650" y="2228671"/>
+            <a:ext cx="3326493" cy="1200329"/>
+          </a:xfrm>
+          <a:prstGeom prst="rect">
+            <a:avLst/>
+          </a:prstGeom>
+          <a:noFill/>
+        </p:spPr>
+        <p:txBody>
+          <a:bodyPr wrap="square">
+            <a:spAutoFit/>
+          </a:bodyPr>
+          <a:lstStyle/>
+          <a:p>
+            <a:r>
+              <a:rPr lang="en-US" sz="2400" dirty="0"/>
+              <a:t>The Dog class inherits the </a:t>
+            </a:r>
+            <a:r>
+              <a:rPr lang="en-US" sz="2400" b="1" dirty="0"/>
+              <a:t>speak() </a:t>
+            </a:r>
+            <a:r>
+              <a:rPr lang="en-US" sz="2400" dirty="0"/>
+              <a:t>method from the </a:t>
+            </a:r>
+            <a:r>
+              <a:rPr lang="en-US" sz="2400" b="1" dirty="0"/>
+              <a:t>Animal</a:t>
+            </a:r>
+            <a:r>
+              <a:rPr lang="en-US" sz="2400" dirty="0"/>
+              <a:t> class.</a:t>
+            </a:r>
+          </a:p>
+        </p:txBody>
+      </p:sp>
+    </p:spTree>
+    <p:extLst>
+      <p:ext uri="{BB962C8B-B14F-4D97-AF65-F5344CB8AC3E}">
+        <p14:creationId xmlns:p14="http://schemas.microsoft.com/office/powerpoint/2010/main" val="725599736"/>
+      </p:ext>
+    </p:extLst>
+  </p:cSld>
+  <p:clrMapOvr>
+    <a:masterClrMapping/>
+  </p:clrMapOvr>
+</p:sld>
+</file>
+
+<file path=ppt/slides/slide32.xml><?xml version="1.0" encoding="utf-8"?>
+<p:sld xmlns:a="http://schemas.openxmlformats.org/drawingml/2006/main" xmlns:r="http://schemas.openxmlformats.org/officeDocument/2006/relationships" xmlns:p="http://schemas.openxmlformats.org/presentationml/2006/main">
+  <p:cSld>
+    <p:spTree>
+      <p:nvGrpSpPr>
+        <p:cNvPr id="1" name="">
+          <a:extLst>
+            <a:ext uri="{FF2B5EF4-FFF2-40B4-BE49-F238E27FC236}">
+              <a16:creationId xmlns:a16="http://schemas.microsoft.com/office/drawing/2014/main" id="{CC5D885D-D312-130C-243D-7158B6B6A436}"/>
+            </a:ext>
+          </a:extLst>
+        </p:cNvPr>
+        <p:cNvGrpSpPr/>
+        <p:nvPr/>
+      </p:nvGrpSpPr>
+      <p:grpSpPr>
+        <a:xfrm>
+          <a:off x="0" y="0"/>
+          <a:ext cx="0" cy="0"/>
+          <a:chOff x="0" y="0"/>
+          <a:chExt cx="0" cy="0"/>
+        </a:xfrm>
+      </p:grpSpPr>
+      <p:sp>
+        <p:nvSpPr>
+          <p:cNvPr id="3" name="Content Placeholder 2">
+            <a:extLst>
+              <a:ext uri="{FF2B5EF4-FFF2-40B4-BE49-F238E27FC236}">
+                <a16:creationId xmlns:a16="http://schemas.microsoft.com/office/drawing/2014/main" id="{5A2B4541-C07E-540C-73A4-919EC6DA8E8D}"/>
+              </a:ext>
+            </a:extLst>
+          </p:cNvPr>
+          <p:cNvSpPr>
+            <a:spLocks noGrp="1"/>
+          </p:cNvSpPr>
+          <p:nvPr>
+            <p:ph idx="1"/>
+          </p:nvPr>
+        </p:nvSpPr>
+        <p:spPr>
+          <a:xfrm>
+            <a:off x="777240" y="457200"/>
+            <a:ext cx="10659110" cy="5719763"/>
+          </a:xfrm>
+        </p:spPr>
+        <p:txBody>
+          <a:bodyPr>
+            <a:normAutofit/>
+          </a:bodyPr>
+          <a:lstStyle/>
+          <a:p>
+            <a:pPr marL="0" indent="0">
+              <a:buNone/>
+            </a:pPr>
+            <a:r>
+              <a:rPr lang="en-US" sz="2400" b="1" dirty="0"/>
+              <a:t>2. Multilevel Inheritance:</a:t>
+            </a:r>
+          </a:p>
+          <a:p>
+            <a:pPr marL="0" indent="0">
+              <a:buNone/>
+            </a:pPr>
+            <a:r>
+              <a:rPr lang="en-US" sz="2400" dirty="0"/>
+              <a:t>In multilevel inheritance, a class inherits from </a:t>
+            </a:r>
+            <a:r>
+              <a:rPr lang="en-US" sz="2400" b="1" dirty="0">
+                <a:solidFill>
+                  <a:srgbClr val="C00000"/>
+                </a:solidFill>
+              </a:rPr>
+              <a:t>another derived class</a:t>
+            </a:r>
+            <a:r>
+              <a:rPr lang="en-US" sz="2400" dirty="0"/>
+              <a:t>.</a:t>
+            </a:r>
+          </a:p>
+          <a:p>
+            <a:pPr marL="0" indent="0">
+              <a:buNone/>
+            </a:pPr>
+            <a:r>
+              <a:rPr lang="en-US" sz="2400" b="1" dirty="0"/>
+              <a:t>Example:</a:t>
+            </a:r>
+            <a:endParaRPr lang="en-IN" sz="2400" b="1" dirty="0"/>
+          </a:p>
+        </p:txBody>
+      </p:sp>
+      <p:pic>
+        <p:nvPicPr>
+          <p:cNvPr id="4" name="Picture 3">
+            <a:extLst>
+              <a:ext uri="{FF2B5EF4-FFF2-40B4-BE49-F238E27FC236}">
+                <a16:creationId xmlns:a16="http://schemas.microsoft.com/office/drawing/2014/main" id="{87A345FC-FAB9-358C-42BA-30B141D5A1FA}"/>
+              </a:ext>
+            </a:extLst>
+          </p:cNvPr>
+          <p:cNvPicPr>
+            <a:picLocks noChangeAspect="1"/>
+          </p:cNvPicPr>
+          <p:nvPr/>
+        </p:nvPicPr>
+        <p:blipFill>
+          <a:blip r:embed="rId2"/>
+          <a:stretch>
+            <a:fillRect/>
+          </a:stretch>
+        </p:blipFill>
+        <p:spPr>
+          <a:xfrm>
+            <a:off x="2274885" y="1451758"/>
+            <a:ext cx="8817658" cy="4949042"/>
+          </a:xfrm>
+          <a:prstGeom prst="rect">
+            <a:avLst/>
+          </a:prstGeom>
+        </p:spPr>
+      </p:pic>
+    </p:spTree>
+    <p:extLst>
+      <p:ext uri="{BB962C8B-B14F-4D97-AF65-F5344CB8AC3E}">
+        <p14:creationId xmlns:p14="http://schemas.microsoft.com/office/powerpoint/2010/main" val="2969933567"/>
+      </p:ext>
+    </p:extLst>
+  </p:cSld>
+  <p:clrMapOvr>
+    <a:masterClrMapping/>
+  </p:clrMapOvr>
+</p:sld>
+</file>
+
+<file path=ppt/slides/slide33.xml><?xml version="1.0" encoding="utf-8"?>
+<p:sld xmlns:a="http://schemas.openxmlformats.org/drawingml/2006/main" xmlns:r="http://schemas.openxmlformats.org/officeDocument/2006/relationships" xmlns:p="http://schemas.openxmlformats.org/presentationml/2006/main">
+  <p:cSld>
+    <p:spTree>
+      <p:nvGrpSpPr>
         <p:cNvPr id="1" name="">
           <a:extLst>
             <a:ext uri="{FF2B5EF4-FFF2-40B4-BE49-F238E27FC236}">
@@ -10407,7 +12352,7 @@
 </p:sld>
 </file>
 
-<file path=ppt/slides/slide31.xml><?xml version="1.0" encoding="utf-8"?>
+<file path=ppt/slides/slide34.xml><?xml version="1.0" encoding="utf-8"?>
 <p:sld xmlns:a="http://schemas.openxmlformats.org/drawingml/2006/main" xmlns:r="http://schemas.openxmlformats.org/officeDocument/2006/relationships" xmlns:p="http://schemas.openxmlformats.org/presentationml/2006/main">
   <p:cSld>
     <p:spTree>
@@ -10554,7 +12499,7 @@
 </p:sld>
 </file>
 
-<file path=ppt/slides/slide32.xml><?xml version="1.0" encoding="utf-8"?>
+<file path=ppt/slides/slide35.xml><?xml version="1.0" encoding="utf-8"?>
 <p:sld xmlns:a="http://schemas.openxmlformats.org/drawingml/2006/main" xmlns:r="http://schemas.openxmlformats.org/officeDocument/2006/relationships" xmlns:p="http://schemas.openxmlformats.org/presentationml/2006/main">
   <p:cSld>
     <p:spTree>
@@ -10767,7 +12712,7 @@
 </p:sld>
 </file>
 
-<file path=ppt/slides/slide33.xml><?xml version="1.0" encoding="utf-8"?>
+<file path=ppt/slides/slide36.xml><?xml version="1.0" encoding="utf-8"?>
 <p:sld xmlns:a="http://schemas.openxmlformats.org/drawingml/2006/main" xmlns:r="http://schemas.openxmlformats.org/officeDocument/2006/relationships" xmlns:p="http://schemas.openxmlformats.org/presentationml/2006/main">
   <p:cSld>
     <p:spTree>
@@ -10936,7 +12881,7 @@
 </p:sld>
 </file>
 
-<file path=ppt/slides/slide34.xml><?xml version="1.0" encoding="utf-8"?>
+<file path=ppt/slides/slide37.xml><?xml version="1.0" encoding="utf-8"?>
 <p:sld xmlns:a="http://schemas.openxmlformats.org/drawingml/2006/main" xmlns:r="http://schemas.openxmlformats.org/officeDocument/2006/relationships" xmlns:p="http://schemas.openxmlformats.org/presentationml/2006/main">
   <p:cSld>
     <p:spTree>
@@ -11056,7 +13001,7 @@
         </p:blipFill>
         <p:spPr>
           <a:xfrm>
-            <a:off x="1404257" y="156223"/>
+            <a:off x="1404257" y="0"/>
             <a:ext cx="4691743" cy="6545554"/>
           </a:xfrm>
           <a:prstGeom prst="rect">
@@ -11077,7 +13022,176 @@
 </p:sld>
 </file>
 
-<file path=ppt/slides/slide35.xml><?xml version="1.0" encoding="utf-8"?>
+<file path=ppt/slides/slide38.xml><?xml version="1.0" encoding="utf-8"?>
+<p:sld xmlns:a="http://schemas.openxmlformats.org/drawingml/2006/main" xmlns:r="http://schemas.openxmlformats.org/officeDocument/2006/relationships" xmlns:p="http://schemas.openxmlformats.org/presentationml/2006/main">
+  <p:cSld>
+    <p:spTree>
+      <p:nvGrpSpPr>
+        <p:cNvPr id="1" name="">
+          <a:extLst>
+            <a:ext uri="{FF2B5EF4-FFF2-40B4-BE49-F238E27FC236}">
+              <a16:creationId xmlns:a16="http://schemas.microsoft.com/office/drawing/2014/main" id="{97B1DF4B-73AB-D78C-3BDD-F7C63168434C}"/>
+            </a:ext>
+          </a:extLst>
+        </p:cNvPr>
+        <p:cNvGrpSpPr/>
+        <p:nvPr/>
+      </p:nvGrpSpPr>
+      <p:grpSpPr>
+        <a:xfrm>
+          <a:off x="0" y="0"/>
+          <a:ext cx="0" cy="0"/>
+          <a:chOff x="0" y="0"/>
+          <a:chExt cx="0" cy="0"/>
+        </a:xfrm>
+      </p:grpSpPr>
+      <p:sp>
+        <p:nvSpPr>
+          <p:cNvPr id="3" name="Content Placeholder 2">
+            <a:extLst>
+              <a:ext uri="{FF2B5EF4-FFF2-40B4-BE49-F238E27FC236}">
+                <a16:creationId xmlns:a16="http://schemas.microsoft.com/office/drawing/2014/main" id="{CB6C8817-FBFD-B0FA-EE39-3C1665834DBA}"/>
+              </a:ext>
+            </a:extLst>
+          </p:cNvPr>
+          <p:cNvSpPr>
+            <a:spLocks noGrp="1"/>
+          </p:cNvSpPr>
+          <p:nvPr>
+            <p:ph idx="1"/>
+          </p:nvPr>
+        </p:nvSpPr>
+        <p:spPr>
+          <a:xfrm>
+            <a:off x="777240" y="849086"/>
+            <a:ext cx="10659110" cy="5327877"/>
+          </a:xfrm>
+        </p:spPr>
+        <p:txBody>
+          <a:bodyPr>
+            <a:normAutofit/>
+          </a:bodyPr>
+          <a:lstStyle/>
+          <a:p>
+            <a:pPr marL="0" indent="0">
+              <a:buNone/>
+            </a:pPr>
+            <a:r>
+              <a:rPr lang="en-IN" sz="2800" b="1" dirty="0"/>
+              <a:t>Poly-morphism:</a:t>
+            </a:r>
+          </a:p>
+          <a:p>
+            <a:pPr marL="0" indent="0">
+              <a:buNone/>
+            </a:pPr>
+            <a:r>
+              <a:rPr lang="en-IN" sz="2800" b="1" dirty="0"/>
+              <a:t>Poly</a:t>
+            </a:r>
+            <a:r>
+              <a:rPr lang="en-IN" sz="2800" dirty="0"/>
+              <a:t> - many</a:t>
+            </a:r>
+          </a:p>
+          <a:p>
+            <a:pPr marL="0" indent="0">
+              <a:buNone/>
+            </a:pPr>
+            <a:r>
+              <a:rPr lang="en-IN" sz="2800" b="1" dirty="0"/>
+              <a:t>Morphism – </a:t>
+            </a:r>
+            <a:r>
+              <a:rPr lang="en-IN" sz="2800" dirty="0"/>
+              <a:t>forms</a:t>
+            </a:r>
+          </a:p>
+          <a:p>
+            <a:pPr marL="0" indent="0">
+              <a:buNone/>
+            </a:pPr>
+            <a:r>
+              <a:rPr lang="en-IN" sz="2800" b="1" dirty="0"/>
+              <a:t>Types of Polymorphism:</a:t>
+            </a:r>
+          </a:p>
+          <a:p>
+            <a:pPr marL="514350" indent="-514350">
+              <a:buAutoNum type="arabicPeriod"/>
+            </a:pPr>
+            <a:r>
+              <a:rPr lang="en-IN" sz="2800" dirty="0"/>
+              <a:t>Compile Time (Early Binding)</a:t>
+            </a:r>
+          </a:p>
+          <a:p>
+            <a:pPr marL="971550" lvl="1" indent="-514350">
+              <a:buAutoNum type="arabicPeriod"/>
+            </a:pPr>
+            <a:r>
+              <a:rPr lang="en-IN" sz="2600" dirty="0"/>
+              <a:t>Method Overloading</a:t>
+            </a:r>
+          </a:p>
+          <a:p>
+            <a:pPr marL="971550" lvl="1" indent="-514350">
+              <a:buAutoNum type="arabicPeriod"/>
+            </a:pPr>
+            <a:r>
+              <a:rPr lang="en-IN" sz="2600" dirty="0"/>
+              <a:t>Operator Overloading</a:t>
+            </a:r>
+          </a:p>
+          <a:p>
+            <a:pPr marL="971550" lvl="1" indent="-514350">
+              <a:buAutoNum type="arabicPeriod"/>
+            </a:pPr>
+            <a:r>
+              <a:rPr lang="en-IN" sz="2600" dirty="0"/>
+              <a:t>Constructor Overloading – Not supported in Python</a:t>
+            </a:r>
+          </a:p>
+          <a:p>
+            <a:pPr marL="514350" indent="-514350">
+              <a:buAutoNum type="arabicPeriod"/>
+            </a:pPr>
+            <a:r>
+              <a:rPr lang="en-IN" sz="2800" dirty="0"/>
+              <a:t>Run Time: (Late Binding)</a:t>
+            </a:r>
+          </a:p>
+          <a:p>
+            <a:pPr marL="971550" lvl="1" indent="-514350">
+              <a:buAutoNum type="arabicPeriod"/>
+            </a:pPr>
+            <a:r>
+              <a:rPr lang="en-IN" sz="2600" dirty="0"/>
+              <a:t>Method Overriding</a:t>
+            </a:r>
+          </a:p>
+          <a:p>
+            <a:pPr marL="971550" lvl="1" indent="-514350">
+              <a:buAutoNum type="arabicPeriod"/>
+            </a:pPr>
+            <a:endParaRPr lang="en-IN" sz="2600" dirty="0"/>
+          </a:p>
+        </p:txBody>
+      </p:sp>
+    </p:spTree>
+    <p:extLst>
+      <p:ext uri="{BB962C8B-B14F-4D97-AF65-F5344CB8AC3E}">
+        <p14:creationId xmlns:p14="http://schemas.microsoft.com/office/powerpoint/2010/main" val="1824831188"/>
+      </p:ext>
+    </p:extLst>
+  </p:cSld>
+  <p:clrMapOvr>
+    <a:masterClrMapping/>
+  </p:clrMapOvr>
+</p:sld>
+</file>
+
+<file path=ppt/slides/slide39.xml><?xml version="1.0" encoding="utf-8"?>
 <p:sld xmlns:a="http://schemas.openxmlformats.org/drawingml/2006/main" xmlns:r="http://schemas.openxmlformats.org/officeDocument/2006/relationships" xmlns:p="http://schemas.openxmlformats.org/presentationml/2006/main">
   <p:cSld>
     <p:spTree>
@@ -11229,7 +13343,239 @@
 </p:sld>
 </file>
 
-<file path=ppt/slides/slide36.xml><?xml version="1.0" encoding="utf-8"?>
+<file path=ppt/slides/slide4.xml><?xml version="1.0" encoding="utf-8"?>
+<p:sld xmlns:a="http://schemas.openxmlformats.org/drawingml/2006/main" xmlns:r="http://schemas.openxmlformats.org/officeDocument/2006/relationships" xmlns:p="http://schemas.openxmlformats.org/presentationml/2006/main">
+  <p:cSld>
+    <p:spTree>
+      <p:nvGrpSpPr>
+        <p:cNvPr id="1" name="">
+          <a:extLst>
+            <a:ext uri="{FF2B5EF4-FFF2-40B4-BE49-F238E27FC236}">
+              <a16:creationId xmlns:a16="http://schemas.microsoft.com/office/drawing/2014/main" id="{78F33279-C8FD-AB0C-9591-46B8627247DA}"/>
+            </a:ext>
+          </a:extLst>
+        </p:cNvPr>
+        <p:cNvGrpSpPr/>
+        <p:nvPr/>
+      </p:nvGrpSpPr>
+      <p:grpSpPr>
+        <a:xfrm>
+          <a:off x="0" y="0"/>
+          <a:ext cx="0" cy="0"/>
+          <a:chOff x="0" y="0"/>
+          <a:chExt cx="0" cy="0"/>
+        </a:xfrm>
+      </p:grpSpPr>
+      <p:sp>
+        <p:nvSpPr>
+          <p:cNvPr id="3" name="Content Placeholder 2">
+            <a:extLst>
+              <a:ext uri="{FF2B5EF4-FFF2-40B4-BE49-F238E27FC236}">
+                <a16:creationId xmlns:a16="http://schemas.microsoft.com/office/drawing/2014/main" id="{7CA70D2B-1F9C-D14B-109E-530B19702405}"/>
+              </a:ext>
+            </a:extLst>
+          </p:cNvPr>
+          <p:cNvSpPr>
+            <a:spLocks noGrp="1"/>
+          </p:cNvSpPr>
+          <p:nvPr>
+            <p:ph idx="1"/>
+          </p:nvPr>
+        </p:nvSpPr>
+        <p:spPr>
+          <a:xfrm>
+            <a:off x="559526" y="136752"/>
+            <a:ext cx="10659110" cy="5425849"/>
+          </a:xfrm>
+        </p:spPr>
+        <p:txBody>
+          <a:bodyPr>
+            <a:normAutofit/>
+          </a:bodyPr>
+          <a:lstStyle/>
+          <a:p>
+            <a:pPr marL="0" indent="0">
+              <a:buNone/>
+            </a:pPr>
+            <a:r>
+              <a:rPr lang="en-US" sz="2400" b="1" dirty="0"/>
+              <a:t>Example: Creating a </a:t>
+            </a:r>
+            <a:r>
+              <a:rPr lang="en-US" sz="2400" b="1" dirty="0">
+                <a:solidFill>
+                  <a:srgbClr val="C00000"/>
+                </a:solidFill>
+              </a:rPr>
+              <a:t>Class</a:t>
+            </a:r>
+            <a:r>
+              <a:rPr lang="en-US" sz="2400" b="1" dirty="0"/>
+              <a:t> and </a:t>
+            </a:r>
+            <a:r>
+              <a:rPr lang="en-US" sz="2400" b="1" dirty="0">
+                <a:solidFill>
+                  <a:srgbClr val="C00000"/>
+                </a:solidFill>
+              </a:rPr>
+              <a:t>Objects</a:t>
+            </a:r>
+            <a:endParaRPr lang="en-IN" sz="2400" b="1" dirty="0">
+              <a:solidFill>
+                <a:srgbClr val="C00000"/>
+              </a:solidFill>
+            </a:endParaRPr>
+          </a:p>
+        </p:txBody>
+      </p:sp>
+      <p:pic>
+        <p:nvPicPr>
+          <p:cNvPr id="4" name="Picture 3" descr="A computer screen shot of a program&#10;&#10;Description automatically generated">
+            <a:extLst>
+              <a:ext uri="{FF2B5EF4-FFF2-40B4-BE49-F238E27FC236}">
+                <a16:creationId xmlns:a16="http://schemas.microsoft.com/office/drawing/2014/main" id="{16C25C26-E9F1-DAF0-AB9D-02D2ACFA1986}"/>
+              </a:ext>
+            </a:extLst>
+          </p:cNvPr>
+          <p:cNvPicPr>
+            <a:picLocks noChangeAspect="1"/>
+          </p:cNvPicPr>
+          <p:nvPr/>
+        </p:nvPicPr>
+        <p:blipFill rotWithShape="1">
+          <a:blip r:embed="rId2">
+            <a:extLst>
+              <a:ext uri="{28A0092B-C50C-407E-A947-70E740481C1C}">
+                <a14:useLocalDpi xmlns:a14="http://schemas.microsoft.com/office/drawing/2010/main" val="0"/>
+              </a:ext>
+            </a:extLst>
+          </a:blip>
+          <a:srcRect l="3303" t="4445" r="2949" b="5397"/>
+          <a:stretch/>
+        </p:blipFill>
+        <p:spPr>
+          <a:xfrm>
+            <a:off x="1919663" y="612038"/>
+            <a:ext cx="8352674" cy="5967697"/>
+          </a:xfrm>
+          <a:prstGeom prst="rect">
+            <a:avLst/>
+          </a:prstGeom>
+        </p:spPr>
+      </p:pic>
+    </p:spTree>
+    <p:extLst>
+      <p:ext uri="{BB962C8B-B14F-4D97-AF65-F5344CB8AC3E}">
+        <p14:creationId xmlns:p14="http://schemas.microsoft.com/office/powerpoint/2010/main" val="611814134"/>
+      </p:ext>
+    </p:extLst>
+  </p:cSld>
+  <p:clrMapOvr>
+    <a:masterClrMapping/>
+  </p:clrMapOvr>
+</p:sld>
+</file>
+
+<file path=ppt/slides/slide40.xml><?xml version="1.0" encoding="utf-8"?>
+<p:sld xmlns:a="http://schemas.openxmlformats.org/drawingml/2006/main" xmlns:r="http://schemas.openxmlformats.org/officeDocument/2006/relationships" xmlns:p="http://schemas.openxmlformats.org/presentationml/2006/main">
+  <p:cSld>
+    <p:spTree>
+      <p:nvGrpSpPr>
+        <p:cNvPr id="1" name=""/>
+        <p:cNvGrpSpPr/>
+        <p:nvPr/>
+      </p:nvGrpSpPr>
+      <p:grpSpPr>
+        <a:xfrm>
+          <a:off x="0" y="0"/>
+          <a:ext cx="0" cy="0"/>
+          <a:chOff x="0" y="0"/>
+          <a:chExt cx="0" cy="0"/>
+        </a:xfrm>
+      </p:grpSpPr>
+      <p:sp>
+        <p:nvSpPr>
+          <p:cNvPr id="3" name="Content Placeholder 2">
+            <a:extLst>
+              <a:ext uri="{FF2B5EF4-FFF2-40B4-BE49-F238E27FC236}">
+                <a16:creationId xmlns:a16="http://schemas.microsoft.com/office/drawing/2014/main" id="{D7FDBA89-D690-AC5F-5A86-E88D4515CD07}"/>
+              </a:ext>
+            </a:extLst>
+          </p:cNvPr>
+          <p:cNvSpPr>
+            <a:spLocks noGrp="1"/>
+          </p:cNvSpPr>
+          <p:nvPr>
+            <p:ph idx="1"/>
+          </p:nvPr>
+        </p:nvSpPr>
+        <p:spPr>
+          <a:xfrm>
+            <a:off x="777240" y="925286"/>
+            <a:ext cx="10659110" cy="5251677"/>
+          </a:xfrm>
+        </p:spPr>
+        <p:txBody>
+          <a:bodyPr>
+            <a:normAutofit/>
+          </a:bodyPr>
+          <a:lstStyle/>
+          <a:p>
+            <a:pPr marL="0" indent="0">
+              <a:buNone/>
+            </a:pPr>
+            <a:r>
+              <a:rPr lang="en-IN" sz="2400" b="1" dirty="0"/>
+              <a:t>Rule for Method Overriding:</a:t>
+            </a:r>
+          </a:p>
+          <a:p>
+            <a:pPr marL="457200" indent="-457200">
+              <a:buAutoNum type="arabicPeriod"/>
+            </a:pPr>
+            <a:r>
+              <a:rPr lang="en-IN" sz="2400" dirty="0"/>
+              <a:t>There should be a Inheritance</a:t>
+            </a:r>
+          </a:p>
+          <a:p>
+            <a:pPr marL="457200" indent="-457200">
+              <a:buAutoNum type="arabicPeriod"/>
+            </a:pPr>
+            <a:r>
+              <a:rPr lang="en-IN" sz="2400" dirty="0"/>
+              <a:t>Both Parent and Child should have a same method name</a:t>
+            </a:r>
+          </a:p>
+          <a:p>
+            <a:pPr marL="457200" indent="-457200">
+              <a:buAutoNum type="arabicPeriod"/>
+            </a:pPr>
+            <a:endParaRPr lang="en-IN" sz="2400" dirty="0"/>
+          </a:p>
+          <a:p>
+            <a:pPr marL="457200" indent="-457200">
+              <a:buAutoNum type="arabicPeriod"/>
+            </a:pPr>
+            <a:endParaRPr lang="en-IN" sz="2400" dirty="0"/>
+          </a:p>
+        </p:txBody>
+      </p:sp>
+    </p:spTree>
+    <p:extLst>
+      <p:ext uri="{BB962C8B-B14F-4D97-AF65-F5344CB8AC3E}">
+        <p14:creationId xmlns:p14="http://schemas.microsoft.com/office/powerpoint/2010/main" val="242982238"/>
+      </p:ext>
+    </p:extLst>
+  </p:cSld>
+  <p:clrMapOvr>
+    <a:masterClrMapping/>
+  </p:clrMapOvr>
+</p:sld>
+</file>
+
+<file path=ppt/slides/slide41.xml><?xml version="1.0" encoding="utf-8"?>
 <p:sld xmlns:a="http://schemas.openxmlformats.org/drawingml/2006/main" xmlns:r="http://schemas.openxmlformats.org/officeDocument/2006/relationships" xmlns:p="http://schemas.openxmlformats.org/presentationml/2006/main">
   <p:cSld>
     <p:spTree>
@@ -11419,7 +13765,7 @@
 </p:sld>
 </file>
 
-<file path=ppt/slides/slide37.xml><?xml version="1.0" encoding="utf-8"?>
+<file path=ppt/slides/slide42.xml><?xml version="1.0" encoding="utf-8"?>
 <p:sld xmlns:a="http://schemas.openxmlformats.org/drawingml/2006/main" xmlns:r="http://schemas.openxmlformats.org/officeDocument/2006/relationships" xmlns:p="http://schemas.openxmlformats.org/presentationml/2006/main">
   <p:cSld>
     <p:spTree>
@@ -11611,7 +13957,7 @@
 </p:sld>
 </file>
 
-<file path=ppt/slides/slide38.xml><?xml version="1.0" encoding="utf-8"?>
+<file path=ppt/slides/slide43.xml><?xml version="1.0" encoding="utf-8"?>
 <p:sld xmlns:a="http://schemas.openxmlformats.org/drawingml/2006/main" xmlns:r="http://schemas.openxmlformats.org/officeDocument/2006/relationships" xmlns:p="http://schemas.openxmlformats.org/presentationml/2006/main">
   <p:cSld>
     <p:spTree>
@@ -11743,7 +14089,7 @@
 </p:sld>
 </file>
 
-<file path=ppt/slides/slide39.xml><?xml version="1.0" encoding="utf-8"?>
+<file path=ppt/slides/slide44.xml><?xml version="1.0" encoding="utf-8"?>
 <p:sld xmlns:a="http://schemas.openxmlformats.org/drawingml/2006/main" xmlns:r="http://schemas.openxmlformats.org/officeDocument/2006/relationships" xmlns:p="http://schemas.openxmlformats.org/presentationml/2006/main">
   <p:cSld>
     <p:spTree>
@@ -11873,7 +14219,7 @@
           <p:nvPr>
             <p:extLst>
               <p:ext uri="{D42A27DB-BD31-4B8C-83A1-F6EECF244321}">
-                <p14:modId xmlns:p14="http://schemas.microsoft.com/office/powerpoint/2010/main" val="1497226129"/>
+                <p14:modId xmlns:p14="http://schemas.microsoft.com/office/powerpoint/2010/main" val="1958855966"/>
               </p:ext>
             </p:extLst>
           </p:nvPr>
@@ -12025,12 +14371,12 @@
                         </a:spcAft>
                       </a:pPr>
                       <a:r>
-                        <a:rPr lang="en-US" sz="2400" kern="100">
+                        <a:rPr lang="en-US" sz="2400" kern="100" dirty="0">
                           <a:effectLst/>
                         </a:rPr>
                         <a:t>__add__(self, other)</a:t>
                       </a:r>
-                      <a:endParaRPr lang="en-US" sz="2400" kern="100">
+                      <a:endParaRPr lang="en-US" sz="2400" kern="100" dirty="0">
                         <a:effectLst/>
                         <a:latin typeface="Calibri" panose="020F0502020204030204" pitchFamily="34" charset="0"/>
                         <a:ea typeface="Calibri" panose="020F0502020204030204" pitchFamily="34" charset="0"/>
@@ -12643,141 +14989,7 @@
 </p:sld>
 </file>
 
-<file path=ppt/slides/slide4.xml><?xml version="1.0" encoding="utf-8"?>
-<p:sld xmlns:a="http://schemas.openxmlformats.org/drawingml/2006/main" xmlns:r="http://schemas.openxmlformats.org/officeDocument/2006/relationships" xmlns:p="http://schemas.openxmlformats.org/presentationml/2006/main">
-  <p:cSld>
-    <p:spTree>
-      <p:nvGrpSpPr>
-        <p:cNvPr id="1" name="">
-          <a:extLst>
-            <a:ext uri="{FF2B5EF4-FFF2-40B4-BE49-F238E27FC236}">
-              <a16:creationId xmlns:a16="http://schemas.microsoft.com/office/drawing/2014/main" id="{78F33279-C8FD-AB0C-9591-46B8627247DA}"/>
-            </a:ext>
-          </a:extLst>
-        </p:cNvPr>
-        <p:cNvGrpSpPr/>
-        <p:nvPr/>
-      </p:nvGrpSpPr>
-      <p:grpSpPr>
-        <a:xfrm>
-          <a:off x="0" y="0"/>
-          <a:ext cx="0" cy="0"/>
-          <a:chOff x="0" y="0"/>
-          <a:chExt cx="0" cy="0"/>
-        </a:xfrm>
-      </p:grpSpPr>
-      <p:sp>
-        <p:nvSpPr>
-          <p:cNvPr id="3" name="Content Placeholder 2">
-            <a:extLst>
-              <a:ext uri="{FF2B5EF4-FFF2-40B4-BE49-F238E27FC236}">
-                <a16:creationId xmlns:a16="http://schemas.microsoft.com/office/drawing/2014/main" id="{7CA70D2B-1F9C-D14B-109E-530B19702405}"/>
-              </a:ext>
-            </a:extLst>
-          </p:cNvPr>
-          <p:cNvSpPr>
-            <a:spLocks noGrp="1"/>
-          </p:cNvSpPr>
-          <p:nvPr>
-            <p:ph idx="1"/>
-          </p:nvPr>
-        </p:nvSpPr>
-        <p:spPr>
-          <a:xfrm>
-            <a:off x="559526" y="136752"/>
-            <a:ext cx="10659110" cy="5425849"/>
-          </a:xfrm>
-        </p:spPr>
-        <p:txBody>
-          <a:bodyPr>
-            <a:normAutofit/>
-          </a:bodyPr>
-          <a:lstStyle/>
-          <a:p>
-            <a:pPr marL="0" indent="0">
-              <a:buNone/>
-            </a:pPr>
-            <a:r>
-              <a:rPr lang="en-US" sz="2400" b="1" dirty="0"/>
-              <a:t>Example: Creating a </a:t>
-            </a:r>
-            <a:r>
-              <a:rPr lang="en-US" sz="2400" b="1" dirty="0">
-                <a:solidFill>
-                  <a:srgbClr val="C00000"/>
-                </a:solidFill>
-              </a:rPr>
-              <a:t>Class</a:t>
-            </a:r>
-            <a:r>
-              <a:rPr lang="en-US" sz="2400" b="1" dirty="0"/>
-              <a:t> and </a:t>
-            </a:r>
-            <a:r>
-              <a:rPr lang="en-US" sz="2400" b="1" dirty="0">
-                <a:solidFill>
-                  <a:srgbClr val="C00000"/>
-                </a:solidFill>
-              </a:rPr>
-              <a:t>Objects</a:t>
-            </a:r>
-            <a:endParaRPr lang="en-IN" sz="2400" b="1" dirty="0">
-              <a:solidFill>
-                <a:srgbClr val="C00000"/>
-              </a:solidFill>
-            </a:endParaRPr>
-          </a:p>
-        </p:txBody>
-      </p:sp>
-      <p:pic>
-        <p:nvPicPr>
-          <p:cNvPr id="4" name="Picture 3" descr="A computer screen shot of a program&#10;&#10;Description automatically generated">
-            <a:extLst>
-              <a:ext uri="{FF2B5EF4-FFF2-40B4-BE49-F238E27FC236}">
-                <a16:creationId xmlns:a16="http://schemas.microsoft.com/office/drawing/2014/main" id="{16C25C26-E9F1-DAF0-AB9D-02D2ACFA1986}"/>
-              </a:ext>
-            </a:extLst>
-          </p:cNvPr>
-          <p:cNvPicPr>
-            <a:picLocks noChangeAspect="1"/>
-          </p:cNvPicPr>
-          <p:nvPr/>
-        </p:nvPicPr>
-        <p:blipFill rotWithShape="1">
-          <a:blip r:embed="rId2">
-            <a:extLst>
-              <a:ext uri="{28A0092B-C50C-407E-A947-70E740481C1C}">
-                <a14:useLocalDpi xmlns:a14="http://schemas.microsoft.com/office/drawing/2010/main" val="0"/>
-              </a:ext>
-            </a:extLst>
-          </a:blip>
-          <a:srcRect l="3303" t="4445" r="2949" b="5397"/>
-          <a:stretch/>
-        </p:blipFill>
-        <p:spPr>
-          <a:xfrm>
-            <a:off x="1919663" y="612038"/>
-            <a:ext cx="8352674" cy="5967697"/>
-          </a:xfrm>
-          <a:prstGeom prst="rect">
-            <a:avLst/>
-          </a:prstGeom>
-        </p:spPr>
-      </p:pic>
-    </p:spTree>
-    <p:extLst>
-      <p:ext uri="{BB962C8B-B14F-4D97-AF65-F5344CB8AC3E}">
-        <p14:creationId xmlns:p14="http://schemas.microsoft.com/office/powerpoint/2010/main" val="611814134"/>
-      </p:ext>
-    </p:extLst>
-  </p:cSld>
-  <p:clrMapOvr>
-    <a:masterClrMapping/>
-  </p:clrMapOvr>
-</p:sld>
-</file>
-
-<file path=ppt/slides/slide40.xml><?xml version="1.0" encoding="utf-8"?>
+<file path=ppt/slides/slide45.xml><?xml version="1.0" encoding="utf-8"?>
 <p:sld xmlns:a="http://schemas.openxmlformats.org/drawingml/2006/main" xmlns:r="http://schemas.openxmlformats.org/officeDocument/2006/relationships" xmlns:p="http://schemas.openxmlformats.org/presentationml/2006/main">
   <p:cSld>
     <p:spTree>
@@ -12907,7 +15119,7 @@
 </p:sld>
 </file>
 
-<file path=ppt/slides/slide41.xml><?xml version="1.0" encoding="utf-8"?>
+<file path=ppt/slides/slide46.xml><?xml version="1.0" encoding="utf-8"?>
 <p:sld xmlns:a="http://schemas.openxmlformats.org/drawingml/2006/main" xmlns:r="http://schemas.openxmlformats.org/officeDocument/2006/relationships" xmlns:p="http://schemas.openxmlformats.org/presentationml/2006/main">
   <p:cSld>
     <p:spTree>
@@ -12963,7 +15175,7 @@
             </a:pPr>
             <a:r>
               <a:rPr lang="en-IN" sz="2800" b="1" dirty="0"/>
-              <a:t>Abstraction</a:t>
+              <a:t>4. Abstraction</a:t>
             </a:r>
           </a:p>
           <a:p>
@@ -13041,7 +15253,7 @@
               <a:buNone/>
             </a:pPr>
             <a:r>
-              <a:rPr lang="en-US" sz="2800" dirty="0"/>
+              <a:rPr lang="en-US" sz="2800" b="1" dirty="0"/>
               <a:t>In Python, abstraction is achieved using:</a:t>
             </a:r>
           </a:p>
@@ -13104,7 +15316,7 @@
 </p:sld>
 </file>
 
-<file path=ppt/slides/slide42.xml><?xml version="1.0" encoding="utf-8"?>
+<file path=ppt/slides/slide47.xml><?xml version="1.0" encoding="utf-8"?>
 <p:sld xmlns:a="http://schemas.openxmlformats.org/drawingml/2006/main" xmlns:r="http://schemas.openxmlformats.org/officeDocument/2006/relationships" xmlns:p="http://schemas.openxmlformats.org/presentationml/2006/main">
   <p:cSld>
     <p:spTree>
@@ -13166,34 +15378,6 @@
           <a:p>
             <a:r>
               <a:rPr lang="en-US" sz="2400" dirty="0"/>
-              <a:t>A class that </a:t>
-            </a:r>
-            <a:r>
-              <a:rPr lang="en-US" sz="2400" b="1" dirty="0"/>
-              <a:t>cannot be instantiated directly</a:t>
-            </a:r>
-            <a:r>
-              <a:rPr lang="en-US" sz="2400" dirty="0"/>
-              <a:t>.</a:t>
-            </a:r>
-          </a:p>
-          <a:p>
-            <a:r>
-              <a:rPr lang="en-US" sz="2400" dirty="0"/>
-              <a:t>It can contain </a:t>
-            </a:r>
-            <a:r>
-              <a:rPr lang="en-US" sz="2400" b="1" dirty="0"/>
-              <a:t>abstract methods</a:t>
-            </a:r>
-            <a:r>
-              <a:rPr lang="en-US" sz="2400" dirty="0"/>
-              <a:t> (methods without implementation).</a:t>
-            </a:r>
-          </a:p>
-          <a:p>
-            <a:r>
-              <a:rPr lang="en-US" sz="2400" dirty="0"/>
               <a:t>A class becomes abstract if it has </a:t>
             </a:r>
             <a:r>
@@ -13202,7 +15386,15 @@
                   <a:srgbClr val="002060"/>
                 </a:solidFill>
               </a:rPr>
-              <a:t>at least one abstract method</a:t>
+              <a:t>at least </a:t>
+            </a:r>
+            <a:r>
+              <a:rPr lang="en-US" sz="2400" b="1" dirty="0">
+                <a:solidFill>
+                  <a:srgbClr val="C00000"/>
+                </a:solidFill>
+              </a:rPr>
+              <a:t>one abstract method</a:t>
             </a:r>
             <a:r>
               <a:rPr lang="en-US" sz="2400" dirty="0"/>
@@ -13212,7 +15404,75 @@
           <a:p>
             <a:r>
               <a:rPr lang="en-US" sz="2400" dirty="0"/>
-              <a:t>An abstract method is a method that is declared but not implemented in the parent class.</a:t>
+              <a:t>A class that </a:t>
+            </a:r>
+            <a:r>
+              <a:rPr lang="en-US" sz="2400" b="1" dirty="0"/>
+              <a:t>cannot be instantiated directly</a:t>
+            </a:r>
+            <a:r>
+              <a:rPr lang="en-US" sz="2400" dirty="0"/>
+              <a:t>.</a:t>
+            </a:r>
+          </a:p>
+          <a:p>
+            <a:r>
+              <a:rPr lang="en-US" sz="2400" dirty="0"/>
+              <a:t>It can contain </a:t>
+            </a:r>
+            <a:r>
+              <a:rPr lang="en-US" sz="2400" b="1" dirty="0"/>
+              <a:t>abstract methods</a:t>
+            </a:r>
+            <a:r>
+              <a:rPr lang="en-US" sz="2400" dirty="0"/>
+              <a:t> (</a:t>
+            </a:r>
+            <a:r>
+              <a:rPr lang="en-US" sz="2400" b="1" dirty="0">
+                <a:solidFill>
+                  <a:srgbClr val="C00000"/>
+                </a:solidFill>
+              </a:rPr>
+              <a:t>methods without implementation</a:t>
+            </a:r>
+            <a:r>
+              <a:rPr lang="en-US" sz="2400" dirty="0"/>
+              <a:t>) as well as </a:t>
+            </a:r>
+            <a:r>
+              <a:rPr lang="en-US" sz="2400" b="1" dirty="0"/>
+              <a:t>Concrete methods</a:t>
+            </a:r>
+            <a:r>
+              <a:rPr lang="en-US" sz="2400" dirty="0"/>
+              <a:t>.</a:t>
+            </a:r>
+          </a:p>
+          <a:p>
+            <a:r>
+              <a:rPr lang="en-US" sz="2400" dirty="0"/>
+              <a:t>An abstract method is a method that is </a:t>
+            </a:r>
+            <a:r>
+              <a:rPr lang="en-US" sz="2400" b="1" dirty="0"/>
+              <a:t>declared</a:t>
+            </a:r>
+            <a:r>
+              <a:rPr lang="en-US" sz="2400" dirty="0"/>
+              <a:t> but </a:t>
+            </a:r>
+            <a:r>
+              <a:rPr lang="en-US" sz="2400" b="1" dirty="0">
+                <a:solidFill>
+                  <a:srgbClr val="C00000"/>
+                </a:solidFill>
+              </a:rPr>
+              <a:t>not implemented </a:t>
+            </a:r>
+            <a:r>
+              <a:rPr lang="en-US" sz="2400" dirty="0"/>
+              <a:t>in the parent class.</a:t>
             </a:r>
           </a:p>
           <a:p>
@@ -13270,7 +15530,95 @@
 </p:sld>
 </file>
 
-<file path=ppt/slides/slide43.xml><?xml version="1.0" encoding="utf-8"?>
+<file path=ppt/slides/slide48.xml><?xml version="1.0" encoding="utf-8"?>
+<p:sld xmlns:a="http://schemas.openxmlformats.org/drawingml/2006/main" xmlns:r="http://schemas.openxmlformats.org/officeDocument/2006/relationships" xmlns:p="http://schemas.openxmlformats.org/presentationml/2006/main">
+  <p:cSld>
+    <p:spTree>
+      <p:nvGrpSpPr>
+        <p:cNvPr id="1" name=""/>
+        <p:cNvGrpSpPr/>
+        <p:nvPr/>
+      </p:nvGrpSpPr>
+      <p:grpSpPr>
+        <a:xfrm>
+          <a:off x="0" y="0"/>
+          <a:ext cx="0" cy="0"/>
+          <a:chOff x="0" y="0"/>
+          <a:chExt cx="0" cy="0"/>
+        </a:xfrm>
+      </p:grpSpPr>
+      <p:sp>
+        <p:nvSpPr>
+          <p:cNvPr id="3" name="Content Placeholder 2">
+            <a:extLst>
+              <a:ext uri="{FF2B5EF4-FFF2-40B4-BE49-F238E27FC236}">
+                <a16:creationId xmlns:a16="http://schemas.microsoft.com/office/drawing/2014/main" id="{4EC20CEC-24E4-3336-DE16-6FD116E0E993}"/>
+              </a:ext>
+            </a:extLst>
+          </p:cNvPr>
+          <p:cNvSpPr>
+            <a:spLocks noGrp="1"/>
+          </p:cNvSpPr>
+          <p:nvPr>
+            <p:ph idx="1"/>
+          </p:nvPr>
+        </p:nvSpPr>
+        <p:spPr>
+          <a:xfrm>
+            <a:off x="777240" y="892629"/>
+            <a:ext cx="10659110" cy="5284334"/>
+          </a:xfrm>
+        </p:spPr>
+        <p:txBody>
+          <a:bodyPr>
+            <a:normAutofit/>
+          </a:bodyPr>
+          <a:lstStyle/>
+          <a:p>
+            <a:pPr marL="0" indent="0">
+              <a:buNone/>
+            </a:pPr>
+            <a:r>
+              <a:rPr lang="en-IN" sz="2800" b="1" dirty="0"/>
+              <a:t>Abstract Method:</a:t>
+            </a:r>
+          </a:p>
+          <a:p>
+            <a:r>
+              <a:rPr lang="en-IN" sz="2400" dirty="0"/>
+              <a:t>Is a method with no body and it will have only the prototype to the Child class. </a:t>
+            </a:r>
+          </a:p>
+          <a:p>
+            <a:r>
+              <a:rPr lang="en-IN" sz="2400" dirty="0"/>
+              <a:t>And the body or the method  implementation will be give by the </a:t>
+            </a:r>
+            <a:r>
+              <a:rPr lang="en-IN" sz="2400" b="1" dirty="0"/>
+              <a:t>Child</a:t>
+            </a:r>
+            <a:r>
+              <a:rPr lang="en-IN" sz="2400" dirty="0"/>
+              <a:t>.</a:t>
+            </a:r>
+          </a:p>
+        </p:txBody>
+      </p:sp>
+    </p:spTree>
+    <p:extLst>
+      <p:ext uri="{BB962C8B-B14F-4D97-AF65-F5344CB8AC3E}">
+        <p14:creationId xmlns:p14="http://schemas.microsoft.com/office/powerpoint/2010/main" val="1638663005"/>
+      </p:ext>
+    </p:extLst>
+  </p:cSld>
+  <p:clrMapOvr>
+    <a:masterClrMapping/>
+  </p:clrMapOvr>
+</p:sld>
+</file>
+
+<file path=ppt/slides/slide49.xml><?xml version="1.0" encoding="utf-8"?>
 <p:sld xmlns:a="http://schemas.openxmlformats.org/drawingml/2006/main" xmlns:r="http://schemas.openxmlformats.org/officeDocument/2006/relationships" xmlns:p="http://schemas.openxmlformats.org/presentationml/2006/main">
   <p:cSld>
     <p:spTree>
@@ -13311,7 +15659,7 @@
         </p:nvSpPr>
         <p:spPr>
           <a:xfrm>
-            <a:off x="766445" y="762000"/>
+            <a:off x="381035" y="272142"/>
             <a:ext cx="10659110" cy="5399313"/>
           </a:xfrm>
         </p:spPr>
@@ -13359,8 +15707,8 @@
         </p:blipFill>
         <p:spPr>
           <a:xfrm>
-            <a:off x="1504295" y="1354324"/>
-            <a:ext cx="8412590" cy="4922713"/>
+            <a:off x="1406323" y="748742"/>
+            <a:ext cx="9603184" cy="5619401"/>
           </a:xfrm>
           <a:prstGeom prst="rect">
             <a:avLst/>
@@ -13380,7 +15728,284 @@
 </p:sld>
 </file>
 
-<file path=ppt/slides/slide44.xml><?xml version="1.0" encoding="utf-8"?>
+<file path=ppt/slides/slide5.xml><?xml version="1.0" encoding="utf-8"?>
+<p:sld xmlns:a="http://schemas.openxmlformats.org/drawingml/2006/main" xmlns:r="http://schemas.openxmlformats.org/officeDocument/2006/relationships" xmlns:p="http://schemas.openxmlformats.org/presentationml/2006/main">
+  <p:cSld>
+    <p:spTree>
+      <p:nvGrpSpPr>
+        <p:cNvPr id="1" name="">
+          <a:extLst>
+            <a:ext uri="{FF2B5EF4-FFF2-40B4-BE49-F238E27FC236}">
+              <a16:creationId xmlns:a16="http://schemas.microsoft.com/office/drawing/2014/main" id="{119F1917-CFCF-F60A-F007-2B889B0A6EE1}"/>
+            </a:ext>
+          </a:extLst>
+        </p:cNvPr>
+        <p:cNvGrpSpPr/>
+        <p:nvPr/>
+      </p:nvGrpSpPr>
+      <p:grpSpPr>
+        <a:xfrm>
+          <a:off x="0" y="0"/>
+          <a:ext cx="0" cy="0"/>
+          <a:chOff x="0" y="0"/>
+          <a:chExt cx="0" cy="0"/>
+        </a:xfrm>
+      </p:grpSpPr>
+      <p:sp>
+        <p:nvSpPr>
+          <p:cNvPr id="3" name="Content Placeholder 2">
+            <a:extLst>
+              <a:ext uri="{FF2B5EF4-FFF2-40B4-BE49-F238E27FC236}">
+                <a16:creationId xmlns:a16="http://schemas.microsoft.com/office/drawing/2014/main" id="{1B447180-EB61-D194-E220-F4EDAFC92190}"/>
+              </a:ext>
+            </a:extLst>
+          </p:cNvPr>
+          <p:cNvSpPr>
+            <a:spLocks noGrp="1"/>
+          </p:cNvSpPr>
+          <p:nvPr>
+            <p:ph idx="1"/>
+          </p:nvPr>
+        </p:nvSpPr>
+        <p:spPr>
+          <a:xfrm>
+            <a:off x="777240" y="511630"/>
+            <a:ext cx="10659110" cy="5665334"/>
+          </a:xfrm>
+        </p:spPr>
+        <p:txBody>
+          <a:bodyPr>
+            <a:normAutofit/>
+          </a:bodyPr>
+          <a:lstStyle/>
+          <a:p>
+            <a:pPr marL="0" indent="0">
+              <a:buNone/>
+            </a:pPr>
+            <a:r>
+              <a:rPr lang="en-US" sz="2400" b="1" dirty="0"/>
+              <a:t>Explanation:</a:t>
+            </a:r>
+          </a:p>
+          <a:p>
+            <a:pPr marL="457200" indent="-457200">
+              <a:buFont typeface="+mj-lt"/>
+              <a:buAutoNum type="arabicPeriod"/>
+            </a:pPr>
+            <a:r>
+              <a:rPr lang="en-US" sz="2400" b="1" dirty="0"/>
+              <a:t>Class Definition (class Car): </a:t>
+            </a:r>
+            <a:r>
+              <a:rPr lang="en-US" sz="2400" dirty="0"/>
+              <a:t>Defines a class named Car.</a:t>
+            </a:r>
+          </a:p>
+          <a:p>
+            <a:pPr marL="457200" indent="-457200">
+              <a:buFont typeface="+mj-lt"/>
+              <a:buAutoNum type="arabicPeriod"/>
+            </a:pPr>
+            <a:r>
+              <a:rPr lang="en-US" sz="2400" b="1" dirty="0"/>
+              <a:t>Constructor (__</a:t>
+            </a:r>
+            <a:r>
+              <a:rPr lang="en-US" sz="2400" b="1" dirty="0" err="1"/>
+              <a:t>init</a:t>
+            </a:r>
+            <a:r>
+              <a:rPr lang="en-US" sz="2400" b="1" dirty="0"/>
+              <a:t>__ method):</a:t>
+            </a:r>
+          </a:p>
+          <a:p>
+            <a:pPr lvl="1"/>
+            <a:r>
+              <a:rPr lang="en-US" sz="2200" dirty="0"/>
+              <a:t>This is a special method that runs when an object is created.</a:t>
+            </a:r>
+          </a:p>
+          <a:p>
+            <a:pPr lvl="1"/>
+            <a:r>
+              <a:rPr lang="en-US" sz="2200" dirty="0"/>
+              <a:t>It initializes instance variables (</a:t>
+            </a:r>
+            <a:r>
+              <a:rPr lang="en-US" sz="2200" dirty="0" err="1"/>
+              <a:t>self.brand</a:t>
+            </a:r>
+            <a:r>
+              <a:rPr lang="en-US" sz="2200" dirty="0"/>
+              <a:t>, </a:t>
+            </a:r>
+            <a:r>
+              <a:rPr lang="en-US" sz="2200" dirty="0" err="1"/>
+              <a:t>self.model</a:t>
+            </a:r>
+            <a:r>
+              <a:rPr lang="en-US" sz="2200" dirty="0"/>
+              <a:t>, </a:t>
+            </a:r>
+            <a:r>
+              <a:rPr lang="en-US" sz="2200" dirty="0" err="1"/>
+              <a:t>self.year</a:t>
+            </a:r>
+            <a:r>
+              <a:rPr lang="en-US" sz="2200" dirty="0"/>
+              <a:t>).</a:t>
+            </a:r>
+          </a:p>
+          <a:p>
+            <a:pPr marL="457200" indent="-457200">
+              <a:buFont typeface="+mj-lt"/>
+              <a:buAutoNum type="arabicPeriod"/>
+            </a:pPr>
+            <a:r>
+              <a:rPr lang="en-US" sz="2400" b="1" dirty="0">
+                <a:solidFill>
+                  <a:srgbClr val="C00000"/>
+                </a:solidFill>
+              </a:rPr>
+              <a:t>Instance</a:t>
+            </a:r>
+            <a:r>
+              <a:rPr lang="en-US" sz="2400" b="1" dirty="0"/>
+              <a:t> Variables </a:t>
+            </a:r>
+            <a:r>
+              <a:rPr lang="en-US" sz="2400" dirty="0"/>
+              <a:t>(</a:t>
+            </a:r>
+            <a:r>
+              <a:rPr lang="en-US" sz="2400" dirty="0" err="1"/>
+              <a:t>self.brand</a:t>
+            </a:r>
+            <a:r>
+              <a:rPr lang="en-US" sz="2400" dirty="0"/>
+              <a:t>, </a:t>
+            </a:r>
+            <a:r>
+              <a:rPr lang="en-US" sz="2400" dirty="0" err="1"/>
+              <a:t>self.model</a:t>
+            </a:r>
+            <a:r>
+              <a:rPr lang="en-US" sz="2400" dirty="0"/>
+              <a:t>, </a:t>
+            </a:r>
+            <a:r>
+              <a:rPr lang="en-US" sz="2400" dirty="0" err="1"/>
+              <a:t>self.year</a:t>
+            </a:r>
+            <a:r>
+              <a:rPr lang="en-US" sz="2400" dirty="0"/>
+              <a:t>):</a:t>
+            </a:r>
+          </a:p>
+          <a:p>
+            <a:pPr lvl="1"/>
+            <a:r>
+              <a:rPr lang="en-US" sz="2200" dirty="0"/>
+              <a:t>These are attributes specific to each object.</a:t>
+            </a:r>
+          </a:p>
+          <a:p>
+            <a:pPr marL="457200" indent="-457200">
+              <a:buFont typeface="+mj-lt"/>
+              <a:buAutoNum type="arabicPeriod"/>
+            </a:pPr>
+            <a:r>
+              <a:rPr lang="en-US" sz="2400" b="1" dirty="0"/>
+              <a:t>Methods</a:t>
+            </a:r>
+            <a:r>
+              <a:rPr lang="en-US" sz="2400" dirty="0"/>
+              <a:t> (</a:t>
+            </a:r>
+            <a:r>
+              <a:rPr lang="en-US" sz="2400" dirty="0" err="1"/>
+              <a:t>display_info</a:t>
+            </a:r>
+            <a:r>
+              <a:rPr lang="en-US" sz="2400" dirty="0"/>
+              <a:t>):</a:t>
+            </a:r>
+          </a:p>
+          <a:p>
+            <a:pPr lvl="1"/>
+            <a:r>
+              <a:rPr lang="en-US" sz="2200" dirty="0"/>
+              <a:t>This method prints the car details.</a:t>
+            </a:r>
+          </a:p>
+          <a:p>
+            <a:pPr marL="457200" indent="-457200">
+              <a:buFont typeface="+mj-lt"/>
+              <a:buAutoNum type="arabicPeriod"/>
+            </a:pPr>
+            <a:r>
+              <a:rPr lang="en-US" sz="2400" b="1" dirty="0"/>
+              <a:t>Creating Objects </a:t>
+            </a:r>
+            <a:r>
+              <a:rPr lang="en-US" sz="2400" dirty="0"/>
+              <a:t>(car1, car2):</a:t>
+            </a:r>
+          </a:p>
+          <a:p>
+            <a:pPr lvl="1"/>
+            <a:r>
+              <a:rPr lang="en-US" sz="2200" dirty="0"/>
+              <a:t>Two instances of the Car class are created with different values.</a:t>
+            </a:r>
+          </a:p>
+          <a:p>
+            <a:pPr marL="457200" indent="-457200">
+              <a:buFont typeface="+mj-lt"/>
+              <a:buAutoNum type="arabicPeriod"/>
+            </a:pPr>
+            <a:r>
+              <a:rPr lang="en-US" sz="2400" b="1" dirty="0"/>
+              <a:t>Calling Methods </a:t>
+            </a:r>
+            <a:r>
+              <a:rPr lang="en-US" sz="2400" dirty="0"/>
+              <a:t>(car1.display_info()):</a:t>
+            </a:r>
+          </a:p>
+          <a:p>
+            <a:pPr lvl="1"/>
+            <a:r>
+              <a:rPr lang="en-US" sz="2200" dirty="0"/>
+              <a:t>Each object calls the </a:t>
+            </a:r>
+            <a:r>
+              <a:rPr lang="en-US" sz="2200" dirty="0" err="1"/>
+              <a:t>display_info</a:t>
+            </a:r>
+            <a:r>
+              <a:rPr lang="en-US" sz="2200" dirty="0"/>
+              <a:t>() method to print its details.</a:t>
+            </a:r>
+            <a:endParaRPr lang="en-IN" sz="2200" dirty="0"/>
+          </a:p>
+        </p:txBody>
+      </p:sp>
+    </p:spTree>
+    <p:extLst>
+      <p:ext uri="{BB962C8B-B14F-4D97-AF65-F5344CB8AC3E}">
+        <p14:creationId xmlns:p14="http://schemas.microsoft.com/office/powerpoint/2010/main" val="2275645320"/>
+      </p:ext>
+    </p:extLst>
+  </p:cSld>
+  <p:clrMapOvr>
+    <a:masterClrMapping/>
+  </p:clrMapOvr>
+</p:sld>
+</file>
+
+<file path=ppt/slides/slide50.xml><?xml version="1.0" encoding="utf-8"?>
 <p:sld xmlns:a="http://schemas.openxmlformats.org/drawingml/2006/main" xmlns:r="http://schemas.openxmlformats.org/officeDocument/2006/relationships" xmlns:p="http://schemas.openxmlformats.org/presentationml/2006/main">
   <p:cSld>
     <p:spTree>
@@ -13556,7 +16181,7 @@
 </p:sld>
 </file>
 
-<file path=ppt/slides/slide45.xml><?xml version="1.0" encoding="utf-8"?>
+<file path=ppt/slides/slide51.xml><?xml version="1.0" encoding="utf-8"?>
 <p:sld xmlns:a="http://schemas.openxmlformats.org/drawingml/2006/main" xmlns:r="http://schemas.openxmlformats.org/officeDocument/2006/relationships" xmlns:p="http://schemas.openxmlformats.org/presentationml/2006/main">
   <p:cSld>
     <p:spTree>
@@ -13625,10 +16250,10 @@
       </p:sp>
       <p:pic>
         <p:nvPicPr>
-          <p:cNvPr id="4" name="Picture 3">
+          <p:cNvPr id="5" name="Picture 4">
             <a:extLst>
               <a:ext uri="{FF2B5EF4-FFF2-40B4-BE49-F238E27FC236}">
-                <a16:creationId xmlns:a16="http://schemas.microsoft.com/office/drawing/2014/main" id="{A23F6D69-CF4E-A9BE-EC08-27C6D2FE2FD6}"/>
+                <a16:creationId xmlns:a16="http://schemas.microsoft.com/office/drawing/2014/main" id="{8877296B-6638-4BA4-5A4C-E8F427F6CA50}"/>
               </a:ext>
             </a:extLst>
           </p:cNvPr>
@@ -13645,8 +16270,8 @@
         </p:blipFill>
         <p:spPr>
           <a:xfrm>
-            <a:off x="1972657" y="1033008"/>
-            <a:ext cx="8246686" cy="5335134"/>
+            <a:off x="1543067" y="921797"/>
+            <a:ext cx="9189726" cy="5446345"/>
           </a:xfrm>
           <a:prstGeom prst="rect">
             <a:avLst/>
@@ -13666,7 +16291,7 @@
 </p:sld>
 </file>
 
-<file path=ppt/slides/slide46.xml><?xml version="1.0" encoding="utf-8"?>
+<file path=ppt/slides/slide52.xml><?xml version="1.0" encoding="utf-8"?>
 <p:sld xmlns:a="http://schemas.openxmlformats.org/drawingml/2006/main" xmlns:r="http://schemas.openxmlformats.org/officeDocument/2006/relationships" xmlns:p="http://schemas.openxmlformats.org/presentationml/2006/main">
   <p:cSld>
     <p:spTree>
@@ -13734,7 +16359,7 @@
 </p:sld>
 </file>
 
-<file path=ppt/slides/slide47.xml><?xml version="1.0" encoding="utf-8"?>
+<file path=ppt/slides/slide53.xml><?xml version="1.0" encoding="utf-8"?>
 <p:sld xmlns:a="http://schemas.openxmlformats.org/drawingml/2006/main" xmlns:r="http://schemas.openxmlformats.org/officeDocument/2006/relationships" xmlns:p="http://schemas.openxmlformats.org/presentationml/2006/main">
   <p:cSld>
     <p:spTree>
@@ -13757,41 +16382,36 @@
           <a:chExt cx="0" cy="0"/>
         </a:xfrm>
       </p:grpSpPr>
-      <p:sp>
-        <p:nvSpPr>
-          <p:cNvPr id="3" name="Content Placeholder 2">
+      <p:pic>
+        <p:nvPicPr>
+          <p:cNvPr id="4" name="Picture 3">
             <a:extLst>
               <a:ext uri="{FF2B5EF4-FFF2-40B4-BE49-F238E27FC236}">
-                <a16:creationId xmlns:a16="http://schemas.microsoft.com/office/drawing/2014/main" id="{F4FD0618-66A9-25BF-7D33-D84A927AE6AB}"/>
+                <a16:creationId xmlns:a16="http://schemas.microsoft.com/office/drawing/2014/main" id="{1DB84268-DFAB-20BE-9A1D-79BEC9D90F54}"/>
               </a:ext>
             </a:extLst>
           </p:cNvPr>
-          <p:cNvSpPr>
-            <a:spLocks noGrp="1"/>
-          </p:cNvSpPr>
-          <p:nvPr>
-            <p:ph idx="1"/>
-          </p:nvPr>
-        </p:nvSpPr>
+          <p:cNvPicPr>
+            <a:picLocks noChangeAspect="1"/>
+          </p:cNvPicPr>
+          <p:nvPr/>
+        </p:nvPicPr>
+        <p:blipFill>
+          <a:blip r:embed="rId2"/>
+          <a:stretch>
+            <a:fillRect/>
+          </a:stretch>
+        </p:blipFill>
         <p:spPr>
           <a:xfrm>
-            <a:off x="766445" y="762000"/>
-            <a:ext cx="10659110" cy="5399313"/>
+            <a:off x="1287724" y="583371"/>
+            <a:ext cx="9124812" cy="5708571"/>
           </a:xfrm>
+          <a:prstGeom prst="rect">
+            <a:avLst/>
+          </a:prstGeom>
         </p:spPr>
-        <p:txBody>
-          <a:bodyPr>
-            <a:normAutofit/>
-          </a:bodyPr>
-          <a:lstStyle/>
-          <a:p>
-            <a:pPr marL="0" indent="0">
-              <a:buNone/>
-            </a:pPr>
-            <a:endParaRPr lang="en-US" sz="2400" dirty="0"/>
-          </a:p>
-        </p:txBody>
-      </p:sp>
+      </p:pic>
     </p:spTree>
     <p:extLst>
       <p:ext uri="{BB962C8B-B14F-4D97-AF65-F5344CB8AC3E}">
@@ -13805,7 +16425,109 @@
 </p:sld>
 </file>
 
-<file path=ppt/slides/slide5.xml><?xml version="1.0" encoding="utf-8"?>
+<file path=ppt/slides/slide54.xml><?xml version="1.0" encoding="utf-8"?>
+<p:sld xmlns:a="http://schemas.openxmlformats.org/drawingml/2006/main" xmlns:r="http://schemas.openxmlformats.org/officeDocument/2006/relationships" xmlns:p="http://schemas.openxmlformats.org/presentationml/2006/main">
+  <p:cSld>
+    <p:spTree>
+      <p:nvGrpSpPr>
+        <p:cNvPr id="1" name=""/>
+        <p:cNvGrpSpPr/>
+        <p:nvPr/>
+      </p:nvGrpSpPr>
+      <p:grpSpPr>
+        <a:xfrm>
+          <a:off x="0" y="0"/>
+          <a:ext cx="0" cy="0"/>
+          <a:chOff x="0" y="0"/>
+          <a:chExt cx="0" cy="0"/>
+        </a:xfrm>
+      </p:grpSpPr>
+      <p:sp>
+        <p:nvSpPr>
+          <p:cNvPr id="3" name="Content Placeholder 2">
+            <a:extLst>
+              <a:ext uri="{FF2B5EF4-FFF2-40B4-BE49-F238E27FC236}">
+                <a16:creationId xmlns:a16="http://schemas.microsoft.com/office/drawing/2014/main" id="{2D0F0358-ECC7-3B58-39DB-A6FB6FCD16BE}"/>
+              </a:ext>
+            </a:extLst>
+          </p:cNvPr>
+          <p:cNvSpPr>
+            <a:spLocks noGrp="1"/>
+          </p:cNvSpPr>
+          <p:nvPr>
+            <p:ph idx="1"/>
+          </p:nvPr>
+        </p:nvSpPr>
+        <p:spPr>
+          <a:xfrm>
+            <a:off x="777240" y="838200"/>
+            <a:ext cx="10659110" cy="5338763"/>
+          </a:xfrm>
+        </p:spPr>
+        <p:txBody>
+          <a:bodyPr>
+            <a:normAutofit/>
+          </a:bodyPr>
+          <a:lstStyle/>
+          <a:p>
+            <a:pPr marL="0" indent="0">
+              <a:buNone/>
+            </a:pPr>
+            <a:r>
+              <a:rPr lang="en-IN" sz="2400" b="1" dirty="0"/>
+              <a:t>Creating Objects</a:t>
+            </a:r>
+            <a:br>
+              <a:rPr lang="en-IN" sz="2400" b="1" dirty="0"/>
+            </a:br>
+            <a:endParaRPr lang="en-IN" sz="2400" b="1" dirty="0"/>
+          </a:p>
+        </p:txBody>
+      </p:sp>
+      <p:pic>
+        <p:nvPicPr>
+          <p:cNvPr id="5" name="Picture 4">
+            <a:extLst>
+              <a:ext uri="{FF2B5EF4-FFF2-40B4-BE49-F238E27FC236}">
+                <a16:creationId xmlns:a16="http://schemas.microsoft.com/office/drawing/2014/main" id="{A4D6533A-2821-16FC-2A34-BB908BEEE360}"/>
+              </a:ext>
+            </a:extLst>
+          </p:cNvPr>
+          <p:cNvPicPr>
+            <a:picLocks noChangeAspect="1"/>
+          </p:cNvPicPr>
+          <p:nvPr/>
+        </p:nvPicPr>
+        <p:blipFill>
+          <a:blip r:embed="rId2"/>
+          <a:stretch>
+            <a:fillRect/>
+          </a:stretch>
+        </p:blipFill>
+        <p:spPr>
+          <a:xfrm>
+            <a:off x="1324457" y="1615271"/>
+            <a:ext cx="9061063" cy="3892901"/>
+          </a:xfrm>
+          <a:prstGeom prst="rect">
+            <a:avLst/>
+          </a:prstGeom>
+        </p:spPr>
+      </p:pic>
+    </p:spTree>
+    <p:extLst>
+      <p:ext uri="{BB962C8B-B14F-4D97-AF65-F5344CB8AC3E}">
+        <p14:creationId xmlns:p14="http://schemas.microsoft.com/office/powerpoint/2010/main" val="4188964851"/>
+      </p:ext>
+    </p:extLst>
+  </p:cSld>
+  <p:clrMapOvr>
+    <a:masterClrMapping/>
+  </p:clrMapOvr>
+</p:sld>
+</file>
+
+<file path=ppt/slides/slide55.xml><?xml version="1.0" encoding="utf-8"?>
 <p:sld xmlns:a="http://schemas.openxmlformats.org/drawingml/2006/main" xmlns:r="http://schemas.openxmlformats.org/officeDocument/2006/relationships" xmlns:p="http://schemas.openxmlformats.org/presentationml/2006/main">
   <p:cSld>
     <p:spTree>
@@ -13813,7 +16535,7 @@
         <p:cNvPr id="1" name="">
           <a:extLst>
             <a:ext uri="{FF2B5EF4-FFF2-40B4-BE49-F238E27FC236}">
-              <a16:creationId xmlns:a16="http://schemas.microsoft.com/office/drawing/2014/main" id="{119F1917-CFCF-F60A-F007-2B889B0A6EE1}"/>
+              <a16:creationId xmlns:a16="http://schemas.microsoft.com/office/drawing/2014/main" id="{EE76F476-6BB1-13DF-7D25-9ABEAF7439F8}"/>
             </a:ext>
           </a:extLst>
         </p:cNvPr>
@@ -13833,7 +16555,7 @@
           <p:cNvPr id="3" name="Content Placeholder 2">
             <a:extLst>
               <a:ext uri="{FF2B5EF4-FFF2-40B4-BE49-F238E27FC236}">
-                <a16:creationId xmlns:a16="http://schemas.microsoft.com/office/drawing/2014/main" id="{1B447180-EB61-D194-E220-F4EDAFC92190}"/>
+                <a16:creationId xmlns:a16="http://schemas.microsoft.com/office/drawing/2014/main" id="{1623992B-645F-B159-C137-EB26D996CD36}"/>
               </a:ext>
             </a:extLst>
           </p:cNvPr>
@@ -13846,8 +16568,8 @@
         </p:nvSpPr>
         <p:spPr>
           <a:xfrm>
-            <a:off x="777240" y="511630"/>
-            <a:ext cx="10659110" cy="5665334"/>
+            <a:off x="777240" y="838200"/>
+            <a:ext cx="10659110" cy="5338763"/>
           </a:xfrm>
         </p:spPr>
         <p:txBody>
@@ -13859,220 +16581,156 @@
             <a:pPr marL="0" indent="0">
               <a:buNone/>
             </a:pPr>
-            <a:r>
-              <a:rPr lang="en-US" sz="2400" b="1" dirty="0"/>
-              <a:t>Explanation:</a:t>
-            </a:r>
-          </a:p>
-          <a:p>
-            <a:pPr marL="457200" indent="-457200">
-              <a:buFont typeface="+mj-lt"/>
-              <a:buAutoNum type="arabicPeriod"/>
-            </a:pPr>
-            <a:r>
-              <a:rPr lang="en-US" sz="2400" b="1" dirty="0"/>
-              <a:t>Class Definition (class Car): </a:t>
-            </a:r>
-            <a:r>
-              <a:rPr lang="en-US" sz="2400" dirty="0"/>
-              <a:t>Defines a class named Car.</a:t>
-            </a:r>
-          </a:p>
-          <a:p>
-            <a:pPr marL="457200" indent="-457200">
-              <a:buFont typeface="+mj-lt"/>
-              <a:buAutoNum type="arabicPeriod"/>
-            </a:pPr>
-            <a:r>
-              <a:rPr lang="en-US" sz="2400" b="1" dirty="0"/>
-              <a:t>Constructor (__</a:t>
-            </a:r>
-            <a:r>
-              <a:rPr lang="en-US" sz="2400" b="1" dirty="0" err="1"/>
-              <a:t>init</a:t>
-            </a:r>
-            <a:r>
-              <a:rPr lang="en-US" sz="2400" b="1" dirty="0"/>
-              <a:t>__ method):</a:t>
-            </a:r>
-          </a:p>
-          <a:p>
-            <a:pPr lvl="1"/>
-            <a:r>
-              <a:rPr lang="en-US" sz="2200" dirty="0"/>
-              <a:t>This is a special method that runs when an object is created.</a:t>
-            </a:r>
-          </a:p>
-          <a:p>
-            <a:pPr lvl="1"/>
-            <a:r>
-              <a:rPr lang="en-US" sz="2200" dirty="0"/>
-              <a:t>It initializes instance variables (</a:t>
-            </a:r>
-            <a:r>
-              <a:rPr lang="en-US" sz="2200" dirty="0" err="1"/>
-              <a:t>self.brand</a:t>
-            </a:r>
-            <a:r>
-              <a:rPr lang="en-US" sz="2200" dirty="0"/>
-              <a:t>, </a:t>
-            </a:r>
-            <a:r>
-              <a:rPr lang="en-US" sz="2200" dirty="0" err="1"/>
-              <a:t>self.model</a:t>
-            </a:r>
-            <a:r>
-              <a:rPr lang="en-US" sz="2200" dirty="0"/>
-              <a:t>, </a:t>
-            </a:r>
-            <a:r>
-              <a:rPr lang="en-US" sz="2200" dirty="0" err="1"/>
-              <a:t>self.year</a:t>
-            </a:r>
-            <a:r>
-              <a:rPr lang="en-US" sz="2200" dirty="0"/>
-              <a:t>).</a:t>
-            </a:r>
-          </a:p>
-          <a:p>
-            <a:pPr marL="457200" indent="-457200">
-              <a:buFont typeface="+mj-lt"/>
-              <a:buAutoNum type="arabicPeriod"/>
-            </a:pPr>
-            <a:r>
-              <a:rPr lang="en-US" sz="2400" b="1" dirty="0">
-                <a:solidFill>
-                  <a:srgbClr val="C00000"/>
-                </a:solidFill>
-              </a:rPr>
-              <a:t>Instance</a:t>
-            </a:r>
-            <a:r>
-              <a:rPr lang="en-US" sz="2400" b="1" dirty="0"/>
-              <a:t> Variables </a:t>
-            </a:r>
-            <a:r>
-              <a:rPr lang="en-US" sz="2400" dirty="0"/>
-              <a:t>(</a:t>
-            </a:r>
-            <a:r>
-              <a:rPr lang="en-US" sz="2400" dirty="0" err="1"/>
-              <a:t>self.brand</a:t>
-            </a:r>
-            <a:r>
-              <a:rPr lang="en-US" sz="2400" dirty="0"/>
-              <a:t>, </a:t>
-            </a:r>
-            <a:r>
-              <a:rPr lang="en-US" sz="2400" dirty="0" err="1"/>
-              <a:t>self.model</a:t>
-            </a:r>
-            <a:r>
-              <a:rPr lang="en-US" sz="2400" dirty="0"/>
-              <a:t>, </a:t>
-            </a:r>
-            <a:r>
-              <a:rPr lang="en-US" sz="2400" dirty="0" err="1"/>
-              <a:t>self.year</a:t>
-            </a:r>
-            <a:r>
-              <a:rPr lang="en-US" sz="2400" dirty="0"/>
-              <a:t>):</a:t>
-            </a:r>
-          </a:p>
-          <a:p>
-            <a:pPr lvl="1"/>
-            <a:r>
-              <a:rPr lang="en-US" sz="2200" dirty="0"/>
-              <a:t>These are attributes specific to each object.</a:t>
-            </a:r>
-          </a:p>
-          <a:p>
-            <a:pPr marL="457200" indent="-457200">
-              <a:buFont typeface="+mj-lt"/>
-              <a:buAutoNum type="arabicPeriod"/>
-            </a:pPr>
-            <a:r>
-              <a:rPr lang="en-US" sz="2400" b="1" dirty="0"/>
-              <a:t>Methods</a:t>
-            </a:r>
-            <a:r>
-              <a:rPr lang="en-US" sz="2400" dirty="0"/>
-              <a:t> (</a:t>
-            </a:r>
-            <a:r>
-              <a:rPr lang="en-US" sz="2400" dirty="0" err="1"/>
-              <a:t>display_info</a:t>
-            </a:r>
-            <a:r>
-              <a:rPr lang="en-US" sz="2400" dirty="0"/>
-              <a:t>):</a:t>
-            </a:r>
-          </a:p>
-          <a:p>
-            <a:pPr lvl="1"/>
-            <a:r>
-              <a:rPr lang="en-US" sz="2200" dirty="0"/>
-              <a:t>This method prints the car details.</a:t>
-            </a:r>
-          </a:p>
-          <a:p>
-            <a:pPr marL="457200" indent="-457200">
-              <a:buFont typeface="+mj-lt"/>
-              <a:buAutoNum type="arabicPeriod"/>
-            </a:pPr>
-            <a:r>
-              <a:rPr lang="en-US" sz="2400" b="1" dirty="0"/>
-              <a:t>Creating Objects </a:t>
-            </a:r>
-            <a:r>
-              <a:rPr lang="en-US" sz="2400" dirty="0"/>
-              <a:t>(car1, car2):</a:t>
-            </a:r>
-          </a:p>
-          <a:p>
-            <a:pPr lvl="1"/>
-            <a:r>
-              <a:rPr lang="en-US" sz="2200" dirty="0"/>
-              <a:t>Two instances of the Car class are created with different values.</a:t>
-            </a:r>
-          </a:p>
-          <a:p>
-            <a:pPr marL="457200" indent="-457200">
-              <a:buFont typeface="+mj-lt"/>
-              <a:buAutoNum type="arabicPeriod"/>
-            </a:pPr>
-            <a:r>
-              <a:rPr lang="en-US" sz="2400" b="1" dirty="0"/>
-              <a:t>Calling Methods </a:t>
-            </a:r>
-            <a:r>
-              <a:rPr lang="en-US" sz="2400" dirty="0"/>
-              <a:t>(car1.display_info()):</a:t>
-            </a:r>
-          </a:p>
-          <a:p>
-            <a:pPr lvl="1"/>
-            <a:r>
-              <a:rPr lang="en-US" sz="2200" dirty="0"/>
-              <a:t>Each object calls the </a:t>
-            </a:r>
-            <a:r>
-              <a:rPr lang="en-US" sz="2200" dirty="0" err="1"/>
-              <a:t>display_info</a:t>
-            </a:r>
-            <a:r>
-              <a:rPr lang="en-US" sz="2200" dirty="0"/>
-              <a:t>() method to print its details.</a:t>
-            </a:r>
-            <a:endParaRPr lang="en-IN" sz="2200" dirty="0"/>
+            <a:endParaRPr lang="en-IN" sz="2400" dirty="0"/>
           </a:p>
         </p:txBody>
       </p:sp>
     </p:spTree>
     <p:extLst>
       <p:ext uri="{BB962C8B-B14F-4D97-AF65-F5344CB8AC3E}">
-        <p14:creationId xmlns:p14="http://schemas.microsoft.com/office/powerpoint/2010/main" val="2275645320"/>
+        <p14:creationId xmlns:p14="http://schemas.microsoft.com/office/powerpoint/2010/main" val="547822812"/>
+      </p:ext>
+    </p:extLst>
+  </p:cSld>
+  <p:clrMapOvr>
+    <a:masterClrMapping/>
+  </p:clrMapOvr>
+</p:sld>
+</file>
+
+<file path=ppt/slides/slide56.xml><?xml version="1.0" encoding="utf-8"?>
+<p:sld xmlns:a="http://schemas.openxmlformats.org/drawingml/2006/main" xmlns:r="http://schemas.openxmlformats.org/officeDocument/2006/relationships" xmlns:p="http://schemas.openxmlformats.org/presentationml/2006/main">
+  <p:cSld>
+    <p:spTree>
+      <p:nvGrpSpPr>
+        <p:cNvPr id="1" name="">
+          <a:extLst>
+            <a:ext uri="{FF2B5EF4-FFF2-40B4-BE49-F238E27FC236}">
+              <a16:creationId xmlns:a16="http://schemas.microsoft.com/office/drawing/2014/main" id="{BE0D99F6-65C4-8F62-7C58-6C74220795C9}"/>
+            </a:ext>
+          </a:extLst>
+        </p:cNvPr>
+        <p:cNvGrpSpPr/>
+        <p:nvPr/>
+      </p:nvGrpSpPr>
+      <p:grpSpPr>
+        <a:xfrm>
+          <a:off x="0" y="0"/>
+          <a:ext cx="0" cy="0"/>
+          <a:chOff x="0" y="0"/>
+          <a:chExt cx="0" cy="0"/>
+        </a:xfrm>
+      </p:grpSpPr>
+      <p:sp>
+        <p:nvSpPr>
+          <p:cNvPr id="3" name="Content Placeholder 2">
+            <a:extLst>
+              <a:ext uri="{FF2B5EF4-FFF2-40B4-BE49-F238E27FC236}">
+                <a16:creationId xmlns:a16="http://schemas.microsoft.com/office/drawing/2014/main" id="{11220654-23DD-8206-6BA1-E8AFF8B14904}"/>
+              </a:ext>
+            </a:extLst>
+          </p:cNvPr>
+          <p:cNvSpPr>
+            <a:spLocks noGrp="1"/>
+          </p:cNvSpPr>
+          <p:nvPr>
+            <p:ph idx="1"/>
+          </p:nvPr>
+        </p:nvSpPr>
+        <p:spPr>
+          <a:xfrm>
+            <a:off x="777240" y="838200"/>
+            <a:ext cx="10659110" cy="5338763"/>
+          </a:xfrm>
+        </p:spPr>
+        <p:txBody>
+          <a:bodyPr>
+            <a:normAutofit/>
+          </a:bodyPr>
+          <a:lstStyle/>
+          <a:p>
+            <a:pPr marL="0" indent="0">
+              <a:buNone/>
+            </a:pPr>
+            <a:endParaRPr lang="en-IN" sz="2400" dirty="0"/>
+          </a:p>
+        </p:txBody>
+      </p:sp>
+    </p:spTree>
+    <p:extLst>
+      <p:ext uri="{BB962C8B-B14F-4D97-AF65-F5344CB8AC3E}">
+        <p14:creationId xmlns:p14="http://schemas.microsoft.com/office/powerpoint/2010/main" val="153536834"/>
+      </p:ext>
+    </p:extLst>
+  </p:cSld>
+  <p:clrMapOvr>
+    <a:masterClrMapping/>
+  </p:clrMapOvr>
+</p:sld>
+</file>
+
+<file path=ppt/slides/slide57.xml><?xml version="1.0" encoding="utf-8"?>
+<p:sld xmlns:a="http://schemas.openxmlformats.org/drawingml/2006/main" xmlns:r="http://schemas.openxmlformats.org/officeDocument/2006/relationships" xmlns:p="http://schemas.openxmlformats.org/presentationml/2006/main">
+  <p:cSld>
+    <p:spTree>
+      <p:nvGrpSpPr>
+        <p:cNvPr id="1" name="">
+          <a:extLst>
+            <a:ext uri="{FF2B5EF4-FFF2-40B4-BE49-F238E27FC236}">
+              <a16:creationId xmlns:a16="http://schemas.microsoft.com/office/drawing/2014/main" id="{CFC7F4DA-DE4D-0B34-C650-815291C7B153}"/>
+            </a:ext>
+          </a:extLst>
+        </p:cNvPr>
+        <p:cNvGrpSpPr/>
+        <p:nvPr/>
+      </p:nvGrpSpPr>
+      <p:grpSpPr>
+        <a:xfrm>
+          <a:off x="0" y="0"/>
+          <a:ext cx="0" cy="0"/>
+          <a:chOff x="0" y="0"/>
+          <a:chExt cx="0" cy="0"/>
+        </a:xfrm>
+      </p:grpSpPr>
+      <p:sp>
+        <p:nvSpPr>
+          <p:cNvPr id="3" name="Content Placeholder 2">
+            <a:extLst>
+              <a:ext uri="{FF2B5EF4-FFF2-40B4-BE49-F238E27FC236}">
+                <a16:creationId xmlns:a16="http://schemas.microsoft.com/office/drawing/2014/main" id="{7E84A6DE-C4CA-EC67-42DC-0FFF8DC5159B}"/>
+              </a:ext>
+            </a:extLst>
+          </p:cNvPr>
+          <p:cNvSpPr>
+            <a:spLocks noGrp="1"/>
+          </p:cNvSpPr>
+          <p:nvPr>
+            <p:ph idx="1"/>
+          </p:nvPr>
+        </p:nvSpPr>
+        <p:spPr>
+          <a:xfrm>
+            <a:off x="777240" y="838200"/>
+            <a:ext cx="10659110" cy="5338763"/>
+          </a:xfrm>
+        </p:spPr>
+        <p:txBody>
+          <a:bodyPr>
+            <a:normAutofit/>
+          </a:bodyPr>
+          <a:lstStyle/>
+          <a:p>
+            <a:pPr marL="0" indent="0">
+              <a:buNone/>
+            </a:pPr>
+            <a:endParaRPr lang="en-IN" sz="2400" dirty="0"/>
+          </a:p>
+        </p:txBody>
+      </p:sp>
+    </p:spTree>
+    <p:extLst>
+      <p:ext uri="{BB962C8B-B14F-4D97-AF65-F5344CB8AC3E}">
+        <p14:creationId xmlns:p14="http://schemas.microsoft.com/office/powerpoint/2010/main" val="857604656"/>
       </p:ext>
     </p:extLst>
   </p:cSld>

--- a/Python Fundamentals/Collections and Classes.pptx
+++ b/Python Fundamentals/Collections and Classes.pptx
@@ -44,21 +44,21 @@
     <p:sldId id="773" r:id="rId35"/>
     <p:sldId id="775" r:id="rId36"/>
     <p:sldId id="785" r:id="rId37"/>
-    <p:sldId id="786" r:id="rId38"/>
-    <p:sldId id="803" r:id="rId39"/>
-    <p:sldId id="777" r:id="rId40"/>
-    <p:sldId id="802" r:id="rId41"/>
-    <p:sldId id="776" r:id="rId42"/>
-    <p:sldId id="778" r:id="rId43"/>
-    <p:sldId id="779" r:id="rId44"/>
-    <p:sldId id="780" r:id="rId45"/>
-    <p:sldId id="781" r:id="rId46"/>
-    <p:sldId id="788" r:id="rId47"/>
-    <p:sldId id="789" r:id="rId48"/>
-    <p:sldId id="804" r:id="rId49"/>
-    <p:sldId id="790" r:id="rId50"/>
-    <p:sldId id="791" r:id="rId51"/>
-    <p:sldId id="792" r:id="rId52"/>
+    <p:sldId id="805" r:id="rId38"/>
+    <p:sldId id="786" r:id="rId39"/>
+    <p:sldId id="803" r:id="rId40"/>
+    <p:sldId id="776" r:id="rId41"/>
+    <p:sldId id="778" r:id="rId42"/>
+    <p:sldId id="779" r:id="rId43"/>
+    <p:sldId id="780" r:id="rId44"/>
+    <p:sldId id="781" r:id="rId45"/>
+    <p:sldId id="777" r:id="rId46"/>
+    <p:sldId id="802" r:id="rId47"/>
+    <p:sldId id="788" r:id="rId48"/>
+    <p:sldId id="789" r:id="rId49"/>
+    <p:sldId id="804" r:id="rId50"/>
+    <p:sldId id="792" r:id="rId51"/>
+    <p:sldId id="791" r:id="rId52"/>
     <p:sldId id="793" r:id="rId53"/>
     <p:sldId id="794" r:id="rId54"/>
     <p:sldId id="798" r:id="rId55"/>
@@ -8549,7 +8549,15 @@
             </a:pPr>
             <a:r>
               <a:rPr lang="en-US" sz="2400" b="1" dirty="0"/>
-              <a:t>1️⃣ What is a Class?</a:t>
+              <a:t>1️⃣ What is a Class? </a:t>
+            </a:r>
+            <a:r>
+              <a:rPr lang="en-US" sz="2400" b="1" dirty="0">
+                <a:solidFill>
+                  <a:srgbClr val="C00000"/>
+                </a:solidFill>
+              </a:rPr>
+              <a:t>User defined data type</a:t>
             </a:r>
           </a:p>
           <a:p>
@@ -12762,7 +12770,19 @@
             </a:pPr>
             <a:r>
               <a:rPr lang="en-US" sz="2400" b="1" dirty="0"/>
-              <a:t>Multiple Inheritance in Python:</a:t>
+              <a:t>Multiple Inheritance in Python: (</a:t>
+            </a:r>
+            <a:r>
+              <a:rPr lang="en-US" sz="2400" b="1" dirty="0">
+                <a:solidFill>
+                  <a:srgbClr val="002060"/>
+                </a:solidFill>
+              </a:rPr>
+              <a:t>Diamond Problem</a:t>
+            </a:r>
+            <a:r>
+              <a:rPr lang="en-US" sz="2400" b="1" dirty="0"/>
+              <a:t>)</a:t>
             </a:r>
           </a:p>
           <a:p>
@@ -12898,6 +12918,83 @@
           <a:chExt cx="0" cy="0"/>
         </a:xfrm>
       </p:grpSpPr>
+      <p:pic>
+        <p:nvPicPr>
+          <p:cNvPr id="2052" name="Picture 4" descr="Diamond Problem in Java Explained with ...">
+            <a:extLst>
+              <a:ext uri="{FF2B5EF4-FFF2-40B4-BE49-F238E27FC236}">
+                <a16:creationId xmlns:a16="http://schemas.microsoft.com/office/drawing/2014/main" id="{A598E176-6EC5-0AAB-366B-D98CEFD64FFB}"/>
+              </a:ext>
+            </a:extLst>
+          </p:cNvPr>
+          <p:cNvPicPr>
+            <a:picLocks noChangeAspect="1" noChangeArrowheads="1"/>
+          </p:cNvPicPr>
+          <p:nvPr/>
+        </p:nvPicPr>
+        <p:blipFill>
+          <a:blip r:embed="rId2">
+            <a:extLst>
+              <a:ext uri="{28A0092B-C50C-407E-A947-70E740481C1C}">
+                <a14:useLocalDpi xmlns:a14="http://schemas.microsoft.com/office/drawing/2010/main" val="0"/>
+              </a:ext>
+            </a:extLst>
+          </a:blip>
+          <a:srcRect/>
+          <a:stretch>
+            <a:fillRect/>
+          </a:stretch>
+        </p:blipFill>
+        <p:spPr bwMode="auto">
+          <a:xfrm>
+            <a:off x="2956831" y="1117827"/>
+            <a:ext cx="5630415" cy="3573916"/>
+          </a:xfrm>
+          <a:prstGeom prst="rect">
+            <a:avLst/>
+          </a:prstGeom>
+          <a:noFill/>
+          <a:extLst>
+            <a:ext uri="{909E8E84-426E-40DD-AFC4-6F175D3DCCD1}">
+              <a14:hiddenFill xmlns:a14="http://schemas.microsoft.com/office/drawing/2010/main">
+                <a:solidFill>
+                  <a:srgbClr val="FFFFFF"/>
+                </a:solidFill>
+              </a14:hiddenFill>
+            </a:ext>
+          </a:extLst>
+        </p:spPr>
+      </p:pic>
+    </p:spTree>
+    <p:extLst>
+      <p:ext uri="{BB962C8B-B14F-4D97-AF65-F5344CB8AC3E}">
+        <p14:creationId xmlns:p14="http://schemas.microsoft.com/office/powerpoint/2010/main" val="2940770448"/>
+      </p:ext>
+    </p:extLst>
+  </p:cSld>
+  <p:clrMapOvr>
+    <a:masterClrMapping/>
+  </p:clrMapOvr>
+</p:sld>
+</file>
+
+<file path=ppt/slides/slide38.xml><?xml version="1.0" encoding="utf-8"?>
+<p:sld xmlns:a="http://schemas.openxmlformats.org/drawingml/2006/main" xmlns:r="http://schemas.openxmlformats.org/officeDocument/2006/relationships" xmlns:p="http://schemas.openxmlformats.org/presentationml/2006/main">
+  <p:cSld>
+    <p:spTree>
+      <p:nvGrpSpPr>
+        <p:cNvPr id="1" name=""/>
+        <p:cNvGrpSpPr/>
+        <p:nvPr/>
+      </p:nvGrpSpPr>
+      <p:grpSpPr>
+        <a:xfrm>
+          <a:off x="0" y="0"/>
+          <a:ext cx="0" cy="0"/>
+          <a:chOff x="0" y="0"/>
+          <a:chExt cx="0" cy="0"/>
+        </a:xfrm>
+      </p:grpSpPr>
       <p:sp>
         <p:nvSpPr>
           <p:cNvPr id="3" name="Content Placeholder 2">
@@ -13022,7 +13119,7 @@
 </p:sld>
 </file>
 
-<file path=ppt/slides/slide38.xml><?xml version="1.0" encoding="utf-8"?>
+<file path=ppt/slides/slide39.xml><?xml version="1.0" encoding="utf-8"?>
 <p:sld xmlns:a="http://schemas.openxmlformats.org/drawingml/2006/main" xmlns:r="http://schemas.openxmlformats.org/officeDocument/2006/relationships" xmlns:p="http://schemas.openxmlformats.org/presentationml/2006/main">
   <p:cSld>
     <p:spTree>
@@ -13121,8 +13218,12 @@
               <a:buAutoNum type="arabicPeriod"/>
             </a:pPr>
             <a:r>
+              <a:rPr lang="en-IN" sz="2800" b="1" dirty="0"/>
+              <a:t>Compile Time (Early Binding</a:t>
+            </a:r>
+            <a:r>
               <a:rPr lang="en-IN" sz="2800" dirty="0"/>
-              <a:t>Compile Time (Early Binding)</a:t>
+              <a:t>)</a:t>
             </a:r>
           </a:p>
           <a:p>
@@ -13149,7 +13250,15 @@
             </a:pPr>
             <a:r>
               <a:rPr lang="en-IN" sz="2600" dirty="0"/>
-              <a:t>Constructor Overloading – Not supported in Python</a:t>
+              <a:t>Constructor Overloading – </a:t>
+            </a:r>
+            <a:r>
+              <a:rPr lang="en-IN" sz="2600" b="1" dirty="0">
+                <a:solidFill>
+                  <a:srgbClr val="C00000"/>
+                </a:solidFill>
+              </a:rPr>
+              <a:t>Not supported in Python</a:t>
             </a:r>
           </a:p>
           <a:p>
@@ -13157,7 +13266,7 @@
               <a:buAutoNum type="arabicPeriod"/>
             </a:pPr>
             <a:r>
-              <a:rPr lang="en-IN" sz="2800" dirty="0"/>
+              <a:rPr lang="en-IN" sz="2800" b="1" dirty="0"/>
               <a:t>Run Time: (Late Binding)</a:t>
             </a:r>
           </a:p>
@@ -13182,158 +13291,6 @@
     <p:extLst>
       <p:ext uri="{BB962C8B-B14F-4D97-AF65-F5344CB8AC3E}">
         <p14:creationId xmlns:p14="http://schemas.microsoft.com/office/powerpoint/2010/main" val="1824831188"/>
-      </p:ext>
-    </p:extLst>
-  </p:cSld>
-  <p:clrMapOvr>
-    <a:masterClrMapping/>
-  </p:clrMapOvr>
-</p:sld>
-</file>
-
-<file path=ppt/slides/slide39.xml><?xml version="1.0" encoding="utf-8"?>
-<p:sld xmlns:a="http://schemas.openxmlformats.org/drawingml/2006/main" xmlns:r="http://schemas.openxmlformats.org/officeDocument/2006/relationships" xmlns:p="http://schemas.openxmlformats.org/presentationml/2006/main">
-  <p:cSld>
-    <p:spTree>
-      <p:nvGrpSpPr>
-        <p:cNvPr id="1" name=""/>
-        <p:cNvGrpSpPr/>
-        <p:nvPr/>
-      </p:nvGrpSpPr>
-      <p:grpSpPr>
-        <a:xfrm>
-          <a:off x="0" y="0"/>
-          <a:ext cx="0" cy="0"/>
-          <a:chOff x="0" y="0"/>
-          <a:chExt cx="0" cy="0"/>
-        </a:xfrm>
-      </p:grpSpPr>
-      <p:sp>
-        <p:nvSpPr>
-          <p:cNvPr id="3" name="Content Placeholder 2">
-            <a:extLst>
-              <a:ext uri="{FF2B5EF4-FFF2-40B4-BE49-F238E27FC236}">
-                <a16:creationId xmlns:a16="http://schemas.microsoft.com/office/drawing/2014/main" id="{D4FA3FDF-FA6B-176E-44C8-17AABC79A699}"/>
-              </a:ext>
-            </a:extLst>
-          </p:cNvPr>
-          <p:cNvSpPr>
-            <a:spLocks noGrp="1"/>
-          </p:cNvSpPr>
-          <p:nvPr>
-            <p:ph idx="1"/>
-          </p:nvPr>
-        </p:nvSpPr>
-        <p:spPr>
-          <a:xfrm>
-            <a:off x="777240" y="707571"/>
-            <a:ext cx="10659110" cy="5469392"/>
-          </a:xfrm>
-        </p:spPr>
-        <p:txBody>
-          <a:bodyPr>
-            <a:normAutofit/>
-          </a:bodyPr>
-          <a:lstStyle/>
-          <a:p>
-            <a:pPr marL="0" indent="0">
-              <a:buNone/>
-            </a:pPr>
-            <a:r>
-              <a:rPr lang="en-US" sz="2400" b="1" dirty="0"/>
-              <a:t>Method Overriding in Inheritance:</a:t>
-            </a:r>
-          </a:p>
-          <a:p>
-            <a:pPr marL="0" indent="0">
-              <a:buNone/>
-            </a:pPr>
-            <a:r>
-              <a:rPr lang="en-US" sz="2400" dirty="0"/>
-              <a:t>If the child class has a method with the </a:t>
-            </a:r>
-            <a:r>
-              <a:rPr lang="en-US" sz="2400" b="1" dirty="0">
-                <a:solidFill>
-                  <a:srgbClr val="C00000"/>
-                </a:solidFill>
-              </a:rPr>
-              <a:t>same name </a:t>
-            </a:r>
-            <a:r>
-              <a:rPr lang="en-US" sz="2400" dirty="0"/>
-              <a:t>as a method in the parent class, the </a:t>
-            </a:r>
-            <a:r>
-              <a:rPr lang="en-US" sz="2400" b="1" dirty="0"/>
-              <a:t>child class method </a:t>
-            </a:r>
-            <a:r>
-              <a:rPr lang="en-US" sz="2400" b="1" dirty="0">
-                <a:solidFill>
-                  <a:srgbClr val="C00000"/>
-                </a:solidFill>
-              </a:rPr>
-              <a:t>overrides</a:t>
-            </a:r>
-            <a:r>
-              <a:rPr lang="en-US" sz="2400" dirty="0"/>
-              <a:t> the </a:t>
-            </a:r>
-            <a:r>
-              <a:rPr lang="en-US" sz="2400" b="1" dirty="0"/>
-              <a:t>parent class method</a:t>
-            </a:r>
-            <a:r>
-              <a:rPr lang="en-US" sz="2400" dirty="0"/>
-              <a:t>.</a:t>
-            </a:r>
-          </a:p>
-          <a:p>
-            <a:pPr marL="0" indent="0">
-              <a:buNone/>
-            </a:pPr>
-            <a:r>
-              <a:rPr lang="en-US" sz="2400" b="1" dirty="0"/>
-              <a:t>Example:</a:t>
-            </a:r>
-          </a:p>
-        </p:txBody>
-      </p:sp>
-      <p:pic>
-        <p:nvPicPr>
-          <p:cNvPr id="4" name="Picture 3">
-            <a:extLst>
-              <a:ext uri="{FF2B5EF4-FFF2-40B4-BE49-F238E27FC236}">
-                <a16:creationId xmlns:a16="http://schemas.microsoft.com/office/drawing/2014/main" id="{B6105FD9-EF86-3EDE-CF66-3C0E56506D5F}"/>
-              </a:ext>
-            </a:extLst>
-          </p:cNvPr>
-          <p:cNvPicPr>
-            <a:picLocks noChangeAspect="1"/>
-          </p:cNvPicPr>
-          <p:nvPr/>
-        </p:nvPicPr>
-        <p:blipFill>
-          <a:blip r:embed="rId2"/>
-          <a:stretch>
-            <a:fillRect/>
-          </a:stretch>
-        </p:blipFill>
-        <p:spPr>
-          <a:xfrm>
-            <a:off x="2480895" y="2098427"/>
-            <a:ext cx="6859048" cy="4537925"/>
-          </a:xfrm>
-          <a:prstGeom prst="rect">
-            <a:avLst/>
-          </a:prstGeom>
-        </p:spPr>
-      </p:pic>
-    </p:spTree>
-    <p:extLst>
-      <p:ext uri="{BB962C8B-B14F-4D97-AF65-F5344CB8AC3E}">
-        <p14:creationId xmlns:p14="http://schemas.microsoft.com/office/powerpoint/2010/main" val="2694074248"/>
       </p:ext>
     </p:extLst>
   </p:cSld>
@@ -13499,104 +13456,6 @@
           <p:cNvPr id="3" name="Content Placeholder 2">
             <a:extLst>
               <a:ext uri="{FF2B5EF4-FFF2-40B4-BE49-F238E27FC236}">
-                <a16:creationId xmlns:a16="http://schemas.microsoft.com/office/drawing/2014/main" id="{D7FDBA89-D690-AC5F-5A86-E88D4515CD07}"/>
-              </a:ext>
-            </a:extLst>
-          </p:cNvPr>
-          <p:cNvSpPr>
-            <a:spLocks noGrp="1"/>
-          </p:cNvSpPr>
-          <p:nvPr>
-            <p:ph idx="1"/>
-          </p:nvPr>
-        </p:nvSpPr>
-        <p:spPr>
-          <a:xfrm>
-            <a:off x="777240" y="925286"/>
-            <a:ext cx="10659110" cy="5251677"/>
-          </a:xfrm>
-        </p:spPr>
-        <p:txBody>
-          <a:bodyPr>
-            <a:normAutofit/>
-          </a:bodyPr>
-          <a:lstStyle/>
-          <a:p>
-            <a:pPr marL="0" indent="0">
-              <a:buNone/>
-            </a:pPr>
-            <a:r>
-              <a:rPr lang="en-IN" sz="2400" b="1" dirty="0"/>
-              <a:t>Rule for Method Overriding:</a:t>
-            </a:r>
-          </a:p>
-          <a:p>
-            <a:pPr marL="457200" indent="-457200">
-              <a:buAutoNum type="arabicPeriod"/>
-            </a:pPr>
-            <a:r>
-              <a:rPr lang="en-IN" sz="2400" dirty="0"/>
-              <a:t>There should be a Inheritance</a:t>
-            </a:r>
-          </a:p>
-          <a:p>
-            <a:pPr marL="457200" indent="-457200">
-              <a:buAutoNum type="arabicPeriod"/>
-            </a:pPr>
-            <a:r>
-              <a:rPr lang="en-IN" sz="2400" dirty="0"/>
-              <a:t>Both Parent and Child should have a same method name</a:t>
-            </a:r>
-          </a:p>
-          <a:p>
-            <a:pPr marL="457200" indent="-457200">
-              <a:buAutoNum type="arabicPeriod"/>
-            </a:pPr>
-            <a:endParaRPr lang="en-IN" sz="2400" dirty="0"/>
-          </a:p>
-          <a:p>
-            <a:pPr marL="457200" indent="-457200">
-              <a:buAutoNum type="arabicPeriod"/>
-            </a:pPr>
-            <a:endParaRPr lang="en-IN" sz="2400" dirty="0"/>
-          </a:p>
-        </p:txBody>
-      </p:sp>
-    </p:spTree>
-    <p:extLst>
-      <p:ext uri="{BB962C8B-B14F-4D97-AF65-F5344CB8AC3E}">
-        <p14:creationId xmlns:p14="http://schemas.microsoft.com/office/powerpoint/2010/main" val="242982238"/>
-      </p:ext>
-    </p:extLst>
-  </p:cSld>
-  <p:clrMapOvr>
-    <a:masterClrMapping/>
-  </p:clrMapOvr>
-</p:sld>
-</file>
-
-<file path=ppt/slides/slide41.xml><?xml version="1.0" encoding="utf-8"?>
-<p:sld xmlns:a="http://schemas.openxmlformats.org/drawingml/2006/main" xmlns:r="http://schemas.openxmlformats.org/officeDocument/2006/relationships" xmlns:p="http://schemas.openxmlformats.org/presentationml/2006/main">
-  <p:cSld>
-    <p:spTree>
-      <p:nvGrpSpPr>
-        <p:cNvPr id="1" name=""/>
-        <p:cNvGrpSpPr/>
-        <p:nvPr/>
-      </p:nvGrpSpPr>
-      <p:grpSpPr>
-        <a:xfrm>
-          <a:off x="0" y="0"/>
-          <a:ext cx="0" cy="0"/>
-          <a:chOff x="0" y="0"/>
-          <a:chExt cx="0" cy="0"/>
-        </a:xfrm>
-      </p:grpSpPr>
-      <p:sp>
-        <p:nvSpPr>
-          <p:cNvPr id="3" name="Content Placeholder 2">
-            <a:extLst>
-              <a:ext uri="{FF2B5EF4-FFF2-40B4-BE49-F238E27FC236}">
                 <a16:creationId xmlns:a16="http://schemas.microsoft.com/office/drawing/2014/main" id="{D4FA3FDF-FA6B-176E-44C8-17AABC79A699}"/>
               </a:ext>
             </a:extLst>
@@ -13765,7 +13624,7 @@
 </p:sld>
 </file>
 
-<file path=ppt/slides/slide42.xml><?xml version="1.0" encoding="utf-8"?>
+<file path=ppt/slides/slide41.xml><?xml version="1.0" encoding="utf-8"?>
 <p:sld xmlns:a="http://schemas.openxmlformats.org/drawingml/2006/main" xmlns:r="http://schemas.openxmlformats.org/officeDocument/2006/relationships" xmlns:p="http://schemas.openxmlformats.org/presentationml/2006/main">
   <p:cSld>
     <p:spTree>
@@ -13957,7 +13816,7 @@
 </p:sld>
 </file>
 
-<file path=ppt/slides/slide43.xml><?xml version="1.0" encoding="utf-8"?>
+<file path=ppt/slides/slide42.xml><?xml version="1.0" encoding="utf-8"?>
 <p:sld xmlns:a="http://schemas.openxmlformats.org/drawingml/2006/main" xmlns:r="http://schemas.openxmlformats.org/officeDocument/2006/relationships" xmlns:p="http://schemas.openxmlformats.org/presentationml/2006/main">
   <p:cSld>
     <p:spTree>
@@ -14089,7 +13948,7 @@
 </p:sld>
 </file>
 
-<file path=ppt/slides/slide44.xml><?xml version="1.0" encoding="utf-8"?>
+<file path=ppt/slides/slide43.xml><?xml version="1.0" encoding="utf-8"?>
 <p:sld xmlns:a="http://schemas.openxmlformats.org/drawingml/2006/main" xmlns:r="http://schemas.openxmlformats.org/officeDocument/2006/relationships" xmlns:p="http://schemas.openxmlformats.org/presentationml/2006/main">
   <p:cSld>
     <p:spTree>
@@ -14147,11 +14006,56 @@
               <a:buNone/>
             </a:pPr>
             <a:r>
-              <a:rPr lang="en-US" sz="2400" dirty="0"/>
+              <a:rPr lang="en-US" dirty="0"/>
+              <a:t>Operator overloading means </a:t>
+            </a:r>
+            <a:r>
+              <a:rPr lang="en-US" b="1" dirty="0">
+                <a:solidFill>
+                  <a:srgbClr val="C00000"/>
+                </a:solidFill>
+              </a:rPr>
+              <a:t>redefining the way operators </a:t>
+            </a:r>
+            <a:r>
+              <a:rPr lang="en-US" dirty="0"/>
+              <a:t>(like +, -, *, /, ==, etc.) work for </a:t>
+            </a:r>
+            <a:r>
+              <a:rPr lang="en-US" b="1" dirty="0"/>
+              <a:t>user-defined types</a:t>
+            </a:r>
+            <a:r>
+              <a:rPr lang="en-US" dirty="0"/>
+              <a:t> (like </a:t>
+            </a:r>
+            <a:r>
+              <a:rPr lang="en-US" b="1" dirty="0"/>
+              <a:t>classes</a:t>
+            </a:r>
+            <a:r>
+              <a:rPr lang="en-US" dirty="0"/>
+              <a:t> or </a:t>
+            </a:r>
+            <a:r>
+              <a:rPr lang="en-US" b="1" dirty="0"/>
+              <a:t>objects</a:t>
+            </a:r>
+            <a:r>
+              <a:rPr lang="en-US" dirty="0"/>
+              <a:t>).</a:t>
+            </a:r>
+          </a:p>
+          <a:p>
+            <a:pPr marL="0" indent="0">
+              <a:buNone/>
+            </a:pPr>
+            <a:r>
+              <a:rPr lang="en-US" dirty="0"/>
               <a:t>Python allows us to overload operators (like +, -, *, etc.) using </a:t>
             </a:r>
             <a:r>
-              <a:rPr lang="en-US" sz="2400" b="1" dirty="0">
+              <a:rPr lang="en-US" b="1" dirty="0">
                 <a:solidFill>
                   <a:srgbClr val="C00000"/>
                 </a:solidFill>
@@ -14159,11 +14063,11 @@
               <a:t>magic methods </a:t>
             </a:r>
             <a:r>
-              <a:rPr lang="en-US" sz="2400" dirty="0"/>
+              <a:rPr lang="en-US" dirty="0"/>
               <a:t>(</a:t>
             </a:r>
             <a:r>
-              <a:rPr lang="en-US" sz="2400" b="1" dirty="0">
+              <a:rPr lang="en-US" b="1" dirty="0">
                 <a:solidFill>
                   <a:srgbClr val="C00000"/>
                 </a:solidFill>
@@ -14171,11 +14075,11 @@
               <a:t>Dunder</a:t>
             </a:r>
             <a:r>
-              <a:rPr lang="en-US" sz="2400" dirty="0"/>
+              <a:rPr lang="en-US" dirty="0"/>
               <a:t> </a:t>
             </a:r>
             <a:r>
-              <a:rPr lang="en-US" sz="2400" b="1" dirty="0">
+              <a:rPr lang="en-US" b="1" dirty="0">
                 <a:solidFill>
                   <a:srgbClr val="C00000"/>
                 </a:solidFill>
@@ -14183,7 +14087,7 @@
               <a:t>methods</a:t>
             </a:r>
             <a:r>
-              <a:rPr lang="en-US" sz="2400" dirty="0"/>
+              <a:rPr lang="en-US" dirty="0"/>
               <a:t>).</a:t>
             </a:r>
           </a:p>
@@ -14192,7 +14096,7 @@
               <a:buNone/>
             </a:pPr>
             <a:r>
-              <a:rPr lang="en-US" sz="2400" dirty="0"/>
+              <a:rPr lang="en-US" dirty="0"/>
               <a:t>Common Magic Methods for Operator Overloading:</a:t>
             </a:r>
           </a:p>
@@ -14219,14 +14123,14 @@
           <p:nvPr>
             <p:extLst>
               <p:ext uri="{D42A27DB-BD31-4B8C-83A1-F6EECF244321}">
-                <p14:modId xmlns:p14="http://schemas.microsoft.com/office/powerpoint/2010/main" val="1958855966"/>
+                <p14:modId xmlns:p14="http://schemas.microsoft.com/office/powerpoint/2010/main" val="4221884422"/>
               </p:ext>
             </p:extLst>
           </p:nvPr>
         </p:nvGraphicFramePr>
         <p:xfrm>
-          <a:off x="863372" y="2519703"/>
-          <a:ext cx="8062914" cy="3740150"/>
+          <a:off x="1124628" y="2661217"/>
+          <a:ext cx="8062914" cy="3696040"/>
         </p:xfrm>
         <a:graphic>
           <a:graphicData uri="http://schemas.openxmlformats.org/drawingml/2006/table">
@@ -14268,12 +14172,12 @@
                         </a:spcAft>
                       </a:pPr>
                       <a:r>
-                        <a:rPr lang="en-US" sz="2400" kern="100">
+                        <a:rPr lang="en-US" sz="1600" kern="100" dirty="0">
                           <a:effectLst/>
                         </a:rPr>
                         <a:t>Operator</a:t>
                       </a:r>
-                      <a:endParaRPr lang="en-US" sz="2400" kern="100">
+                      <a:endParaRPr lang="en-US" sz="1600" kern="100" dirty="0">
                         <a:effectLst/>
                         <a:latin typeface="Calibri" panose="020F0502020204030204" pitchFamily="34" charset="0"/>
                         <a:ea typeface="Calibri" panose="020F0502020204030204" pitchFamily="34" charset="0"/>
@@ -14300,12 +14204,12 @@
                         </a:spcAft>
                       </a:pPr>
                       <a:r>
-                        <a:rPr lang="en-US" sz="2400" kern="100">
+                        <a:rPr lang="en-US" sz="1600" kern="100" dirty="0">
                           <a:effectLst/>
                         </a:rPr>
                         <a:t>Method Name</a:t>
                       </a:r>
-                      <a:endParaRPr lang="en-US" sz="2400" kern="100">
+                      <a:endParaRPr lang="en-US" sz="1600" kern="100" dirty="0">
                         <a:effectLst/>
                         <a:latin typeface="Calibri" panose="020F0502020204030204" pitchFamily="34" charset="0"/>
                         <a:ea typeface="Calibri" panose="020F0502020204030204" pitchFamily="34" charset="0"/>
@@ -14339,12 +14243,12 @@
                         </a:spcAft>
                       </a:pPr>
                       <a:r>
-                        <a:rPr lang="en-US" sz="2400" kern="100" dirty="0">
+                        <a:rPr lang="en-US" sz="1600" kern="100" dirty="0">
                           <a:effectLst/>
                         </a:rPr>
                         <a:t>+ (Addition)</a:t>
                       </a:r>
-                      <a:endParaRPr lang="en-US" sz="2400" kern="100" dirty="0">
+                      <a:endParaRPr lang="en-US" sz="1600" kern="100" dirty="0">
                         <a:effectLst/>
                         <a:latin typeface="Calibri" panose="020F0502020204030204" pitchFamily="34" charset="0"/>
                         <a:ea typeface="Calibri" panose="020F0502020204030204" pitchFamily="34" charset="0"/>
@@ -14371,12 +14275,12 @@
                         </a:spcAft>
                       </a:pPr>
                       <a:r>
-                        <a:rPr lang="en-US" sz="2400" kern="100" dirty="0">
+                        <a:rPr lang="en-US" sz="1600" kern="100" dirty="0">
                           <a:effectLst/>
                         </a:rPr>
                         <a:t>__add__(self, other)</a:t>
                       </a:r>
-                      <a:endParaRPr lang="en-US" sz="2400" kern="100" dirty="0">
+                      <a:endParaRPr lang="en-US" sz="1600" kern="100" dirty="0">
                         <a:effectLst/>
                         <a:latin typeface="Calibri" panose="020F0502020204030204" pitchFamily="34" charset="0"/>
                         <a:ea typeface="Calibri" panose="020F0502020204030204" pitchFamily="34" charset="0"/>
@@ -14410,12 +14314,12 @@
                         </a:spcAft>
                       </a:pPr>
                       <a:r>
-                        <a:rPr lang="en-US" sz="2400" kern="100">
+                        <a:rPr lang="en-US" sz="1600" kern="100">
                           <a:effectLst/>
                         </a:rPr>
                         <a:t>- (Subtraction)</a:t>
                       </a:r>
-                      <a:endParaRPr lang="en-US" sz="2400" kern="100">
+                      <a:endParaRPr lang="en-US" sz="1600" kern="100">
                         <a:effectLst/>
                         <a:latin typeface="Calibri" panose="020F0502020204030204" pitchFamily="34" charset="0"/>
                         <a:ea typeface="Calibri" panose="020F0502020204030204" pitchFamily="34" charset="0"/>
@@ -14442,12 +14346,12 @@
                         </a:spcAft>
                       </a:pPr>
                       <a:r>
-                        <a:rPr lang="en-US" sz="2400" kern="100">
+                        <a:rPr lang="en-US" sz="1600" kern="100">
                           <a:effectLst/>
                         </a:rPr>
                         <a:t>__sub__(self, other)</a:t>
                       </a:r>
-                      <a:endParaRPr lang="en-US" sz="2400" kern="100">
+                      <a:endParaRPr lang="en-US" sz="1600" kern="100">
                         <a:effectLst/>
                         <a:latin typeface="Calibri" panose="020F0502020204030204" pitchFamily="34" charset="0"/>
                         <a:ea typeface="Calibri" panose="020F0502020204030204" pitchFamily="34" charset="0"/>
@@ -14481,12 +14385,12 @@
                         </a:spcAft>
                       </a:pPr>
                       <a:r>
-                        <a:rPr lang="en-US" sz="2400" kern="100" dirty="0">
+                        <a:rPr lang="en-US" sz="1600" kern="100" dirty="0">
                           <a:effectLst/>
                         </a:rPr>
                         <a:t>* (Multiplication)</a:t>
                       </a:r>
-                      <a:endParaRPr lang="en-US" sz="2400" kern="100" dirty="0">
+                      <a:endParaRPr lang="en-US" sz="1600" kern="100" dirty="0">
                         <a:effectLst/>
                         <a:latin typeface="Calibri" panose="020F0502020204030204" pitchFamily="34" charset="0"/>
                         <a:ea typeface="Calibri" panose="020F0502020204030204" pitchFamily="34" charset="0"/>
@@ -14513,12 +14417,12 @@
                         </a:spcAft>
                       </a:pPr>
                       <a:r>
-                        <a:rPr lang="en-US" sz="2400" kern="100">
+                        <a:rPr lang="en-US" sz="1600" kern="100">
                           <a:effectLst/>
                         </a:rPr>
                         <a:t>__mul__(self, other)</a:t>
                       </a:r>
-                      <a:endParaRPr lang="en-US" sz="2400" kern="100">
+                      <a:endParaRPr lang="en-US" sz="1600" kern="100">
                         <a:effectLst/>
                         <a:latin typeface="Calibri" panose="020F0502020204030204" pitchFamily="34" charset="0"/>
                         <a:ea typeface="Calibri" panose="020F0502020204030204" pitchFamily="34" charset="0"/>
@@ -14552,12 +14456,12 @@
                         </a:spcAft>
                       </a:pPr>
                       <a:r>
-                        <a:rPr lang="en-US" sz="2400" kern="100">
+                        <a:rPr lang="en-US" sz="1600" kern="100">
                           <a:effectLst/>
                         </a:rPr>
                         <a:t>/ (Division)</a:t>
                       </a:r>
-                      <a:endParaRPr lang="en-US" sz="2400" kern="100">
+                      <a:endParaRPr lang="en-US" sz="1600" kern="100">
                         <a:effectLst/>
                         <a:latin typeface="Calibri" panose="020F0502020204030204" pitchFamily="34" charset="0"/>
                         <a:ea typeface="Calibri" panose="020F0502020204030204" pitchFamily="34" charset="0"/>
@@ -14584,12 +14488,24 @@
                         </a:spcAft>
                       </a:pPr>
                       <a:r>
-                        <a:rPr lang="en-US" sz="2400" kern="100">
+                        <a:rPr lang="en-US" sz="1600" kern="100" dirty="0">
                           <a:effectLst/>
                         </a:rPr>
-                        <a:t>__truediv__(self, other)</a:t>
+                        <a:t>__</a:t>
                       </a:r>
-                      <a:endParaRPr lang="en-US" sz="2400" kern="100">
+                      <a:r>
+                        <a:rPr lang="en-US" sz="1600" kern="100" dirty="0" err="1">
+                          <a:effectLst/>
+                        </a:rPr>
+                        <a:t>truediv</a:t>
+                      </a:r>
+                      <a:r>
+                        <a:rPr lang="en-US" sz="1600" kern="100" dirty="0">
+                          <a:effectLst/>
+                        </a:rPr>
+                        <a:t>__(self, other)</a:t>
+                      </a:r>
+                      <a:endParaRPr lang="en-US" sz="1600" kern="100" dirty="0">
                         <a:effectLst/>
                         <a:latin typeface="Calibri" panose="020F0502020204030204" pitchFamily="34" charset="0"/>
                         <a:ea typeface="Calibri" panose="020F0502020204030204" pitchFamily="34" charset="0"/>
@@ -14623,12 +14539,12 @@
                         </a:spcAft>
                       </a:pPr>
                       <a:r>
-                        <a:rPr lang="en-US" sz="2400" kern="100">
+                        <a:rPr lang="en-US" sz="1600" kern="100">
                           <a:effectLst/>
                         </a:rPr>
                         <a:t>% (Modulus)</a:t>
                       </a:r>
-                      <a:endParaRPr lang="en-US" sz="2400" kern="100">
+                      <a:endParaRPr lang="en-US" sz="1600" kern="100">
                         <a:effectLst/>
                         <a:latin typeface="Calibri" panose="020F0502020204030204" pitchFamily="34" charset="0"/>
                         <a:ea typeface="Calibri" panose="020F0502020204030204" pitchFamily="34" charset="0"/>
@@ -14655,12 +14571,12 @@
                         </a:spcAft>
                       </a:pPr>
                       <a:r>
-                        <a:rPr lang="en-US" sz="2400" kern="100">
+                        <a:rPr lang="en-US" sz="1600" kern="100">
                           <a:effectLst/>
                         </a:rPr>
                         <a:t>__mod__(self, other)</a:t>
                       </a:r>
-                      <a:endParaRPr lang="en-US" sz="2400" kern="100">
+                      <a:endParaRPr lang="en-US" sz="1600" kern="100">
                         <a:effectLst/>
                         <a:latin typeface="Calibri" panose="020F0502020204030204" pitchFamily="34" charset="0"/>
                         <a:ea typeface="Calibri" panose="020F0502020204030204" pitchFamily="34" charset="0"/>
@@ -14694,12 +14610,12 @@
                         </a:spcAft>
                       </a:pPr>
                       <a:r>
-                        <a:rPr lang="en-US" sz="2400" kern="100">
+                        <a:rPr lang="en-US" sz="1600" kern="100">
                           <a:effectLst/>
                         </a:rPr>
                         <a:t>== (Equality)</a:t>
                       </a:r>
-                      <a:endParaRPr lang="en-US" sz="2400" kern="100">
+                      <a:endParaRPr lang="en-US" sz="1600" kern="100">
                         <a:effectLst/>
                         <a:latin typeface="Calibri" panose="020F0502020204030204" pitchFamily="34" charset="0"/>
                         <a:ea typeface="Calibri" panose="020F0502020204030204" pitchFamily="34" charset="0"/>
@@ -14726,12 +14642,12 @@
                         </a:spcAft>
                       </a:pPr>
                       <a:r>
-                        <a:rPr lang="en-US" sz="2400" kern="100">
+                        <a:rPr lang="en-US" sz="1600" kern="100">
                           <a:effectLst/>
                         </a:rPr>
                         <a:t>__eq__(self, other)</a:t>
                       </a:r>
-                      <a:endParaRPr lang="en-US" sz="2400" kern="100">
+                      <a:endParaRPr lang="en-US" sz="1600" kern="100">
                         <a:effectLst/>
                         <a:latin typeface="Calibri" panose="020F0502020204030204" pitchFamily="34" charset="0"/>
                         <a:ea typeface="Calibri" panose="020F0502020204030204" pitchFamily="34" charset="0"/>
@@ -14765,12 +14681,12 @@
                         </a:spcAft>
                       </a:pPr>
                       <a:r>
-                        <a:rPr lang="en-US" sz="2400" kern="100">
+                        <a:rPr lang="en-US" sz="1600" kern="100">
                           <a:effectLst/>
                         </a:rPr>
                         <a:t>!= (Not Equal)</a:t>
                       </a:r>
-                      <a:endParaRPr lang="en-US" sz="2400" kern="100">
+                      <a:endParaRPr lang="en-US" sz="1600" kern="100">
                         <a:effectLst/>
                         <a:latin typeface="Calibri" panose="020F0502020204030204" pitchFamily="34" charset="0"/>
                         <a:ea typeface="Calibri" panose="020F0502020204030204" pitchFamily="34" charset="0"/>
@@ -14797,12 +14713,12 @@
                         </a:spcAft>
                       </a:pPr>
                       <a:r>
-                        <a:rPr lang="en-US" sz="2400" kern="100">
+                        <a:rPr lang="en-US" sz="1600" kern="100">
                           <a:effectLst/>
                         </a:rPr>
                         <a:t>__ne__(self, other)</a:t>
                       </a:r>
-                      <a:endParaRPr lang="en-US" sz="2400" kern="100">
+                      <a:endParaRPr lang="en-US" sz="1600" kern="100">
                         <a:effectLst/>
                         <a:latin typeface="Calibri" panose="020F0502020204030204" pitchFamily="34" charset="0"/>
                         <a:ea typeface="Calibri" panose="020F0502020204030204" pitchFamily="34" charset="0"/>
@@ -14836,12 +14752,12 @@
                         </a:spcAft>
                       </a:pPr>
                       <a:r>
-                        <a:rPr lang="en-US" sz="2400" kern="100">
+                        <a:rPr lang="en-US" sz="1600" kern="100">
                           <a:effectLst/>
                         </a:rPr>
                         <a:t>&gt; (Greater than)</a:t>
                       </a:r>
-                      <a:endParaRPr lang="en-US" sz="2400" kern="100">
+                      <a:endParaRPr lang="en-US" sz="1600" kern="100">
                         <a:effectLst/>
                         <a:latin typeface="Calibri" panose="020F0502020204030204" pitchFamily="34" charset="0"/>
                         <a:ea typeface="Calibri" panose="020F0502020204030204" pitchFamily="34" charset="0"/>
@@ -14868,12 +14784,12 @@
                         </a:spcAft>
                       </a:pPr>
                       <a:r>
-                        <a:rPr lang="en-US" sz="2400" kern="100">
+                        <a:rPr lang="en-US" sz="1600" kern="100">
                           <a:effectLst/>
                         </a:rPr>
                         <a:t>__gt__(self, other)</a:t>
                       </a:r>
-                      <a:endParaRPr lang="en-US" sz="2400" kern="100">
+                      <a:endParaRPr lang="en-US" sz="1600" kern="100">
                         <a:effectLst/>
                         <a:latin typeface="Calibri" panose="020F0502020204030204" pitchFamily="34" charset="0"/>
                         <a:ea typeface="Calibri" panose="020F0502020204030204" pitchFamily="34" charset="0"/>
@@ -14907,12 +14823,12 @@
                         </a:spcAft>
                       </a:pPr>
                       <a:r>
-                        <a:rPr lang="en-US" sz="2400" kern="100">
+                        <a:rPr lang="en-US" sz="1600" kern="100">
                           <a:effectLst/>
                         </a:rPr>
                         <a:t>&lt; (Less than)</a:t>
                       </a:r>
-                      <a:endParaRPr lang="en-US" sz="2400" kern="100">
+                      <a:endParaRPr lang="en-US" sz="1600" kern="100">
                         <a:effectLst/>
                         <a:latin typeface="Calibri" panose="020F0502020204030204" pitchFamily="34" charset="0"/>
                         <a:ea typeface="Calibri" panose="020F0502020204030204" pitchFamily="34" charset="0"/>
@@ -14939,24 +14855,24 @@
                         </a:spcAft>
                       </a:pPr>
                       <a:r>
-                        <a:rPr lang="en-US" sz="2400" kern="100" dirty="0">
+                        <a:rPr lang="en-US" sz="1600" kern="100" dirty="0">
                           <a:effectLst/>
                         </a:rPr>
                         <a:t>__</a:t>
                       </a:r>
                       <a:r>
-                        <a:rPr lang="en-US" sz="2400" kern="100" dirty="0" err="1">
+                        <a:rPr lang="en-US" sz="1600" kern="100" dirty="0" err="1">
                           <a:effectLst/>
                         </a:rPr>
                         <a:t>lt</a:t>
                       </a:r>
                       <a:r>
-                        <a:rPr lang="en-US" sz="2400" kern="100" dirty="0">
+                        <a:rPr lang="en-US" sz="1600" kern="100" dirty="0">
                           <a:effectLst/>
                         </a:rPr>
                         <a:t>__(self, other)</a:t>
                       </a:r>
-                      <a:endParaRPr lang="en-US" sz="2400" kern="100" dirty="0">
+                      <a:endParaRPr lang="en-US" sz="1600" kern="100" dirty="0">
                         <a:effectLst/>
                         <a:latin typeface="Calibri" panose="020F0502020204030204" pitchFamily="34" charset="0"/>
                         <a:ea typeface="Calibri" panose="020F0502020204030204" pitchFamily="34" charset="0"/>
@@ -14989,7 +14905,7 @@
 </p:sld>
 </file>
 
-<file path=ppt/slides/slide45.xml><?xml version="1.0" encoding="utf-8"?>
+<file path=ppt/slides/slide44.xml><?xml version="1.0" encoding="utf-8"?>
 <p:sld xmlns:a="http://schemas.openxmlformats.org/drawingml/2006/main" xmlns:r="http://schemas.openxmlformats.org/officeDocument/2006/relationships" xmlns:p="http://schemas.openxmlformats.org/presentationml/2006/main">
   <p:cSld>
     <p:spTree>
@@ -15119,7 +15035,261 @@
 </p:sld>
 </file>
 
+<file path=ppt/slides/slide45.xml><?xml version="1.0" encoding="utf-8"?>
+<p:sld xmlns:a="http://schemas.openxmlformats.org/drawingml/2006/main" xmlns:r="http://schemas.openxmlformats.org/officeDocument/2006/relationships" xmlns:p="http://schemas.openxmlformats.org/presentationml/2006/main">
+  <p:cSld>
+    <p:spTree>
+      <p:nvGrpSpPr>
+        <p:cNvPr id="1" name=""/>
+        <p:cNvGrpSpPr/>
+        <p:nvPr/>
+      </p:nvGrpSpPr>
+      <p:grpSpPr>
+        <a:xfrm>
+          <a:off x="0" y="0"/>
+          <a:ext cx="0" cy="0"/>
+          <a:chOff x="0" y="0"/>
+          <a:chExt cx="0" cy="0"/>
+        </a:xfrm>
+      </p:grpSpPr>
+      <p:sp>
+        <p:nvSpPr>
+          <p:cNvPr id="3" name="Content Placeholder 2">
+            <a:extLst>
+              <a:ext uri="{FF2B5EF4-FFF2-40B4-BE49-F238E27FC236}">
+                <a16:creationId xmlns:a16="http://schemas.microsoft.com/office/drawing/2014/main" id="{D4FA3FDF-FA6B-176E-44C8-17AABC79A699}"/>
+              </a:ext>
+            </a:extLst>
+          </p:cNvPr>
+          <p:cNvSpPr>
+            <a:spLocks noGrp="1"/>
+          </p:cNvSpPr>
+          <p:nvPr>
+            <p:ph idx="1"/>
+          </p:nvPr>
+        </p:nvSpPr>
+        <p:spPr>
+          <a:xfrm>
+            <a:off x="777240" y="707571"/>
+            <a:ext cx="10659110" cy="5469392"/>
+          </a:xfrm>
+        </p:spPr>
+        <p:txBody>
+          <a:bodyPr>
+            <a:normAutofit/>
+          </a:bodyPr>
+          <a:lstStyle/>
+          <a:p>
+            <a:pPr marL="0" indent="0">
+              <a:buNone/>
+            </a:pPr>
+            <a:r>
+              <a:rPr lang="en-US" sz="2400" b="1" dirty="0"/>
+              <a:t>2. Method Overriding in Inheritance:</a:t>
+            </a:r>
+          </a:p>
+          <a:p>
+            <a:pPr marL="0" indent="0">
+              <a:buNone/>
+            </a:pPr>
+            <a:r>
+              <a:rPr lang="en-US" sz="2400" dirty="0"/>
+              <a:t>If the child class has a method with the </a:t>
+            </a:r>
+            <a:r>
+              <a:rPr lang="en-US" sz="2400" b="1" dirty="0">
+                <a:solidFill>
+                  <a:srgbClr val="C00000"/>
+                </a:solidFill>
+              </a:rPr>
+              <a:t>same name </a:t>
+            </a:r>
+            <a:r>
+              <a:rPr lang="en-US" sz="2400" dirty="0"/>
+              <a:t>as a method in the parent class, the </a:t>
+            </a:r>
+            <a:r>
+              <a:rPr lang="en-US" sz="2400" b="1" dirty="0"/>
+              <a:t>child class method </a:t>
+            </a:r>
+            <a:r>
+              <a:rPr lang="en-US" sz="2400" b="1" dirty="0">
+                <a:solidFill>
+                  <a:srgbClr val="C00000"/>
+                </a:solidFill>
+              </a:rPr>
+              <a:t>overrides</a:t>
+            </a:r>
+            <a:r>
+              <a:rPr lang="en-US" sz="2400" dirty="0"/>
+              <a:t> the </a:t>
+            </a:r>
+            <a:r>
+              <a:rPr lang="en-US" sz="2400" b="1" dirty="0"/>
+              <a:t>parent class method</a:t>
+            </a:r>
+            <a:r>
+              <a:rPr lang="en-US" sz="2400" dirty="0"/>
+              <a:t>.</a:t>
+            </a:r>
+          </a:p>
+          <a:p>
+            <a:pPr marL="0" indent="0">
+              <a:buNone/>
+            </a:pPr>
+            <a:r>
+              <a:rPr lang="en-US" sz="2400" b="1" dirty="0"/>
+              <a:t>Example:</a:t>
+            </a:r>
+          </a:p>
+        </p:txBody>
+      </p:sp>
+      <p:pic>
+        <p:nvPicPr>
+          <p:cNvPr id="4" name="Picture 3">
+            <a:extLst>
+              <a:ext uri="{FF2B5EF4-FFF2-40B4-BE49-F238E27FC236}">
+                <a16:creationId xmlns:a16="http://schemas.microsoft.com/office/drawing/2014/main" id="{B6105FD9-EF86-3EDE-CF66-3C0E56506D5F}"/>
+              </a:ext>
+            </a:extLst>
+          </p:cNvPr>
+          <p:cNvPicPr>
+            <a:picLocks noChangeAspect="1"/>
+          </p:cNvPicPr>
+          <p:nvPr/>
+        </p:nvPicPr>
+        <p:blipFill>
+          <a:blip r:embed="rId2"/>
+          <a:stretch>
+            <a:fillRect/>
+          </a:stretch>
+        </p:blipFill>
+        <p:spPr>
+          <a:xfrm>
+            <a:off x="2480895" y="2098427"/>
+            <a:ext cx="6859048" cy="4537925"/>
+          </a:xfrm>
+          <a:prstGeom prst="rect">
+            <a:avLst/>
+          </a:prstGeom>
+        </p:spPr>
+      </p:pic>
+    </p:spTree>
+    <p:extLst>
+      <p:ext uri="{BB962C8B-B14F-4D97-AF65-F5344CB8AC3E}">
+        <p14:creationId xmlns:p14="http://schemas.microsoft.com/office/powerpoint/2010/main" val="555827661"/>
+      </p:ext>
+    </p:extLst>
+  </p:cSld>
+  <p:clrMapOvr>
+    <a:masterClrMapping/>
+  </p:clrMapOvr>
+</p:sld>
+</file>
+
 <file path=ppt/slides/slide46.xml><?xml version="1.0" encoding="utf-8"?>
+<p:sld xmlns:a="http://schemas.openxmlformats.org/drawingml/2006/main" xmlns:r="http://schemas.openxmlformats.org/officeDocument/2006/relationships" xmlns:p="http://schemas.openxmlformats.org/presentationml/2006/main">
+  <p:cSld>
+    <p:spTree>
+      <p:nvGrpSpPr>
+        <p:cNvPr id="1" name=""/>
+        <p:cNvGrpSpPr/>
+        <p:nvPr/>
+      </p:nvGrpSpPr>
+      <p:grpSpPr>
+        <a:xfrm>
+          <a:off x="0" y="0"/>
+          <a:ext cx="0" cy="0"/>
+          <a:chOff x="0" y="0"/>
+          <a:chExt cx="0" cy="0"/>
+        </a:xfrm>
+      </p:grpSpPr>
+      <p:sp>
+        <p:nvSpPr>
+          <p:cNvPr id="3" name="Content Placeholder 2">
+            <a:extLst>
+              <a:ext uri="{FF2B5EF4-FFF2-40B4-BE49-F238E27FC236}">
+                <a16:creationId xmlns:a16="http://schemas.microsoft.com/office/drawing/2014/main" id="{D7FDBA89-D690-AC5F-5A86-E88D4515CD07}"/>
+              </a:ext>
+            </a:extLst>
+          </p:cNvPr>
+          <p:cNvSpPr>
+            <a:spLocks noGrp="1"/>
+          </p:cNvSpPr>
+          <p:nvPr>
+            <p:ph idx="1"/>
+          </p:nvPr>
+        </p:nvSpPr>
+        <p:spPr>
+          <a:xfrm>
+            <a:off x="777240" y="925286"/>
+            <a:ext cx="10659110" cy="5251677"/>
+          </a:xfrm>
+        </p:spPr>
+        <p:txBody>
+          <a:bodyPr>
+            <a:normAutofit/>
+          </a:bodyPr>
+          <a:lstStyle/>
+          <a:p>
+            <a:pPr marL="0" indent="0">
+              <a:buNone/>
+            </a:pPr>
+            <a:r>
+              <a:rPr lang="en-IN" sz="2400" b="1" dirty="0"/>
+              <a:t>Rule for Method Overriding:</a:t>
+            </a:r>
+          </a:p>
+          <a:p>
+            <a:pPr marL="457200" indent="-457200">
+              <a:buAutoNum type="arabicPeriod"/>
+            </a:pPr>
+            <a:r>
+              <a:rPr lang="en-IN" sz="2400" dirty="0"/>
+              <a:t>There should be a </a:t>
+            </a:r>
+            <a:r>
+              <a:rPr lang="en-IN" sz="2400" b="1" dirty="0"/>
+              <a:t>Inheritance</a:t>
+            </a:r>
+          </a:p>
+          <a:p>
+            <a:pPr marL="457200" indent="-457200">
+              <a:buAutoNum type="arabicPeriod"/>
+            </a:pPr>
+            <a:r>
+              <a:rPr lang="en-IN" sz="2400" dirty="0"/>
+              <a:t>Both Parent and Child should have a same method name</a:t>
+            </a:r>
+          </a:p>
+          <a:p>
+            <a:pPr marL="457200" indent="-457200">
+              <a:buAutoNum type="arabicPeriod"/>
+            </a:pPr>
+            <a:endParaRPr lang="en-IN" sz="2400" dirty="0"/>
+          </a:p>
+          <a:p>
+            <a:pPr marL="457200" indent="-457200">
+              <a:buAutoNum type="arabicPeriod"/>
+            </a:pPr>
+            <a:endParaRPr lang="en-IN" sz="2400" dirty="0"/>
+          </a:p>
+        </p:txBody>
+      </p:sp>
+    </p:spTree>
+    <p:extLst>
+      <p:ext uri="{BB962C8B-B14F-4D97-AF65-F5344CB8AC3E}">
+        <p14:creationId xmlns:p14="http://schemas.microsoft.com/office/powerpoint/2010/main" val="1010899387"/>
+      </p:ext>
+    </p:extLst>
+  </p:cSld>
+  <p:clrMapOvr>
+    <a:masterClrMapping/>
+  </p:clrMapOvr>
+</p:sld>
+</file>
+
+<file path=ppt/slides/slide47.xml><?xml version="1.0" encoding="utf-8"?>
 <p:sld xmlns:a="http://schemas.openxmlformats.org/drawingml/2006/main" xmlns:r="http://schemas.openxmlformats.org/officeDocument/2006/relationships" xmlns:p="http://schemas.openxmlformats.org/presentationml/2006/main">
   <p:cSld>
     <p:spTree>
@@ -15316,7 +15486,7 @@
 </p:sld>
 </file>
 
-<file path=ppt/slides/slide47.xml><?xml version="1.0" encoding="utf-8"?>
+<file path=ppt/slides/slide48.xml><?xml version="1.0" encoding="utf-8"?>
 <p:sld xmlns:a="http://schemas.openxmlformats.org/drawingml/2006/main" xmlns:r="http://schemas.openxmlformats.org/officeDocument/2006/relationships" xmlns:p="http://schemas.openxmlformats.org/presentationml/2006/main">
   <p:cSld>
     <p:spTree>
@@ -15408,7 +15578,7 @@
             </a:r>
             <a:r>
               <a:rPr lang="en-US" sz="2400" b="1" dirty="0"/>
-              <a:t>cannot be instantiated directly</a:t>
+              <a:t>cannot be instantiated or create object directly</a:t>
             </a:r>
             <a:r>
               <a:rPr lang="en-US" sz="2400" dirty="0"/>
@@ -15452,7 +15622,19 @@
           <a:p>
             <a:r>
               <a:rPr lang="en-US" sz="2400" dirty="0"/>
-              <a:t>An abstract method is a method that is </a:t>
+              <a:t>An </a:t>
+            </a:r>
+            <a:r>
+              <a:rPr lang="en-US" sz="2400" b="1" dirty="0">
+                <a:solidFill>
+                  <a:srgbClr val="C00000"/>
+                </a:solidFill>
+              </a:rPr>
+              <a:t>abstract method </a:t>
+            </a:r>
+            <a:r>
+              <a:rPr lang="en-US" sz="2400" dirty="0"/>
+              <a:t>is a method that is </a:t>
             </a:r>
             <a:r>
               <a:rPr lang="en-US" sz="2400" b="1" dirty="0"/>
@@ -15530,7 +15712,7 @@
 </p:sld>
 </file>
 
-<file path=ppt/slides/slide48.xml><?xml version="1.0" encoding="utf-8"?>
+<file path=ppt/slides/slide49.xml><?xml version="1.0" encoding="utf-8"?>
 <p:sld xmlns:a="http://schemas.openxmlformats.org/drawingml/2006/main" xmlns:r="http://schemas.openxmlformats.org/officeDocument/2006/relationships" xmlns:p="http://schemas.openxmlformats.org/presentationml/2006/main">
   <p:cSld>
     <p:spTree>
@@ -15586,7 +15768,31 @@
           <a:p>
             <a:r>
               <a:rPr lang="en-IN" sz="2400" dirty="0"/>
-              <a:t>Is a method with no body and it will have only the prototype to the Child class. </a:t>
+              <a:t>Is a method </a:t>
+            </a:r>
+            <a:r>
+              <a:rPr lang="en-IN" sz="2400" b="1" dirty="0"/>
+              <a:t>with </a:t>
+            </a:r>
+            <a:r>
+              <a:rPr lang="en-IN" sz="2400" b="1" dirty="0">
+                <a:solidFill>
+                  <a:srgbClr val="C00000"/>
+                </a:solidFill>
+              </a:rPr>
+              <a:t>no body </a:t>
+            </a:r>
+            <a:r>
+              <a:rPr lang="en-IN" sz="2400" dirty="0"/>
+              <a:t>and it will have only the </a:t>
+            </a:r>
+            <a:r>
+              <a:rPr lang="en-IN" sz="2400" b="1" dirty="0"/>
+              <a:t>prototype</a:t>
+            </a:r>
+            <a:r>
+              <a:rPr lang="en-IN" sz="2400" dirty="0"/>
+              <a:t> to the Child class. </a:t>
             </a:r>
           </a:p>
           <a:p>
@@ -15595,12 +15801,16 @@
               <a:t>And the body or the method  implementation will be give by the </a:t>
             </a:r>
             <a:r>
-              <a:rPr lang="en-IN" sz="2400" b="1" dirty="0"/>
-              <a:t>Child</a:t>
+              <a:rPr lang="en-IN" sz="2400" b="1" dirty="0">
+                <a:solidFill>
+                  <a:srgbClr val="C00000"/>
+                </a:solidFill>
+              </a:rPr>
+              <a:t>Child </a:t>
             </a:r>
             <a:r>
               <a:rPr lang="en-IN" sz="2400" dirty="0"/>
-              <a:t>.</a:t>
+              <a:t>Class.</a:t>
             </a:r>
           </a:p>
         </p:txBody>
@@ -15609,116 +15819,6 @@
     <p:extLst>
       <p:ext uri="{BB962C8B-B14F-4D97-AF65-F5344CB8AC3E}">
         <p14:creationId xmlns:p14="http://schemas.microsoft.com/office/powerpoint/2010/main" val="1638663005"/>
-      </p:ext>
-    </p:extLst>
-  </p:cSld>
-  <p:clrMapOvr>
-    <a:masterClrMapping/>
-  </p:clrMapOvr>
-</p:sld>
-</file>
-
-<file path=ppt/slides/slide49.xml><?xml version="1.0" encoding="utf-8"?>
-<p:sld xmlns:a="http://schemas.openxmlformats.org/drawingml/2006/main" xmlns:r="http://schemas.openxmlformats.org/officeDocument/2006/relationships" xmlns:p="http://schemas.openxmlformats.org/presentationml/2006/main">
-  <p:cSld>
-    <p:spTree>
-      <p:nvGrpSpPr>
-        <p:cNvPr id="1" name="">
-          <a:extLst>
-            <a:ext uri="{FF2B5EF4-FFF2-40B4-BE49-F238E27FC236}">
-              <a16:creationId xmlns:a16="http://schemas.microsoft.com/office/drawing/2014/main" id="{08F0B5B9-2C4F-479C-AF38-1E8E234F91B3}"/>
-            </a:ext>
-          </a:extLst>
-        </p:cNvPr>
-        <p:cNvGrpSpPr/>
-        <p:nvPr/>
-      </p:nvGrpSpPr>
-      <p:grpSpPr>
-        <a:xfrm>
-          <a:off x="0" y="0"/>
-          <a:ext cx="0" cy="0"/>
-          <a:chOff x="0" y="0"/>
-          <a:chExt cx="0" cy="0"/>
-        </a:xfrm>
-      </p:grpSpPr>
-      <p:sp>
-        <p:nvSpPr>
-          <p:cNvPr id="3" name="Content Placeholder 2">
-            <a:extLst>
-              <a:ext uri="{FF2B5EF4-FFF2-40B4-BE49-F238E27FC236}">
-                <a16:creationId xmlns:a16="http://schemas.microsoft.com/office/drawing/2014/main" id="{673A261C-FE09-25FC-C7CC-F6511D369D48}"/>
-              </a:ext>
-            </a:extLst>
-          </p:cNvPr>
-          <p:cNvSpPr>
-            <a:spLocks noGrp="1"/>
-          </p:cNvSpPr>
-          <p:nvPr>
-            <p:ph idx="1"/>
-          </p:nvPr>
-        </p:nvSpPr>
-        <p:spPr>
-          <a:xfrm>
-            <a:off x="381035" y="272142"/>
-            <a:ext cx="10659110" cy="5399313"/>
-          </a:xfrm>
-        </p:spPr>
-        <p:txBody>
-          <a:bodyPr>
-            <a:normAutofit/>
-          </a:bodyPr>
-          <a:lstStyle/>
-          <a:p>
-            <a:pPr marL="0" indent="0">
-              <a:buNone/>
-            </a:pPr>
-            <a:r>
-              <a:rPr lang="en-US" sz="2400" b="1" dirty="0"/>
-              <a:t>Example:</a:t>
-            </a:r>
-          </a:p>
-          <a:p>
-            <a:pPr marL="0" indent="0">
-              <a:buNone/>
-            </a:pPr>
-            <a:endParaRPr lang="en-US" sz="2400" b="1" dirty="0"/>
-          </a:p>
-        </p:txBody>
-      </p:sp>
-      <p:pic>
-        <p:nvPicPr>
-          <p:cNvPr id="4" name="Picture 3">
-            <a:extLst>
-              <a:ext uri="{FF2B5EF4-FFF2-40B4-BE49-F238E27FC236}">
-                <a16:creationId xmlns:a16="http://schemas.microsoft.com/office/drawing/2014/main" id="{9DD61251-8698-0C67-1088-4A2E07DC6FDC}"/>
-              </a:ext>
-            </a:extLst>
-          </p:cNvPr>
-          <p:cNvPicPr>
-            <a:picLocks noChangeAspect="1"/>
-          </p:cNvPicPr>
-          <p:nvPr/>
-        </p:nvPicPr>
-        <p:blipFill>
-          <a:blip r:embed="rId2"/>
-          <a:stretch>
-            <a:fillRect/>
-          </a:stretch>
-        </p:blipFill>
-        <p:spPr>
-          <a:xfrm>
-            <a:off x="1406323" y="748742"/>
-            <a:ext cx="9603184" cy="5619401"/>
-          </a:xfrm>
-          <a:prstGeom prst="rect">
-            <a:avLst/>
-          </a:prstGeom>
-        </p:spPr>
-      </p:pic>
-    </p:spTree>
-    <p:extLst>
-      <p:ext uri="{BB962C8B-B14F-4D97-AF65-F5344CB8AC3E}">
-        <p14:creationId xmlns:p14="http://schemas.microsoft.com/office/powerpoint/2010/main" val="625647896"/>
       </p:ext>
     </p:extLst>
   </p:cSld>
@@ -16013,182 +16113,6 @@
         <p:cNvPr id="1" name="">
           <a:extLst>
             <a:ext uri="{FF2B5EF4-FFF2-40B4-BE49-F238E27FC236}">
-              <a16:creationId xmlns:a16="http://schemas.microsoft.com/office/drawing/2014/main" id="{70FD9EEA-D32E-5C28-CD3D-39E46B526B5D}"/>
-            </a:ext>
-          </a:extLst>
-        </p:cNvPr>
-        <p:cNvGrpSpPr/>
-        <p:nvPr/>
-      </p:nvGrpSpPr>
-      <p:grpSpPr>
-        <a:xfrm>
-          <a:off x="0" y="0"/>
-          <a:ext cx="0" cy="0"/>
-          <a:chOff x="0" y="0"/>
-          <a:chExt cx="0" cy="0"/>
-        </a:xfrm>
-      </p:grpSpPr>
-      <p:sp>
-        <p:nvSpPr>
-          <p:cNvPr id="3" name="Content Placeholder 2">
-            <a:extLst>
-              <a:ext uri="{FF2B5EF4-FFF2-40B4-BE49-F238E27FC236}">
-                <a16:creationId xmlns:a16="http://schemas.microsoft.com/office/drawing/2014/main" id="{336D321B-931D-3099-9A24-4E6EE5AA1746}"/>
-              </a:ext>
-            </a:extLst>
-          </p:cNvPr>
-          <p:cNvSpPr>
-            <a:spLocks noGrp="1"/>
-          </p:cNvSpPr>
-          <p:nvPr>
-            <p:ph idx="1"/>
-          </p:nvPr>
-        </p:nvSpPr>
-        <p:spPr>
-          <a:xfrm>
-            <a:off x="766445" y="1012371"/>
-            <a:ext cx="10659110" cy="5148942"/>
-          </a:xfrm>
-        </p:spPr>
-        <p:txBody>
-          <a:bodyPr>
-            <a:normAutofit/>
-          </a:bodyPr>
-          <a:lstStyle/>
-          <a:p>
-            <a:pPr marL="0" indent="0">
-              <a:buNone/>
-            </a:pPr>
-            <a:r>
-              <a:rPr lang="en-US" sz="2800" b="1" dirty="0"/>
-              <a:t>What and Why do we use the </a:t>
-            </a:r>
-            <a:r>
-              <a:rPr lang="en-US" sz="3600" b="1" dirty="0" err="1">
-                <a:solidFill>
-                  <a:srgbClr val="C00000"/>
-                </a:solidFill>
-              </a:rPr>
-              <a:t>abc</a:t>
-            </a:r>
-            <a:r>
-              <a:rPr lang="en-US" sz="2800" b="1" dirty="0"/>
-              <a:t> module?</a:t>
-            </a:r>
-          </a:p>
-          <a:p>
-            <a:r>
-              <a:rPr lang="en-US" sz="2800" dirty="0"/>
-              <a:t>Python </a:t>
-            </a:r>
-            <a:r>
-              <a:rPr lang="en-US" sz="2800" b="1" dirty="0">
-                <a:solidFill>
-                  <a:srgbClr val="002060"/>
-                </a:solidFill>
-              </a:rPr>
-              <a:t>doesn’t have </a:t>
-            </a:r>
-            <a:r>
-              <a:rPr lang="en-US" sz="2800" dirty="0"/>
-              <a:t>a built-in </a:t>
-            </a:r>
-            <a:r>
-              <a:rPr lang="en-US" sz="2800" b="1" dirty="0">
-                <a:solidFill>
-                  <a:srgbClr val="C00000"/>
-                </a:solidFill>
-              </a:rPr>
-              <a:t>keyword</a:t>
-            </a:r>
-            <a:r>
-              <a:rPr lang="en-US" sz="2800" dirty="0"/>
-              <a:t> like </a:t>
-            </a:r>
-            <a:r>
-              <a:rPr lang="en-US" sz="2800" b="1" dirty="0"/>
-              <a:t>abstract</a:t>
-            </a:r>
-            <a:r>
-              <a:rPr lang="en-US" sz="2800" dirty="0"/>
-              <a:t> (as in Java or C#).</a:t>
-            </a:r>
-          </a:p>
-          <a:p>
-            <a:r>
-              <a:rPr lang="en-US" sz="2800" dirty="0"/>
-              <a:t>Instead, Python provides the </a:t>
-            </a:r>
-            <a:r>
-              <a:rPr lang="en-US" sz="2800" b="1" dirty="0" err="1"/>
-              <a:t>abc</a:t>
-            </a:r>
-            <a:r>
-              <a:rPr lang="en-US" sz="2800" b="1" dirty="0"/>
-              <a:t> module</a:t>
-            </a:r>
-            <a:r>
-              <a:rPr lang="en-US" sz="2800" dirty="0"/>
-              <a:t> (Abstract Base Classes).</a:t>
-            </a:r>
-          </a:p>
-          <a:p>
-            <a:r>
-              <a:rPr lang="en-US" sz="2800" dirty="0"/>
-              <a:t>Inside it, we use:</a:t>
-            </a:r>
-          </a:p>
-          <a:p>
-            <a:pPr lvl="1"/>
-            <a:r>
-              <a:rPr lang="en-US" sz="2400" b="1" dirty="0"/>
-              <a:t>ABC</a:t>
-            </a:r>
-            <a:r>
-              <a:rPr lang="en-US" sz="2400" dirty="0"/>
-              <a:t> → A base class to define an abstract class.</a:t>
-            </a:r>
-          </a:p>
-          <a:p>
-            <a:pPr lvl="1"/>
-            <a:r>
-              <a:rPr lang="en-US" sz="2400" b="1" dirty="0"/>
-              <a:t>@abstractmethod</a:t>
-            </a:r>
-            <a:r>
-              <a:rPr lang="en-US" sz="2400" dirty="0"/>
-              <a:t> → A decorator to mark a method as abstract.</a:t>
-            </a:r>
-          </a:p>
-          <a:p>
-            <a:pPr marL="0" indent="0">
-              <a:buNone/>
-            </a:pPr>
-            <a:endParaRPr lang="en-US" sz="2400" dirty="0"/>
-          </a:p>
-        </p:txBody>
-      </p:sp>
-    </p:spTree>
-    <p:extLst>
-      <p:ext uri="{BB962C8B-B14F-4D97-AF65-F5344CB8AC3E}">
-        <p14:creationId xmlns:p14="http://schemas.microsoft.com/office/powerpoint/2010/main" val="4027626550"/>
-      </p:ext>
-    </p:extLst>
-  </p:cSld>
-  <p:clrMapOvr>
-    <a:masterClrMapping/>
-  </p:clrMapOvr>
-</p:sld>
-</file>
-
-<file path=ppt/slides/slide51.xml><?xml version="1.0" encoding="utf-8"?>
-<p:sld xmlns:a="http://schemas.openxmlformats.org/drawingml/2006/main" xmlns:r="http://schemas.openxmlformats.org/officeDocument/2006/relationships" xmlns:p="http://schemas.openxmlformats.org/presentationml/2006/main">
-  <p:cSld>
-    <p:spTree>
-      <p:nvGrpSpPr>
-        <p:cNvPr id="1" name="">
-          <a:extLst>
-            <a:ext uri="{FF2B5EF4-FFF2-40B4-BE49-F238E27FC236}">
               <a16:creationId xmlns:a16="http://schemas.microsoft.com/office/drawing/2014/main" id="{E8CBE434-337F-7240-9355-616EC8D45587}"/>
             </a:ext>
           </a:extLst>
@@ -16282,6 +16206,182 @@
     <p:extLst>
       <p:ext uri="{BB962C8B-B14F-4D97-AF65-F5344CB8AC3E}">
         <p14:creationId xmlns:p14="http://schemas.microsoft.com/office/powerpoint/2010/main" val="2721946453"/>
+      </p:ext>
+    </p:extLst>
+  </p:cSld>
+  <p:clrMapOvr>
+    <a:masterClrMapping/>
+  </p:clrMapOvr>
+</p:sld>
+</file>
+
+<file path=ppt/slides/slide51.xml><?xml version="1.0" encoding="utf-8"?>
+<p:sld xmlns:a="http://schemas.openxmlformats.org/drawingml/2006/main" xmlns:r="http://schemas.openxmlformats.org/officeDocument/2006/relationships" xmlns:p="http://schemas.openxmlformats.org/presentationml/2006/main">
+  <p:cSld>
+    <p:spTree>
+      <p:nvGrpSpPr>
+        <p:cNvPr id="1" name="">
+          <a:extLst>
+            <a:ext uri="{FF2B5EF4-FFF2-40B4-BE49-F238E27FC236}">
+              <a16:creationId xmlns:a16="http://schemas.microsoft.com/office/drawing/2014/main" id="{70FD9EEA-D32E-5C28-CD3D-39E46B526B5D}"/>
+            </a:ext>
+          </a:extLst>
+        </p:cNvPr>
+        <p:cNvGrpSpPr/>
+        <p:nvPr/>
+      </p:nvGrpSpPr>
+      <p:grpSpPr>
+        <a:xfrm>
+          <a:off x="0" y="0"/>
+          <a:ext cx="0" cy="0"/>
+          <a:chOff x="0" y="0"/>
+          <a:chExt cx="0" cy="0"/>
+        </a:xfrm>
+      </p:grpSpPr>
+      <p:sp>
+        <p:nvSpPr>
+          <p:cNvPr id="3" name="Content Placeholder 2">
+            <a:extLst>
+              <a:ext uri="{FF2B5EF4-FFF2-40B4-BE49-F238E27FC236}">
+                <a16:creationId xmlns:a16="http://schemas.microsoft.com/office/drawing/2014/main" id="{336D321B-931D-3099-9A24-4E6EE5AA1746}"/>
+              </a:ext>
+            </a:extLst>
+          </p:cNvPr>
+          <p:cNvSpPr>
+            <a:spLocks noGrp="1"/>
+          </p:cNvSpPr>
+          <p:nvPr>
+            <p:ph idx="1"/>
+          </p:nvPr>
+        </p:nvSpPr>
+        <p:spPr>
+          <a:xfrm>
+            <a:off x="766445" y="1012371"/>
+            <a:ext cx="10659110" cy="5148942"/>
+          </a:xfrm>
+        </p:spPr>
+        <p:txBody>
+          <a:bodyPr>
+            <a:normAutofit/>
+          </a:bodyPr>
+          <a:lstStyle/>
+          <a:p>
+            <a:pPr marL="0" indent="0">
+              <a:buNone/>
+            </a:pPr>
+            <a:r>
+              <a:rPr lang="en-US" sz="2800" b="1" dirty="0"/>
+              <a:t>What and Why do we use the </a:t>
+            </a:r>
+            <a:r>
+              <a:rPr lang="en-US" sz="3600" b="1" dirty="0" err="1">
+                <a:solidFill>
+                  <a:srgbClr val="C00000"/>
+                </a:solidFill>
+              </a:rPr>
+              <a:t>abc</a:t>
+            </a:r>
+            <a:r>
+              <a:rPr lang="en-US" sz="2800" b="1" dirty="0"/>
+              <a:t> module?</a:t>
+            </a:r>
+          </a:p>
+          <a:p>
+            <a:r>
+              <a:rPr lang="en-US" sz="2800" dirty="0"/>
+              <a:t>Python </a:t>
+            </a:r>
+            <a:r>
+              <a:rPr lang="en-US" sz="2800" b="1" dirty="0">
+                <a:solidFill>
+                  <a:srgbClr val="002060"/>
+                </a:solidFill>
+              </a:rPr>
+              <a:t>doesn’t have </a:t>
+            </a:r>
+            <a:r>
+              <a:rPr lang="en-US" sz="2800" dirty="0"/>
+              <a:t>a built-in </a:t>
+            </a:r>
+            <a:r>
+              <a:rPr lang="en-US" sz="2800" b="1" dirty="0">
+                <a:solidFill>
+                  <a:srgbClr val="C00000"/>
+                </a:solidFill>
+              </a:rPr>
+              <a:t>keyword</a:t>
+            </a:r>
+            <a:r>
+              <a:rPr lang="en-US" sz="2800" dirty="0"/>
+              <a:t> like </a:t>
+            </a:r>
+            <a:r>
+              <a:rPr lang="en-US" sz="2800" b="1" dirty="0"/>
+              <a:t>abstract</a:t>
+            </a:r>
+            <a:r>
+              <a:rPr lang="en-US" sz="2800" dirty="0"/>
+              <a:t> (as in Java or C#).</a:t>
+            </a:r>
+          </a:p>
+          <a:p>
+            <a:r>
+              <a:rPr lang="en-US" sz="2800" dirty="0"/>
+              <a:t>Instead, Python provides the </a:t>
+            </a:r>
+            <a:r>
+              <a:rPr lang="en-US" sz="2800" b="1" dirty="0" err="1"/>
+              <a:t>abc</a:t>
+            </a:r>
+            <a:r>
+              <a:rPr lang="en-US" sz="2800" b="1" dirty="0"/>
+              <a:t> module</a:t>
+            </a:r>
+            <a:r>
+              <a:rPr lang="en-US" sz="2800" dirty="0"/>
+              <a:t> (Abstract Base Classes).</a:t>
+            </a:r>
+          </a:p>
+          <a:p>
+            <a:r>
+              <a:rPr lang="en-US" sz="2800" dirty="0"/>
+              <a:t>Inside it, we use:</a:t>
+            </a:r>
+          </a:p>
+          <a:p>
+            <a:pPr lvl="1"/>
+            <a:r>
+              <a:rPr lang="en-US" sz="2400" b="1" dirty="0"/>
+              <a:t>ABC</a:t>
+            </a:r>
+            <a:r>
+              <a:rPr lang="en-US" sz="2400" dirty="0"/>
+              <a:t> → A base class to define an abstract class.</a:t>
+            </a:r>
+          </a:p>
+          <a:p>
+            <a:pPr lvl="1"/>
+            <a:r>
+              <a:rPr lang="en-US" sz="2400" b="1" dirty="0"/>
+              <a:t>@abstractmethod</a:t>
+            </a:r>
+            <a:r>
+              <a:rPr lang="en-US" sz="2400" dirty="0"/>
+              <a:t> → A decorator to mark a method as abstract.</a:t>
+            </a:r>
+          </a:p>
+          <a:p>
+            <a:pPr marL="0" indent="0">
+              <a:buNone/>
+            </a:pPr>
+            <a:endParaRPr lang="en-US" sz="2400" dirty="0"/>
+          </a:p>
+        </p:txBody>
+      </p:sp>
+    </p:spTree>
+    <p:extLst>
+      <p:ext uri="{BB962C8B-B14F-4D97-AF65-F5344CB8AC3E}">
+        <p14:creationId xmlns:p14="http://schemas.microsoft.com/office/powerpoint/2010/main" val="4027626550"/>
       </p:ext>
     </p:extLst>
   </p:cSld>
